--- a/SPSChicagoBurbs.pptx
+++ b/SPSChicagoBurbs.pptx
@@ -5,7 +5,7 @@
     <p:sldMasterId id="2147483660" r:id="rId1"/>
   </p:sldMasterIdLst>
   <p:notesMasterIdLst>
-    <p:notesMasterId r:id="rId26"/>
+    <p:notesMasterId r:id="rId27"/>
   </p:notesMasterIdLst>
   <p:sldIdLst>
     <p:sldId id="280" r:id="rId2"/>
@@ -27,11 +27,12 @@
     <p:sldId id="268" r:id="rId18"/>
     <p:sldId id="267" r:id="rId19"/>
     <p:sldId id="269" r:id="rId20"/>
-    <p:sldId id="271" r:id="rId21"/>
-    <p:sldId id="272" r:id="rId22"/>
-    <p:sldId id="273" r:id="rId23"/>
-    <p:sldId id="279" r:id="rId24"/>
-    <p:sldId id="270" r:id="rId25"/>
+    <p:sldId id="282" r:id="rId21"/>
+    <p:sldId id="271" r:id="rId22"/>
+    <p:sldId id="272" r:id="rId23"/>
+    <p:sldId id="273" r:id="rId24"/>
+    <p:sldId id="279" r:id="rId25"/>
+    <p:sldId id="270" r:id="rId26"/>
   </p:sldIdLst>
   <p:sldSz cx="12192000" cy="6858000"/>
   <p:notesSz cx="6858000" cy="9144000"/>
@@ -2379,6 +2380,753 @@
 </dgm:colorsDef>
 </file>
 
+<file path=ppt/diagrams/colors12.xml><?xml version="1.0" encoding="utf-8"?>
+<dgm:colorsDef xmlns:dgm="http://schemas.openxmlformats.org/drawingml/2006/diagram" xmlns:a="http://schemas.openxmlformats.org/drawingml/2006/main" uniqueId="urn:microsoft.com/office/officeart/2005/8/colors/accent1_2">
+  <dgm:title val=""/>
+  <dgm:desc val=""/>
+  <dgm:catLst>
+    <dgm:cat type="accent1" pri="11200"/>
+  </dgm:catLst>
+  <dgm:styleLbl name="node0">
+    <dgm:fillClrLst meth="repeat">
+      <a:schemeClr val="accent1"/>
+    </dgm:fillClrLst>
+    <dgm:linClrLst meth="repeat">
+      <a:schemeClr val="lt1"/>
+    </dgm:linClrLst>
+    <dgm:effectClrLst/>
+    <dgm:txLinClrLst/>
+    <dgm:txFillClrLst/>
+    <dgm:txEffectClrLst/>
+  </dgm:styleLbl>
+  <dgm:styleLbl name="alignNode1">
+    <dgm:fillClrLst meth="repeat">
+      <a:schemeClr val="accent1"/>
+    </dgm:fillClrLst>
+    <dgm:linClrLst meth="repeat">
+      <a:schemeClr val="accent1"/>
+    </dgm:linClrLst>
+    <dgm:effectClrLst/>
+    <dgm:txLinClrLst/>
+    <dgm:txFillClrLst/>
+    <dgm:txEffectClrLst/>
+  </dgm:styleLbl>
+  <dgm:styleLbl name="node1">
+    <dgm:fillClrLst meth="repeat">
+      <a:schemeClr val="accent1"/>
+    </dgm:fillClrLst>
+    <dgm:linClrLst meth="repeat">
+      <a:schemeClr val="lt1"/>
+    </dgm:linClrLst>
+    <dgm:effectClrLst/>
+    <dgm:txLinClrLst/>
+    <dgm:txFillClrLst/>
+    <dgm:txEffectClrLst/>
+  </dgm:styleLbl>
+  <dgm:styleLbl name="lnNode1">
+    <dgm:fillClrLst meth="repeat">
+      <a:schemeClr val="accent1"/>
+    </dgm:fillClrLst>
+    <dgm:linClrLst meth="repeat">
+      <a:schemeClr val="lt1"/>
+    </dgm:linClrLst>
+    <dgm:effectClrLst/>
+    <dgm:txLinClrLst/>
+    <dgm:txFillClrLst/>
+    <dgm:txEffectClrLst/>
+  </dgm:styleLbl>
+  <dgm:styleLbl name="vennNode1">
+    <dgm:fillClrLst meth="repeat">
+      <a:schemeClr val="accent1">
+        <a:alpha val="50000"/>
+      </a:schemeClr>
+    </dgm:fillClrLst>
+    <dgm:linClrLst meth="repeat">
+      <a:schemeClr val="lt1"/>
+    </dgm:linClrLst>
+    <dgm:effectClrLst/>
+    <dgm:txLinClrLst/>
+    <dgm:txFillClrLst/>
+    <dgm:txEffectClrLst/>
+  </dgm:styleLbl>
+  <dgm:styleLbl name="node2">
+    <dgm:fillClrLst meth="repeat">
+      <a:schemeClr val="accent1"/>
+    </dgm:fillClrLst>
+    <dgm:linClrLst meth="repeat">
+      <a:schemeClr val="lt1"/>
+    </dgm:linClrLst>
+    <dgm:effectClrLst/>
+    <dgm:txLinClrLst/>
+    <dgm:txFillClrLst/>
+    <dgm:txEffectClrLst/>
+  </dgm:styleLbl>
+  <dgm:styleLbl name="node3">
+    <dgm:fillClrLst meth="repeat">
+      <a:schemeClr val="accent1"/>
+    </dgm:fillClrLst>
+    <dgm:linClrLst meth="repeat">
+      <a:schemeClr val="lt1"/>
+    </dgm:linClrLst>
+    <dgm:effectClrLst/>
+    <dgm:txLinClrLst/>
+    <dgm:txFillClrLst/>
+    <dgm:txEffectClrLst/>
+  </dgm:styleLbl>
+  <dgm:styleLbl name="node4">
+    <dgm:fillClrLst meth="repeat">
+      <a:schemeClr val="accent1"/>
+    </dgm:fillClrLst>
+    <dgm:linClrLst meth="repeat">
+      <a:schemeClr val="lt1"/>
+    </dgm:linClrLst>
+    <dgm:effectClrLst/>
+    <dgm:txLinClrLst/>
+    <dgm:txFillClrLst/>
+    <dgm:txEffectClrLst/>
+  </dgm:styleLbl>
+  <dgm:styleLbl name="fgImgPlace1">
+    <dgm:fillClrLst meth="repeat">
+      <a:schemeClr val="accent1">
+        <a:tint val="50000"/>
+      </a:schemeClr>
+    </dgm:fillClrLst>
+    <dgm:linClrLst meth="repeat">
+      <a:schemeClr val="lt1"/>
+    </dgm:linClrLst>
+    <dgm:effectClrLst/>
+    <dgm:txLinClrLst/>
+    <dgm:txFillClrLst meth="repeat">
+      <a:schemeClr val="lt1"/>
+    </dgm:txFillClrLst>
+    <dgm:txEffectClrLst/>
+  </dgm:styleLbl>
+  <dgm:styleLbl name="alignImgPlace1">
+    <dgm:fillClrLst meth="repeat">
+      <a:schemeClr val="accent1">
+        <a:tint val="50000"/>
+      </a:schemeClr>
+    </dgm:fillClrLst>
+    <dgm:linClrLst meth="repeat">
+      <a:schemeClr val="lt1"/>
+    </dgm:linClrLst>
+    <dgm:effectClrLst/>
+    <dgm:txLinClrLst/>
+    <dgm:txFillClrLst meth="repeat">
+      <a:schemeClr val="lt1"/>
+    </dgm:txFillClrLst>
+    <dgm:txEffectClrLst/>
+  </dgm:styleLbl>
+  <dgm:styleLbl name="bgImgPlace1">
+    <dgm:fillClrLst meth="repeat">
+      <a:schemeClr val="accent1">
+        <a:tint val="50000"/>
+      </a:schemeClr>
+    </dgm:fillClrLst>
+    <dgm:linClrLst meth="repeat">
+      <a:schemeClr val="lt1"/>
+    </dgm:linClrLst>
+    <dgm:effectClrLst/>
+    <dgm:txLinClrLst/>
+    <dgm:txFillClrLst meth="repeat">
+      <a:schemeClr val="lt1"/>
+    </dgm:txFillClrLst>
+    <dgm:txEffectClrLst/>
+  </dgm:styleLbl>
+  <dgm:styleLbl name="sibTrans2D1">
+    <dgm:fillClrLst meth="repeat">
+      <a:schemeClr val="accent1">
+        <a:tint val="60000"/>
+      </a:schemeClr>
+    </dgm:fillClrLst>
+    <dgm:linClrLst meth="repeat">
+      <a:schemeClr val="accent1">
+        <a:tint val="60000"/>
+      </a:schemeClr>
+    </dgm:linClrLst>
+    <dgm:effectClrLst/>
+    <dgm:txLinClrLst/>
+    <dgm:txFillClrLst/>
+    <dgm:txEffectClrLst/>
+  </dgm:styleLbl>
+  <dgm:styleLbl name="fgSibTrans2D1">
+    <dgm:fillClrLst meth="repeat">
+      <a:schemeClr val="accent1">
+        <a:tint val="60000"/>
+      </a:schemeClr>
+    </dgm:fillClrLst>
+    <dgm:linClrLst meth="repeat">
+      <a:schemeClr val="accent1">
+        <a:tint val="60000"/>
+      </a:schemeClr>
+    </dgm:linClrLst>
+    <dgm:effectClrLst/>
+    <dgm:txLinClrLst/>
+    <dgm:txFillClrLst/>
+    <dgm:txEffectClrLst/>
+  </dgm:styleLbl>
+  <dgm:styleLbl name="bgSibTrans2D1">
+    <dgm:fillClrLst meth="repeat">
+      <a:schemeClr val="accent1">
+        <a:tint val="60000"/>
+      </a:schemeClr>
+    </dgm:fillClrLst>
+    <dgm:linClrLst meth="repeat">
+      <a:schemeClr val="accent1">
+        <a:tint val="60000"/>
+      </a:schemeClr>
+    </dgm:linClrLst>
+    <dgm:effectClrLst/>
+    <dgm:txLinClrLst/>
+    <dgm:txFillClrLst/>
+    <dgm:txEffectClrLst/>
+  </dgm:styleLbl>
+  <dgm:styleLbl name="sibTrans1D1">
+    <dgm:fillClrLst meth="repeat">
+      <a:schemeClr val="accent1"/>
+    </dgm:fillClrLst>
+    <dgm:linClrLst meth="repeat">
+      <a:schemeClr val="accent1"/>
+    </dgm:linClrLst>
+    <dgm:effectClrLst/>
+    <dgm:txLinClrLst/>
+    <dgm:txFillClrLst meth="repeat">
+      <a:schemeClr val="tx1"/>
+    </dgm:txFillClrLst>
+    <dgm:txEffectClrLst/>
+  </dgm:styleLbl>
+  <dgm:styleLbl name="callout">
+    <dgm:fillClrLst meth="repeat">
+      <a:schemeClr val="accent1"/>
+    </dgm:fillClrLst>
+    <dgm:linClrLst meth="repeat">
+      <a:schemeClr val="accent1">
+        <a:tint val="50000"/>
+      </a:schemeClr>
+    </dgm:linClrLst>
+    <dgm:effectClrLst/>
+    <dgm:txLinClrLst/>
+    <dgm:txFillClrLst meth="repeat">
+      <a:schemeClr val="tx1"/>
+    </dgm:txFillClrLst>
+    <dgm:txEffectClrLst/>
+  </dgm:styleLbl>
+  <dgm:styleLbl name="asst0">
+    <dgm:fillClrLst meth="repeat">
+      <a:schemeClr val="accent1"/>
+    </dgm:fillClrLst>
+    <dgm:linClrLst meth="repeat">
+      <a:schemeClr val="lt1"/>
+    </dgm:linClrLst>
+    <dgm:effectClrLst/>
+    <dgm:txLinClrLst/>
+    <dgm:txFillClrLst/>
+    <dgm:txEffectClrLst/>
+  </dgm:styleLbl>
+  <dgm:styleLbl name="asst1">
+    <dgm:fillClrLst meth="repeat">
+      <a:schemeClr val="accent1"/>
+    </dgm:fillClrLst>
+    <dgm:linClrLst meth="repeat">
+      <a:schemeClr val="lt1"/>
+    </dgm:linClrLst>
+    <dgm:effectClrLst/>
+    <dgm:txLinClrLst/>
+    <dgm:txFillClrLst/>
+    <dgm:txEffectClrLst/>
+  </dgm:styleLbl>
+  <dgm:styleLbl name="asst2">
+    <dgm:fillClrLst meth="repeat">
+      <a:schemeClr val="accent1"/>
+    </dgm:fillClrLst>
+    <dgm:linClrLst meth="repeat">
+      <a:schemeClr val="lt1"/>
+    </dgm:linClrLst>
+    <dgm:effectClrLst/>
+    <dgm:txLinClrLst/>
+    <dgm:txFillClrLst/>
+    <dgm:txEffectClrLst/>
+  </dgm:styleLbl>
+  <dgm:styleLbl name="asst3">
+    <dgm:fillClrLst meth="repeat">
+      <a:schemeClr val="accent1"/>
+    </dgm:fillClrLst>
+    <dgm:linClrLst meth="repeat">
+      <a:schemeClr val="lt1"/>
+    </dgm:linClrLst>
+    <dgm:effectClrLst/>
+    <dgm:txLinClrLst/>
+    <dgm:txFillClrLst/>
+    <dgm:txEffectClrLst/>
+  </dgm:styleLbl>
+  <dgm:styleLbl name="asst4">
+    <dgm:fillClrLst meth="repeat">
+      <a:schemeClr val="accent1"/>
+    </dgm:fillClrLst>
+    <dgm:linClrLst meth="repeat">
+      <a:schemeClr val="lt1"/>
+    </dgm:linClrLst>
+    <dgm:effectClrLst/>
+    <dgm:txLinClrLst/>
+    <dgm:txFillClrLst/>
+    <dgm:txEffectClrLst/>
+  </dgm:styleLbl>
+  <dgm:styleLbl name="parChTrans2D1">
+    <dgm:fillClrLst meth="repeat">
+      <a:schemeClr val="accent1">
+        <a:tint val="60000"/>
+      </a:schemeClr>
+    </dgm:fillClrLst>
+    <dgm:linClrLst meth="repeat">
+      <a:schemeClr val="accent1">
+        <a:tint val="60000"/>
+      </a:schemeClr>
+    </dgm:linClrLst>
+    <dgm:effectClrLst/>
+    <dgm:txLinClrLst/>
+    <dgm:txFillClrLst meth="repeat">
+      <a:schemeClr val="lt1"/>
+    </dgm:txFillClrLst>
+    <dgm:txEffectClrLst/>
+  </dgm:styleLbl>
+  <dgm:styleLbl name="parChTrans2D2">
+    <dgm:fillClrLst meth="repeat">
+      <a:schemeClr val="accent1"/>
+    </dgm:fillClrLst>
+    <dgm:linClrLst meth="repeat">
+      <a:schemeClr val="accent1"/>
+    </dgm:linClrLst>
+    <dgm:effectClrLst/>
+    <dgm:txLinClrLst/>
+    <dgm:txFillClrLst meth="repeat">
+      <a:schemeClr val="lt1"/>
+    </dgm:txFillClrLst>
+    <dgm:txEffectClrLst/>
+  </dgm:styleLbl>
+  <dgm:styleLbl name="parChTrans2D3">
+    <dgm:fillClrLst meth="repeat">
+      <a:schemeClr val="accent1"/>
+    </dgm:fillClrLst>
+    <dgm:linClrLst meth="repeat">
+      <a:schemeClr val="accent1"/>
+    </dgm:linClrLst>
+    <dgm:effectClrLst/>
+    <dgm:txLinClrLst/>
+    <dgm:txFillClrLst meth="repeat">
+      <a:schemeClr val="lt1"/>
+    </dgm:txFillClrLst>
+    <dgm:txEffectClrLst/>
+  </dgm:styleLbl>
+  <dgm:styleLbl name="parChTrans2D4">
+    <dgm:fillClrLst meth="repeat">
+      <a:schemeClr val="accent1"/>
+    </dgm:fillClrLst>
+    <dgm:linClrLst meth="repeat">
+      <a:schemeClr val="accent1"/>
+    </dgm:linClrLst>
+    <dgm:effectClrLst/>
+    <dgm:txLinClrLst/>
+    <dgm:txFillClrLst meth="repeat">
+      <a:schemeClr val="lt1"/>
+    </dgm:txFillClrLst>
+    <dgm:txEffectClrLst/>
+  </dgm:styleLbl>
+  <dgm:styleLbl name="parChTrans1D1">
+    <dgm:fillClrLst meth="repeat">
+      <a:schemeClr val="accent1"/>
+    </dgm:fillClrLst>
+    <dgm:linClrLst meth="repeat">
+      <a:schemeClr val="accent1">
+        <a:shade val="60000"/>
+      </a:schemeClr>
+    </dgm:linClrLst>
+    <dgm:effectClrLst/>
+    <dgm:txLinClrLst/>
+    <dgm:txFillClrLst meth="repeat">
+      <a:schemeClr val="tx1"/>
+    </dgm:txFillClrLst>
+    <dgm:txEffectClrLst/>
+  </dgm:styleLbl>
+  <dgm:styleLbl name="parChTrans1D2">
+    <dgm:fillClrLst meth="repeat">
+      <a:schemeClr val="accent1"/>
+    </dgm:fillClrLst>
+    <dgm:linClrLst meth="repeat">
+      <a:schemeClr val="accent1">
+        <a:shade val="60000"/>
+      </a:schemeClr>
+    </dgm:linClrLst>
+    <dgm:effectClrLst/>
+    <dgm:txLinClrLst/>
+    <dgm:txFillClrLst meth="repeat">
+      <a:schemeClr val="tx1"/>
+    </dgm:txFillClrLst>
+    <dgm:txEffectClrLst/>
+  </dgm:styleLbl>
+  <dgm:styleLbl name="parChTrans1D3">
+    <dgm:fillClrLst meth="repeat">
+      <a:schemeClr val="accent1"/>
+    </dgm:fillClrLst>
+    <dgm:linClrLst meth="repeat">
+      <a:schemeClr val="accent1">
+        <a:shade val="80000"/>
+      </a:schemeClr>
+    </dgm:linClrLst>
+    <dgm:effectClrLst/>
+    <dgm:txLinClrLst/>
+    <dgm:txFillClrLst meth="repeat">
+      <a:schemeClr val="tx1"/>
+    </dgm:txFillClrLst>
+    <dgm:txEffectClrLst/>
+  </dgm:styleLbl>
+  <dgm:styleLbl name="parChTrans1D4">
+    <dgm:fillClrLst meth="repeat">
+      <a:schemeClr val="accent1"/>
+    </dgm:fillClrLst>
+    <dgm:linClrLst meth="repeat">
+      <a:schemeClr val="accent1">
+        <a:shade val="80000"/>
+      </a:schemeClr>
+    </dgm:linClrLst>
+    <dgm:effectClrLst/>
+    <dgm:txLinClrLst/>
+    <dgm:txFillClrLst meth="repeat">
+      <a:schemeClr val="tx1"/>
+    </dgm:txFillClrLst>
+    <dgm:txEffectClrLst/>
+  </dgm:styleLbl>
+  <dgm:styleLbl name="fgAcc1">
+    <dgm:fillClrLst meth="repeat">
+      <a:schemeClr val="lt1">
+        <a:alpha val="90000"/>
+      </a:schemeClr>
+    </dgm:fillClrLst>
+    <dgm:linClrLst meth="repeat">
+      <a:schemeClr val="accent1"/>
+    </dgm:linClrLst>
+    <dgm:effectClrLst/>
+    <dgm:txLinClrLst/>
+    <dgm:txFillClrLst meth="repeat">
+      <a:schemeClr val="dk1"/>
+    </dgm:txFillClrLst>
+    <dgm:txEffectClrLst/>
+  </dgm:styleLbl>
+  <dgm:styleLbl name="conFgAcc1">
+    <dgm:fillClrLst meth="repeat">
+      <a:schemeClr val="lt1">
+        <a:alpha val="90000"/>
+      </a:schemeClr>
+    </dgm:fillClrLst>
+    <dgm:linClrLst meth="repeat">
+      <a:schemeClr val="accent1"/>
+    </dgm:linClrLst>
+    <dgm:effectClrLst/>
+    <dgm:txLinClrLst/>
+    <dgm:txFillClrLst meth="repeat">
+      <a:schemeClr val="dk1"/>
+    </dgm:txFillClrLst>
+    <dgm:txEffectClrLst/>
+  </dgm:styleLbl>
+  <dgm:styleLbl name="alignAcc1">
+    <dgm:fillClrLst meth="repeat">
+      <a:schemeClr val="lt1">
+        <a:alpha val="90000"/>
+      </a:schemeClr>
+    </dgm:fillClrLst>
+    <dgm:linClrLst meth="repeat">
+      <a:schemeClr val="accent1"/>
+    </dgm:linClrLst>
+    <dgm:effectClrLst/>
+    <dgm:txLinClrLst/>
+    <dgm:txFillClrLst meth="repeat">
+      <a:schemeClr val="dk1"/>
+    </dgm:txFillClrLst>
+    <dgm:txEffectClrLst/>
+  </dgm:styleLbl>
+  <dgm:styleLbl name="trAlignAcc1">
+    <dgm:fillClrLst meth="repeat">
+      <a:schemeClr val="lt1">
+        <a:alpha val="40000"/>
+      </a:schemeClr>
+    </dgm:fillClrLst>
+    <dgm:linClrLst meth="repeat">
+      <a:schemeClr val="accent1"/>
+    </dgm:linClrLst>
+    <dgm:effectClrLst/>
+    <dgm:txLinClrLst/>
+    <dgm:txFillClrLst meth="repeat">
+      <a:schemeClr val="dk1"/>
+    </dgm:txFillClrLst>
+    <dgm:txEffectClrLst/>
+  </dgm:styleLbl>
+  <dgm:styleLbl name="bgAcc1">
+    <dgm:fillClrLst meth="repeat">
+      <a:schemeClr val="lt1">
+        <a:alpha val="90000"/>
+      </a:schemeClr>
+    </dgm:fillClrLst>
+    <dgm:linClrLst meth="repeat">
+      <a:schemeClr val="accent1"/>
+    </dgm:linClrLst>
+    <dgm:effectClrLst/>
+    <dgm:txLinClrLst/>
+    <dgm:txFillClrLst meth="repeat">
+      <a:schemeClr val="dk1"/>
+    </dgm:txFillClrLst>
+    <dgm:txEffectClrLst/>
+  </dgm:styleLbl>
+  <dgm:styleLbl name="solidFgAcc1">
+    <dgm:fillClrLst meth="repeat">
+      <a:schemeClr val="lt1"/>
+    </dgm:fillClrLst>
+    <dgm:linClrLst meth="repeat">
+      <a:schemeClr val="accent1"/>
+    </dgm:linClrLst>
+    <dgm:effectClrLst/>
+    <dgm:txLinClrLst/>
+    <dgm:txFillClrLst meth="repeat">
+      <a:schemeClr val="dk1"/>
+    </dgm:txFillClrLst>
+    <dgm:txEffectClrLst/>
+  </dgm:styleLbl>
+  <dgm:styleLbl name="solidAlignAcc1">
+    <dgm:fillClrLst meth="repeat">
+      <a:schemeClr val="lt1"/>
+    </dgm:fillClrLst>
+    <dgm:linClrLst meth="repeat">
+      <a:schemeClr val="accent1"/>
+    </dgm:linClrLst>
+    <dgm:effectClrLst/>
+    <dgm:txLinClrLst/>
+    <dgm:txFillClrLst meth="repeat">
+      <a:schemeClr val="dk1"/>
+    </dgm:txFillClrLst>
+    <dgm:txEffectClrLst/>
+  </dgm:styleLbl>
+  <dgm:styleLbl name="solidBgAcc1">
+    <dgm:fillClrLst meth="repeat">
+      <a:schemeClr val="lt1"/>
+    </dgm:fillClrLst>
+    <dgm:linClrLst meth="repeat">
+      <a:schemeClr val="accent1"/>
+    </dgm:linClrLst>
+    <dgm:effectClrLst/>
+    <dgm:txLinClrLst/>
+    <dgm:txFillClrLst meth="repeat">
+      <a:schemeClr val="dk1"/>
+    </dgm:txFillClrLst>
+    <dgm:txEffectClrLst/>
+  </dgm:styleLbl>
+  <dgm:styleLbl name="fgAccFollowNode1">
+    <dgm:fillClrLst meth="repeat">
+      <a:schemeClr val="accent1">
+        <a:alpha val="90000"/>
+        <a:tint val="40000"/>
+      </a:schemeClr>
+    </dgm:fillClrLst>
+    <dgm:linClrLst meth="repeat">
+      <a:schemeClr val="accent1">
+        <a:alpha val="90000"/>
+        <a:tint val="40000"/>
+      </a:schemeClr>
+    </dgm:linClrLst>
+    <dgm:effectClrLst/>
+    <dgm:txLinClrLst/>
+    <dgm:txFillClrLst meth="repeat">
+      <a:schemeClr val="dk1"/>
+    </dgm:txFillClrLst>
+    <dgm:txEffectClrLst/>
+  </dgm:styleLbl>
+  <dgm:styleLbl name="alignAccFollowNode1">
+    <dgm:fillClrLst meth="repeat">
+      <a:schemeClr val="accent1">
+        <a:alpha val="90000"/>
+        <a:tint val="40000"/>
+      </a:schemeClr>
+    </dgm:fillClrLst>
+    <dgm:linClrLst meth="repeat">
+      <a:schemeClr val="accent1">
+        <a:alpha val="90000"/>
+        <a:tint val="40000"/>
+      </a:schemeClr>
+    </dgm:linClrLst>
+    <dgm:effectClrLst/>
+    <dgm:txLinClrLst/>
+    <dgm:txFillClrLst meth="repeat">
+      <a:schemeClr val="dk1"/>
+    </dgm:txFillClrLst>
+    <dgm:txEffectClrLst/>
+  </dgm:styleLbl>
+  <dgm:styleLbl name="bgAccFollowNode1">
+    <dgm:fillClrLst meth="repeat">
+      <a:schemeClr val="accent1">
+        <a:alpha val="90000"/>
+        <a:tint val="40000"/>
+      </a:schemeClr>
+    </dgm:fillClrLst>
+    <dgm:linClrLst meth="repeat">
+      <a:schemeClr val="accent1">
+        <a:alpha val="90000"/>
+        <a:tint val="40000"/>
+      </a:schemeClr>
+    </dgm:linClrLst>
+    <dgm:effectClrLst/>
+    <dgm:txLinClrLst/>
+    <dgm:txFillClrLst meth="repeat">
+      <a:schemeClr val="dk1"/>
+    </dgm:txFillClrLst>
+    <dgm:txEffectClrLst/>
+  </dgm:styleLbl>
+  <dgm:styleLbl name="fgAcc0">
+    <dgm:fillClrLst meth="repeat">
+      <a:schemeClr val="lt1">
+        <a:alpha val="90000"/>
+      </a:schemeClr>
+    </dgm:fillClrLst>
+    <dgm:linClrLst meth="repeat">
+      <a:schemeClr val="accent1"/>
+    </dgm:linClrLst>
+    <dgm:effectClrLst/>
+    <dgm:txLinClrLst/>
+    <dgm:txFillClrLst meth="repeat">
+      <a:schemeClr val="dk1"/>
+    </dgm:txFillClrLst>
+    <dgm:txEffectClrLst/>
+  </dgm:styleLbl>
+  <dgm:styleLbl name="fgAcc2">
+    <dgm:fillClrLst meth="repeat">
+      <a:schemeClr val="lt1">
+        <a:alpha val="90000"/>
+      </a:schemeClr>
+    </dgm:fillClrLst>
+    <dgm:linClrLst meth="repeat">
+      <a:schemeClr val="accent1"/>
+    </dgm:linClrLst>
+    <dgm:effectClrLst/>
+    <dgm:txLinClrLst/>
+    <dgm:txFillClrLst meth="repeat">
+      <a:schemeClr val="dk1"/>
+    </dgm:txFillClrLst>
+    <dgm:txEffectClrLst/>
+  </dgm:styleLbl>
+  <dgm:styleLbl name="fgAcc3">
+    <dgm:fillClrLst meth="repeat">
+      <a:schemeClr val="lt1">
+        <a:alpha val="90000"/>
+      </a:schemeClr>
+    </dgm:fillClrLst>
+    <dgm:linClrLst meth="repeat">
+      <a:schemeClr val="accent1"/>
+    </dgm:linClrLst>
+    <dgm:effectClrLst/>
+    <dgm:txLinClrLst/>
+    <dgm:txFillClrLst meth="repeat">
+      <a:schemeClr val="dk1"/>
+    </dgm:txFillClrLst>
+    <dgm:txEffectClrLst/>
+  </dgm:styleLbl>
+  <dgm:styleLbl name="fgAcc4">
+    <dgm:fillClrLst meth="repeat">
+      <a:schemeClr val="lt1">
+        <a:alpha val="90000"/>
+      </a:schemeClr>
+    </dgm:fillClrLst>
+    <dgm:linClrLst meth="repeat">
+      <a:schemeClr val="accent1"/>
+    </dgm:linClrLst>
+    <dgm:effectClrLst/>
+    <dgm:txLinClrLst/>
+    <dgm:txFillClrLst meth="repeat">
+      <a:schemeClr val="dk1"/>
+    </dgm:txFillClrLst>
+    <dgm:txEffectClrLst/>
+  </dgm:styleLbl>
+  <dgm:styleLbl name="bgShp">
+    <dgm:fillClrLst meth="repeat">
+      <a:schemeClr val="accent1">
+        <a:tint val="40000"/>
+      </a:schemeClr>
+    </dgm:fillClrLst>
+    <dgm:linClrLst meth="repeat">
+      <a:schemeClr val="accent1"/>
+    </dgm:linClrLst>
+    <dgm:effectClrLst/>
+    <dgm:txLinClrLst/>
+    <dgm:txFillClrLst meth="repeat">
+      <a:schemeClr val="dk1"/>
+    </dgm:txFillClrLst>
+    <dgm:txEffectClrLst/>
+  </dgm:styleLbl>
+  <dgm:styleLbl name="dkBgShp">
+    <dgm:fillClrLst meth="repeat">
+      <a:schemeClr val="accent1">
+        <a:shade val="80000"/>
+      </a:schemeClr>
+    </dgm:fillClrLst>
+    <dgm:linClrLst meth="repeat">
+      <a:schemeClr val="accent1"/>
+    </dgm:linClrLst>
+    <dgm:effectClrLst/>
+    <dgm:txLinClrLst/>
+    <dgm:txFillClrLst meth="repeat">
+      <a:schemeClr val="lt1"/>
+    </dgm:txFillClrLst>
+    <dgm:txEffectClrLst/>
+  </dgm:styleLbl>
+  <dgm:styleLbl name="trBgShp">
+    <dgm:fillClrLst meth="repeat">
+      <a:schemeClr val="accent1">
+        <a:tint val="50000"/>
+        <a:alpha val="40000"/>
+      </a:schemeClr>
+    </dgm:fillClrLst>
+    <dgm:linClrLst meth="repeat">
+      <a:schemeClr val="accent1"/>
+    </dgm:linClrLst>
+    <dgm:effectClrLst/>
+    <dgm:txLinClrLst/>
+    <dgm:txFillClrLst meth="repeat">
+      <a:schemeClr val="lt1"/>
+    </dgm:txFillClrLst>
+    <dgm:txEffectClrLst/>
+  </dgm:styleLbl>
+  <dgm:styleLbl name="fgShp">
+    <dgm:fillClrLst meth="repeat">
+      <a:schemeClr val="accent1">
+        <a:tint val="60000"/>
+      </a:schemeClr>
+    </dgm:fillClrLst>
+    <dgm:linClrLst meth="repeat">
+      <a:schemeClr val="lt1"/>
+    </dgm:linClrLst>
+    <dgm:effectClrLst/>
+    <dgm:txLinClrLst/>
+    <dgm:txFillClrLst meth="repeat">
+      <a:schemeClr val="dk1"/>
+    </dgm:txFillClrLst>
+    <dgm:txEffectClrLst/>
+  </dgm:styleLbl>
+  <dgm:styleLbl name="revTx">
+    <dgm:fillClrLst meth="repeat">
+      <a:schemeClr val="lt1">
+        <a:alpha val="0"/>
+      </a:schemeClr>
+    </dgm:fillClrLst>
+    <dgm:linClrLst meth="repeat">
+      <a:schemeClr val="dk1">
+        <a:alpha val="0"/>
+      </a:schemeClr>
+    </dgm:linClrLst>
+    <dgm:effectClrLst/>
+    <dgm:txLinClrLst/>
+    <dgm:txFillClrLst meth="repeat">
+      <a:schemeClr val="tx1"/>
+    </dgm:txFillClrLst>
+    <dgm:txEffectClrLst/>
+  </dgm:styleLbl>
+</dgm:colorsDef>
+</file>
+
 <file path=ppt/diagrams/colors2.xml><?xml version="1.0" encoding="utf-8"?>
 <dgm:colorsDef xmlns:dgm="http://schemas.openxmlformats.org/drawingml/2006/diagram" xmlns:a="http://schemas.openxmlformats.org/drawingml/2006/main" uniqueId="urn:microsoft.com/office/officeart/2005/8/colors/accent1_2">
   <dgm:title val=""/>
@@ -8791,10 +9539,10 @@
         <a:p>
           <a:pPr rtl="0"/>
           <a:r>
-            <a:rPr lang="en-US" smtClean="0"/>
+            <a:rPr lang="en-US" dirty="0" smtClean="0"/>
             <a:t>Pros</a:t>
           </a:r>
-          <a:endParaRPr lang="en-US"/>
+          <a:endParaRPr lang="en-US" dirty="0"/>
         </a:p>
       </dgm:t>
     </dgm:pt>
@@ -8905,10 +9653,10 @@
         <a:p>
           <a:pPr rtl="0"/>
           <a:r>
-            <a:rPr lang="en-US" smtClean="0"/>
+            <a:rPr lang="en-US" dirty="0" smtClean="0"/>
             <a:t>Cons</a:t>
           </a:r>
-          <a:endParaRPr lang="en-US"/>
+          <a:endParaRPr lang="en-US" dirty="0"/>
         </a:p>
       </dgm:t>
     </dgm:pt>
@@ -9219,10 +9967,10 @@
         <a:p>
           <a:pPr rtl="0"/>
           <a:r>
-            <a:rPr lang="en-US" smtClean="0"/>
+            <a:rPr lang="en-US" dirty="0" smtClean="0"/>
             <a:t>This is kind of the nuclear option, your code gets loaded everywhere (obviously, that can also be a con)</a:t>
           </a:r>
-          <a:endParaRPr lang="en-US"/>
+          <a:endParaRPr lang="en-US" dirty="0"/>
         </a:p>
       </dgm:t>
     </dgm:pt>
@@ -9508,6 +10256,324 @@
 </dgm:dataModel>
 </file>
 
+<file path=ppt/diagrams/data12.xml><?xml version="1.0" encoding="utf-8"?>
+<dgm:dataModel xmlns:dgm="http://schemas.openxmlformats.org/drawingml/2006/diagram" xmlns:a="http://schemas.openxmlformats.org/drawingml/2006/main">
+  <dgm:ptLst>
+    <dgm:pt modelId="{C223CE21-5B7D-40D7-8110-A3C48C92FCDD}" type="doc">
+      <dgm:prSet loTypeId="urn:microsoft.com/office/officeart/2005/8/layout/vList2" loCatId="list" qsTypeId="urn:microsoft.com/office/officeart/2005/8/quickstyle/simple1" qsCatId="simple" csTypeId="urn:microsoft.com/office/officeart/2005/8/colors/accent1_2" csCatId="accent1" phldr="1"/>
+      <dgm:spPr/>
+      <dgm:t>
+        <a:bodyPr/>
+        <a:lstStyle/>
+        <a:p>
+          <a:endParaRPr lang="en-US"/>
+        </a:p>
+      </dgm:t>
+    </dgm:pt>
+    <dgm:pt modelId="{0CE3498B-27CB-4CA2-B0CE-899524484193}">
+      <dgm:prSet/>
+      <dgm:spPr/>
+      <dgm:t>
+        <a:bodyPr/>
+        <a:lstStyle/>
+        <a:p>
+          <a:pPr rtl="0"/>
+          <a:r>
+            <a:rPr lang="en-US" smtClean="0"/>
+            <a:t>Pros</a:t>
+          </a:r>
+          <a:endParaRPr lang="en-US"/>
+        </a:p>
+      </dgm:t>
+    </dgm:pt>
+    <dgm:pt modelId="{8D1BBABD-9F81-43F2-BF1E-8CE7A8EF6240}" type="parTrans" cxnId="{4B026025-A09A-4823-B7CD-6888911F3E64}">
+      <dgm:prSet/>
+      <dgm:spPr/>
+      <dgm:t>
+        <a:bodyPr/>
+        <a:lstStyle/>
+        <a:p>
+          <a:endParaRPr lang="en-US"/>
+        </a:p>
+      </dgm:t>
+    </dgm:pt>
+    <dgm:pt modelId="{A4D25338-5CCB-4CEA-BA89-E3376E32F88E}" type="sibTrans" cxnId="{4B026025-A09A-4823-B7CD-6888911F3E64}">
+      <dgm:prSet/>
+      <dgm:spPr/>
+      <dgm:t>
+        <a:bodyPr/>
+        <a:lstStyle/>
+        <a:p>
+          <a:endParaRPr lang="en-US"/>
+        </a:p>
+      </dgm:t>
+    </dgm:pt>
+    <dgm:pt modelId="{554ED3A8-4E71-442F-851D-396EC7CCFF14}">
+      <dgm:prSet custT="1"/>
+      <dgm:spPr/>
+      <dgm:t>
+        <a:bodyPr/>
+        <a:lstStyle/>
+        <a:p>
+          <a:pPr rtl="0"/>
+          <a:r>
+            <a:rPr lang="en-US" sz="2800" dirty="0" smtClean="0"/>
+            <a:t>Easy to deploy</a:t>
+          </a:r>
+          <a:endParaRPr lang="en-US" sz="2800" dirty="0"/>
+        </a:p>
+      </dgm:t>
+    </dgm:pt>
+    <dgm:pt modelId="{9760292F-A62A-4055-9209-EEE8439B39C7}" type="parTrans" cxnId="{4EC2033D-887E-453A-BDE6-34D95BD09A07}">
+      <dgm:prSet/>
+      <dgm:spPr/>
+      <dgm:t>
+        <a:bodyPr/>
+        <a:lstStyle/>
+        <a:p>
+          <a:endParaRPr lang="en-US"/>
+        </a:p>
+      </dgm:t>
+    </dgm:pt>
+    <dgm:pt modelId="{A0F7AEC9-1CA9-4FEB-A570-F89866B89610}" type="sibTrans" cxnId="{4EC2033D-887E-453A-BDE6-34D95BD09A07}">
+      <dgm:prSet/>
+      <dgm:spPr/>
+      <dgm:t>
+        <a:bodyPr/>
+        <a:lstStyle/>
+        <a:p>
+          <a:endParaRPr lang="en-US"/>
+        </a:p>
+      </dgm:t>
+    </dgm:pt>
+    <dgm:pt modelId="{4C84986E-DAC2-4EFA-BAB5-EDC7610CC876}">
+      <dgm:prSet custT="1"/>
+      <dgm:spPr/>
+      <dgm:t>
+        <a:bodyPr/>
+        <a:lstStyle/>
+        <a:p>
+          <a:pPr rtl="0"/>
+          <a:r>
+            <a:rPr lang="en-US" sz="2800" dirty="0" smtClean="0"/>
+            <a:t>Even easier to reuse</a:t>
+          </a:r>
+          <a:endParaRPr lang="en-US" sz="2800" dirty="0"/>
+        </a:p>
+      </dgm:t>
+    </dgm:pt>
+    <dgm:pt modelId="{D74A6DEF-0DAE-4279-8B89-0D58EDA84C16}" type="parTrans" cxnId="{48BB43CB-AB86-4906-A4CC-410B310BE3D8}">
+      <dgm:prSet/>
+      <dgm:spPr/>
+      <dgm:t>
+        <a:bodyPr/>
+        <a:lstStyle/>
+        <a:p>
+          <a:endParaRPr lang="en-US"/>
+        </a:p>
+      </dgm:t>
+    </dgm:pt>
+    <dgm:pt modelId="{B245A422-1CFC-43C8-9280-5AD7955B4C95}" type="sibTrans" cxnId="{48BB43CB-AB86-4906-A4CC-410B310BE3D8}">
+      <dgm:prSet/>
+      <dgm:spPr/>
+      <dgm:t>
+        <a:bodyPr/>
+        <a:lstStyle/>
+        <a:p>
+          <a:endParaRPr lang="en-US"/>
+        </a:p>
+      </dgm:t>
+    </dgm:pt>
+    <dgm:pt modelId="{68EC0BC2-DE02-4D17-A394-942AF6831DF7}">
+      <dgm:prSet/>
+      <dgm:spPr/>
+      <dgm:t>
+        <a:bodyPr/>
+        <a:lstStyle/>
+        <a:p>
+          <a:pPr rtl="0"/>
+          <a:r>
+            <a:rPr lang="en-US" smtClean="0"/>
+            <a:t>Cons</a:t>
+          </a:r>
+          <a:endParaRPr lang="en-US"/>
+        </a:p>
+      </dgm:t>
+    </dgm:pt>
+    <dgm:pt modelId="{1DE3B478-8CBE-44D6-910B-8DBD53D108BC}" type="parTrans" cxnId="{7E8D84D6-2777-4599-BDC1-D5889F01D5F2}">
+      <dgm:prSet/>
+      <dgm:spPr/>
+      <dgm:t>
+        <a:bodyPr/>
+        <a:lstStyle/>
+        <a:p>
+          <a:endParaRPr lang="en-US"/>
+        </a:p>
+      </dgm:t>
+    </dgm:pt>
+    <dgm:pt modelId="{7D1A1B9A-6BE5-4DFB-818E-7CB7A397E4E6}" type="sibTrans" cxnId="{7E8D84D6-2777-4599-BDC1-D5889F01D5F2}">
+      <dgm:prSet/>
+      <dgm:spPr/>
+      <dgm:t>
+        <a:bodyPr/>
+        <a:lstStyle/>
+        <a:p>
+          <a:endParaRPr lang="en-US"/>
+        </a:p>
+      </dgm:t>
+    </dgm:pt>
+    <dgm:pt modelId="{F671A347-1B2D-42A8-B14F-4E9AFB2C5D33}">
+      <dgm:prSet custT="1"/>
+      <dgm:spPr/>
+      <dgm:t>
+        <a:bodyPr/>
+        <a:lstStyle/>
+        <a:p>
+          <a:pPr rtl="0"/>
+          <a:r>
+            <a:rPr lang="en-US" sz="2800" dirty="0" smtClean="0"/>
+            <a:t>I got </a:t>
+          </a:r>
+          <a:r>
+            <a:rPr lang="en-US" sz="2800" dirty="0" err="1" smtClean="0"/>
+            <a:t>nothin</a:t>
+          </a:r>
+          <a:r>
+            <a:rPr lang="en-US" sz="2800" dirty="0" smtClean="0"/>
+            <a:t>’, this is pure goodness</a:t>
+          </a:r>
+          <a:endParaRPr lang="en-US" sz="2800" dirty="0"/>
+        </a:p>
+      </dgm:t>
+    </dgm:pt>
+    <dgm:pt modelId="{2DA3AD10-D30D-48AD-9C5E-18FB9D0F7768}" type="parTrans" cxnId="{3CC68D05-C65E-414B-8F20-3E296D473C5D}">
+      <dgm:prSet/>
+      <dgm:spPr/>
+      <dgm:t>
+        <a:bodyPr/>
+        <a:lstStyle/>
+        <a:p>
+          <a:endParaRPr lang="en-US"/>
+        </a:p>
+      </dgm:t>
+    </dgm:pt>
+    <dgm:pt modelId="{4AFE3A01-605B-4569-8D29-BF0C428F44C3}" type="sibTrans" cxnId="{3CC68D05-C65E-414B-8F20-3E296D473C5D}">
+      <dgm:prSet/>
+      <dgm:spPr/>
+      <dgm:t>
+        <a:bodyPr/>
+        <a:lstStyle/>
+        <a:p>
+          <a:endParaRPr lang="en-US"/>
+        </a:p>
+      </dgm:t>
+    </dgm:pt>
+    <dgm:pt modelId="{BFB92C3F-BC7D-4A09-824F-4F4A01E27A76}" type="pres">
+      <dgm:prSet presAssocID="{C223CE21-5B7D-40D7-8110-A3C48C92FCDD}" presName="linear" presStyleCnt="0">
+        <dgm:presLayoutVars>
+          <dgm:animLvl val="lvl"/>
+          <dgm:resizeHandles val="exact"/>
+        </dgm:presLayoutVars>
+      </dgm:prSet>
+      <dgm:spPr/>
+      <dgm:t>
+        <a:bodyPr/>
+        <a:lstStyle/>
+        <a:p>
+          <a:endParaRPr lang="en-US"/>
+        </a:p>
+      </dgm:t>
+    </dgm:pt>
+    <dgm:pt modelId="{EA38CC6F-8CB8-4C1D-9F3E-2DCCAD2A0C3E}" type="pres">
+      <dgm:prSet presAssocID="{0CE3498B-27CB-4CA2-B0CE-899524484193}" presName="parentText" presStyleLbl="node1" presStyleIdx="0" presStyleCnt="2" custScaleY="46910">
+        <dgm:presLayoutVars>
+          <dgm:chMax val="0"/>
+          <dgm:bulletEnabled val="1"/>
+        </dgm:presLayoutVars>
+      </dgm:prSet>
+      <dgm:spPr/>
+      <dgm:t>
+        <a:bodyPr/>
+        <a:lstStyle/>
+        <a:p>
+          <a:endParaRPr lang="en-US"/>
+        </a:p>
+      </dgm:t>
+    </dgm:pt>
+    <dgm:pt modelId="{DE0058FF-A247-4DCE-83D5-23CDCC3770AD}" type="pres">
+      <dgm:prSet presAssocID="{0CE3498B-27CB-4CA2-B0CE-899524484193}" presName="childText" presStyleLbl="revTx" presStyleIdx="0" presStyleCnt="2">
+        <dgm:presLayoutVars>
+          <dgm:bulletEnabled val="1"/>
+        </dgm:presLayoutVars>
+      </dgm:prSet>
+      <dgm:spPr/>
+      <dgm:t>
+        <a:bodyPr/>
+        <a:lstStyle/>
+        <a:p>
+          <a:endParaRPr lang="en-US"/>
+        </a:p>
+      </dgm:t>
+    </dgm:pt>
+    <dgm:pt modelId="{4167D577-FD8B-42CD-A696-16952CB882E0}" type="pres">
+      <dgm:prSet presAssocID="{68EC0BC2-DE02-4D17-A394-942AF6831DF7}" presName="parentText" presStyleLbl="node1" presStyleIdx="1" presStyleCnt="2" custScaleY="42182" custLinFactNeighborY="-10806">
+        <dgm:presLayoutVars>
+          <dgm:chMax val="0"/>
+          <dgm:bulletEnabled val="1"/>
+        </dgm:presLayoutVars>
+      </dgm:prSet>
+      <dgm:spPr/>
+      <dgm:t>
+        <a:bodyPr/>
+        <a:lstStyle/>
+        <a:p>
+          <a:endParaRPr lang="en-US"/>
+        </a:p>
+      </dgm:t>
+    </dgm:pt>
+    <dgm:pt modelId="{2834D177-C254-44E0-851D-F4CD0F43CAAB}" type="pres">
+      <dgm:prSet presAssocID="{68EC0BC2-DE02-4D17-A394-942AF6831DF7}" presName="childText" presStyleLbl="revTx" presStyleIdx="1" presStyleCnt="2" custLinFactNeighborY="261">
+        <dgm:presLayoutVars>
+          <dgm:bulletEnabled val="1"/>
+        </dgm:presLayoutVars>
+      </dgm:prSet>
+      <dgm:spPr/>
+      <dgm:t>
+        <a:bodyPr/>
+        <a:lstStyle/>
+        <a:p>
+          <a:endParaRPr lang="en-US"/>
+        </a:p>
+      </dgm:t>
+    </dgm:pt>
+  </dgm:ptLst>
+  <dgm:cxnLst>
+    <dgm:cxn modelId="{7E8D84D6-2777-4599-BDC1-D5889F01D5F2}" srcId="{C223CE21-5B7D-40D7-8110-A3C48C92FCDD}" destId="{68EC0BC2-DE02-4D17-A394-942AF6831DF7}" srcOrd="1" destOrd="0" parTransId="{1DE3B478-8CBE-44D6-910B-8DBD53D108BC}" sibTransId="{7D1A1B9A-6BE5-4DFB-818E-7CB7A397E4E6}"/>
+    <dgm:cxn modelId="{4B026025-A09A-4823-B7CD-6888911F3E64}" srcId="{C223CE21-5B7D-40D7-8110-A3C48C92FCDD}" destId="{0CE3498B-27CB-4CA2-B0CE-899524484193}" srcOrd="0" destOrd="0" parTransId="{8D1BBABD-9F81-43F2-BF1E-8CE7A8EF6240}" sibTransId="{A4D25338-5CCB-4CEA-BA89-E3376E32F88E}"/>
+    <dgm:cxn modelId="{97FB0014-C8BF-447F-B5A6-2DBD159A5D8E}" type="presOf" srcId="{554ED3A8-4E71-442F-851D-396EC7CCFF14}" destId="{DE0058FF-A247-4DCE-83D5-23CDCC3770AD}" srcOrd="0" destOrd="0" presId="urn:microsoft.com/office/officeart/2005/8/layout/vList2"/>
+    <dgm:cxn modelId="{48BB43CB-AB86-4906-A4CC-410B310BE3D8}" srcId="{0CE3498B-27CB-4CA2-B0CE-899524484193}" destId="{4C84986E-DAC2-4EFA-BAB5-EDC7610CC876}" srcOrd="1" destOrd="0" parTransId="{D74A6DEF-0DAE-4279-8B89-0D58EDA84C16}" sibTransId="{B245A422-1CFC-43C8-9280-5AD7955B4C95}"/>
+    <dgm:cxn modelId="{831E0A8E-B884-4989-8F9F-40005171646D}" type="presOf" srcId="{0CE3498B-27CB-4CA2-B0CE-899524484193}" destId="{EA38CC6F-8CB8-4C1D-9F3E-2DCCAD2A0C3E}" srcOrd="0" destOrd="0" presId="urn:microsoft.com/office/officeart/2005/8/layout/vList2"/>
+    <dgm:cxn modelId="{6CA3E263-ADA7-487C-8DBA-7B1813D3BFF0}" type="presOf" srcId="{68EC0BC2-DE02-4D17-A394-942AF6831DF7}" destId="{4167D577-FD8B-42CD-A696-16952CB882E0}" srcOrd="0" destOrd="0" presId="urn:microsoft.com/office/officeart/2005/8/layout/vList2"/>
+    <dgm:cxn modelId="{4EC2033D-887E-453A-BDE6-34D95BD09A07}" srcId="{0CE3498B-27CB-4CA2-B0CE-899524484193}" destId="{554ED3A8-4E71-442F-851D-396EC7CCFF14}" srcOrd="0" destOrd="0" parTransId="{9760292F-A62A-4055-9209-EEE8439B39C7}" sibTransId="{A0F7AEC9-1CA9-4FEB-A570-F89866B89610}"/>
+    <dgm:cxn modelId="{7BEBBEE9-31DB-40DD-A90A-A78475EC81EB}" type="presOf" srcId="{F671A347-1B2D-42A8-B14F-4E9AFB2C5D33}" destId="{2834D177-C254-44E0-851D-F4CD0F43CAAB}" srcOrd="0" destOrd="0" presId="urn:microsoft.com/office/officeart/2005/8/layout/vList2"/>
+    <dgm:cxn modelId="{46DA308B-F934-4832-B134-2828F9424D61}" type="presOf" srcId="{C223CE21-5B7D-40D7-8110-A3C48C92FCDD}" destId="{BFB92C3F-BC7D-4A09-824F-4F4A01E27A76}" srcOrd="0" destOrd="0" presId="urn:microsoft.com/office/officeart/2005/8/layout/vList2"/>
+    <dgm:cxn modelId="{D8AE6027-298F-43E0-B288-3F4A67506795}" type="presOf" srcId="{4C84986E-DAC2-4EFA-BAB5-EDC7610CC876}" destId="{DE0058FF-A247-4DCE-83D5-23CDCC3770AD}" srcOrd="0" destOrd="1" presId="urn:microsoft.com/office/officeart/2005/8/layout/vList2"/>
+    <dgm:cxn modelId="{3CC68D05-C65E-414B-8F20-3E296D473C5D}" srcId="{68EC0BC2-DE02-4D17-A394-942AF6831DF7}" destId="{F671A347-1B2D-42A8-B14F-4E9AFB2C5D33}" srcOrd="0" destOrd="0" parTransId="{2DA3AD10-D30D-48AD-9C5E-18FB9D0F7768}" sibTransId="{4AFE3A01-605B-4569-8D29-BF0C428F44C3}"/>
+    <dgm:cxn modelId="{038DF459-0EF0-49CA-84BA-9FD0B21C119E}" type="presParOf" srcId="{BFB92C3F-BC7D-4A09-824F-4F4A01E27A76}" destId="{EA38CC6F-8CB8-4C1D-9F3E-2DCCAD2A0C3E}" srcOrd="0" destOrd="0" presId="urn:microsoft.com/office/officeart/2005/8/layout/vList2"/>
+    <dgm:cxn modelId="{9AEF4121-D695-44F8-8E55-74EB2C7A01FE}" type="presParOf" srcId="{BFB92C3F-BC7D-4A09-824F-4F4A01E27A76}" destId="{DE0058FF-A247-4DCE-83D5-23CDCC3770AD}" srcOrd="1" destOrd="0" presId="urn:microsoft.com/office/officeart/2005/8/layout/vList2"/>
+    <dgm:cxn modelId="{3613B7A0-4E4F-47F7-9B6F-C4701479406B}" type="presParOf" srcId="{BFB92C3F-BC7D-4A09-824F-4F4A01E27A76}" destId="{4167D577-FD8B-42CD-A696-16952CB882E0}" srcOrd="2" destOrd="0" presId="urn:microsoft.com/office/officeart/2005/8/layout/vList2"/>
+    <dgm:cxn modelId="{E57BC858-AF30-41E8-88DB-837E89C6855C}" type="presParOf" srcId="{BFB92C3F-BC7D-4A09-824F-4F4A01E27A76}" destId="{2834D177-C254-44E0-851D-F4CD0F43CAAB}" srcOrd="3" destOrd="0" presId="urn:microsoft.com/office/officeart/2005/8/layout/vList2"/>
+  </dgm:cxnLst>
+  <dgm:bg/>
+  <dgm:whole/>
+  <dgm:extLst>
+    <a:ext uri="http://schemas.microsoft.com/office/drawing/2008/diagram">
+      <dsp:dataModelExt xmlns:dsp="http://schemas.microsoft.com/office/drawing/2008/diagram" relId="rId6" minVer="http://schemas.openxmlformats.org/drawingml/2006/diagram"/>
+    </a:ext>
+  </dgm:extLst>
+</dgm:dataModel>
+</file>
+
 <file path=ppt/diagrams/data2.xml><?xml version="1.0" encoding="utf-8"?>
 <dgm:dataModel xmlns:dgm="http://schemas.openxmlformats.org/drawingml/2006/diagram" xmlns:a="http://schemas.openxmlformats.org/drawingml/2006/main">
   <dgm:ptLst>
@@ -9526,9 +10592,7 @@
       <dgm:prSet custT="1"/>
       <dgm:spPr>
         <a:solidFill>
-          <a:schemeClr val="accent1">
-            <a:lumMod val="50000"/>
-          </a:schemeClr>
+          <a:srgbClr val="2A6BA6"/>
         </a:solidFill>
       </dgm:spPr>
       <dgm:t>
@@ -9570,9 +10634,7 @@
       <dgm:prSet custT="1"/>
       <dgm:spPr>
         <a:solidFill>
-          <a:schemeClr val="accent6">
-            <a:lumMod val="50000"/>
-          </a:schemeClr>
+          <a:srgbClr val="4A742E"/>
         </a:solidFill>
       </dgm:spPr>
       <dgm:t>
@@ -10915,9 +11977,7 @@
       <dgm:prSet custT="1"/>
       <dgm:spPr>
         <a:solidFill>
-          <a:schemeClr val="accent1">
-            <a:lumMod val="50000"/>
-          </a:schemeClr>
+          <a:srgbClr val="2E74B4"/>
         </a:solidFill>
       </dgm:spPr>
       <dgm:t>
@@ -10959,9 +12019,7 @@
       <dgm:prSet custT="1"/>
       <dgm:spPr>
         <a:solidFill>
-          <a:schemeClr val="accent2">
-            <a:lumMod val="50000"/>
-          </a:schemeClr>
+          <a:srgbClr val="BB5611"/>
         </a:solidFill>
       </dgm:spPr>
       <dgm:t>
@@ -11052,9 +12110,7 @@
       <dgm:prSet custT="1"/>
       <dgm:spPr>
         <a:solidFill>
-          <a:schemeClr val="accent6">
-            <a:lumMod val="50000"/>
-          </a:schemeClr>
+          <a:srgbClr val="4F7B31"/>
         </a:solidFill>
       </dgm:spPr>
       <dgm:t>
@@ -11521,6 +12577,48 @@
         </a:p>
       </dgm:t>
     </dgm:pt>
+    <dgm:pt modelId="{DCBF76EB-51C3-424E-83DC-D10A06118666}">
+      <dgm:prSet/>
+      <dgm:spPr>
+        <a:solidFill>
+          <a:srgbClr val="FF4747"/>
+        </a:solidFill>
+      </dgm:spPr>
+      <dgm:t>
+        <a:bodyPr/>
+        <a:lstStyle/>
+        <a:p>
+          <a:pPr rtl="0"/>
+          <a:r>
+            <a:rPr lang="en-US" dirty="0" smtClean="0"/>
+            <a:t>Place as stand-lone Display Templates in the Master Page Gallery</a:t>
+          </a:r>
+          <a:endParaRPr lang="en-US" dirty="0"/>
+        </a:p>
+      </dgm:t>
+    </dgm:pt>
+    <dgm:pt modelId="{C9F35538-B885-4140-B22E-0B756208A747}" type="parTrans" cxnId="{D4391AA6-57D6-4667-ADCD-19DC68FA967C}">
+      <dgm:prSet/>
+      <dgm:spPr/>
+      <dgm:t>
+        <a:bodyPr/>
+        <a:lstStyle/>
+        <a:p>
+          <a:endParaRPr lang="en-US"/>
+        </a:p>
+      </dgm:t>
+    </dgm:pt>
+    <dgm:pt modelId="{1D7218E6-F249-407C-BF96-8BD40543A2C2}" type="sibTrans" cxnId="{D4391AA6-57D6-4667-ADCD-19DC68FA967C}">
+      <dgm:prSet/>
+      <dgm:spPr/>
+      <dgm:t>
+        <a:bodyPr/>
+        <a:lstStyle/>
+        <a:p>
+          <a:endParaRPr lang="en-US"/>
+        </a:p>
+      </dgm:t>
+    </dgm:pt>
     <dgm:pt modelId="{B2514CFA-360A-424C-B18F-2A7233D482D7}" type="pres">
       <dgm:prSet presAssocID="{07945FC2-6A29-4E97-8B1C-42D7A2D90687}" presName="diagram" presStyleCnt="0">
         <dgm:presLayoutVars>
@@ -11538,7 +12636,7 @@
       </dgm:t>
     </dgm:pt>
     <dgm:pt modelId="{86E951B6-D534-4B05-802B-E193C00494A2}" type="pres">
-      <dgm:prSet presAssocID="{4A3D588E-3427-456C-8501-2D0D751AD6F3}" presName="node" presStyleLbl="node1" presStyleIdx="0" presStyleCnt="5">
+      <dgm:prSet presAssocID="{4A3D588E-3427-456C-8501-2D0D751AD6F3}" presName="node" presStyleLbl="node1" presStyleIdx="0" presStyleCnt="6">
         <dgm:presLayoutVars>
           <dgm:bulletEnabled val="1"/>
         </dgm:presLayoutVars>
@@ -11557,7 +12655,7 @@
       <dgm:spPr/>
     </dgm:pt>
     <dgm:pt modelId="{B3ED3915-7CE0-4068-9414-DA558B362833}" type="pres">
-      <dgm:prSet presAssocID="{D67FE63B-2EDF-43C3-B532-746DE6EA1326}" presName="node" presStyleLbl="node1" presStyleIdx="1" presStyleCnt="5">
+      <dgm:prSet presAssocID="{D67FE63B-2EDF-43C3-B532-746DE6EA1326}" presName="node" presStyleLbl="node1" presStyleIdx="1" presStyleCnt="6">
         <dgm:presLayoutVars>
           <dgm:bulletEnabled val="1"/>
         </dgm:presLayoutVars>
@@ -11576,7 +12674,7 @@
       <dgm:spPr/>
     </dgm:pt>
     <dgm:pt modelId="{E2207479-53E0-4F2D-AFE2-CA728A7AAE42}" type="pres">
-      <dgm:prSet presAssocID="{5EC0CC7E-3A7E-420A-9ED3-4DEC249A0927}" presName="node" presStyleLbl="node1" presStyleIdx="2" presStyleCnt="5">
+      <dgm:prSet presAssocID="{5EC0CC7E-3A7E-420A-9ED3-4DEC249A0927}" presName="node" presStyleLbl="node1" presStyleIdx="2" presStyleCnt="6">
         <dgm:presLayoutVars>
           <dgm:bulletEnabled val="1"/>
         </dgm:presLayoutVars>
@@ -11595,7 +12693,7 @@
       <dgm:spPr/>
     </dgm:pt>
     <dgm:pt modelId="{B15FE589-013C-4D13-8DD6-34CF1DD754DC}" type="pres">
-      <dgm:prSet presAssocID="{63DB7F49-8102-48B1-B6AA-70993D539EE0}" presName="node" presStyleLbl="node1" presStyleIdx="3" presStyleCnt="5">
+      <dgm:prSet presAssocID="{63DB7F49-8102-48B1-B6AA-70993D539EE0}" presName="node" presStyleLbl="node1" presStyleIdx="3" presStyleCnt="6">
         <dgm:presLayoutVars>
           <dgm:bulletEnabled val="1"/>
         </dgm:presLayoutVars>
@@ -11614,7 +12712,26 @@
       <dgm:spPr/>
     </dgm:pt>
     <dgm:pt modelId="{631C4508-D240-488D-ADAD-E726D572A8E9}" type="pres">
-      <dgm:prSet presAssocID="{AEF8FD79-F081-4236-A1CF-0ADAF21B1941}" presName="node" presStyleLbl="node1" presStyleIdx="4" presStyleCnt="5">
+      <dgm:prSet presAssocID="{AEF8FD79-F081-4236-A1CF-0ADAF21B1941}" presName="node" presStyleLbl="node1" presStyleIdx="4" presStyleCnt="6">
+        <dgm:presLayoutVars>
+          <dgm:bulletEnabled val="1"/>
+        </dgm:presLayoutVars>
+      </dgm:prSet>
+      <dgm:spPr/>
+      <dgm:t>
+        <a:bodyPr/>
+        <a:lstStyle/>
+        <a:p>
+          <a:endParaRPr lang="en-US"/>
+        </a:p>
+      </dgm:t>
+    </dgm:pt>
+    <dgm:pt modelId="{9D29D84C-2F07-480D-9426-354CFE673AE2}" type="pres">
+      <dgm:prSet presAssocID="{C38C700A-DFFE-4761-963E-B531CBBF442C}" presName="sibTrans" presStyleCnt="0"/>
+      <dgm:spPr/>
+    </dgm:pt>
+    <dgm:pt modelId="{0C876DB3-9468-4FFB-90A8-728FEBF59780}" type="pres">
+      <dgm:prSet presAssocID="{DCBF76EB-51C3-424E-83DC-D10A06118666}" presName="node" presStyleLbl="node1" presStyleIdx="5" presStyleCnt="6">
         <dgm:presLayoutVars>
           <dgm:bulletEnabled val="1"/>
         </dgm:presLayoutVars>
@@ -11637,7 +12754,9 @@
     <dgm:cxn modelId="{0E11FE07-052F-4348-8E0A-9F3755F00DFD}" srcId="{07945FC2-6A29-4E97-8B1C-42D7A2D90687}" destId="{4A3D588E-3427-456C-8501-2D0D751AD6F3}" srcOrd="0" destOrd="0" parTransId="{176893BE-1B39-49CD-B78F-61777CF5A420}" sibTransId="{6925CE23-1389-406E-869D-A65F16E5043A}"/>
     <dgm:cxn modelId="{DDAAFC13-E209-4786-883A-A03237DA7777}" type="presOf" srcId="{5EC0CC7E-3A7E-420A-9ED3-4DEC249A0927}" destId="{E2207479-53E0-4F2D-AFE2-CA728A7AAE42}" srcOrd="0" destOrd="0" presId="urn:microsoft.com/office/officeart/2005/8/layout/default"/>
     <dgm:cxn modelId="{C0763F2F-2C36-4646-9F90-92161DF63CAC}" type="presOf" srcId="{AEF8FD79-F081-4236-A1CF-0ADAF21B1941}" destId="{631C4508-D240-488D-ADAD-E726D572A8E9}" srcOrd="0" destOrd="0" presId="urn:microsoft.com/office/officeart/2005/8/layout/default"/>
+    <dgm:cxn modelId="{D4391AA6-57D6-4667-ADCD-19DC68FA967C}" srcId="{07945FC2-6A29-4E97-8B1C-42D7A2D90687}" destId="{DCBF76EB-51C3-424E-83DC-D10A06118666}" srcOrd="5" destOrd="0" parTransId="{C9F35538-B885-4140-B22E-0B756208A747}" sibTransId="{1D7218E6-F249-407C-BF96-8BD40543A2C2}"/>
     <dgm:cxn modelId="{02B54591-D1D4-4F8E-9F43-22910FDA5A3D}" srcId="{07945FC2-6A29-4E97-8B1C-42D7A2D90687}" destId="{5EC0CC7E-3A7E-420A-9ED3-4DEC249A0927}" srcOrd="2" destOrd="0" parTransId="{F2A3559A-0224-40F6-BE8A-EE5811983EE0}" sibTransId="{3190DF54-797D-4ED3-B488-86D314722E9C}"/>
+    <dgm:cxn modelId="{353C97AD-9CBD-4C62-B059-3AD55D143DD4}" type="presOf" srcId="{DCBF76EB-51C3-424E-83DC-D10A06118666}" destId="{0C876DB3-9468-4FFB-90A8-728FEBF59780}" srcOrd="0" destOrd="0" presId="urn:microsoft.com/office/officeart/2005/8/layout/default"/>
     <dgm:cxn modelId="{E1E2F351-D147-4F51-A069-6E80A500700A}" type="presOf" srcId="{D67FE63B-2EDF-43C3-B532-746DE6EA1326}" destId="{B3ED3915-7CE0-4068-9414-DA558B362833}" srcOrd="0" destOrd="0" presId="urn:microsoft.com/office/officeart/2005/8/layout/default"/>
     <dgm:cxn modelId="{AF9CB6B9-DA1E-468F-AEDD-E85DB567AEAE}" srcId="{07945FC2-6A29-4E97-8B1C-42D7A2D90687}" destId="{D67FE63B-2EDF-43C3-B532-746DE6EA1326}" srcOrd="1" destOrd="0" parTransId="{F32FFB68-0EE3-4911-A1A2-2CB4704328AD}" sibTransId="{8C8B841C-D069-42C5-9299-D763055FB039}"/>
     <dgm:cxn modelId="{B2A57A60-D2A0-4ED2-97EA-CDA840523A94}" type="presOf" srcId="{4A3D588E-3427-456C-8501-2D0D751AD6F3}" destId="{86E951B6-D534-4B05-802B-E193C00494A2}" srcOrd="0" destOrd="0" presId="urn:microsoft.com/office/officeart/2005/8/layout/default"/>
@@ -11650,6 +12769,8 @@
     <dgm:cxn modelId="{FC540175-B6C1-46D0-8D89-83E625506937}" type="presParOf" srcId="{B2514CFA-360A-424C-B18F-2A7233D482D7}" destId="{B15FE589-013C-4D13-8DD6-34CF1DD754DC}" srcOrd="6" destOrd="0" presId="urn:microsoft.com/office/officeart/2005/8/layout/default"/>
     <dgm:cxn modelId="{1C36C528-69E3-4556-8E90-961A996F4ECE}" type="presParOf" srcId="{B2514CFA-360A-424C-B18F-2A7233D482D7}" destId="{373D1EAC-4BAB-4FD1-BA04-E9ED4A5CEBDA}" srcOrd="7" destOrd="0" presId="urn:microsoft.com/office/officeart/2005/8/layout/default"/>
     <dgm:cxn modelId="{696023AF-BCE4-45A9-8B45-180654AADB4B}" type="presParOf" srcId="{B2514CFA-360A-424C-B18F-2A7233D482D7}" destId="{631C4508-D240-488D-ADAD-E726D572A8E9}" srcOrd="8" destOrd="0" presId="urn:microsoft.com/office/officeart/2005/8/layout/default"/>
+    <dgm:cxn modelId="{1E68D433-C6EB-4387-A8C0-8041D8C590D3}" type="presParOf" srcId="{B2514CFA-360A-424C-B18F-2A7233D482D7}" destId="{9D29D84C-2F07-480D-9426-354CFE673AE2}" srcOrd="9" destOrd="0" presId="urn:microsoft.com/office/officeart/2005/8/layout/default"/>
+    <dgm:cxn modelId="{2E7349DF-4720-4DF2-B004-D64117DE065F}" type="presParOf" srcId="{B2514CFA-360A-424C-B18F-2A7233D482D7}" destId="{0C876DB3-9468-4FFB-90A8-728FEBF59780}" srcOrd="10" destOrd="0" presId="urn:microsoft.com/office/officeart/2005/8/layout/default"/>
   </dgm:cxnLst>
   <dgm:bg/>
   <dgm:whole/>
@@ -12605,27 +13726,27 @@
     </dgm:pt>
   </dgm:ptLst>
   <dgm:cxnLst>
-    <dgm:cxn modelId="{CE454F18-E4E7-4ECD-B0D8-7966C1AA13F6}" type="presOf" srcId="{2B3BDFAA-0C95-4189-B7C0-F8C0B59EF0F7}" destId="{891FD0DA-C686-4503-8FB2-846B3FA28339}" srcOrd="0" destOrd="1" presId="urn:microsoft.com/office/officeart/2005/8/layout/vList2"/>
+    <dgm:cxn modelId="{51484067-0FA9-4EC0-BE20-2A4032714BF7}" type="presOf" srcId="{19D40E92-2720-4AFD-B5A3-A683139940F7}" destId="{4D66EC53-1CA6-413A-9F89-66CFD243F937}" srcOrd="0" destOrd="1" presId="urn:microsoft.com/office/officeart/2005/8/layout/vList2"/>
+    <dgm:cxn modelId="{C48E8472-8290-435A-90C0-8ED795054748}" type="presOf" srcId="{2B41155B-F098-478C-87D6-22BE3102106C}" destId="{4D66EC53-1CA6-413A-9F89-66CFD243F937}" srcOrd="0" destOrd="4" presId="urn:microsoft.com/office/officeart/2005/8/layout/vList2"/>
+    <dgm:cxn modelId="{05E38FF6-97AA-4AC6-AAC3-3D78A84A1011}" srcId="{6DC99692-5980-45EB-A871-5340CA6A5644}" destId="{2B41155B-F098-478C-87D6-22BE3102106C}" srcOrd="0" destOrd="0" parTransId="{B7365F2A-5EBD-4964-B6D5-44E38262ECC1}" sibTransId="{90FA32DC-8C51-418C-BF40-6F0BCE36F209}"/>
+    <dgm:cxn modelId="{32725F66-D24F-456F-9D46-3350C9D71F0C}" srcId="{BCCE90D1-CF19-429F-8B42-DA68EAA7BC59}" destId="{8C85D4A5-6E8E-487E-ABB0-4948D36DEB9F}" srcOrd="0" destOrd="0" parTransId="{7B32719B-438E-4636-ACEB-03A5D3136D6B}" sibTransId="{BA523C87-AF48-4D91-B3C2-087C423A08A3}"/>
+    <dgm:cxn modelId="{2B099944-3A50-4706-9AD7-CBCF1D86438F}" srcId="{679C525F-BFB5-414B-9BCA-2C3B250B267B}" destId="{6A272F34-4E2E-43B9-A856-EE122DA95607}" srcOrd="0" destOrd="0" parTransId="{31F2C2A7-030F-405B-B3F8-AF7928741FDE}" sibTransId="{AC169970-4B03-46EC-9138-84EFAD87C62F}"/>
+    <dgm:cxn modelId="{29670672-5587-4DAE-BF91-55A8B8F8FC4B}" srcId="{679C525F-BFB5-414B-9BCA-2C3B250B267B}" destId="{6DC99692-5980-45EB-A871-5340CA6A5644}" srcOrd="1" destOrd="0" parTransId="{FBF2B5FC-6084-44C7-931F-A37CAF162CAA}" sibTransId="{C2780802-BD0A-463F-A1E2-4F9003C730EC}"/>
+    <dgm:cxn modelId="{3DBBBB57-7895-4968-83B3-7662DFA2E66C}" type="presOf" srcId="{6A272F34-4E2E-43B9-A856-EE122DA95607}" destId="{4D66EC53-1CA6-413A-9F89-66CFD243F937}" srcOrd="0" destOrd="0" presId="urn:microsoft.com/office/officeart/2005/8/layout/vList2"/>
+    <dgm:cxn modelId="{C5B4F4C9-86C1-44D7-A9FA-D82ABFEE1116}" srcId="{E2064347-3A6B-40C6-9A77-7B1E070734C6}" destId="{BCCE90D1-CF19-429F-8B42-DA68EAA7BC59}" srcOrd="0" destOrd="0" parTransId="{2E538A94-4B8C-49B1-85B9-801B9674A16E}" sibTransId="{D0DB8EEC-1AE7-4E22-8DC2-5EDDCE8B5EFB}"/>
     <dgm:cxn modelId="{DF0A045D-DEE4-4120-BC13-0C166B0D3C73}" srcId="{E2064347-3A6B-40C6-9A77-7B1E070734C6}" destId="{679C525F-BFB5-414B-9BCA-2C3B250B267B}" srcOrd="1" destOrd="0" parTransId="{B971DEF5-50B7-497C-B4A4-5C33DD9C5BEB}" sibTransId="{DD675477-ECDA-4AFA-AF8D-970536149EE2}"/>
+    <dgm:cxn modelId="{4DB9A73B-0234-4255-A347-096773B19151}" type="presOf" srcId="{6DC99692-5980-45EB-A871-5340CA6A5644}" destId="{4D66EC53-1CA6-413A-9F89-66CFD243F937}" srcOrd="0" destOrd="3" presId="urn:microsoft.com/office/officeart/2005/8/layout/vList2"/>
     <dgm:cxn modelId="{310612D3-C8A8-4459-829D-2621350CEF50}" srcId="{6DC99692-5980-45EB-A871-5340CA6A5644}" destId="{B2AD9000-78F3-40C3-B931-9701290B4538}" srcOrd="1" destOrd="0" parTransId="{B21E5C08-7762-4190-9762-435D8C45B4CD}" sibTransId="{5FDE3A8B-F427-4D3B-8305-3F10108C9EB7}"/>
-    <dgm:cxn modelId="{32725F66-D24F-456F-9D46-3350C9D71F0C}" srcId="{BCCE90D1-CF19-429F-8B42-DA68EAA7BC59}" destId="{8C85D4A5-6E8E-487E-ABB0-4948D36DEB9F}" srcOrd="0" destOrd="0" parTransId="{7B32719B-438E-4636-ACEB-03A5D3136D6B}" sibTransId="{BA523C87-AF48-4D91-B3C2-087C423A08A3}"/>
-    <dgm:cxn modelId="{9FDC2D29-9A10-4969-A15C-618BA2062FC7}" srcId="{6A272F34-4E2E-43B9-A856-EE122DA95607}" destId="{5607F6D2-4173-430F-B289-ADA41E04394C}" srcOrd="1" destOrd="0" parTransId="{051C8356-508D-4AE8-AE73-1B4819AED9A9}" sibTransId="{53CBE20F-3B42-4FFD-A6F3-A17BB44E8891}"/>
-    <dgm:cxn modelId="{4DB9A73B-0234-4255-A347-096773B19151}" type="presOf" srcId="{6DC99692-5980-45EB-A871-5340CA6A5644}" destId="{4D66EC53-1CA6-413A-9F89-66CFD243F937}" srcOrd="0" destOrd="3" presId="urn:microsoft.com/office/officeart/2005/8/layout/vList2"/>
-    <dgm:cxn modelId="{05E38FF6-97AA-4AC6-AAC3-3D78A84A1011}" srcId="{6DC99692-5980-45EB-A871-5340CA6A5644}" destId="{2B41155B-F098-478C-87D6-22BE3102106C}" srcOrd="0" destOrd="0" parTransId="{B7365F2A-5EBD-4964-B6D5-44E38262ECC1}" sibTransId="{90FA32DC-8C51-418C-BF40-6F0BCE36F209}"/>
+    <dgm:cxn modelId="{53E2E3EF-9544-4D6C-8C55-DD682D65E69D}" type="presOf" srcId="{B2AD9000-78F3-40C3-B931-9701290B4538}" destId="{4D66EC53-1CA6-413A-9F89-66CFD243F937}" srcOrd="0" destOrd="5" presId="urn:microsoft.com/office/officeart/2005/8/layout/vList2"/>
+    <dgm:cxn modelId="{2C23F681-9483-485E-85EB-CA3E44E100F0}" type="presOf" srcId="{679C525F-BFB5-414B-9BCA-2C3B250B267B}" destId="{41CA6141-AE96-4880-992F-ABC551B279D4}" srcOrd="0" destOrd="0" presId="urn:microsoft.com/office/officeart/2005/8/layout/vList2"/>
+    <dgm:cxn modelId="{6558A1F8-8F3D-46B5-8691-C2FD5705F1A5}" srcId="{BCCE90D1-CF19-429F-8B42-DA68EAA7BC59}" destId="{2B3BDFAA-0C95-4189-B7C0-F8C0B59EF0F7}" srcOrd="1" destOrd="0" parTransId="{A67E3456-BABC-435A-BC4D-0577472DA564}" sibTransId="{C94C73B8-0BCF-4732-961B-E3B560D66319}"/>
+    <dgm:cxn modelId="{4BF4FFFA-50EB-476F-8BA6-98DDE060F75D}" type="presOf" srcId="{8C85D4A5-6E8E-487E-ABB0-4948D36DEB9F}" destId="{891FD0DA-C686-4503-8FB2-846B3FA28339}" srcOrd="0" destOrd="0" presId="urn:microsoft.com/office/officeart/2005/8/layout/vList2"/>
     <dgm:cxn modelId="{79C1CB4B-3E4C-49CA-A344-468DE7F685FE}" srcId="{6A272F34-4E2E-43B9-A856-EE122DA95607}" destId="{19D40E92-2720-4AFD-B5A3-A683139940F7}" srcOrd="0" destOrd="0" parTransId="{07765416-73C8-4B35-A62D-0A542D5DFCF9}" sibTransId="{D02BD052-1E7C-47B2-8F3C-82DBC2741201}"/>
     <dgm:cxn modelId="{906C2CC3-1590-4C69-8C27-73B1C43A532E}" type="presOf" srcId="{BCCE90D1-CF19-429F-8B42-DA68EAA7BC59}" destId="{CA3AC844-2C66-4277-9E5A-7EB92D796C44}" srcOrd="0" destOrd="0" presId="urn:microsoft.com/office/officeart/2005/8/layout/vList2"/>
-    <dgm:cxn modelId="{6558A1F8-8F3D-46B5-8691-C2FD5705F1A5}" srcId="{BCCE90D1-CF19-429F-8B42-DA68EAA7BC59}" destId="{2B3BDFAA-0C95-4189-B7C0-F8C0B59EF0F7}" srcOrd="1" destOrd="0" parTransId="{A67E3456-BABC-435A-BC4D-0577472DA564}" sibTransId="{C94C73B8-0BCF-4732-961B-E3B560D66319}"/>
-    <dgm:cxn modelId="{29670672-5587-4DAE-BF91-55A8B8F8FC4B}" srcId="{679C525F-BFB5-414B-9BCA-2C3B250B267B}" destId="{6DC99692-5980-45EB-A871-5340CA6A5644}" srcOrd="1" destOrd="0" parTransId="{FBF2B5FC-6084-44C7-931F-A37CAF162CAA}" sibTransId="{C2780802-BD0A-463F-A1E2-4F9003C730EC}"/>
-    <dgm:cxn modelId="{2B099944-3A50-4706-9AD7-CBCF1D86438F}" srcId="{679C525F-BFB5-414B-9BCA-2C3B250B267B}" destId="{6A272F34-4E2E-43B9-A856-EE122DA95607}" srcOrd="0" destOrd="0" parTransId="{31F2C2A7-030F-405B-B3F8-AF7928741FDE}" sibTransId="{AC169970-4B03-46EC-9138-84EFAD87C62F}"/>
+    <dgm:cxn modelId="{9FDC2D29-9A10-4969-A15C-618BA2062FC7}" srcId="{6A272F34-4E2E-43B9-A856-EE122DA95607}" destId="{5607F6D2-4173-430F-B289-ADA41E04394C}" srcOrd="1" destOrd="0" parTransId="{051C8356-508D-4AE8-AE73-1B4819AED9A9}" sibTransId="{53CBE20F-3B42-4FFD-A6F3-A17BB44E8891}"/>
+    <dgm:cxn modelId="{65E17DEC-A852-4191-946B-02F88AFFD6FA}" type="presOf" srcId="{5607F6D2-4173-430F-B289-ADA41E04394C}" destId="{4D66EC53-1CA6-413A-9F89-66CFD243F937}" srcOrd="0" destOrd="2" presId="urn:microsoft.com/office/officeart/2005/8/layout/vList2"/>
     <dgm:cxn modelId="{A3194507-A09E-46E3-B60A-492C0AE6F1BD}" type="presOf" srcId="{E2064347-3A6B-40C6-9A77-7B1E070734C6}" destId="{74122C59-1730-48D0-B438-28EBF41A5A6E}" srcOrd="0" destOrd="0" presId="urn:microsoft.com/office/officeart/2005/8/layout/vList2"/>
-    <dgm:cxn modelId="{3DBBBB57-7895-4968-83B3-7662DFA2E66C}" type="presOf" srcId="{6A272F34-4E2E-43B9-A856-EE122DA95607}" destId="{4D66EC53-1CA6-413A-9F89-66CFD243F937}" srcOrd="0" destOrd="0" presId="urn:microsoft.com/office/officeart/2005/8/layout/vList2"/>
-    <dgm:cxn modelId="{53E2E3EF-9544-4D6C-8C55-DD682D65E69D}" type="presOf" srcId="{B2AD9000-78F3-40C3-B931-9701290B4538}" destId="{4D66EC53-1CA6-413A-9F89-66CFD243F937}" srcOrd="0" destOrd="5" presId="urn:microsoft.com/office/officeart/2005/8/layout/vList2"/>
-    <dgm:cxn modelId="{4BF4FFFA-50EB-476F-8BA6-98DDE060F75D}" type="presOf" srcId="{8C85D4A5-6E8E-487E-ABB0-4948D36DEB9F}" destId="{891FD0DA-C686-4503-8FB2-846B3FA28339}" srcOrd="0" destOrd="0" presId="urn:microsoft.com/office/officeart/2005/8/layout/vList2"/>
-    <dgm:cxn modelId="{C5B4F4C9-86C1-44D7-A9FA-D82ABFEE1116}" srcId="{E2064347-3A6B-40C6-9A77-7B1E070734C6}" destId="{BCCE90D1-CF19-429F-8B42-DA68EAA7BC59}" srcOrd="0" destOrd="0" parTransId="{2E538A94-4B8C-49B1-85B9-801B9674A16E}" sibTransId="{D0DB8EEC-1AE7-4E22-8DC2-5EDDCE8B5EFB}"/>
-    <dgm:cxn modelId="{C48E8472-8290-435A-90C0-8ED795054748}" type="presOf" srcId="{2B41155B-F098-478C-87D6-22BE3102106C}" destId="{4D66EC53-1CA6-413A-9F89-66CFD243F937}" srcOrd="0" destOrd="4" presId="urn:microsoft.com/office/officeart/2005/8/layout/vList2"/>
-    <dgm:cxn modelId="{65E17DEC-A852-4191-946B-02F88AFFD6FA}" type="presOf" srcId="{5607F6D2-4173-430F-B289-ADA41E04394C}" destId="{4D66EC53-1CA6-413A-9F89-66CFD243F937}" srcOrd="0" destOrd="2" presId="urn:microsoft.com/office/officeart/2005/8/layout/vList2"/>
-    <dgm:cxn modelId="{2C23F681-9483-485E-85EB-CA3E44E100F0}" type="presOf" srcId="{679C525F-BFB5-414B-9BCA-2C3B250B267B}" destId="{41CA6141-AE96-4880-992F-ABC551B279D4}" srcOrd="0" destOrd="0" presId="urn:microsoft.com/office/officeart/2005/8/layout/vList2"/>
-    <dgm:cxn modelId="{51484067-0FA9-4EC0-BE20-2A4032714BF7}" type="presOf" srcId="{19D40E92-2720-4AFD-B5A3-A683139940F7}" destId="{4D66EC53-1CA6-413A-9F89-66CFD243F937}" srcOrd="0" destOrd="1" presId="urn:microsoft.com/office/officeart/2005/8/layout/vList2"/>
+    <dgm:cxn modelId="{CE454F18-E4E7-4ECD-B0D8-7966C1AA13F6}" type="presOf" srcId="{2B3BDFAA-0C95-4189-B7C0-F8C0B59EF0F7}" destId="{891FD0DA-C686-4503-8FB2-846B3FA28339}" srcOrd="0" destOrd="1" presId="urn:microsoft.com/office/officeart/2005/8/layout/vList2"/>
     <dgm:cxn modelId="{BC1242CF-4C13-4CF2-A6A1-902B37B212A0}" type="presParOf" srcId="{74122C59-1730-48D0-B438-28EBF41A5A6E}" destId="{CA3AC844-2C66-4277-9E5A-7EB92D796C44}" srcOrd="0" destOrd="0" presId="urn:microsoft.com/office/officeart/2005/8/layout/vList2"/>
     <dgm:cxn modelId="{20DB4768-56DD-4468-816A-D63625F72509}" type="presParOf" srcId="{74122C59-1730-48D0-B438-28EBF41A5A6E}" destId="{891FD0DA-C686-4503-8FB2-846B3FA28339}" srcOrd="1" destOrd="0" presId="urn:microsoft.com/office/officeart/2005/8/layout/vList2"/>
     <dgm:cxn modelId="{3861D7AE-8BAA-40C3-9467-8F20505D2651}" type="presParOf" srcId="{74122C59-1730-48D0-B438-28EBF41A5A6E}" destId="{41CA6141-AE96-4880-992F-ABC551B279D4}" srcOrd="2" destOrd="0" presId="urn:microsoft.com/office/officeart/2005/8/layout/vList2"/>
@@ -12645,7 +13766,7 @@
 <dgm:dataModel xmlns:dgm="http://schemas.openxmlformats.org/drawingml/2006/diagram" xmlns:a="http://schemas.openxmlformats.org/drawingml/2006/main">
   <dgm:ptLst>
     <dgm:pt modelId="{DEF26ABC-B190-46C8-96D8-A908CD1FED0A}" type="doc">
-      <dgm:prSet loTypeId="urn:microsoft.com/office/officeart/2005/8/layout/vList2" loCatId="list" qsTypeId="urn:microsoft.com/office/officeart/2005/8/quickstyle/simple1" qsCatId="simple" csTypeId="urn:microsoft.com/office/officeart/2005/8/colors/accent1_2" csCatId="accent1"/>
+      <dgm:prSet loTypeId="urn:microsoft.com/office/officeart/2005/8/layout/vList2" loCatId="list" qsTypeId="urn:microsoft.com/office/officeart/2005/8/quickstyle/simple1" qsCatId="simple" csTypeId="urn:microsoft.com/office/officeart/2005/8/colors/accent1_2" csCatId="accent1" phldr="1"/>
       <dgm:spPr/>
       <dgm:t>
         <a:bodyPr/>
@@ -12816,10 +13937,10 @@
         <a:p>
           <a:pPr rtl="0"/>
           <a:r>
-            <a:rPr lang="en-US" smtClean="0"/>
-            <a:t>The biggie, JSLink on Content Types does not get called at all for Views; new, edit, and display forms only</a:t>
+            <a:rPr lang="en-US" dirty="0" smtClean="0"/>
+            <a:t>JSLink on Content Types does not get called at all for Views; new, edit, and display forms only</a:t>
           </a:r>
-          <a:endParaRPr lang="en-US"/>
+          <a:endParaRPr lang="en-US" dirty="0"/>
         </a:p>
       </dgm:t>
     </dgm:pt>
@@ -12854,10 +13975,10 @@
         <a:p>
           <a:pPr rtl="0"/>
           <a:r>
-            <a:rPr lang="en-US" smtClean="0"/>
+            <a:rPr lang="en-US" dirty="0" smtClean="0"/>
             <a:t>Again it cannot be set on some content types…including Event (i.e. no calendars) and Survey</a:t>
           </a:r>
-          <a:endParaRPr lang="en-US"/>
+          <a:endParaRPr lang="en-US" dirty="0"/>
         </a:p>
       </dgm:t>
     </dgm:pt>
@@ -12892,10 +14013,10 @@
         <a:p>
           <a:pPr rtl="0"/>
           <a:r>
-            <a:rPr lang="en-US" smtClean="0"/>
+            <a:rPr lang="en-US" dirty="0" smtClean="0"/>
             <a:t>The fact that JSLink is not supported doesn’t necessarily mean that CSR is not supported</a:t>
           </a:r>
-          <a:endParaRPr lang="en-US"/>
+          <a:endParaRPr lang="en-US" dirty="0"/>
         </a:p>
       </dgm:t>
     </dgm:pt>
@@ -12911,6 +14032,44 @@
       </dgm:t>
     </dgm:pt>
     <dgm:pt modelId="{D1C15638-EA78-459E-ABE9-B0CFF78A56A3}" type="sibTrans" cxnId="{B914C2D0-7299-4E93-8C5A-05D4B58F1978}">
+      <dgm:prSet/>
+      <dgm:spPr/>
+      <dgm:t>
+        <a:bodyPr/>
+        <a:lstStyle/>
+        <a:p>
+          <a:endParaRPr lang="en-US"/>
+        </a:p>
+      </dgm:t>
+    </dgm:pt>
+    <dgm:pt modelId="{C45BA6D4-DFC7-4368-9915-7687B430FDFB}">
+      <dgm:prSet/>
+      <dgm:spPr/>
+      <dgm:t>
+        <a:bodyPr/>
+        <a:lstStyle/>
+        <a:p>
+          <a:pPr rtl="0"/>
+          <a:r>
+            <a:rPr lang="en-US" dirty="0" smtClean="0"/>
+            <a:t>List Content Types do NOT get updated when you set the JSLink on site content types, even if you say push changes down</a:t>
+          </a:r>
+          <a:endParaRPr lang="en-US" dirty="0"/>
+        </a:p>
+      </dgm:t>
+    </dgm:pt>
+    <dgm:pt modelId="{ED2C92D7-4476-424F-858D-D8D29951F4BB}" type="parTrans" cxnId="{EEE1D88D-A86F-49B2-A737-D8E6C5D56C6D}">
+      <dgm:prSet/>
+      <dgm:spPr/>
+      <dgm:t>
+        <a:bodyPr/>
+        <a:lstStyle/>
+        <a:p>
+          <a:endParaRPr lang="en-US"/>
+        </a:p>
+      </dgm:t>
+    </dgm:pt>
+    <dgm:pt modelId="{91022CAB-C760-4865-9060-320402C521B1}" type="sibTrans" cxnId="{EEE1D88D-A86F-49B2-A737-D8E6C5D56C6D}">
       <dgm:prSet/>
       <dgm:spPr/>
       <dgm:t>
@@ -13002,18 +14161,20 @@
   </dgm:ptLst>
   <dgm:cxnLst>
     <dgm:cxn modelId="{FB014B08-BD7B-4975-9152-C53EE7173D6D}" type="presOf" srcId="{5D88F40D-1245-4595-9916-B2320ECEA7D8}" destId="{33E875D6-CACA-4832-88DC-C4CFAA2C9275}" srcOrd="0" destOrd="0" presId="urn:microsoft.com/office/officeart/2005/8/layout/vList2"/>
-    <dgm:cxn modelId="{A52D5DAD-035C-4027-A152-C016EE7B475E}" srcId="{5D88F40D-1245-4595-9916-B2320ECEA7D8}" destId="{F870F12A-4DDC-44C0-ABD4-2036AFA83C46}" srcOrd="1" destOrd="0" parTransId="{A675CC09-642B-4842-A467-DE636710E484}" sibTransId="{FD999BC8-8932-45D0-9CF3-D27E2FAB4F34}"/>
+    <dgm:cxn modelId="{A52D5DAD-035C-4027-A152-C016EE7B475E}" srcId="{5D88F40D-1245-4595-9916-B2320ECEA7D8}" destId="{F870F12A-4DDC-44C0-ABD4-2036AFA83C46}" srcOrd="2" destOrd="0" parTransId="{A675CC09-642B-4842-A467-DE636710E484}" sibTransId="{FD999BC8-8932-45D0-9CF3-D27E2FAB4F34}"/>
     <dgm:cxn modelId="{454FBFF0-49FE-4D42-803A-5E4D08D14410}" srcId="{21A0729F-507E-47ED-874D-318B2E32D534}" destId="{843CB915-AAC4-4C21-AEFC-8D25A4CF3D99}" srcOrd="1" destOrd="0" parTransId="{4E8FC077-9B0F-4976-8277-CE7DCC467A38}" sibTransId="{DED46354-772C-4399-BC26-AF31AD9A233C}"/>
-    <dgm:cxn modelId="{B914C2D0-7299-4E93-8C5A-05D4B58F1978}" srcId="{F870F12A-4DDC-44C0-ABD4-2036AFA83C46}" destId="{9F83F1F9-AC30-49E0-B7A1-45C03CDF6B15}" srcOrd="0" destOrd="0" parTransId="{DFAB2A63-EEE8-4F04-8D8F-54F4A565B5C3}" sibTransId="{D1C15638-EA78-459E-ABE9-B0CFF78A56A3}"/>
+    <dgm:cxn modelId="{B914C2D0-7299-4E93-8C5A-05D4B58F1978}" srcId="{5D88F40D-1245-4595-9916-B2320ECEA7D8}" destId="{9F83F1F9-AC30-49E0-B7A1-45C03CDF6B15}" srcOrd="3" destOrd="0" parTransId="{DFAB2A63-EEE8-4F04-8D8F-54F4A565B5C3}" sibTransId="{D1C15638-EA78-459E-ABE9-B0CFF78A56A3}"/>
     <dgm:cxn modelId="{6D665356-847A-4804-931B-E93EEE3A5052}" srcId="{5D88F40D-1245-4595-9916-B2320ECEA7D8}" destId="{425121C4-3AC1-4D47-A27A-4D55B92532C3}" srcOrd="0" destOrd="0" parTransId="{C318BF31-EC07-4F1D-AEEF-7FEF07BADAA0}" sibTransId="{C4F4B304-4A3F-44C2-A09E-CB736EF476B4}"/>
     <dgm:cxn modelId="{6D5F76E5-B51F-477F-B5E4-F2A9DD387D3D}" type="presOf" srcId="{21A0729F-507E-47ED-874D-318B2E32D534}" destId="{F4BD8C17-4D40-4A8E-A2E4-2B294FB4C492}" srcOrd="0" destOrd="0" presId="urn:microsoft.com/office/officeart/2005/8/layout/vList2"/>
-    <dgm:cxn modelId="{22A7E9D9-35AF-4E77-A1F1-2E95C59BF204}" type="presOf" srcId="{F870F12A-4DDC-44C0-ABD4-2036AFA83C46}" destId="{7188A1C8-E603-416D-8EA5-2D5ACD83B507}" srcOrd="0" destOrd="1" presId="urn:microsoft.com/office/officeart/2005/8/layout/vList2"/>
+    <dgm:cxn modelId="{65DA1F3B-40E9-445E-9B76-2D4A68787E17}" type="presOf" srcId="{C45BA6D4-DFC7-4368-9915-7687B430FDFB}" destId="{7188A1C8-E603-416D-8EA5-2D5ACD83B507}" srcOrd="0" destOrd="1" presId="urn:microsoft.com/office/officeart/2005/8/layout/vList2"/>
+    <dgm:cxn modelId="{22A7E9D9-35AF-4E77-A1F1-2E95C59BF204}" type="presOf" srcId="{F870F12A-4DDC-44C0-ABD4-2036AFA83C46}" destId="{7188A1C8-E603-416D-8EA5-2D5ACD83B507}" srcOrd="0" destOrd="2" presId="urn:microsoft.com/office/officeart/2005/8/layout/vList2"/>
     <dgm:cxn modelId="{92035A97-23EC-46D0-BD6C-CC3E4DD1B795}" srcId="{DEF26ABC-B190-46C8-96D8-A908CD1FED0A}" destId="{21A0729F-507E-47ED-874D-318B2E32D534}" srcOrd="0" destOrd="0" parTransId="{57996792-2017-4253-84D1-06468F794BC0}" sibTransId="{6EE5BDC9-4293-4F3B-A107-C8114D537AE2}"/>
     <dgm:cxn modelId="{05249B42-A371-4ADF-936C-23B55F6AEEF7}" srcId="{DEF26ABC-B190-46C8-96D8-A908CD1FED0A}" destId="{5D88F40D-1245-4595-9916-B2320ECEA7D8}" srcOrd="1" destOrd="0" parTransId="{2F0C993F-A9DE-4D3D-8546-73D7A6C9C9A5}" sibTransId="{CAF1C5F4-9270-48D6-A9C5-0A747A393CC4}"/>
-    <dgm:cxn modelId="{9C58D99E-ED4C-4A9C-B889-5B4C95DA513B}" type="presOf" srcId="{9F83F1F9-AC30-49E0-B7A1-45C03CDF6B15}" destId="{7188A1C8-E603-416D-8EA5-2D5ACD83B507}" srcOrd="0" destOrd="2" presId="urn:microsoft.com/office/officeart/2005/8/layout/vList2"/>
+    <dgm:cxn modelId="{9C58D99E-ED4C-4A9C-B889-5B4C95DA513B}" type="presOf" srcId="{9F83F1F9-AC30-49E0-B7A1-45C03CDF6B15}" destId="{7188A1C8-E603-416D-8EA5-2D5ACD83B507}" srcOrd="0" destOrd="3" presId="urn:microsoft.com/office/officeart/2005/8/layout/vList2"/>
     <dgm:cxn modelId="{2573093A-7518-4E82-92AC-AA016B0BE68B}" srcId="{21A0729F-507E-47ED-874D-318B2E32D534}" destId="{F0D48443-E86C-4C2A-A0D1-0E5F2FC66EF0}" srcOrd="0" destOrd="0" parTransId="{3AAFC1F2-0730-4CEA-A844-F64DBE16249B}" sibTransId="{F7507236-BE38-46BB-80DC-DB4023F8ACCB}"/>
     <dgm:cxn modelId="{4C2E3733-5C18-4067-B868-925962557CF0}" type="presOf" srcId="{DEF26ABC-B190-46C8-96D8-A908CD1FED0A}" destId="{B3589626-F446-4C14-B161-2B8979287543}" srcOrd="0" destOrd="0" presId="urn:microsoft.com/office/officeart/2005/8/layout/vList2"/>
     <dgm:cxn modelId="{7A1B6878-B669-4DF0-AC6F-45F520144780}" type="presOf" srcId="{425121C4-3AC1-4D47-A27A-4D55B92532C3}" destId="{7188A1C8-E603-416D-8EA5-2D5ACD83B507}" srcOrd="0" destOrd="0" presId="urn:microsoft.com/office/officeart/2005/8/layout/vList2"/>
+    <dgm:cxn modelId="{EEE1D88D-A86F-49B2-A737-D8E6C5D56C6D}" srcId="{5D88F40D-1245-4595-9916-B2320ECEA7D8}" destId="{C45BA6D4-DFC7-4368-9915-7687B430FDFB}" srcOrd="1" destOrd="0" parTransId="{ED2C92D7-4476-424F-858D-D8D29951F4BB}" sibTransId="{91022CAB-C760-4865-9060-320402C521B1}"/>
     <dgm:cxn modelId="{B259541E-AC07-4C85-B3FA-656742A4D1D6}" type="presOf" srcId="{843CB915-AAC4-4C21-AEFC-8D25A4CF3D99}" destId="{5A95E0BC-F563-40DF-B475-D53015EB85A6}" srcOrd="0" destOrd="1" presId="urn:microsoft.com/office/officeart/2005/8/layout/vList2"/>
     <dgm:cxn modelId="{11490B7B-92F3-45FF-90CF-171B787EFB09}" type="presOf" srcId="{F0D48443-E86C-4C2A-A0D1-0E5F2FC66EF0}" destId="{5A95E0BC-F563-40DF-B475-D53015EB85A6}" srcOrd="0" destOrd="0" presId="urn:microsoft.com/office/officeart/2005/8/layout/vList2"/>
     <dgm:cxn modelId="{BF8C5730-0397-4D6D-851C-918C17A81523}" type="presParOf" srcId="{B3589626-F446-4C14-B161-2B8979287543}" destId="{F4BD8C17-4D40-4A8E-A2E4-2B294FB4C492}" srcOrd="0" destOrd="0" presId="urn:microsoft.com/office/officeart/2005/8/layout/vList2"/>
@@ -13492,10 +14653,10 @@
             </a:spcAft>
           </a:pPr>
           <a:r>
-            <a:rPr lang="en-US" sz="2700" kern="1200" smtClean="0"/>
+            <a:rPr lang="en-US" sz="2700" kern="1200" dirty="0" smtClean="0"/>
             <a:t>Pros</a:t>
           </a:r>
-          <a:endParaRPr lang="en-US" sz="2700" kern="1200"/>
+          <a:endParaRPr lang="en-US" sz="2700" kern="1200" dirty="0"/>
         </a:p>
       </dsp:txBody>
       <dsp:txXfrm>
@@ -13650,10 +14811,10 @@
             </a:spcAft>
           </a:pPr>
           <a:r>
-            <a:rPr lang="en-US" sz="2700" kern="1200" smtClean="0"/>
+            <a:rPr lang="en-US" sz="2700" kern="1200" dirty="0" smtClean="0"/>
             <a:t>Cons</a:t>
           </a:r>
-          <a:endParaRPr lang="en-US" sz="2700" kern="1200"/>
+          <a:endParaRPr lang="en-US" sz="2700" kern="1200" dirty="0"/>
         </a:p>
       </dsp:txBody>
       <dsp:txXfrm>
@@ -13900,10 +15061,10 @@
             <a:buChar char="••"/>
           </a:pPr>
           <a:r>
-            <a:rPr lang="en-US" sz="2300" kern="1200" smtClean="0"/>
+            <a:rPr lang="en-US" sz="2300" kern="1200" dirty="0" smtClean="0"/>
             <a:t>This is kind of the nuclear option, your code gets loaded everywhere (obviously, that can also be a con)</a:t>
           </a:r>
-          <a:endParaRPr lang="en-US" sz="2300" kern="1200"/>
+          <a:endParaRPr lang="en-US" sz="2300" kern="1200" dirty="0"/>
         </a:p>
       </dsp:txBody>
       <dsp:txXfrm>
@@ -14092,6 +15253,323 @@
 </dsp:drawing>
 </file>
 
+<file path=ppt/diagrams/drawing12.xml><?xml version="1.0" encoding="utf-8"?>
+<dsp:drawing xmlns:dgm="http://schemas.openxmlformats.org/drawingml/2006/diagram" xmlns:dsp="http://schemas.microsoft.com/office/drawing/2008/diagram" xmlns:a="http://schemas.openxmlformats.org/drawingml/2006/main">
+  <dsp:spTree>
+    <dsp:nvGrpSpPr>
+      <dsp:cNvPr id="0" name=""/>
+      <dsp:cNvGrpSpPr/>
+    </dsp:nvGrpSpPr>
+    <dsp:grpSpPr/>
+    <dsp:sp modelId="{EA38CC6F-8CB8-4C1D-9F3E-2DCCAD2A0C3E}">
+      <dsp:nvSpPr>
+        <dsp:cNvPr id="0" name=""/>
+        <dsp:cNvSpPr/>
+      </dsp:nvSpPr>
+      <dsp:spPr>
+        <a:xfrm>
+          <a:off x="0" y="432030"/>
+          <a:ext cx="10515600" cy="720087"/>
+        </a:xfrm>
+        <a:prstGeom prst="roundRect">
+          <a:avLst/>
+        </a:prstGeom>
+        <a:solidFill>
+          <a:schemeClr val="accent1">
+            <a:hueOff val="0"/>
+            <a:satOff val="0"/>
+            <a:lumOff val="0"/>
+            <a:alphaOff val="0"/>
+          </a:schemeClr>
+        </a:solidFill>
+        <a:ln w="12700" cap="flat" cmpd="sng" algn="ctr">
+          <a:solidFill>
+            <a:schemeClr val="lt1">
+              <a:hueOff val="0"/>
+              <a:satOff val="0"/>
+              <a:lumOff val="0"/>
+              <a:alphaOff val="0"/>
+            </a:schemeClr>
+          </a:solidFill>
+          <a:prstDash val="solid"/>
+          <a:miter lim="800000"/>
+        </a:ln>
+        <a:effectLst/>
+      </dsp:spPr>
+      <dsp:style>
+        <a:lnRef idx="2">
+          <a:scrgbClr r="0" g="0" b="0"/>
+        </a:lnRef>
+        <a:fillRef idx="1">
+          <a:scrgbClr r="0" g="0" b="0"/>
+        </a:fillRef>
+        <a:effectRef idx="0">
+          <a:scrgbClr r="0" g="0" b="0"/>
+        </a:effectRef>
+        <a:fontRef idx="minor">
+          <a:schemeClr val="lt1"/>
+        </a:fontRef>
+      </dsp:style>
+      <dsp:txBody>
+        <a:bodyPr spcFirstLastPara="0" vert="horz" wrap="square" lIns="102870" tIns="102870" rIns="102870" bIns="102870" numCol="1" spcCol="1270" anchor="ctr" anchorCtr="0">
+          <a:noAutofit/>
+        </a:bodyPr>
+        <a:lstStyle/>
+        <a:p>
+          <a:pPr lvl="0" algn="l" defTabSz="1200150" rtl="0">
+            <a:lnSpc>
+              <a:spcPct val="90000"/>
+            </a:lnSpc>
+            <a:spcBef>
+              <a:spcPct val="0"/>
+            </a:spcBef>
+            <a:spcAft>
+              <a:spcPct val="35000"/>
+            </a:spcAft>
+          </a:pPr>
+          <a:r>
+            <a:rPr lang="en-US" sz="2700" kern="1200" smtClean="0"/>
+            <a:t>Pros</a:t>
+          </a:r>
+          <a:endParaRPr lang="en-US" sz="2700" kern="1200"/>
+        </a:p>
+      </dsp:txBody>
+      <dsp:txXfrm>
+        <a:off x="35152" y="467182"/>
+        <a:ext cx="10445296" cy="649783"/>
+      </dsp:txXfrm>
+    </dsp:sp>
+    <dsp:sp modelId="{DE0058FF-A247-4DCE-83D5-23CDCC3770AD}">
+      <dsp:nvSpPr>
+        <dsp:cNvPr id="0" name=""/>
+        <dsp:cNvSpPr/>
+      </dsp:nvSpPr>
+      <dsp:spPr>
+        <a:xfrm>
+          <a:off x="0" y="1152117"/>
+          <a:ext cx="10515600" cy="1059840"/>
+        </a:xfrm>
+        <a:prstGeom prst="rect">
+          <a:avLst/>
+        </a:prstGeom>
+        <a:noFill/>
+        <a:ln>
+          <a:noFill/>
+        </a:ln>
+        <a:effectLst/>
+      </dsp:spPr>
+      <dsp:style>
+        <a:lnRef idx="0">
+          <a:scrgbClr r="0" g="0" b="0"/>
+        </a:lnRef>
+        <a:fillRef idx="0">
+          <a:scrgbClr r="0" g="0" b="0"/>
+        </a:fillRef>
+        <a:effectRef idx="0">
+          <a:scrgbClr r="0" g="0" b="0"/>
+        </a:effectRef>
+        <a:fontRef idx="minor"/>
+      </dsp:style>
+      <dsp:txBody>
+        <a:bodyPr spcFirstLastPara="0" vert="horz" wrap="square" lIns="333870" tIns="35560" rIns="199136" bIns="35560" numCol="1" spcCol="1270" anchor="t" anchorCtr="0">
+          <a:noAutofit/>
+        </a:bodyPr>
+        <a:lstStyle/>
+        <a:p>
+          <a:pPr marL="285750" lvl="1" indent="-285750" algn="l" defTabSz="1244600" rtl="0">
+            <a:lnSpc>
+              <a:spcPct val="90000"/>
+            </a:lnSpc>
+            <a:spcBef>
+              <a:spcPct val="0"/>
+            </a:spcBef>
+            <a:spcAft>
+              <a:spcPct val="20000"/>
+            </a:spcAft>
+            <a:buChar char="••"/>
+          </a:pPr>
+          <a:r>
+            <a:rPr lang="en-US" sz="2800" kern="1200" dirty="0" smtClean="0"/>
+            <a:t>Easy to deploy</a:t>
+          </a:r>
+          <a:endParaRPr lang="en-US" sz="2800" kern="1200" dirty="0"/>
+        </a:p>
+        <a:p>
+          <a:pPr marL="285750" lvl="1" indent="-285750" algn="l" defTabSz="1244600" rtl="0">
+            <a:lnSpc>
+              <a:spcPct val="90000"/>
+            </a:lnSpc>
+            <a:spcBef>
+              <a:spcPct val="0"/>
+            </a:spcBef>
+            <a:spcAft>
+              <a:spcPct val="20000"/>
+            </a:spcAft>
+            <a:buChar char="••"/>
+          </a:pPr>
+          <a:r>
+            <a:rPr lang="en-US" sz="2800" kern="1200" dirty="0" smtClean="0"/>
+            <a:t>Even easier to reuse</a:t>
+          </a:r>
+          <a:endParaRPr lang="en-US" sz="2800" kern="1200" dirty="0"/>
+        </a:p>
+      </dsp:txBody>
+      <dsp:txXfrm>
+        <a:off x="0" y="1152117"/>
+        <a:ext cx="10515600" cy="1059840"/>
+      </dsp:txXfrm>
+    </dsp:sp>
+    <dsp:sp modelId="{4167D577-FD8B-42CD-A696-16952CB882E0}">
+      <dsp:nvSpPr>
+        <dsp:cNvPr id="0" name=""/>
+        <dsp:cNvSpPr/>
+      </dsp:nvSpPr>
+      <dsp:spPr>
+        <a:xfrm>
+          <a:off x="0" y="2097431"/>
+          <a:ext cx="10515600" cy="647510"/>
+        </a:xfrm>
+        <a:prstGeom prst="roundRect">
+          <a:avLst/>
+        </a:prstGeom>
+        <a:solidFill>
+          <a:schemeClr val="accent1">
+            <a:hueOff val="0"/>
+            <a:satOff val="0"/>
+            <a:lumOff val="0"/>
+            <a:alphaOff val="0"/>
+          </a:schemeClr>
+        </a:solidFill>
+        <a:ln w="12700" cap="flat" cmpd="sng" algn="ctr">
+          <a:solidFill>
+            <a:schemeClr val="lt1">
+              <a:hueOff val="0"/>
+              <a:satOff val="0"/>
+              <a:lumOff val="0"/>
+              <a:alphaOff val="0"/>
+            </a:schemeClr>
+          </a:solidFill>
+          <a:prstDash val="solid"/>
+          <a:miter lim="800000"/>
+        </a:ln>
+        <a:effectLst/>
+      </dsp:spPr>
+      <dsp:style>
+        <a:lnRef idx="2">
+          <a:scrgbClr r="0" g="0" b="0"/>
+        </a:lnRef>
+        <a:fillRef idx="1">
+          <a:scrgbClr r="0" g="0" b="0"/>
+        </a:fillRef>
+        <a:effectRef idx="0">
+          <a:scrgbClr r="0" g="0" b="0"/>
+        </a:effectRef>
+        <a:fontRef idx="minor">
+          <a:schemeClr val="lt1"/>
+        </a:fontRef>
+      </dsp:style>
+      <dsp:txBody>
+        <a:bodyPr spcFirstLastPara="0" vert="horz" wrap="square" lIns="102870" tIns="102870" rIns="102870" bIns="102870" numCol="1" spcCol="1270" anchor="ctr" anchorCtr="0">
+          <a:noAutofit/>
+        </a:bodyPr>
+        <a:lstStyle/>
+        <a:p>
+          <a:pPr lvl="0" algn="l" defTabSz="1200150" rtl="0">
+            <a:lnSpc>
+              <a:spcPct val="90000"/>
+            </a:lnSpc>
+            <a:spcBef>
+              <a:spcPct val="0"/>
+            </a:spcBef>
+            <a:spcAft>
+              <a:spcPct val="35000"/>
+            </a:spcAft>
+          </a:pPr>
+          <a:r>
+            <a:rPr lang="en-US" sz="2700" kern="1200" smtClean="0"/>
+            <a:t>Cons</a:t>
+          </a:r>
+          <a:endParaRPr lang="en-US" sz="2700" kern="1200"/>
+        </a:p>
+      </dsp:txBody>
+      <dsp:txXfrm>
+        <a:off x="31609" y="2129040"/>
+        <a:ext cx="10452382" cy="584292"/>
+      </dsp:txXfrm>
+    </dsp:sp>
+    <dsp:sp modelId="{2834D177-C254-44E0-851D-F4CD0F43CAAB}">
+      <dsp:nvSpPr>
+        <dsp:cNvPr id="0" name=""/>
+        <dsp:cNvSpPr/>
+      </dsp:nvSpPr>
+      <dsp:spPr>
+        <a:xfrm>
+          <a:off x="0" y="2863474"/>
+          <a:ext cx="10515600" cy="1059840"/>
+        </a:xfrm>
+        <a:prstGeom prst="rect">
+          <a:avLst/>
+        </a:prstGeom>
+        <a:noFill/>
+        <a:ln>
+          <a:noFill/>
+        </a:ln>
+        <a:effectLst/>
+      </dsp:spPr>
+      <dsp:style>
+        <a:lnRef idx="0">
+          <a:scrgbClr r="0" g="0" b="0"/>
+        </a:lnRef>
+        <a:fillRef idx="0">
+          <a:scrgbClr r="0" g="0" b="0"/>
+        </a:fillRef>
+        <a:effectRef idx="0">
+          <a:scrgbClr r="0" g="0" b="0"/>
+        </a:effectRef>
+        <a:fontRef idx="minor"/>
+      </dsp:style>
+      <dsp:txBody>
+        <a:bodyPr spcFirstLastPara="0" vert="horz" wrap="square" lIns="333870" tIns="35560" rIns="199136" bIns="35560" numCol="1" spcCol="1270" anchor="t" anchorCtr="0">
+          <a:noAutofit/>
+        </a:bodyPr>
+        <a:lstStyle/>
+        <a:p>
+          <a:pPr marL="285750" lvl="1" indent="-285750" algn="l" defTabSz="1244600" rtl="0">
+            <a:lnSpc>
+              <a:spcPct val="90000"/>
+            </a:lnSpc>
+            <a:spcBef>
+              <a:spcPct val="0"/>
+            </a:spcBef>
+            <a:spcAft>
+              <a:spcPct val="20000"/>
+            </a:spcAft>
+            <a:buChar char="••"/>
+          </a:pPr>
+          <a:r>
+            <a:rPr lang="en-US" sz="2800" kern="1200" dirty="0" smtClean="0"/>
+            <a:t>I got </a:t>
+          </a:r>
+          <a:r>
+            <a:rPr lang="en-US" sz="2800" kern="1200" dirty="0" err="1" smtClean="0"/>
+            <a:t>nothin</a:t>
+          </a:r>
+          <a:r>
+            <a:rPr lang="en-US" sz="2800" kern="1200" dirty="0" smtClean="0"/>
+            <a:t>’, this is pure goodness</a:t>
+          </a:r>
+          <a:endParaRPr lang="en-US" sz="2800" kern="1200" dirty="0"/>
+        </a:p>
+      </dsp:txBody>
+      <dsp:txXfrm>
+        <a:off x="0" y="2863474"/>
+        <a:ext cx="10515600" cy="1059840"/>
+      </dsp:txXfrm>
+    </dsp:sp>
+  </dsp:spTree>
+</dsp:drawing>
+</file>
+
 <file path=ppt/diagrams/drawing2.xml><?xml version="1.0" encoding="utf-8"?>
 <dsp:drawing xmlns:dgm="http://schemas.openxmlformats.org/drawingml/2006/diagram" xmlns:dsp="http://schemas.microsoft.com/office/drawing/2008/diagram" xmlns:a="http://schemas.openxmlformats.org/drawingml/2006/main">
   <dsp:spTree>
@@ -14114,9 +15592,7 @@
           <a:avLst/>
         </a:prstGeom>
         <a:solidFill>
-          <a:schemeClr val="accent1">
-            <a:lumMod val="50000"/>
-          </a:schemeClr>
+          <a:srgbClr val="2A6BA6"/>
         </a:solidFill>
         <a:ln w="12700" cap="flat" cmpd="sng" algn="ctr">
           <a:solidFill>
@@ -14189,9 +15665,7 @@
           <a:avLst/>
         </a:prstGeom>
         <a:solidFill>
-          <a:schemeClr val="accent6">
-            <a:lumMod val="50000"/>
-          </a:schemeClr>
+          <a:srgbClr val="4A742E"/>
         </a:solidFill>
         <a:ln w="12700" cap="flat" cmpd="sng" algn="ctr">
           <a:solidFill>
@@ -15421,9 +16895,7 @@
           <a:avLst/>
         </a:prstGeom>
         <a:solidFill>
-          <a:schemeClr val="accent1">
-            <a:lumMod val="50000"/>
-          </a:schemeClr>
+          <a:srgbClr val="2E74B4"/>
         </a:solidFill>
         <a:ln w="12700" cap="flat" cmpd="sng" algn="ctr">
           <a:solidFill>
@@ -15496,9 +16968,7 @@
           <a:avLst/>
         </a:prstGeom>
         <a:solidFill>
-          <a:schemeClr val="accent2">
-            <a:lumMod val="50000"/>
-          </a:schemeClr>
+          <a:srgbClr val="BB5611"/>
         </a:solidFill>
         <a:ln w="12700" cap="flat" cmpd="sng" algn="ctr">
           <a:solidFill>
@@ -15653,9 +17123,7 @@
           <a:avLst/>
         </a:prstGeom>
         <a:solidFill>
-          <a:schemeClr val="accent6">
-            <a:lumMod val="50000"/>
-          </a:schemeClr>
+          <a:srgbClr val="4F7B31"/>
         </a:solidFill>
         <a:ln w="12700" cap="flat" cmpd="sng" algn="ctr">
           <a:solidFill>
@@ -16075,7 +17543,7 @@
       </dsp:nvSpPr>
       <dsp:spPr>
         <a:xfrm>
-          <a:off x="1985569" y="2641553"/>
+          <a:off x="0" y="2641553"/>
           <a:ext cx="3610127" cy="2166076"/>
         </a:xfrm>
         <a:prstGeom prst="rect">
@@ -16137,7 +17605,7 @@
         </a:p>
       </dsp:txBody>
       <dsp:txXfrm>
-        <a:off x="1985569" y="2641553"/>
+        <a:off x="0" y="2641553"/>
         <a:ext cx="3610127" cy="2166076"/>
       </dsp:txXfrm>
     </dsp:sp>
@@ -16148,7 +17616,7 @@
       </dsp:nvSpPr>
       <dsp:spPr>
         <a:xfrm>
-          <a:off x="5956709" y="2641553"/>
+          <a:off x="3971139" y="2641553"/>
           <a:ext cx="3610127" cy="2166076"/>
         </a:xfrm>
         <a:prstGeom prst="rect">
@@ -16210,7 +17678,80 @@
         </a:p>
       </dsp:txBody>
       <dsp:txXfrm>
-        <a:off x="5956709" y="2641553"/>
+        <a:off x="3971139" y="2641553"/>
+        <a:ext cx="3610127" cy="2166076"/>
+      </dsp:txXfrm>
+    </dsp:sp>
+    <dsp:sp modelId="{0C876DB3-9468-4FFB-90A8-728FEBF59780}">
+      <dsp:nvSpPr>
+        <dsp:cNvPr id="0" name=""/>
+        <dsp:cNvSpPr/>
+      </dsp:nvSpPr>
+      <dsp:spPr>
+        <a:xfrm>
+          <a:off x="7942279" y="2641553"/>
+          <a:ext cx="3610127" cy="2166076"/>
+        </a:xfrm>
+        <a:prstGeom prst="rect">
+          <a:avLst/>
+        </a:prstGeom>
+        <a:solidFill>
+          <a:srgbClr val="FF4747"/>
+        </a:solidFill>
+        <a:ln w="12700" cap="flat" cmpd="sng" algn="ctr">
+          <a:solidFill>
+            <a:schemeClr val="lt1">
+              <a:hueOff val="0"/>
+              <a:satOff val="0"/>
+              <a:lumOff val="0"/>
+              <a:alphaOff val="0"/>
+            </a:schemeClr>
+          </a:solidFill>
+          <a:prstDash val="solid"/>
+          <a:miter lim="800000"/>
+        </a:ln>
+        <a:effectLst/>
+      </dsp:spPr>
+      <dsp:style>
+        <a:lnRef idx="2">
+          <a:scrgbClr r="0" g="0" b="0"/>
+        </a:lnRef>
+        <a:fillRef idx="1">
+          <a:scrgbClr r="0" g="0" b="0"/>
+        </a:fillRef>
+        <a:effectRef idx="0">
+          <a:scrgbClr r="0" g="0" b="0"/>
+        </a:effectRef>
+        <a:fontRef idx="minor">
+          <a:schemeClr val="lt1"/>
+        </a:fontRef>
+      </dsp:style>
+      <dsp:txBody>
+        <a:bodyPr spcFirstLastPara="0" vert="horz" wrap="square" lIns="95250" tIns="95250" rIns="95250" bIns="95250" numCol="1" spcCol="1270" anchor="ctr" anchorCtr="0">
+          <a:noAutofit/>
+        </a:bodyPr>
+        <a:lstStyle/>
+        <a:p>
+          <a:pPr lvl="0" algn="ctr" defTabSz="1111250" rtl="0">
+            <a:lnSpc>
+              <a:spcPct val="90000"/>
+            </a:lnSpc>
+            <a:spcBef>
+              <a:spcPct val="0"/>
+            </a:spcBef>
+            <a:spcAft>
+              <a:spcPct val="35000"/>
+            </a:spcAft>
+          </a:pPr>
+          <a:r>
+            <a:rPr lang="en-US" sz="2500" kern="1200" dirty="0" smtClean="0"/>
+            <a:t>Place as stand-lone Display Templates in the Master Page Gallery</a:t>
+          </a:r>
+          <a:endParaRPr lang="en-US" sz="2500" kern="1200" dirty="0"/>
+        </a:p>
+      </dsp:txBody>
+      <dsp:txXfrm>
+        <a:off x="7942279" y="2641553"/>
         <a:ext cx="3610127" cy="2166076"/>
       </dsp:txXfrm>
     </dsp:sp>
@@ -17022,7 +18563,7 @@
       </dsp:nvSpPr>
       <dsp:spPr>
         <a:xfrm>
-          <a:off x="0" y="172741"/>
+          <a:off x="0" y="59550"/>
           <a:ext cx="10515600" cy="647595"/>
         </a:xfrm>
         <a:prstGeom prst="roundRect">
@@ -17089,7 +18630,7 @@
         </a:p>
       </dsp:txBody>
       <dsp:txXfrm>
-        <a:off x="31613" y="204354"/>
+        <a:off x="31613" y="91163"/>
         <a:ext cx="10452374" cy="584369"/>
       </dsp:txXfrm>
     </dsp:sp>
@@ -17100,7 +18641,7 @@
       </dsp:nvSpPr>
       <dsp:spPr>
         <a:xfrm>
-          <a:off x="0" y="820336"/>
+          <a:off x="0" y="707145"/>
           <a:ext cx="10515600" cy="1033964"/>
         </a:xfrm>
         <a:prstGeom prst="rect">
@@ -17169,7 +18710,7 @@
         </a:p>
       </dsp:txBody>
       <dsp:txXfrm>
-        <a:off x="0" y="820336"/>
+        <a:off x="0" y="707145"/>
         <a:ext cx="10515600" cy="1033964"/>
       </dsp:txXfrm>
     </dsp:sp>
@@ -17180,7 +18721,7 @@
       </dsp:nvSpPr>
       <dsp:spPr>
         <a:xfrm>
-          <a:off x="0" y="1854301"/>
+          <a:off x="0" y="1741110"/>
           <a:ext cx="10515600" cy="647595"/>
         </a:xfrm>
         <a:prstGeom prst="roundRect">
@@ -17247,7 +18788,7 @@
         </a:p>
       </dsp:txBody>
       <dsp:txXfrm>
-        <a:off x="31613" y="1885914"/>
+        <a:off x="31613" y="1772723"/>
         <a:ext cx="10452374" cy="584369"/>
       </dsp:txXfrm>
     </dsp:sp>
@@ -17258,8 +18799,8 @@
       </dsp:nvSpPr>
       <dsp:spPr>
         <a:xfrm>
-          <a:off x="0" y="2501896"/>
-          <a:ext cx="10515600" cy="1676699"/>
+          <a:off x="0" y="2388705"/>
+          <a:ext cx="10515600" cy="2347379"/>
         </a:xfrm>
         <a:prstGeom prst="rect">
           <a:avLst/>
@@ -17301,10 +18842,10 @@
             <a:buChar char="••"/>
           </a:pPr>
           <a:r>
-            <a:rPr lang="en-US" sz="2100" kern="1200" smtClean="0"/>
-            <a:t>The biggie, JSLink on Content Types does not get called at all for Views; new, edit, and display forms only</a:t>
+            <a:rPr lang="en-US" sz="2100" kern="1200" dirty="0" smtClean="0"/>
+            <a:t>JSLink on Content Types does not get called at all for Views; new, edit, and display forms only</a:t>
           </a:r>
-          <a:endParaRPr lang="en-US" sz="2100" kern="1200"/>
+          <a:endParaRPr lang="en-US" sz="2100" kern="1200" dirty="0"/>
         </a:p>
         <a:p>
           <a:pPr marL="228600" lvl="1" indent="-228600" algn="l" defTabSz="933450" rtl="0">
@@ -17320,13 +18861,13 @@
             <a:buChar char="••"/>
           </a:pPr>
           <a:r>
-            <a:rPr lang="en-US" sz="2100" kern="1200" smtClean="0"/>
-            <a:t>Again it cannot be set on some content types…including Event (i.e. no calendars) and Survey</a:t>
+            <a:rPr lang="en-US" sz="2100" kern="1200" dirty="0" smtClean="0"/>
+            <a:t>List Content Types do NOT get updated when you set the JSLink on site content types, even if you say push changes down</a:t>
           </a:r>
-          <a:endParaRPr lang="en-US" sz="2100" kern="1200"/>
-        </a:p>
-        <a:p>
-          <a:pPr marL="457200" lvl="2" indent="-228600" algn="l" defTabSz="933450" rtl="0">
+          <a:endParaRPr lang="en-US" sz="2100" kern="1200" dirty="0"/>
+        </a:p>
+        <a:p>
+          <a:pPr marL="228600" lvl="1" indent="-228600" algn="l" defTabSz="933450" rtl="0">
             <a:lnSpc>
               <a:spcPct val="90000"/>
             </a:lnSpc>
@@ -17339,15 +18880,34 @@
             <a:buChar char="••"/>
           </a:pPr>
           <a:r>
-            <a:rPr lang="en-US" sz="2100" kern="1200" smtClean="0"/>
+            <a:rPr lang="en-US" sz="2100" kern="1200" dirty="0" smtClean="0"/>
+            <a:t>Again it cannot be set on some content types…including Event (i.e. no calendars) and Survey</a:t>
+          </a:r>
+          <a:endParaRPr lang="en-US" sz="2100" kern="1200" dirty="0"/>
+        </a:p>
+        <a:p>
+          <a:pPr marL="228600" lvl="1" indent="-228600" algn="l" defTabSz="933450" rtl="0">
+            <a:lnSpc>
+              <a:spcPct val="90000"/>
+            </a:lnSpc>
+            <a:spcBef>
+              <a:spcPct val="0"/>
+            </a:spcBef>
+            <a:spcAft>
+              <a:spcPct val="20000"/>
+            </a:spcAft>
+            <a:buChar char="••"/>
+          </a:pPr>
+          <a:r>
+            <a:rPr lang="en-US" sz="2100" kern="1200" dirty="0" smtClean="0"/>
             <a:t>The fact that JSLink is not supported doesn’t necessarily mean that CSR is not supported</a:t>
           </a:r>
-          <a:endParaRPr lang="en-US" sz="2100" kern="1200"/>
+          <a:endParaRPr lang="en-US" sz="2100" kern="1200" dirty="0"/>
         </a:p>
       </dsp:txBody>
       <dsp:txXfrm>
-        <a:off x="0" y="2501896"/>
-        <a:ext cx="10515600" cy="1676699"/>
+        <a:off x="0" y="2388705"/>
+        <a:ext cx="10515600" cy="2347379"/>
       </dsp:txXfrm>
     </dsp:sp>
   </dsp:spTree>
@@ -17741,6 +19301,173 @@
 </file>
 
 <file path=ppt/diagrams/layout11.xml><?xml version="1.0" encoding="utf-8"?>
+<dgm:layoutDef xmlns:dgm="http://schemas.openxmlformats.org/drawingml/2006/diagram" xmlns:a="http://schemas.openxmlformats.org/drawingml/2006/main" uniqueId="urn:microsoft.com/office/officeart/2005/8/layout/vList2">
+  <dgm:title val=""/>
+  <dgm:desc val=""/>
+  <dgm:catLst>
+    <dgm:cat type="list" pri="3000"/>
+    <dgm:cat type="convert" pri="1000"/>
+  </dgm:catLst>
+  <dgm:sampData>
+    <dgm:dataModel>
+      <dgm:ptLst>
+        <dgm:pt modelId="0" type="doc"/>
+        <dgm:pt modelId="1">
+          <dgm:prSet phldr="1"/>
+        </dgm:pt>
+        <dgm:pt modelId="11">
+          <dgm:prSet phldr="1"/>
+        </dgm:pt>
+        <dgm:pt modelId="2">
+          <dgm:prSet phldr="1"/>
+        </dgm:pt>
+        <dgm:pt modelId="21">
+          <dgm:prSet phldr="1"/>
+        </dgm:pt>
+      </dgm:ptLst>
+      <dgm:cxnLst>
+        <dgm:cxn modelId="4" srcId="0" destId="1" srcOrd="0" destOrd="0"/>
+        <dgm:cxn modelId="5" srcId="0" destId="2" srcOrd="1" destOrd="0"/>
+        <dgm:cxn modelId="12" srcId="1" destId="11" srcOrd="0" destOrd="0"/>
+        <dgm:cxn modelId="23" srcId="2" destId="21" srcOrd="0" destOrd="0"/>
+      </dgm:cxnLst>
+      <dgm:bg/>
+      <dgm:whole/>
+    </dgm:dataModel>
+  </dgm:sampData>
+  <dgm:styleData>
+    <dgm:dataModel>
+      <dgm:ptLst>
+        <dgm:pt modelId="0" type="doc"/>
+        <dgm:pt modelId="1"/>
+        <dgm:pt modelId="2"/>
+      </dgm:ptLst>
+      <dgm:cxnLst>
+        <dgm:cxn modelId="3" srcId="0" destId="1" srcOrd="0" destOrd="0"/>
+        <dgm:cxn modelId="4" srcId="0" destId="2" srcOrd="1" destOrd="0"/>
+      </dgm:cxnLst>
+      <dgm:bg/>
+      <dgm:whole/>
+    </dgm:dataModel>
+  </dgm:styleData>
+  <dgm:clrData>
+    <dgm:dataModel>
+      <dgm:ptLst>
+        <dgm:pt modelId="0" type="doc"/>
+        <dgm:pt modelId="1"/>
+        <dgm:pt modelId="2"/>
+        <dgm:pt modelId="3"/>
+        <dgm:pt modelId="4"/>
+      </dgm:ptLst>
+      <dgm:cxnLst>
+        <dgm:cxn modelId="5" srcId="0" destId="1" srcOrd="0" destOrd="0"/>
+        <dgm:cxn modelId="6" srcId="0" destId="2" srcOrd="1" destOrd="0"/>
+        <dgm:cxn modelId="7" srcId="0" destId="3" srcOrd="2" destOrd="0"/>
+        <dgm:cxn modelId="8" srcId="0" destId="4" srcOrd="3" destOrd="0"/>
+      </dgm:cxnLst>
+      <dgm:bg/>
+      <dgm:whole/>
+    </dgm:dataModel>
+  </dgm:clrData>
+  <dgm:layoutNode name="linear">
+    <dgm:varLst>
+      <dgm:animLvl val="lvl"/>
+      <dgm:resizeHandles val="exact"/>
+    </dgm:varLst>
+    <dgm:alg type="lin">
+      <dgm:param type="linDir" val="fromT"/>
+      <dgm:param type="vertAlign" val="mid"/>
+    </dgm:alg>
+    <dgm:shape xmlns:r="http://schemas.openxmlformats.org/officeDocument/2006/relationships" r:blip="">
+      <dgm:adjLst/>
+    </dgm:shape>
+    <dgm:presOf/>
+    <dgm:constrLst>
+      <dgm:constr type="w" for="ch" forName="parentText" refType="w"/>
+      <dgm:constr type="h" for="ch" forName="parentText" refType="primFontSz" refFor="ch" refForName="parentText" fact="0.52"/>
+      <dgm:constr type="w" for="ch" forName="childText" refType="w"/>
+      <dgm:constr type="h" for="ch" forName="childText" refType="primFontSz" refFor="ch" refForName="parentText" fact="0.46"/>
+      <dgm:constr type="h" for="ch" forName="parentText" op="equ"/>
+      <dgm:constr type="primFontSz" for="ch" forName="parentText" op="equ" val="65"/>
+      <dgm:constr type="primFontSz" for="ch" forName="childText" refType="primFontSz" refFor="ch" refForName="parentText" op="equ"/>
+      <dgm:constr type="h" for="ch" forName="spacer" refType="primFontSz" refFor="ch" refForName="parentText" fact="0.08"/>
+    </dgm:constrLst>
+    <dgm:ruleLst>
+      <dgm:rule type="primFontSz" for="ch" forName="parentText" val="5" fact="NaN" max="NaN"/>
+    </dgm:ruleLst>
+    <dgm:forEach name="Name0" axis="ch" ptType="node">
+      <dgm:layoutNode name="parentText" styleLbl="node1">
+        <dgm:varLst>
+          <dgm:chMax val="0"/>
+          <dgm:bulletEnabled val="1"/>
+        </dgm:varLst>
+        <dgm:alg type="tx">
+          <dgm:param type="parTxLTRAlign" val="l"/>
+          <dgm:param type="parTxRTLAlign" val="r"/>
+        </dgm:alg>
+        <dgm:shape xmlns:r="http://schemas.openxmlformats.org/officeDocument/2006/relationships" type="roundRect" r:blip="">
+          <dgm:adjLst/>
+        </dgm:shape>
+        <dgm:presOf axis="self"/>
+        <dgm:constrLst>
+          <dgm:constr type="tMarg" refType="primFontSz" fact="0.3"/>
+          <dgm:constr type="bMarg" refType="primFontSz" fact="0.3"/>
+          <dgm:constr type="lMarg" refType="primFontSz" fact="0.3"/>
+          <dgm:constr type="rMarg" refType="primFontSz" fact="0.3"/>
+        </dgm:constrLst>
+        <dgm:ruleLst>
+          <dgm:rule type="h" val="INF" fact="NaN" max="NaN"/>
+        </dgm:ruleLst>
+      </dgm:layoutNode>
+      <dgm:choose name="Name1">
+        <dgm:if name="Name2" axis="ch" ptType="node" func="cnt" op="gte" val="1">
+          <dgm:layoutNode name="childText" styleLbl="revTx">
+            <dgm:varLst>
+              <dgm:bulletEnabled val="1"/>
+            </dgm:varLst>
+            <dgm:alg type="tx">
+              <dgm:param type="stBulletLvl" val="1"/>
+              <dgm:param type="lnSpAfChP" val="20"/>
+            </dgm:alg>
+            <dgm:shape xmlns:r="http://schemas.openxmlformats.org/officeDocument/2006/relationships" type="rect" r:blip="">
+              <dgm:adjLst/>
+            </dgm:shape>
+            <dgm:presOf axis="des" ptType="node"/>
+            <dgm:constrLst>
+              <dgm:constr type="tMarg" refType="primFontSz" fact="0.1"/>
+              <dgm:constr type="bMarg" refType="primFontSz" fact="0.1"/>
+              <dgm:constr type="lMarg" refType="w" fact="0.09"/>
+            </dgm:constrLst>
+            <dgm:ruleLst>
+              <dgm:rule type="h" val="INF" fact="NaN" max="NaN"/>
+            </dgm:ruleLst>
+          </dgm:layoutNode>
+        </dgm:if>
+        <dgm:else name="Name3">
+          <dgm:choose name="Name4">
+            <dgm:if name="Name5" axis="par ch" ptType="doc node" func="cnt" op="gte" val="2">
+              <dgm:forEach name="Name6" axis="followSib" ptType="sibTrans" cnt="1">
+                <dgm:layoutNode name="spacer">
+                  <dgm:alg type="sp"/>
+                  <dgm:shape xmlns:r="http://schemas.openxmlformats.org/officeDocument/2006/relationships" r:blip="">
+                    <dgm:adjLst/>
+                  </dgm:shape>
+                  <dgm:presOf/>
+                  <dgm:constrLst/>
+                  <dgm:ruleLst/>
+                </dgm:layoutNode>
+              </dgm:forEach>
+            </dgm:if>
+            <dgm:else name="Name7"/>
+          </dgm:choose>
+        </dgm:else>
+      </dgm:choose>
+    </dgm:forEach>
+  </dgm:layoutNode>
+</dgm:layoutDef>
+</file>
+
+<file path=ppt/diagrams/layout12.xml><?xml version="1.0" encoding="utf-8"?>
 <dgm:layoutDef xmlns:dgm="http://schemas.openxmlformats.org/drawingml/2006/diagram" xmlns:a="http://schemas.openxmlformats.org/drawingml/2006/main" uniqueId="urn:microsoft.com/office/officeart/2005/8/layout/vList2">
   <dgm:title val=""/>
   <dgm:desc val=""/>
@@ -22425,6 +24152,1040 @@
 </dgm:styleDef>
 </file>
 
+<file path=ppt/diagrams/quickStyle12.xml><?xml version="1.0" encoding="utf-8"?>
+<dgm:styleDef xmlns:dgm="http://schemas.openxmlformats.org/drawingml/2006/diagram" xmlns:a="http://schemas.openxmlformats.org/drawingml/2006/main" uniqueId="urn:microsoft.com/office/officeart/2005/8/quickstyle/simple1">
+  <dgm:title val=""/>
+  <dgm:desc val=""/>
+  <dgm:catLst>
+    <dgm:cat type="simple" pri="10100"/>
+  </dgm:catLst>
+  <dgm:scene3d>
+    <a:camera prst="orthographicFront"/>
+    <a:lightRig rig="threePt" dir="t"/>
+  </dgm:scene3d>
+  <dgm:styleLbl name="node0">
+    <dgm:scene3d>
+      <a:camera prst="orthographicFront"/>
+      <a:lightRig rig="threePt" dir="t"/>
+    </dgm:scene3d>
+    <dgm:sp3d/>
+    <dgm:txPr/>
+    <dgm:style>
+      <a:lnRef idx="2">
+        <a:scrgbClr r="0" g="0" b="0"/>
+      </a:lnRef>
+      <a:fillRef idx="1">
+        <a:scrgbClr r="0" g="0" b="0"/>
+      </a:fillRef>
+      <a:effectRef idx="0">
+        <a:scrgbClr r="0" g="0" b="0"/>
+      </a:effectRef>
+      <a:fontRef idx="minor">
+        <a:schemeClr val="lt1"/>
+      </a:fontRef>
+    </dgm:style>
+  </dgm:styleLbl>
+  <dgm:styleLbl name="lnNode1">
+    <dgm:scene3d>
+      <a:camera prst="orthographicFront"/>
+      <a:lightRig rig="threePt" dir="t"/>
+    </dgm:scene3d>
+    <dgm:sp3d/>
+    <dgm:txPr/>
+    <dgm:style>
+      <a:lnRef idx="2">
+        <a:scrgbClr r="0" g="0" b="0"/>
+      </a:lnRef>
+      <a:fillRef idx="1">
+        <a:scrgbClr r="0" g="0" b="0"/>
+      </a:fillRef>
+      <a:effectRef idx="0">
+        <a:scrgbClr r="0" g="0" b="0"/>
+      </a:effectRef>
+      <a:fontRef idx="minor">
+        <a:schemeClr val="lt1"/>
+      </a:fontRef>
+    </dgm:style>
+  </dgm:styleLbl>
+  <dgm:styleLbl name="vennNode1">
+    <dgm:scene3d>
+      <a:camera prst="orthographicFront"/>
+      <a:lightRig rig="threePt" dir="t"/>
+    </dgm:scene3d>
+    <dgm:sp3d/>
+    <dgm:txPr/>
+    <dgm:style>
+      <a:lnRef idx="2">
+        <a:scrgbClr r="0" g="0" b="0"/>
+      </a:lnRef>
+      <a:fillRef idx="1">
+        <a:scrgbClr r="0" g="0" b="0"/>
+      </a:fillRef>
+      <a:effectRef idx="0">
+        <a:scrgbClr r="0" g="0" b="0"/>
+      </a:effectRef>
+      <a:fontRef idx="minor">
+        <a:schemeClr val="tx1"/>
+      </a:fontRef>
+    </dgm:style>
+  </dgm:styleLbl>
+  <dgm:styleLbl name="alignNode1">
+    <dgm:scene3d>
+      <a:camera prst="orthographicFront"/>
+      <a:lightRig rig="threePt" dir="t"/>
+    </dgm:scene3d>
+    <dgm:sp3d/>
+    <dgm:txPr/>
+    <dgm:style>
+      <a:lnRef idx="2">
+        <a:scrgbClr r="0" g="0" b="0"/>
+      </a:lnRef>
+      <a:fillRef idx="1">
+        <a:scrgbClr r="0" g="0" b="0"/>
+      </a:fillRef>
+      <a:effectRef idx="0">
+        <a:scrgbClr r="0" g="0" b="0"/>
+      </a:effectRef>
+      <a:fontRef idx="minor">
+        <a:schemeClr val="lt1"/>
+      </a:fontRef>
+    </dgm:style>
+  </dgm:styleLbl>
+  <dgm:styleLbl name="node1">
+    <dgm:scene3d>
+      <a:camera prst="orthographicFront"/>
+      <a:lightRig rig="threePt" dir="t"/>
+    </dgm:scene3d>
+    <dgm:sp3d/>
+    <dgm:txPr/>
+    <dgm:style>
+      <a:lnRef idx="2">
+        <a:scrgbClr r="0" g="0" b="0"/>
+      </a:lnRef>
+      <a:fillRef idx="1">
+        <a:scrgbClr r="0" g="0" b="0"/>
+      </a:fillRef>
+      <a:effectRef idx="0">
+        <a:scrgbClr r="0" g="0" b="0"/>
+      </a:effectRef>
+      <a:fontRef idx="minor">
+        <a:schemeClr val="lt1"/>
+      </a:fontRef>
+    </dgm:style>
+  </dgm:styleLbl>
+  <dgm:styleLbl name="node2">
+    <dgm:scene3d>
+      <a:camera prst="orthographicFront"/>
+      <a:lightRig rig="threePt" dir="t"/>
+    </dgm:scene3d>
+    <dgm:sp3d/>
+    <dgm:txPr/>
+    <dgm:style>
+      <a:lnRef idx="2">
+        <a:scrgbClr r="0" g="0" b="0"/>
+      </a:lnRef>
+      <a:fillRef idx="1">
+        <a:scrgbClr r="0" g="0" b="0"/>
+      </a:fillRef>
+      <a:effectRef idx="0">
+        <a:scrgbClr r="0" g="0" b="0"/>
+      </a:effectRef>
+      <a:fontRef idx="minor">
+        <a:schemeClr val="lt1"/>
+      </a:fontRef>
+    </dgm:style>
+  </dgm:styleLbl>
+  <dgm:styleLbl name="node3">
+    <dgm:scene3d>
+      <a:camera prst="orthographicFront"/>
+      <a:lightRig rig="threePt" dir="t"/>
+    </dgm:scene3d>
+    <dgm:sp3d/>
+    <dgm:txPr/>
+    <dgm:style>
+      <a:lnRef idx="2">
+        <a:scrgbClr r="0" g="0" b="0"/>
+      </a:lnRef>
+      <a:fillRef idx="1">
+        <a:scrgbClr r="0" g="0" b="0"/>
+      </a:fillRef>
+      <a:effectRef idx="0">
+        <a:scrgbClr r="0" g="0" b="0"/>
+      </a:effectRef>
+      <a:fontRef idx="minor">
+        <a:schemeClr val="lt1"/>
+      </a:fontRef>
+    </dgm:style>
+  </dgm:styleLbl>
+  <dgm:styleLbl name="node4">
+    <dgm:scene3d>
+      <a:camera prst="orthographicFront"/>
+      <a:lightRig rig="threePt" dir="t"/>
+    </dgm:scene3d>
+    <dgm:sp3d/>
+    <dgm:txPr/>
+    <dgm:style>
+      <a:lnRef idx="2">
+        <a:scrgbClr r="0" g="0" b="0"/>
+      </a:lnRef>
+      <a:fillRef idx="1">
+        <a:scrgbClr r="0" g="0" b="0"/>
+      </a:fillRef>
+      <a:effectRef idx="0">
+        <a:scrgbClr r="0" g="0" b="0"/>
+      </a:effectRef>
+      <a:fontRef idx="minor">
+        <a:schemeClr val="lt1"/>
+      </a:fontRef>
+    </dgm:style>
+  </dgm:styleLbl>
+  <dgm:styleLbl name="fgImgPlace1">
+    <dgm:scene3d>
+      <a:camera prst="orthographicFront"/>
+      <a:lightRig rig="threePt" dir="t"/>
+    </dgm:scene3d>
+    <dgm:sp3d/>
+    <dgm:txPr/>
+    <dgm:style>
+      <a:lnRef idx="2">
+        <a:scrgbClr r="0" g="0" b="0"/>
+      </a:lnRef>
+      <a:fillRef idx="1">
+        <a:scrgbClr r="0" g="0" b="0"/>
+      </a:fillRef>
+      <a:effectRef idx="0">
+        <a:scrgbClr r="0" g="0" b="0"/>
+      </a:effectRef>
+      <a:fontRef idx="minor"/>
+    </dgm:style>
+  </dgm:styleLbl>
+  <dgm:styleLbl name="alignImgPlace1">
+    <dgm:scene3d>
+      <a:camera prst="orthographicFront"/>
+      <a:lightRig rig="threePt" dir="t"/>
+    </dgm:scene3d>
+    <dgm:sp3d/>
+    <dgm:txPr/>
+    <dgm:style>
+      <a:lnRef idx="2">
+        <a:scrgbClr r="0" g="0" b="0"/>
+      </a:lnRef>
+      <a:fillRef idx="1">
+        <a:scrgbClr r="0" g="0" b="0"/>
+      </a:fillRef>
+      <a:effectRef idx="0">
+        <a:scrgbClr r="0" g="0" b="0"/>
+      </a:effectRef>
+      <a:fontRef idx="minor"/>
+    </dgm:style>
+  </dgm:styleLbl>
+  <dgm:styleLbl name="bgImgPlace1">
+    <dgm:scene3d>
+      <a:camera prst="orthographicFront"/>
+      <a:lightRig rig="threePt" dir="t"/>
+    </dgm:scene3d>
+    <dgm:sp3d/>
+    <dgm:txPr/>
+    <dgm:style>
+      <a:lnRef idx="2">
+        <a:scrgbClr r="0" g="0" b="0"/>
+      </a:lnRef>
+      <a:fillRef idx="1">
+        <a:scrgbClr r="0" g="0" b="0"/>
+      </a:fillRef>
+      <a:effectRef idx="0">
+        <a:scrgbClr r="0" g="0" b="0"/>
+      </a:effectRef>
+      <a:fontRef idx="minor"/>
+    </dgm:style>
+  </dgm:styleLbl>
+  <dgm:styleLbl name="sibTrans2D1">
+    <dgm:scene3d>
+      <a:camera prst="orthographicFront"/>
+      <a:lightRig rig="threePt" dir="t"/>
+    </dgm:scene3d>
+    <dgm:sp3d/>
+    <dgm:txPr/>
+    <dgm:style>
+      <a:lnRef idx="0">
+        <a:scrgbClr r="0" g="0" b="0"/>
+      </a:lnRef>
+      <a:fillRef idx="1">
+        <a:scrgbClr r="0" g="0" b="0"/>
+      </a:fillRef>
+      <a:effectRef idx="0">
+        <a:scrgbClr r="0" g="0" b="0"/>
+      </a:effectRef>
+      <a:fontRef idx="minor">
+        <a:schemeClr val="lt1"/>
+      </a:fontRef>
+    </dgm:style>
+  </dgm:styleLbl>
+  <dgm:styleLbl name="fgSibTrans2D1">
+    <dgm:scene3d>
+      <a:camera prst="orthographicFront"/>
+      <a:lightRig rig="threePt" dir="t"/>
+    </dgm:scene3d>
+    <dgm:sp3d/>
+    <dgm:txPr/>
+    <dgm:style>
+      <a:lnRef idx="0">
+        <a:scrgbClr r="0" g="0" b="0"/>
+      </a:lnRef>
+      <a:fillRef idx="1">
+        <a:scrgbClr r="0" g="0" b="0"/>
+      </a:fillRef>
+      <a:effectRef idx="0">
+        <a:scrgbClr r="0" g="0" b="0"/>
+      </a:effectRef>
+      <a:fontRef idx="minor">
+        <a:schemeClr val="lt1"/>
+      </a:fontRef>
+    </dgm:style>
+  </dgm:styleLbl>
+  <dgm:styleLbl name="bgSibTrans2D1">
+    <dgm:scene3d>
+      <a:camera prst="orthographicFront"/>
+      <a:lightRig rig="threePt" dir="t"/>
+    </dgm:scene3d>
+    <dgm:sp3d/>
+    <dgm:txPr/>
+    <dgm:style>
+      <a:lnRef idx="0">
+        <a:scrgbClr r="0" g="0" b="0"/>
+      </a:lnRef>
+      <a:fillRef idx="1">
+        <a:scrgbClr r="0" g="0" b="0"/>
+      </a:fillRef>
+      <a:effectRef idx="0">
+        <a:scrgbClr r="0" g="0" b="0"/>
+      </a:effectRef>
+      <a:fontRef idx="minor">
+        <a:schemeClr val="lt1"/>
+      </a:fontRef>
+    </dgm:style>
+  </dgm:styleLbl>
+  <dgm:styleLbl name="sibTrans1D1">
+    <dgm:scene3d>
+      <a:camera prst="orthographicFront"/>
+      <a:lightRig rig="threePt" dir="t"/>
+    </dgm:scene3d>
+    <dgm:sp3d/>
+    <dgm:txPr/>
+    <dgm:style>
+      <a:lnRef idx="1">
+        <a:scrgbClr r="0" g="0" b="0"/>
+      </a:lnRef>
+      <a:fillRef idx="0">
+        <a:scrgbClr r="0" g="0" b="0"/>
+      </a:fillRef>
+      <a:effectRef idx="0">
+        <a:scrgbClr r="0" g="0" b="0"/>
+      </a:effectRef>
+      <a:fontRef idx="minor"/>
+    </dgm:style>
+  </dgm:styleLbl>
+  <dgm:styleLbl name="callout">
+    <dgm:scene3d>
+      <a:camera prst="orthographicFront"/>
+      <a:lightRig rig="threePt" dir="t"/>
+    </dgm:scene3d>
+    <dgm:sp3d/>
+    <dgm:txPr/>
+    <dgm:style>
+      <a:lnRef idx="2">
+        <a:scrgbClr r="0" g="0" b="0"/>
+      </a:lnRef>
+      <a:fillRef idx="1">
+        <a:scrgbClr r="0" g="0" b="0"/>
+      </a:fillRef>
+      <a:effectRef idx="0">
+        <a:scrgbClr r="0" g="0" b="0"/>
+      </a:effectRef>
+      <a:fontRef idx="minor"/>
+    </dgm:style>
+  </dgm:styleLbl>
+  <dgm:styleLbl name="asst0">
+    <dgm:scene3d>
+      <a:camera prst="orthographicFront"/>
+      <a:lightRig rig="threePt" dir="t"/>
+    </dgm:scene3d>
+    <dgm:sp3d/>
+    <dgm:txPr/>
+    <dgm:style>
+      <a:lnRef idx="2">
+        <a:scrgbClr r="0" g="0" b="0"/>
+      </a:lnRef>
+      <a:fillRef idx="1">
+        <a:scrgbClr r="0" g="0" b="0"/>
+      </a:fillRef>
+      <a:effectRef idx="0">
+        <a:scrgbClr r="0" g="0" b="0"/>
+      </a:effectRef>
+      <a:fontRef idx="minor">
+        <a:schemeClr val="lt1"/>
+      </a:fontRef>
+    </dgm:style>
+  </dgm:styleLbl>
+  <dgm:styleLbl name="asst1">
+    <dgm:scene3d>
+      <a:camera prst="orthographicFront"/>
+      <a:lightRig rig="threePt" dir="t"/>
+    </dgm:scene3d>
+    <dgm:sp3d/>
+    <dgm:txPr/>
+    <dgm:style>
+      <a:lnRef idx="2">
+        <a:scrgbClr r="0" g="0" b="0"/>
+      </a:lnRef>
+      <a:fillRef idx="1">
+        <a:scrgbClr r="0" g="0" b="0"/>
+      </a:fillRef>
+      <a:effectRef idx="0">
+        <a:scrgbClr r="0" g="0" b="0"/>
+      </a:effectRef>
+      <a:fontRef idx="minor">
+        <a:schemeClr val="lt1"/>
+      </a:fontRef>
+    </dgm:style>
+  </dgm:styleLbl>
+  <dgm:styleLbl name="asst2">
+    <dgm:scene3d>
+      <a:camera prst="orthographicFront"/>
+      <a:lightRig rig="threePt" dir="t"/>
+    </dgm:scene3d>
+    <dgm:sp3d/>
+    <dgm:txPr/>
+    <dgm:style>
+      <a:lnRef idx="2">
+        <a:scrgbClr r="0" g="0" b="0"/>
+      </a:lnRef>
+      <a:fillRef idx="1">
+        <a:scrgbClr r="0" g="0" b="0"/>
+      </a:fillRef>
+      <a:effectRef idx="0">
+        <a:scrgbClr r="0" g="0" b="0"/>
+      </a:effectRef>
+      <a:fontRef idx="minor">
+        <a:schemeClr val="lt1"/>
+      </a:fontRef>
+    </dgm:style>
+  </dgm:styleLbl>
+  <dgm:styleLbl name="asst3">
+    <dgm:scene3d>
+      <a:camera prst="orthographicFront"/>
+      <a:lightRig rig="threePt" dir="t"/>
+    </dgm:scene3d>
+    <dgm:sp3d/>
+    <dgm:txPr/>
+    <dgm:style>
+      <a:lnRef idx="2">
+        <a:scrgbClr r="0" g="0" b="0"/>
+      </a:lnRef>
+      <a:fillRef idx="1">
+        <a:scrgbClr r="0" g="0" b="0"/>
+      </a:fillRef>
+      <a:effectRef idx="0">
+        <a:scrgbClr r="0" g="0" b="0"/>
+      </a:effectRef>
+      <a:fontRef idx="minor">
+        <a:schemeClr val="lt1"/>
+      </a:fontRef>
+    </dgm:style>
+  </dgm:styleLbl>
+  <dgm:styleLbl name="asst4">
+    <dgm:scene3d>
+      <a:camera prst="orthographicFront"/>
+      <a:lightRig rig="threePt" dir="t"/>
+    </dgm:scene3d>
+    <dgm:sp3d/>
+    <dgm:txPr/>
+    <dgm:style>
+      <a:lnRef idx="2">
+        <a:scrgbClr r="0" g="0" b="0"/>
+      </a:lnRef>
+      <a:fillRef idx="1">
+        <a:scrgbClr r="0" g="0" b="0"/>
+      </a:fillRef>
+      <a:effectRef idx="0">
+        <a:scrgbClr r="0" g="0" b="0"/>
+      </a:effectRef>
+      <a:fontRef idx="minor">
+        <a:schemeClr val="lt1"/>
+      </a:fontRef>
+    </dgm:style>
+  </dgm:styleLbl>
+  <dgm:styleLbl name="parChTrans2D1">
+    <dgm:scene3d>
+      <a:camera prst="orthographicFront"/>
+      <a:lightRig rig="threePt" dir="t"/>
+    </dgm:scene3d>
+    <dgm:sp3d/>
+    <dgm:txPr/>
+    <dgm:style>
+      <a:lnRef idx="2">
+        <a:scrgbClr r="0" g="0" b="0"/>
+      </a:lnRef>
+      <a:fillRef idx="1">
+        <a:scrgbClr r="0" g="0" b="0"/>
+      </a:fillRef>
+      <a:effectRef idx="0">
+        <a:scrgbClr r="0" g="0" b="0"/>
+      </a:effectRef>
+      <a:fontRef idx="minor">
+        <a:schemeClr val="lt1"/>
+      </a:fontRef>
+    </dgm:style>
+  </dgm:styleLbl>
+  <dgm:styleLbl name="parChTrans2D2">
+    <dgm:scene3d>
+      <a:camera prst="orthographicFront"/>
+      <a:lightRig rig="threePt" dir="t"/>
+    </dgm:scene3d>
+    <dgm:sp3d/>
+    <dgm:txPr/>
+    <dgm:style>
+      <a:lnRef idx="2">
+        <a:scrgbClr r="0" g="0" b="0"/>
+      </a:lnRef>
+      <a:fillRef idx="1">
+        <a:scrgbClr r="0" g="0" b="0"/>
+      </a:fillRef>
+      <a:effectRef idx="0">
+        <a:scrgbClr r="0" g="0" b="0"/>
+      </a:effectRef>
+      <a:fontRef idx="minor">
+        <a:schemeClr val="lt1"/>
+      </a:fontRef>
+    </dgm:style>
+  </dgm:styleLbl>
+  <dgm:styleLbl name="parChTrans2D3">
+    <dgm:scene3d>
+      <a:camera prst="orthographicFront"/>
+      <a:lightRig rig="threePt" dir="t"/>
+    </dgm:scene3d>
+    <dgm:sp3d/>
+    <dgm:txPr/>
+    <dgm:style>
+      <a:lnRef idx="2">
+        <a:scrgbClr r="0" g="0" b="0"/>
+      </a:lnRef>
+      <a:fillRef idx="1">
+        <a:scrgbClr r="0" g="0" b="0"/>
+      </a:fillRef>
+      <a:effectRef idx="0">
+        <a:scrgbClr r="0" g="0" b="0"/>
+      </a:effectRef>
+      <a:fontRef idx="minor">
+        <a:schemeClr val="lt1"/>
+      </a:fontRef>
+    </dgm:style>
+  </dgm:styleLbl>
+  <dgm:styleLbl name="parChTrans2D4">
+    <dgm:scene3d>
+      <a:camera prst="orthographicFront"/>
+      <a:lightRig rig="threePt" dir="t"/>
+    </dgm:scene3d>
+    <dgm:sp3d/>
+    <dgm:txPr/>
+    <dgm:style>
+      <a:lnRef idx="2">
+        <a:scrgbClr r="0" g="0" b="0"/>
+      </a:lnRef>
+      <a:fillRef idx="1">
+        <a:scrgbClr r="0" g="0" b="0"/>
+      </a:fillRef>
+      <a:effectRef idx="0">
+        <a:scrgbClr r="0" g="0" b="0"/>
+      </a:effectRef>
+      <a:fontRef idx="minor">
+        <a:schemeClr val="lt1"/>
+      </a:fontRef>
+    </dgm:style>
+  </dgm:styleLbl>
+  <dgm:styleLbl name="parChTrans1D1">
+    <dgm:scene3d>
+      <a:camera prst="orthographicFront"/>
+      <a:lightRig rig="threePt" dir="t"/>
+    </dgm:scene3d>
+    <dgm:sp3d/>
+    <dgm:txPr/>
+    <dgm:style>
+      <a:lnRef idx="2">
+        <a:scrgbClr r="0" g="0" b="0"/>
+      </a:lnRef>
+      <a:fillRef idx="0">
+        <a:scrgbClr r="0" g="0" b="0"/>
+      </a:fillRef>
+      <a:effectRef idx="0">
+        <a:scrgbClr r="0" g="0" b="0"/>
+      </a:effectRef>
+      <a:fontRef idx="minor"/>
+    </dgm:style>
+  </dgm:styleLbl>
+  <dgm:styleLbl name="parChTrans1D2">
+    <dgm:scene3d>
+      <a:camera prst="orthographicFront"/>
+      <a:lightRig rig="threePt" dir="t"/>
+    </dgm:scene3d>
+    <dgm:sp3d/>
+    <dgm:txPr/>
+    <dgm:style>
+      <a:lnRef idx="2">
+        <a:scrgbClr r="0" g="0" b="0"/>
+      </a:lnRef>
+      <a:fillRef idx="0">
+        <a:scrgbClr r="0" g="0" b="0"/>
+      </a:fillRef>
+      <a:effectRef idx="0">
+        <a:scrgbClr r="0" g="0" b="0"/>
+      </a:effectRef>
+      <a:fontRef idx="minor"/>
+    </dgm:style>
+  </dgm:styleLbl>
+  <dgm:styleLbl name="parChTrans1D3">
+    <dgm:scene3d>
+      <a:camera prst="orthographicFront"/>
+      <a:lightRig rig="threePt" dir="t"/>
+    </dgm:scene3d>
+    <dgm:sp3d/>
+    <dgm:txPr/>
+    <dgm:style>
+      <a:lnRef idx="2">
+        <a:scrgbClr r="0" g="0" b="0"/>
+      </a:lnRef>
+      <a:fillRef idx="0">
+        <a:scrgbClr r="0" g="0" b="0"/>
+      </a:fillRef>
+      <a:effectRef idx="0">
+        <a:scrgbClr r="0" g="0" b="0"/>
+      </a:effectRef>
+      <a:fontRef idx="minor"/>
+    </dgm:style>
+  </dgm:styleLbl>
+  <dgm:styleLbl name="parChTrans1D4">
+    <dgm:scene3d>
+      <a:camera prst="orthographicFront"/>
+      <a:lightRig rig="threePt" dir="t"/>
+    </dgm:scene3d>
+    <dgm:sp3d/>
+    <dgm:txPr/>
+    <dgm:style>
+      <a:lnRef idx="2">
+        <a:scrgbClr r="0" g="0" b="0"/>
+      </a:lnRef>
+      <a:fillRef idx="0">
+        <a:scrgbClr r="0" g="0" b="0"/>
+      </a:fillRef>
+      <a:effectRef idx="0">
+        <a:scrgbClr r="0" g="0" b="0"/>
+      </a:effectRef>
+      <a:fontRef idx="minor"/>
+    </dgm:style>
+  </dgm:styleLbl>
+  <dgm:styleLbl name="fgAcc1">
+    <dgm:scene3d>
+      <a:camera prst="orthographicFront"/>
+      <a:lightRig rig="threePt" dir="t"/>
+    </dgm:scene3d>
+    <dgm:sp3d/>
+    <dgm:txPr/>
+    <dgm:style>
+      <a:lnRef idx="2">
+        <a:scrgbClr r="0" g="0" b="0"/>
+      </a:lnRef>
+      <a:fillRef idx="1">
+        <a:scrgbClr r="0" g="0" b="0"/>
+      </a:fillRef>
+      <a:effectRef idx="0">
+        <a:scrgbClr r="0" g="0" b="0"/>
+      </a:effectRef>
+      <a:fontRef idx="minor"/>
+    </dgm:style>
+  </dgm:styleLbl>
+  <dgm:styleLbl name="conFgAcc1">
+    <dgm:scene3d>
+      <a:camera prst="orthographicFront"/>
+      <a:lightRig rig="threePt" dir="t"/>
+    </dgm:scene3d>
+    <dgm:sp3d/>
+    <dgm:txPr/>
+    <dgm:style>
+      <a:lnRef idx="2">
+        <a:scrgbClr r="0" g="0" b="0"/>
+      </a:lnRef>
+      <a:fillRef idx="1">
+        <a:scrgbClr r="0" g="0" b="0"/>
+      </a:fillRef>
+      <a:effectRef idx="0">
+        <a:scrgbClr r="0" g="0" b="0"/>
+      </a:effectRef>
+      <a:fontRef idx="minor"/>
+    </dgm:style>
+  </dgm:styleLbl>
+  <dgm:styleLbl name="alignAcc1">
+    <dgm:scene3d>
+      <a:camera prst="orthographicFront"/>
+      <a:lightRig rig="threePt" dir="t"/>
+    </dgm:scene3d>
+    <dgm:sp3d/>
+    <dgm:txPr/>
+    <dgm:style>
+      <a:lnRef idx="2">
+        <a:scrgbClr r="0" g="0" b="0"/>
+      </a:lnRef>
+      <a:fillRef idx="1">
+        <a:scrgbClr r="0" g="0" b="0"/>
+      </a:fillRef>
+      <a:effectRef idx="0">
+        <a:scrgbClr r="0" g="0" b="0"/>
+      </a:effectRef>
+      <a:fontRef idx="minor"/>
+    </dgm:style>
+  </dgm:styleLbl>
+  <dgm:styleLbl name="trAlignAcc1">
+    <dgm:scene3d>
+      <a:camera prst="orthographicFront"/>
+      <a:lightRig rig="threePt" dir="t"/>
+    </dgm:scene3d>
+    <dgm:sp3d/>
+    <dgm:txPr/>
+    <dgm:style>
+      <a:lnRef idx="1">
+        <a:scrgbClr r="0" g="0" b="0"/>
+      </a:lnRef>
+      <a:fillRef idx="1">
+        <a:scrgbClr r="0" g="0" b="0"/>
+      </a:fillRef>
+      <a:effectRef idx="0">
+        <a:scrgbClr r="0" g="0" b="0"/>
+      </a:effectRef>
+      <a:fontRef idx="minor"/>
+    </dgm:style>
+  </dgm:styleLbl>
+  <dgm:styleLbl name="bgAcc1">
+    <dgm:scene3d>
+      <a:camera prst="orthographicFront"/>
+      <a:lightRig rig="threePt" dir="t"/>
+    </dgm:scene3d>
+    <dgm:sp3d/>
+    <dgm:txPr/>
+    <dgm:style>
+      <a:lnRef idx="2">
+        <a:scrgbClr r="0" g="0" b="0"/>
+      </a:lnRef>
+      <a:fillRef idx="1">
+        <a:scrgbClr r="0" g="0" b="0"/>
+      </a:fillRef>
+      <a:effectRef idx="0">
+        <a:scrgbClr r="0" g="0" b="0"/>
+      </a:effectRef>
+      <a:fontRef idx="minor"/>
+    </dgm:style>
+  </dgm:styleLbl>
+  <dgm:styleLbl name="solidFgAcc1">
+    <dgm:scene3d>
+      <a:camera prst="orthographicFront"/>
+      <a:lightRig rig="threePt" dir="t"/>
+    </dgm:scene3d>
+    <dgm:sp3d/>
+    <dgm:txPr/>
+    <dgm:style>
+      <a:lnRef idx="2">
+        <a:scrgbClr r="0" g="0" b="0"/>
+      </a:lnRef>
+      <a:fillRef idx="1">
+        <a:scrgbClr r="0" g="0" b="0"/>
+      </a:fillRef>
+      <a:effectRef idx="0">
+        <a:scrgbClr r="0" g="0" b="0"/>
+      </a:effectRef>
+      <a:fontRef idx="minor"/>
+    </dgm:style>
+  </dgm:styleLbl>
+  <dgm:styleLbl name="solidAlignAcc1">
+    <dgm:scene3d>
+      <a:camera prst="orthographicFront"/>
+      <a:lightRig rig="threePt" dir="t"/>
+    </dgm:scene3d>
+    <dgm:sp3d/>
+    <dgm:txPr/>
+    <dgm:style>
+      <a:lnRef idx="2">
+        <a:scrgbClr r="0" g="0" b="0"/>
+      </a:lnRef>
+      <a:fillRef idx="1">
+        <a:scrgbClr r="0" g="0" b="0"/>
+      </a:fillRef>
+      <a:effectRef idx="0">
+        <a:scrgbClr r="0" g="0" b="0"/>
+      </a:effectRef>
+      <a:fontRef idx="minor"/>
+    </dgm:style>
+  </dgm:styleLbl>
+  <dgm:styleLbl name="solidBgAcc1">
+    <dgm:scene3d>
+      <a:camera prst="orthographicFront"/>
+      <a:lightRig rig="threePt" dir="t"/>
+    </dgm:scene3d>
+    <dgm:sp3d/>
+    <dgm:txPr/>
+    <dgm:style>
+      <a:lnRef idx="2">
+        <a:scrgbClr r="0" g="0" b="0"/>
+      </a:lnRef>
+      <a:fillRef idx="1">
+        <a:scrgbClr r="0" g="0" b="0"/>
+      </a:fillRef>
+      <a:effectRef idx="0">
+        <a:scrgbClr r="0" g="0" b="0"/>
+      </a:effectRef>
+      <a:fontRef idx="minor"/>
+    </dgm:style>
+  </dgm:styleLbl>
+  <dgm:styleLbl name="fgAccFollowNode1">
+    <dgm:scene3d>
+      <a:camera prst="orthographicFront"/>
+      <a:lightRig rig="threePt" dir="t"/>
+    </dgm:scene3d>
+    <dgm:sp3d/>
+    <dgm:txPr/>
+    <dgm:style>
+      <a:lnRef idx="2">
+        <a:scrgbClr r="0" g="0" b="0"/>
+      </a:lnRef>
+      <a:fillRef idx="1">
+        <a:scrgbClr r="0" g="0" b="0"/>
+      </a:fillRef>
+      <a:effectRef idx="0">
+        <a:scrgbClr r="0" g="0" b="0"/>
+      </a:effectRef>
+      <a:fontRef idx="minor"/>
+    </dgm:style>
+  </dgm:styleLbl>
+  <dgm:styleLbl name="alignAccFollowNode1">
+    <dgm:scene3d>
+      <a:camera prst="orthographicFront"/>
+      <a:lightRig rig="threePt" dir="t"/>
+    </dgm:scene3d>
+    <dgm:sp3d/>
+    <dgm:txPr/>
+    <dgm:style>
+      <a:lnRef idx="2">
+        <a:scrgbClr r="0" g="0" b="0"/>
+      </a:lnRef>
+      <a:fillRef idx="1">
+        <a:scrgbClr r="0" g="0" b="0"/>
+      </a:fillRef>
+      <a:effectRef idx="0">
+        <a:scrgbClr r="0" g="0" b="0"/>
+      </a:effectRef>
+      <a:fontRef idx="minor"/>
+    </dgm:style>
+  </dgm:styleLbl>
+  <dgm:styleLbl name="bgAccFollowNode1">
+    <dgm:scene3d>
+      <a:camera prst="orthographicFront"/>
+      <a:lightRig rig="threePt" dir="t"/>
+    </dgm:scene3d>
+    <dgm:sp3d/>
+    <dgm:txPr/>
+    <dgm:style>
+      <a:lnRef idx="2">
+        <a:scrgbClr r="0" g="0" b="0"/>
+      </a:lnRef>
+      <a:fillRef idx="1">
+        <a:scrgbClr r="0" g="0" b="0"/>
+      </a:fillRef>
+      <a:effectRef idx="0">
+        <a:scrgbClr r="0" g="0" b="0"/>
+      </a:effectRef>
+      <a:fontRef idx="minor"/>
+    </dgm:style>
+  </dgm:styleLbl>
+  <dgm:styleLbl name="fgAcc0">
+    <dgm:scene3d>
+      <a:camera prst="orthographicFront"/>
+      <a:lightRig rig="threePt" dir="t"/>
+    </dgm:scene3d>
+    <dgm:sp3d/>
+    <dgm:txPr/>
+    <dgm:style>
+      <a:lnRef idx="2">
+        <a:scrgbClr r="0" g="0" b="0"/>
+      </a:lnRef>
+      <a:fillRef idx="1">
+        <a:scrgbClr r="0" g="0" b="0"/>
+      </a:fillRef>
+      <a:effectRef idx="0">
+        <a:scrgbClr r="0" g="0" b="0"/>
+      </a:effectRef>
+      <a:fontRef idx="minor"/>
+    </dgm:style>
+  </dgm:styleLbl>
+  <dgm:styleLbl name="fgAcc2">
+    <dgm:scene3d>
+      <a:camera prst="orthographicFront"/>
+      <a:lightRig rig="threePt" dir="t"/>
+    </dgm:scene3d>
+    <dgm:sp3d/>
+    <dgm:txPr/>
+    <dgm:style>
+      <a:lnRef idx="2">
+        <a:scrgbClr r="0" g="0" b="0"/>
+      </a:lnRef>
+      <a:fillRef idx="1">
+        <a:scrgbClr r="0" g="0" b="0"/>
+      </a:fillRef>
+      <a:effectRef idx="0">
+        <a:scrgbClr r="0" g="0" b="0"/>
+      </a:effectRef>
+      <a:fontRef idx="minor"/>
+    </dgm:style>
+  </dgm:styleLbl>
+  <dgm:styleLbl name="fgAcc3">
+    <dgm:scene3d>
+      <a:camera prst="orthographicFront"/>
+      <a:lightRig rig="threePt" dir="t"/>
+    </dgm:scene3d>
+    <dgm:sp3d/>
+    <dgm:txPr/>
+    <dgm:style>
+      <a:lnRef idx="2">
+        <a:scrgbClr r="0" g="0" b="0"/>
+      </a:lnRef>
+      <a:fillRef idx="1">
+        <a:scrgbClr r="0" g="0" b="0"/>
+      </a:fillRef>
+      <a:effectRef idx="0">
+        <a:scrgbClr r="0" g="0" b="0"/>
+      </a:effectRef>
+      <a:fontRef idx="minor"/>
+    </dgm:style>
+  </dgm:styleLbl>
+  <dgm:styleLbl name="fgAcc4">
+    <dgm:scene3d>
+      <a:camera prst="orthographicFront"/>
+      <a:lightRig rig="threePt" dir="t"/>
+    </dgm:scene3d>
+    <dgm:sp3d/>
+    <dgm:txPr/>
+    <dgm:style>
+      <a:lnRef idx="2">
+        <a:scrgbClr r="0" g="0" b="0"/>
+      </a:lnRef>
+      <a:fillRef idx="1">
+        <a:scrgbClr r="0" g="0" b="0"/>
+      </a:fillRef>
+      <a:effectRef idx="0">
+        <a:scrgbClr r="0" g="0" b="0"/>
+      </a:effectRef>
+      <a:fontRef idx="minor"/>
+    </dgm:style>
+  </dgm:styleLbl>
+  <dgm:styleLbl name="bgShp">
+    <dgm:scene3d>
+      <a:camera prst="orthographicFront"/>
+      <a:lightRig rig="threePt" dir="t"/>
+    </dgm:scene3d>
+    <dgm:sp3d/>
+    <dgm:txPr/>
+    <dgm:style>
+      <a:lnRef idx="0">
+        <a:scrgbClr r="0" g="0" b="0"/>
+      </a:lnRef>
+      <a:fillRef idx="1">
+        <a:scrgbClr r="0" g="0" b="0"/>
+      </a:fillRef>
+      <a:effectRef idx="0">
+        <a:scrgbClr r="0" g="0" b="0"/>
+      </a:effectRef>
+      <a:fontRef idx="minor"/>
+    </dgm:style>
+  </dgm:styleLbl>
+  <dgm:styleLbl name="dkBgShp">
+    <dgm:scene3d>
+      <a:camera prst="orthographicFront"/>
+      <a:lightRig rig="threePt" dir="t"/>
+    </dgm:scene3d>
+    <dgm:sp3d/>
+    <dgm:txPr/>
+    <dgm:style>
+      <a:lnRef idx="0">
+        <a:scrgbClr r="0" g="0" b="0"/>
+      </a:lnRef>
+      <a:fillRef idx="1">
+        <a:scrgbClr r="0" g="0" b="0"/>
+      </a:fillRef>
+      <a:effectRef idx="0">
+        <a:scrgbClr r="0" g="0" b="0"/>
+      </a:effectRef>
+      <a:fontRef idx="minor"/>
+    </dgm:style>
+  </dgm:styleLbl>
+  <dgm:styleLbl name="trBgShp">
+    <dgm:scene3d>
+      <a:camera prst="orthographicFront"/>
+      <a:lightRig rig="threePt" dir="t"/>
+    </dgm:scene3d>
+    <dgm:sp3d/>
+    <dgm:txPr/>
+    <dgm:style>
+      <a:lnRef idx="0">
+        <a:scrgbClr r="0" g="0" b="0"/>
+      </a:lnRef>
+      <a:fillRef idx="1">
+        <a:scrgbClr r="0" g="0" b="0"/>
+      </a:fillRef>
+      <a:effectRef idx="0">
+        <a:scrgbClr r="0" g="0" b="0"/>
+      </a:effectRef>
+      <a:fontRef idx="minor"/>
+    </dgm:style>
+  </dgm:styleLbl>
+  <dgm:styleLbl name="fgShp">
+    <dgm:scene3d>
+      <a:camera prst="orthographicFront"/>
+      <a:lightRig rig="threePt" dir="t"/>
+    </dgm:scene3d>
+    <dgm:sp3d/>
+    <dgm:txPr/>
+    <dgm:style>
+      <a:lnRef idx="2">
+        <a:scrgbClr r="0" g="0" b="0"/>
+      </a:lnRef>
+      <a:fillRef idx="1">
+        <a:scrgbClr r="0" g="0" b="0"/>
+      </a:fillRef>
+      <a:effectRef idx="0">
+        <a:scrgbClr r="0" g="0" b="0"/>
+      </a:effectRef>
+      <a:fontRef idx="minor"/>
+    </dgm:style>
+  </dgm:styleLbl>
+  <dgm:styleLbl name="revTx">
+    <dgm:scene3d>
+      <a:camera prst="orthographicFront"/>
+      <a:lightRig rig="threePt" dir="t"/>
+    </dgm:scene3d>
+    <dgm:sp3d/>
+    <dgm:txPr/>
+    <dgm:style>
+      <a:lnRef idx="0">
+        <a:scrgbClr r="0" g="0" b="0"/>
+      </a:lnRef>
+      <a:fillRef idx="0">
+        <a:scrgbClr r="0" g="0" b="0"/>
+      </a:fillRef>
+      <a:effectRef idx="0">
+        <a:scrgbClr r="0" g="0" b="0"/>
+      </a:effectRef>
+      <a:fontRef idx="minor"/>
+    </dgm:style>
+  </dgm:styleLbl>
+</dgm:styleDef>
+</file>
+
 <file path=ppt/diagrams/quickStyle2.xml><?xml version="1.0" encoding="utf-8"?>
 <dgm:styleDef xmlns:dgm="http://schemas.openxmlformats.org/drawingml/2006/diagram" xmlns:a="http://schemas.openxmlformats.org/drawingml/2006/main" uniqueId="urn:microsoft.com/office/officeart/2005/8/quickstyle/simple1">
   <dgm:title val=""/>
@@ -30779,7 +33540,7 @@
           <a:p>
             <a:fld id="{02BC24F2-A104-4C75-B4B5-E72BF9C1C018}" type="datetimeFigureOut">
               <a:rPr lang="en-US" smtClean="0"/>
-              <a:t>3/11/2016</a:t>
+              <a:t>3/12/2016</a:t>
             </a:fld>
             <a:endParaRPr lang="en-US" dirty="0"/>
           </a:p>
@@ -31091,6 +33852,90 @@
           <a:bodyPr/>
           <a:lstStyle/>
           <a:p>
+            <a:endParaRPr lang="en-US"/>
+          </a:p>
+        </p:txBody>
+      </p:sp>
+      <p:sp>
+        <p:nvSpPr>
+          <p:cNvPr id="4" name="Slide Number Placeholder 3"/>
+          <p:cNvSpPr>
+            <a:spLocks noGrp="1"/>
+          </p:cNvSpPr>
+          <p:nvPr>
+            <p:ph type="sldNum" sz="quarter" idx="10"/>
+          </p:nvPr>
+        </p:nvSpPr>
+        <p:spPr/>
+        <p:txBody>
+          <a:bodyPr/>
+          <a:lstStyle/>
+          <a:p>
+            <a:fld id="{35688293-734F-41B1-B8A3-626CBE14D9C8}" type="slidenum">
+              <a:rPr lang="en-US" smtClean="0"/>
+              <a:t>1</a:t>
+            </a:fld>
+            <a:endParaRPr lang="en-US" dirty="0"/>
+          </a:p>
+        </p:txBody>
+      </p:sp>
+    </p:spTree>
+    <p:extLst>
+      <p:ext uri="{BB962C8B-B14F-4D97-AF65-F5344CB8AC3E}">
+        <p14:creationId xmlns:p14="http://schemas.microsoft.com/office/powerpoint/2010/main" val="2002586813"/>
+      </p:ext>
+    </p:extLst>
+  </p:cSld>
+  <p:clrMapOvr>
+    <a:masterClrMapping/>
+  </p:clrMapOvr>
+</p:notes>
+</file>
+
+<file path=ppt/notesSlides/notesSlide2.xml><?xml version="1.0" encoding="utf-8"?>
+<p:notes xmlns:a="http://schemas.openxmlformats.org/drawingml/2006/main" xmlns:r="http://schemas.openxmlformats.org/officeDocument/2006/relationships" xmlns:p="http://schemas.openxmlformats.org/presentationml/2006/main">
+  <p:cSld>
+    <p:spTree>
+      <p:nvGrpSpPr>
+        <p:cNvPr id="1" name=""/>
+        <p:cNvGrpSpPr/>
+        <p:nvPr/>
+      </p:nvGrpSpPr>
+      <p:grpSpPr>
+        <a:xfrm>
+          <a:off x="0" y="0"/>
+          <a:ext cx="0" cy="0"/>
+          <a:chOff x="0" y="0"/>
+          <a:chExt cx="0" cy="0"/>
+        </a:xfrm>
+      </p:grpSpPr>
+      <p:sp>
+        <p:nvSpPr>
+          <p:cNvPr id="2" name="Slide Image Placeholder 1"/>
+          <p:cNvSpPr>
+            <a:spLocks noGrp="1" noRot="1" noChangeAspect="1"/>
+          </p:cNvSpPr>
+          <p:nvPr>
+            <p:ph type="sldImg"/>
+          </p:nvPr>
+        </p:nvSpPr>
+        <p:spPr/>
+      </p:sp>
+      <p:sp>
+        <p:nvSpPr>
+          <p:cNvPr id="3" name="Notes Placeholder 2"/>
+          <p:cNvSpPr>
+            <a:spLocks noGrp="1"/>
+          </p:cNvSpPr>
+          <p:nvPr>
+            <p:ph type="body" idx="1"/>
+          </p:nvPr>
+        </p:nvSpPr>
+        <p:spPr/>
+        <p:txBody>
+          <a:bodyPr/>
+          <a:lstStyle/>
+          <a:p>
             <a:endParaRPr lang="en-US" dirty="0"/>
           </a:p>
         </p:txBody>
@@ -31261,7 +34106,7 @@
           <a:lstStyle/>
           <a:p>
             <a:r>
-              <a:rPr lang="en-US" dirty="0" smtClean="0"/>
+              <a:rPr lang="en-US" smtClean="0"/>
               <a:t>3/19/2016</a:t>
             </a:r>
             <a:endParaRPr lang="en-US" dirty="0"/>
@@ -31284,8 +34129,8 @@
           <a:lstStyle/>
           <a:p>
             <a:r>
-              <a:rPr lang="en-US" dirty="0" smtClean="0"/>
-              <a:t>SharePoint Saturday Chicago Burbs - Spice up Your Forms and Views: Deep Dive into Client Side Rendering</a:t>
+              <a:rPr lang="en-US" smtClean="0"/>
+              <a:t>SharePoint Saturday Chicago Suburbs - Spice up Your Forms and Views: Deep Dive into Client Side Rendering</a:t>
             </a:r>
             <a:endParaRPr lang="en-US" dirty="0"/>
           </a:p>
@@ -31435,7 +34280,7 @@
           <a:lstStyle/>
           <a:p>
             <a:r>
-              <a:rPr lang="en-US" dirty="0" smtClean="0"/>
+              <a:rPr lang="en-US" smtClean="0"/>
               <a:t>3/19/2016</a:t>
             </a:r>
             <a:endParaRPr lang="en-US" dirty="0"/>
@@ -31458,8 +34303,8 @@
           <a:lstStyle/>
           <a:p>
             <a:r>
-              <a:rPr lang="en-US" dirty="0" smtClean="0"/>
-              <a:t>SharePoint Saturday Chicago Burbs - Spice up Your Forms and Views: Deep Dive into Client Side Rendering</a:t>
+              <a:rPr lang="en-US" smtClean="0"/>
+              <a:t>SharePoint Saturday Chicago Suburbs - Spice up Your Forms and Views: Deep Dive into Client Side Rendering</a:t>
             </a:r>
             <a:endParaRPr lang="en-US" dirty="0"/>
           </a:p>
@@ -31619,7 +34464,7 @@
           <a:lstStyle/>
           <a:p>
             <a:r>
-              <a:rPr lang="en-US" dirty="0" smtClean="0"/>
+              <a:rPr lang="en-US" smtClean="0"/>
               <a:t>3/19/2016</a:t>
             </a:r>
             <a:endParaRPr lang="en-US" dirty="0"/>
@@ -31642,8 +34487,8 @@
           <a:lstStyle/>
           <a:p>
             <a:r>
-              <a:rPr lang="en-US" dirty="0" smtClean="0"/>
-              <a:t>SharePoint Saturday Chicago Burbs - Spice up Your Forms and Views: Deep Dive into Client Side Rendering</a:t>
+              <a:rPr lang="en-US" smtClean="0"/>
+              <a:t>SharePoint Saturday Chicago Suburbs - Spice up Your Forms and Views: Deep Dive into Client Side Rendering</a:t>
             </a:r>
             <a:endParaRPr lang="en-US" dirty="0"/>
           </a:p>
@@ -31837,7 +34682,7 @@
           </a:lstStyle>
           <a:p>
             <a:r>
-              <a:rPr lang="en-US" dirty="0" smtClean="0"/>
+              <a:rPr lang="en-US" smtClean="0"/>
               <a:t>3/19/2016</a:t>
             </a:r>
             <a:endParaRPr lang="en-US" dirty="0"/>
@@ -31867,8 +34712,8 @@
           </a:lstStyle>
           <a:p>
             <a:r>
-              <a:rPr lang="en-US" dirty="0" smtClean="0"/>
-              <a:t>SharePoint Saturday Chicago Burbs - Spice up Your Forms and Views: Deep Dive into Client Side Rendering</a:t>
+              <a:rPr lang="en-US" smtClean="0"/>
+              <a:t>SharePoint Saturday Chicago Suburbs - Spice up Your Forms and Views: Deep Dive into Client Side Rendering</a:t>
             </a:r>
             <a:endParaRPr lang="en-US" dirty="0"/>
           </a:p>
@@ -32094,7 +34939,7 @@
           <a:lstStyle/>
           <a:p>
             <a:r>
-              <a:rPr lang="en-US" dirty="0" smtClean="0"/>
+              <a:rPr lang="en-US" smtClean="0"/>
               <a:t>3/19/2016</a:t>
             </a:r>
             <a:endParaRPr lang="en-US" dirty="0"/>
@@ -32117,8 +34962,8 @@
           <a:lstStyle/>
           <a:p>
             <a:r>
-              <a:rPr lang="en-US" dirty="0" smtClean="0"/>
-              <a:t>SharePoint Saturday Chicago Burbs - Spice up Your Forms and Views: Deep Dive into Client Side Rendering</a:t>
+              <a:rPr lang="en-US" smtClean="0"/>
+              <a:t>SharePoint Saturday Chicago Suburbs - Spice up Your Forms and Views: Deep Dive into Client Side Rendering</a:t>
             </a:r>
             <a:endParaRPr lang="en-US" dirty="0"/>
           </a:p>
@@ -32330,7 +35175,7 @@
           <a:lstStyle/>
           <a:p>
             <a:r>
-              <a:rPr lang="en-US" dirty="0" smtClean="0"/>
+              <a:rPr lang="en-US" smtClean="0"/>
               <a:t>3/19/2016</a:t>
             </a:r>
             <a:endParaRPr lang="en-US" dirty="0"/>
@@ -32353,8 +35198,8 @@
           <a:lstStyle/>
           <a:p>
             <a:r>
-              <a:rPr lang="en-US" dirty="0" smtClean="0"/>
-              <a:t>SharePoint Saturday Chicago Burbs - Spice up Your Forms and Views: Deep Dive into Client Side Rendering</a:t>
+              <a:rPr lang="en-US" smtClean="0"/>
+              <a:t>SharePoint Saturday Chicago Suburbs - Spice up Your Forms and Views: Deep Dive into Client Side Rendering</a:t>
             </a:r>
             <a:endParaRPr lang="en-US" dirty="0"/>
           </a:p>
@@ -32701,7 +35546,7 @@
           <a:lstStyle/>
           <a:p>
             <a:r>
-              <a:rPr lang="en-US" dirty="0" smtClean="0"/>
+              <a:rPr lang="en-US" smtClean="0"/>
               <a:t>3/19/2016</a:t>
             </a:r>
             <a:endParaRPr lang="en-US" dirty="0"/>
@@ -32724,8 +35569,8 @@
           <a:lstStyle/>
           <a:p>
             <a:r>
-              <a:rPr lang="en-US" dirty="0" smtClean="0"/>
-              <a:t>SharePoint Saturday Chicago Burbs - Spice up Your Forms and Views: Deep Dive into Client Side Rendering</a:t>
+              <a:rPr lang="en-US" smtClean="0"/>
+              <a:t>SharePoint Saturday Chicago Suburbs - Spice up Your Forms and Views: Deep Dive into Client Side Rendering</a:t>
             </a:r>
             <a:endParaRPr lang="en-US" dirty="0"/>
           </a:p>
@@ -32823,7 +35668,7 @@
           <a:lstStyle/>
           <a:p>
             <a:r>
-              <a:rPr lang="en-US" dirty="0" smtClean="0"/>
+              <a:rPr lang="en-US" smtClean="0"/>
               <a:t>3/19/2016</a:t>
             </a:r>
             <a:endParaRPr lang="en-US" dirty="0"/>
@@ -32846,8 +35691,8 @@
           <a:lstStyle/>
           <a:p>
             <a:r>
-              <a:rPr lang="en-US" dirty="0" smtClean="0"/>
-              <a:t>SharePoint Saturday Chicago Burbs - Spice up Your Forms and Views: Deep Dive into Client Side Rendering</a:t>
+              <a:rPr lang="en-US" smtClean="0"/>
+              <a:t>SharePoint Saturday Chicago Suburbs - Spice up Your Forms and Views: Deep Dive into Client Side Rendering</a:t>
             </a:r>
             <a:endParaRPr lang="en-US" dirty="0"/>
           </a:p>
@@ -32922,7 +35767,7 @@
           <a:lstStyle/>
           <a:p>
             <a:r>
-              <a:rPr lang="en-US" dirty="0" smtClean="0"/>
+              <a:rPr lang="en-US" smtClean="0"/>
               <a:t>3/19/2016</a:t>
             </a:r>
             <a:endParaRPr lang="en-US" dirty="0"/>
@@ -32945,8 +35790,8 @@
           <a:lstStyle/>
           <a:p>
             <a:r>
-              <a:rPr lang="en-US" dirty="0" smtClean="0"/>
-              <a:t>SharePoint Saturday Chicago Burbs - Spice up Your Forms and Views: Deep Dive into Client Side Rendering</a:t>
+              <a:rPr lang="en-US" smtClean="0"/>
+              <a:t>SharePoint Saturday Chicago Suburbs - Spice up Your Forms and Views: Deep Dive into Client Side Rendering</a:t>
             </a:r>
             <a:endParaRPr lang="en-US" dirty="0"/>
           </a:p>
@@ -33203,7 +36048,7 @@
           <a:lstStyle/>
           <a:p>
             <a:r>
-              <a:rPr lang="en-US" dirty="0" smtClean="0"/>
+              <a:rPr lang="en-US" smtClean="0"/>
               <a:t>3/19/2016</a:t>
             </a:r>
             <a:endParaRPr lang="en-US" dirty="0"/>
@@ -33226,8 +36071,8 @@
           <a:lstStyle/>
           <a:p>
             <a:r>
-              <a:rPr lang="en-US" dirty="0" smtClean="0"/>
-              <a:t>SharePoint Saturday Chicago Burbs - Spice up Your Forms and Views: Deep Dive into Client Side Rendering</a:t>
+              <a:rPr lang="en-US" smtClean="0"/>
+              <a:t>SharePoint Saturday Chicago Suburbs - Spice up Your Forms and Views: Deep Dive into Client Side Rendering</a:t>
             </a:r>
             <a:endParaRPr lang="en-US" dirty="0"/>
           </a:p>
@@ -33464,7 +36309,7 @@
           <a:lstStyle/>
           <a:p>
             <a:r>
-              <a:rPr lang="en-US" dirty="0" smtClean="0"/>
+              <a:rPr lang="en-US" smtClean="0"/>
               <a:t>3/19/2016</a:t>
             </a:r>
             <a:endParaRPr lang="en-US" dirty="0"/>
@@ -33487,8 +36332,8 @@
           <a:lstStyle/>
           <a:p>
             <a:r>
-              <a:rPr lang="en-US" dirty="0" smtClean="0"/>
-              <a:t>SharePoint Saturday Chicago Burbs - Spice up Your Forms and Views: Deep Dive into Client Side Rendering</a:t>
+              <a:rPr lang="en-US" smtClean="0"/>
+              <a:t>SharePoint Saturday Chicago Suburbs - Spice up Your Forms and Views: Deep Dive into Client Side Rendering</a:t>
             </a:r>
             <a:endParaRPr lang="en-US" dirty="0"/>
           </a:p>
@@ -33691,7 +36536,7 @@
           </a:lstStyle>
           <a:p>
             <a:r>
-              <a:rPr lang="en-US" dirty="0" smtClean="0"/>
+              <a:rPr lang="en-US" smtClean="0"/>
               <a:t>3/19/2016</a:t>
             </a:r>
             <a:endParaRPr lang="en-US" dirty="0"/>
@@ -33732,8 +36577,8 @@
           </a:lstStyle>
           <a:p>
             <a:r>
-              <a:rPr lang="en-US" dirty="0" smtClean="0"/>
-              <a:t>SharePoint Saturday Chicago Burbs - Spice up Your Forms and Views: Deep Dive into Client Side Rendering</a:t>
+              <a:rPr lang="en-US" smtClean="0"/>
+              <a:t>SharePoint Saturday Chicago Suburbs - Spice up Your Forms and Views: Deep Dive into Client Side Rendering</a:t>
             </a:r>
             <a:endParaRPr lang="en-US" dirty="0"/>
           </a:p>
@@ -34102,52 +36947,6 @@
           <a:chExt cx="0" cy="0"/>
         </a:xfrm>
       </p:grpSpPr>
-      <p:sp>
-        <p:nvSpPr>
-          <p:cNvPr id="4" name="Date Placeholder 3"/>
-          <p:cNvSpPr>
-            <a:spLocks noGrp="1"/>
-          </p:cNvSpPr>
-          <p:nvPr>
-            <p:ph type="dt" sz="half" idx="10"/>
-          </p:nvPr>
-        </p:nvSpPr>
-        <p:spPr/>
-        <p:txBody>
-          <a:bodyPr/>
-          <a:lstStyle/>
-          <a:p>
-            <a:r>
-              <a:rPr lang="en-US" smtClean="0"/>
-              <a:t>3/19/2016</a:t>
-            </a:r>
-            <a:endParaRPr lang="en-US" dirty="0"/>
-          </a:p>
-        </p:txBody>
-      </p:sp>
-      <p:sp>
-        <p:nvSpPr>
-          <p:cNvPr id="5" name="Footer Placeholder 4"/>
-          <p:cNvSpPr>
-            <a:spLocks noGrp="1"/>
-          </p:cNvSpPr>
-          <p:nvPr>
-            <p:ph type="ftr" sz="quarter" idx="11"/>
-          </p:nvPr>
-        </p:nvSpPr>
-        <p:spPr/>
-        <p:txBody>
-          <a:bodyPr/>
-          <a:lstStyle/>
-          <a:p>
-            <a:r>
-              <a:rPr lang="en-US" smtClean="0"/>
-              <a:t>SharePoint Saturday Chicago Burbs - Spice up Your Forms and Views: Deep Dive into Client Side Rendering</a:t>
-            </a:r>
-            <a:endParaRPr lang="en-US" dirty="0"/>
-          </a:p>
-        </p:txBody>
-      </p:sp>
       <p:pic>
         <p:nvPicPr>
           <p:cNvPr id="8" name="Picture 7"/>
@@ -34157,7 +36956,7 @@
           <p:nvPr/>
         </p:nvPicPr>
         <p:blipFill>
-          <a:blip r:embed="rId2">
+          <a:blip r:embed="rId3">
             <a:extLst>
               <a:ext uri="{28A0092B-C50C-407E-A947-70E740481C1C}">
                 <a14:useLocalDpi xmlns:a14="http://schemas.microsoft.com/office/drawing/2010/main" val="0"/>
@@ -34170,7 +36969,7 @@
         </p:blipFill>
         <p:spPr>
           <a:xfrm>
-            <a:off x="984282" y="40459"/>
+            <a:off x="984282" y="232474"/>
             <a:ext cx="10681244" cy="6498452"/>
           </a:xfrm>
           <a:prstGeom prst="rect">
@@ -34189,7 +36988,7 @@
           </p:nvPr>
         </p:nvPicPr>
         <p:blipFill>
-          <a:blip r:embed="rId3">
+          <a:blip r:embed="rId4">
             <a:extLst>
               <a:ext uri="{28A0092B-C50C-407E-A947-70E740481C1C}">
                 <a14:useLocalDpi xmlns:a14="http://schemas.microsoft.com/office/drawing/2010/main" val="0"/>
@@ -34343,6 +37142,7 @@
       <p:bgPr>
         <a:blipFill dpi="0" rotWithShape="1">
           <a:blip r:embed="rId2">
+            <a:alphaModFix amt="50000"/>
             <a:lum/>
           </a:blip>
           <a:srcRect/>
@@ -34407,7 +37207,7 @@
           <a:p>
             <a:r>
               <a:rPr lang="en-US" smtClean="0"/>
-              <a:t>SharePoint Saturday Chicago Burbs - Spice up Your Forms and Views: Deep Dive into Client Side Rendering</a:t>
+              <a:t>SharePoint Saturday Chicago Suburbs - Spice up Your Forms and Views: Deep Dive into Client Side Rendering</a:t>
             </a:r>
             <a:endParaRPr lang="en-US" dirty="0"/>
           </a:p>
@@ -34415,7 +37215,7 @@
       </p:sp>
       <p:pic>
         <p:nvPicPr>
-          <p:cNvPr id="8" name="Picture 7"/>
+          <p:cNvPr id="2" name="Picture 1"/>
           <p:cNvPicPr>
             <a:picLocks noChangeAspect="1"/>
           </p:cNvPicPr>
@@ -34423,7 +37223,6 @@
         </p:nvPicPr>
         <p:blipFill>
           <a:blip r:embed="rId3">
-            <a:lum bright="1000"/>
             <a:extLst>
               <a:ext uri="{28A0092B-C50C-407E-A947-70E740481C1C}">
                 <a14:useLocalDpi xmlns:a14="http://schemas.microsoft.com/office/drawing/2010/main" val="0"/>
@@ -34436,15 +37235,12 @@
         </p:blipFill>
         <p:spPr>
           <a:xfrm>
-            <a:off x="1128714" y="217677"/>
-            <a:ext cx="9916247" cy="5942838"/>
+            <a:off x="1101438" y="300515"/>
+            <a:ext cx="10037614" cy="5936099"/>
           </a:xfrm>
           <a:prstGeom prst="rect">
             <a:avLst/>
           </a:prstGeom>
-          <a:effectLst>
-            <a:softEdge rad="101600"/>
-          </a:effectLst>
         </p:spPr>
       </p:pic>
     </p:spTree>
@@ -34470,6 +37266,21 @@
 <file path=ppt/slides/slide11.xml><?xml version="1.0" encoding="utf-8"?>
 <p:sld xmlns:a="http://schemas.openxmlformats.org/drawingml/2006/main" xmlns:r="http://schemas.openxmlformats.org/officeDocument/2006/relationships" xmlns:p="http://schemas.openxmlformats.org/presentationml/2006/main">
   <p:cSld>
+    <p:bg>
+      <p:bgPr>
+        <a:blipFill dpi="0" rotWithShape="1">
+          <a:blip r:embed="rId2">
+            <a:alphaModFix amt="50000"/>
+            <a:lum/>
+          </a:blip>
+          <a:srcRect/>
+          <a:stretch>
+            <a:fillRect/>
+          </a:stretch>
+        </a:blipFill>
+        <a:effectLst/>
+      </p:bgPr>
+    </p:bg>
     <p:spTree>
       <p:nvGrpSpPr>
         <p:cNvPr id="1" name=""/>
@@ -34523,7 +37334,7 @@
           <a:lstStyle/>
           <a:p>
             <a:r>
-              <a:rPr lang="en-US" dirty="0" smtClean="0"/>
+              <a:rPr lang="en-US" smtClean="0"/>
               <a:t>3/19/2016</a:t>
             </a:r>
             <a:endParaRPr lang="en-US" dirty="0"/>
@@ -34546,8 +37357,8 @@
           <a:lstStyle/>
           <a:p>
             <a:r>
-              <a:rPr lang="en-US" dirty="0" smtClean="0"/>
-              <a:t>SharePoint Saturday Chicago Burbs - Spice up Your Forms and Views: Deep Dive into Client Side Rendering</a:t>
+              <a:rPr lang="en-US" smtClean="0"/>
+              <a:t>SharePoint Saturday Chicago Suburbs - Spice up Your Forms and Views: Deep Dive into Client Side Rendering</a:t>
             </a:r>
             <a:endParaRPr lang="en-US" dirty="0"/>
           </a:p>
@@ -34562,7 +37373,7 @@
           <p:nvPr/>
         </p:nvPicPr>
         <p:blipFill>
-          <a:blip r:embed="rId2"/>
+          <a:blip r:embed="rId3"/>
           <a:stretch>
             <a:fillRect/>
           </a:stretch>
@@ -34600,6 +37411,21 @@
 <file path=ppt/slides/slide12.xml><?xml version="1.0" encoding="utf-8"?>
 <p:sld xmlns:a="http://schemas.openxmlformats.org/drawingml/2006/main" xmlns:r="http://schemas.openxmlformats.org/officeDocument/2006/relationships" xmlns:p="http://schemas.openxmlformats.org/presentationml/2006/main">
   <p:cSld>
+    <p:bg>
+      <p:bgPr>
+        <a:blipFill dpi="0" rotWithShape="1">
+          <a:blip r:embed="rId2">
+            <a:alphaModFix amt="50000"/>
+            <a:lum/>
+          </a:blip>
+          <a:srcRect/>
+          <a:stretch>
+            <a:fillRect/>
+          </a:stretch>
+        </a:blipFill>
+        <a:effectLst/>
+      </p:bgPr>
+    </p:bg>
     <p:spTree>
       <p:nvGrpSpPr>
         <p:cNvPr id="1" name=""/>
@@ -34653,7 +37479,7 @@
           <a:lstStyle/>
           <a:p>
             <a:r>
-              <a:rPr lang="en-US" dirty="0" smtClean="0"/>
+              <a:rPr lang="en-US" smtClean="0"/>
               <a:t>3/19/2016</a:t>
             </a:r>
             <a:endParaRPr lang="en-US" dirty="0"/>
@@ -34676,8 +37502,8 @@
           <a:lstStyle/>
           <a:p>
             <a:r>
-              <a:rPr lang="en-US" dirty="0" smtClean="0"/>
-              <a:t>SharePoint Saturday Chicago Burbs - Spice up Your Forms and Views: Deep Dive into Client Side Rendering</a:t>
+              <a:rPr lang="en-US" smtClean="0"/>
+              <a:t>SharePoint Saturday Chicago Suburbs - Spice up Your Forms and Views: Deep Dive into Client Side Rendering</a:t>
             </a:r>
             <a:endParaRPr lang="en-US" dirty="0"/>
           </a:p>
@@ -34692,7 +37518,7 @@
           <p:nvPr/>
         </p:nvPicPr>
         <p:blipFill>
-          <a:blip r:embed="rId2"/>
+          <a:blip r:embed="rId3"/>
           <a:stretch>
             <a:fillRect/>
           </a:stretch>
@@ -34783,7 +37609,7 @@
           <a:lstStyle/>
           <a:p>
             <a:r>
-              <a:rPr lang="en-US" dirty="0" smtClean="0"/>
+              <a:rPr lang="en-US" smtClean="0"/>
               <a:t>3/19/2016</a:t>
             </a:r>
             <a:endParaRPr lang="en-US" dirty="0"/>
@@ -34806,8 +37632,8 @@
           <a:lstStyle/>
           <a:p>
             <a:r>
-              <a:rPr lang="en-US" dirty="0" smtClean="0"/>
-              <a:t>SharePoint Saturday Chicago Burbs - Spice up Your Forms and Views: Deep Dive into Client Side Rendering</a:t>
+              <a:rPr lang="en-US" smtClean="0"/>
+              <a:t>SharePoint Saturday Chicago Suburbs - Spice up Your Forms and Views: Deep Dive into Client Side Rendering</a:t>
             </a:r>
             <a:endParaRPr lang="en-US" dirty="0"/>
           </a:p>
@@ -34888,7 +37714,7 @@
             <p:ph idx="1"/>
             <p:extLst>
               <p:ext uri="{D42A27DB-BD31-4B8C-83A1-F6EECF244321}">
-                <p14:modId xmlns:p14="http://schemas.microsoft.com/office/powerpoint/2010/main" val="1952027019"/>
+                <p14:modId xmlns:p14="http://schemas.microsoft.com/office/powerpoint/2010/main" val="2719746249"/>
               </p:ext>
             </p:extLst>
           </p:nvPr>
@@ -34919,7 +37745,7 @@
           <a:lstStyle/>
           <a:p>
             <a:r>
-              <a:rPr lang="en-US" dirty="0" smtClean="0"/>
+              <a:rPr lang="en-US" smtClean="0"/>
               <a:t>3/19/2016</a:t>
             </a:r>
             <a:endParaRPr lang="en-US" dirty="0"/>
@@ -34942,8 +37768,8 @@
           <a:lstStyle/>
           <a:p>
             <a:r>
-              <a:rPr lang="en-US" dirty="0" smtClean="0"/>
-              <a:t>SharePoint Saturday Chicago Burbs - Spice up Your Forms and Views: Deep Dive into Client Side Rendering</a:t>
+              <a:rPr lang="en-US" smtClean="0"/>
+              <a:t>SharePoint Saturday Chicago Suburbs - Spice up Your Forms and Views: Deep Dive into Client Side Rendering</a:t>
             </a:r>
             <a:endParaRPr lang="en-US" dirty="0"/>
           </a:p>
@@ -35054,7 +37880,7 @@
           <a:lstStyle/>
           <a:p>
             <a:r>
-              <a:rPr lang="en-US" dirty="0" smtClean="0"/>
+              <a:rPr lang="en-US" smtClean="0"/>
               <a:t>3/19/2016</a:t>
             </a:r>
             <a:endParaRPr lang="en-US" dirty="0"/>
@@ -35077,8 +37903,8 @@
           <a:lstStyle/>
           <a:p>
             <a:r>
-              <a:rPr lang="en-US" dirty="0" smtClean="0"/>
-              <a:t>SharePoint Saturday Chicago Burbs - Spice up Your Forms and Views: Deep Dive into Client Side Rendering</a:t>
+              <a:rPr lang="en-US" smtClean="0"/>
+              <a:t>SharePoint Saturday Chicago Suburbs - Spice up Your Forms and Views: Deep Dive into Client Side Rendering</a:t>
             </a:r>
             <a:endParaRPr lang="en-US" dirty="0"/>
           </a:p>
@@ -35158,13 +37984,13 @@
             <p:ph idx="1"/>
             <p:extLst>
               <p:ext uri="{D42A27DB-BD31-4B8C-83A1-F6EECF244321}">
-                <p14:modId xmlns:p14="http://schemas.microsoft.com/office/powerpoint/2010/main" val="1654980190"/>
+                <p14:modId xmlns:p14="http://schemas.microsoft.com/office/powerpoint/2010/main" val="3091855659"/>
               </p:ext>
             </p:extLst>
           </p:nvPr>
         </p:nvGraphicFramePr>
         <p:xfrm>
-          <a:off x="838200" y="1825625"/>
+          <a:off x="838200" y="1524067"/>
           <a:ext cx="10515600" cy="4351338"/>
         </p:xfrm>
         <a:graphic>
@@ -35189,7 +38015,7 @@
           <a:lstStyle/>
           <a:p>
             <a:r>
-              <a:rPr lang="en-US" dirty="0" smtClean="0"/>
+              <a:rPr lang="en-US" smtClean="0"/>
               <a:t>3/19/2016</a:t>
             </a:r>
             <a:endParaRPr lang="en-US" dirty="0"/>
@@ -35212,8 +38038,8 @@
           <a:lstStyle/>
           <a:p>
             <a:r>
-              <a:rPr lang="en-US" dirty="0" smtClean="0"/>
-              <a:t>SharePoint Saturday Chicago Burbs - Spice up Your Forms and Views: Deep Dive into Client Side Rendering</a:t>
+              <a:rPr lang="en-US" smtClean="0"/>
+              <a:t>SharePoint Saturday Chicago Suburbs - Spice up Your Forms and Views: Deep Dive into Client Side Rendering</a:t>
             </a:r>
             <a:endParaRPr lang="en-US" dirty="0"/>
           </a:p>
@@ -35296,14 +38122,14 @@
             <p:ph idx="1"/>
             <p:extLst>
               <p:ext uri="{D42A27DB-BD31-4B8C-83A1-F6EECF244321}">
-                <p14:modId xmlns:p14="http://schemas.microsoft.com/office/powerpoint/2010/main" val="121927413"/>
+                <p14:modId xmlns:p14="http://schemas.microsoft.com/office/powerpoint/2010/main" val="1842178694"/>
               </p:ext>
             </p:extLst>
           </p:nvPr>
         </p:nvGraphicFramePr>
         <p:xfrm>
-          <a:off x="838200" y="1825625"/>
-          <a:ext cx="10515600" cy="4351338"/>
+          <a:off x="838200" y="1381328"/>
+          <a:ext cx="10515600" cy="4795635"/>
         </p:xfrm>
         <a:graphic>
           <a:graphicData uri="http://schemas.openxmlformats.org/drawingml/2006/diagram">
@@ -35327,7 +38153,7 @@
           <a:lstStyle/>
           <a:p>
             <a:r>
-              <a:rPr lang="en-US" dirty="0" smtClean="0"/>
+              <a:rPr lang="en-US" smtClean="0"/>
               <a:t>3/19/2016</a:t>
             </a:r>
             <a:endParaRPr lang="en-US" dirty="0"/>
@@ -35350,8 +38176,8 @@
           <a:lstStyle/>
           <a:p>
             <a:r>
-              <a:rPr lang="en-US" dirty="0" smtClean="0"/>
-              <a:t>SharePoint Saturday Chicago Burbs - Spice up Your Forms and Views: Deep Dive into Client Side Rendering</a:t>
+              <a:rPr lang="en-US" smtClean="0"/>
+              <a:t>SharePoint Saturday Chicago Suburbs - Spice up Your Forms and Views: Deep Dive into Client Side Rendering</a:t>
             </a:r>
             <a:endParaRPr lang="en-US" dirty="0"/>
           </a:p>
@@ -35433,13 +38259,13 @@
             <p:ph idx="1"/>
             <p:extLst>
               <p:ext uri="{D42A27DB-BD31-4B8C-83A1-F6EECF244321}">
-                <p14:modId xmlns:p14="http://schemas.microsoft.com/office/powerpoint/2010/main" val="2831946658"/>
+                <p14:modId xmlns:p14="http://schemas.microsoft.com/office/powerpoint/2010/main" val="3759443221"/>
               </p:ext>
             </p:extLst>
           </p:nvPr>
         </p:nvGraphicFramePr>
         <p:xfrm>
-          <a:off x="838200" y="1825625"/>
+          <a:off x="838200" y="1475429"/>
           <a:ext cx="10515600" cy="4351338"/>
         </p:xfrm>
         <a:graphic>
@@ -35464,7 +38290,7 @@
           <a:lstStyle/>
           <a:p>
             <a:r>
-              <a:rPr lang="en-US" dirty="0" smtClean="0"/>
+              <a:rPr lang="en-US" smtClean="0"/>
               <a:t>3/19/2016</a:t>
             </a:r>
             <a:endParaRPr lang="en-US" dirty="0"/>
@@ -35487,8 +38313,8 @@
           <a:lstStyle/>
           <a:p>
             <a:r>
-              <a:rPr lang="en-US" dirty="0" smtClean="0"/>
-              <a:t>SharePoint Saturday Chicago Burbs - Spice up Your Forms and Views: Deep Dive into Client Side Rendering</a:t>
+              <a:rPr lang="en-US" smtClean="0"/>
+              <a:t>SharePoint Saturday Chicago Suburbs - Spice up Your Forms and Views: Deep Dive into Client Side Rendering</a:t>
             </a:r>
             <a:endParaRPr lang="en-US" dirty="0"/>
           </a:p>
@@ -35564,13 +38390,13 @@
             <p:ph idx="1"/>
             <p:extLst>
               <p:ext uri="{D42A27DB-BD31-4B8C-83A1-F6EECF244321}">
-                <p14:modId xmlns:p14="http://schemas.microsoft.com/office/powerpoint/2010/main" val="4089350770"/>
+                <p14:modId xmlns:p14="http://schemas.microsoft.com/office/powerpoint/2010/main" val="1018764322"/>
               </p:ext>
             </p:extLst>
           </p:nvPr>
         </p:nvGraphicFramePr>
         <p:xfrm>
-          <a:off x="838200" y="1825625"/>
+          <a:off x="838200" y="1572706"/>
           <a:ext cx="10515600" cy="4351338"/>
         </p:xfrm>
         <a:graphic>
@@ -35595,7 +38421,7 @@
           <a:lstStyle/>
           <a:p>
             <a:r>
-              <a:rPr lang="en-US" dirty="0" smtClean="0"/>
+              <a:rPr lang="en-US" smtClean="0"/>
               <a:t>3/19/2016</a:t>
             </a:r>
             <a:endParaRPr lang="en-US" dirty="0"/>
@@ -35618,8 +38444,8 @@
           <a:lstStyle/>
           <a:p>
             <a:r>
-              <a:rPr lang="en-US" dirty="0" smtClean="0"/>
-              <a:t>SharePoint Saturday Chicago Burbs - Spice up Your Forms and Views: Deep Dive into Client Side Rendering</a:t>
+              <a:rPr lang="en-US" smtClean="0"/>
+              <a:t>SharePoint Saturday Chicago Suburbs - Spice up Your Forms and Views: Deep Dive into Client Side Rendering</a:t>
             </a:r>
             <a:endParaRPr lang="en-US" dirty="0"/>
           </a:p>
@@ -35760,7 +38586,6 @@
               <a:rPr lang="en-US" dirty="0" smtClean="0"/>
               <a:t>Over 20 years as a software developer/architect</a:t>
             </a:r>
-            <a:endParaRPr lang="en-US" dirty="0" smtClean="0"/>
           </a:p>
           <a:p>
             <a:pPr lvl="1">
@@ -35850,8 +38675,8 @@
           <a:lstStyle/>
           <a:p>
             <a:r>
-              <a:rPr lang="en-US" dirty="0" smtClean="0"/>
-              <a:t>SharePoint Saturday Chicago Burbs - Spice up Your Forms and Views: Deep Dive into Client Side Rendering</a:t>
+              <a:rPr lang="en-US" smtClean="0"/>
+              <a:t>SharePoint Saturday Chicago Suburbs - Spice up Your Forms and Views: Deep Dive into Client Side Rendering</a:t>
             </a:r>
             <a:endParaRPr lang="en-US" dirty="0"/>
           </a:p>
@@ -35873,7 +38698,7 @@
           <a:lstStyle/>
           <a:p>
             <a:r>
-              <a:rPr lang="en-US" dirty="0" smtClean="0"/>
+              <a:rPr lang="en-US" smtClean="0"/>
               <a:t>3/19/2016</a:t>
             </a:r>
             <a:endParaRPr lang="en-US" dirty="0"/>
@@ -35931,6 +38756,137 @@
 </file>
 
 <file path=ppt/slides/slide20.xml><?xml version="1.0" encoding="utf-8"?>
+<p:sld xmlns:a="http://schemas.openxmlformats.org/drawingml/2006/main" xmlns:r="http://schemas.openxmlformats.org/officeDocument/2006/relationships" xmlns:p="http://schemas.openxmlformats.org/presentationml/2006/main">
+  <p:cSld>
+    <p:spTree>
+      <p:nvGrpSpPr>
+        <p:cNvPr id="1" name=""/>
+        <p:cNvGrpSpPr/>
+        <p:nvPr/>
+      </p:nvGrpSpPr>
+      <p:grpSpPr>
+        <a:xfrm>
+          <a:off x="0" y="0"/>
+          <a:ext cx="0" cy="0"/>
+          <a:chOff x="0" y="0"/>
+          <a:chExt cx="0" cy="0"/>
+        </a:xfrm>
+      </p:grpSpPr>
+      <p:sp>
+        <p:nvSpPr>
+          <p:cNvPr id="2" name="Title 1"/>
+          <p:cNvSpPr>
+            <a:spLocks noGrp="1"/>
+          </p:cNvSpPr>
+          <p:nvPr>
+            <p:ph type="title"/>
+          </p:nvPr>
+        </p:nvSpPr>
+        <p:spPr/>
+        <p:txBody>
+          <a:bodyPr/>
+          <a:lstStyle/>
+          <a:p>
+            <a:r>
+              <a:rPr lang="en-US" dirty="0" smtClean="0"/>
+              <a:t>Display Templates in Master Page Gallery</a:t>
+            </a:r>
+            <a:endParaRPr lang="en-US" dirty="0"/>
+          </a:p>
+        </p:txBody>
+      </p:sp>
+      <p:graphicFrame>
+        <p:nvGraphicFramePr>
+          <p:cNvPr id="7" name="Content Placeholder 6"/>
+          <p:cNvGraphicFramePr>
+            <a:graphicFrameLocks noGrp="1"/>
+          </p:cNvGraphicFramePr>
+          <p:nvPr>
+            <p:ph idx="1"/>
+            <p:extLst>
+              <p:ext uri="{D42A27DB-BD31-4B8C-83A1-F6EECF244321}">
+                <p14:modId xmlns:p14="http://schemas.microsoft.com/office/powerpoint/2010/main" val="1962743925"/>
+              </p:ext>
+            </p:extLst>
+          </p:nvPr>
+        </p:nvGraphicFramePr>
+        <p:xfrm>
+          <a:off x="838200" y="1300332"/>
+          <a:ext cx="10515600" cy="4351338"/>
+        </p:xfrm>
+        <a:graphic>
+          <a:graphicData uri="http://schemas.openxmlformats.org/drawingml/2006/diagram">
+            <dgm:relIds xmlns:dgm="http://schemas.openxmlformats.org/drawingml/2006/diagram" xmlns:r="http://schemas.openxmlformats.org/officeDocument/2006/relationships" r:dm="rId2" r:lo="rId3" r:qs="rId4" r:cs="rId5"/>
+          </a:graphicData>
+        </a:graphic>
+      </p:graphicFrame>
+      <p:sp>
+        <p:nvSpPr>
+          <p:cNvPr id="4" name="Date Placeholder 3"/>
+          <p:cNvSpPr>
+            <a:spLocks noGrp="1"/>
+          </p:cNvSpPr>
+          <p:nvPr>
+            <p:ph type="dt" sz="half" idx="10"/>
+          </p:nvPr>
+        </p:nvSpPr>
+        <p:spPr/>
+        <p:txBody>
+          <a:bodyPr/>
+          <a:lstStyle/>
+          <a:p>
+            <a:r>
+              <a:rPr lang="en-US" smtClean="0"/>
+              <a:t>3/19/2016</a:t>
+            </a:r>
+            <a:endParaRPr lang="en-US" dirty="0"/>
+          </a:p>
+        </p:txBody>
+      </p:sp>
+      <p:sp>
+        <p:nvSpPr>
+          <p:cNvPr id="5" name="Footer Placeholder 4"/>
+          <p:cNvSpPr>
+            <a:spLocks noGrp="1"/>
+          </p:cNvSpPr>
+          <p:nvPr>
+            <p:ph type="ftr" sz="quarter" idx="11"/>
+          </p:nvPr>
+        </p:nvSpPr>
+        <p:spPr/>
+        <p:txBody>
+          <a:bodyPr/>
+          <a:lstStyle/>
+          <a:p>
+            <a:r>
+              <a:rPr lang="en-US" smtClean="0"/>
+              <a:t>SharePoint Saturday Chicago Suburbs - Spice up Your Forms and Views: Deep Dive into Client Side Rendering</a:t>
+            </a:r>
+            <a:endParaRPr lang="en-US" dirty="0"/>
+          </a:p>
+        </p:txBody>
+      </p:sp>
+    </p:spTree>
+    <p:extLst>
+      <p:ext uri="{BB962C8B-B14F-4D97-AF65-F5344CB8AC3E}">
+        <p14:creationId xmlns:p14="http://schemas.microsoft.com/office/powerpoint/2010/main" val="1348869730"/>
+      </p:ext>
+    </p:extLst>
+  </p:cSld>
+  <p:clrMapOvr>
+    <a:masterClrMapping/>
+  </p:clrMapOvr>
+  <p:timing>
+    <p:tnLst>
+      <p:par>
+        <p:cTn id="1" dur="indefinite" restart="never" nodeType="tmRoot"/>
+      </p:par>
+    </p:tnLst>
+  </p:timing>
+</p:sld>
+</file>
+
+<file path=ppt/slides/slide21.xml><?xml version="1.0" encoding="utf-8"?>
 <p:sld xmlns:a="http://schemas.openxmlformats.org/drawingml/2006/main" xmlns:r="http://schemas.openxmlformats.org/officeDocument/2006/relationships" xmlns:p="http://schemas.openxmlformats.org/presentationml/2006/main">
   <p:cSld>
     <p:spTree>
@@ -36232,7 +39188,7 @@
           <a:lstStyle/>
           <a:p>
             <a:r>
-              <a:rPr lang="en-US" dirty="0" smtClean="0"/>
+              <a:rPr lang="en-US" smtClean="0"/>
               <a:t>3/19/2016</a:t>
             </a:r>
             <a:endParaRPr lang="en-US" dirty="0"/>
@@ -36255,8 +39211,8 @@
           <a:lstStyle/>
           <a:p>
             <a:r>
-              <a:rPr lang="en-US" dirty="0" smtClean="0"/>
-              <a:t>SharePoint Saturday Chicago Burbs - Spice up Your Forms and Views: Deep Dive into Client Side Rendering</a:t>
+              <a:rPr lang="en-US" smtClean="0"/>
+              <a:t>SharePoint Saturday Chicago Suburbs - Spice up Your Forms and Views: Deep Dive into Client Side Rendering</a:t>
             </a:r>
             <a:endParaRPr lang="en-US" dirty="0"/>
           </a:p>
@@ -36282,7 +39238,7 @@
 </p:sld>
 </file>
 
-<file path=ppt/slides/slide21.xml><?xml version="1.0" encoding="utf-8"?>
+<file path=ppt/slides/slide22.xml><?xml version="1.0" encoding="utf-8"?>
 <p:sld xmlns:a="http://schemas.openxmlformats.org/drawingml/2006/main" xmlns:r="http://schemas.openxmlformats.org/officeDocument/2006/relationships" xmlns:p="http://schemas.openxmlformats.org/presentationml/2006/main">
   <p:cSld>
     <p:spTree>
@@ -36578,7 +39534,7 @@
           <a:lstStyle/>
           <a:p>
             <a:r>
-              <a:rPr lang="en-US" dirty="0" smtClean="0"/>
+              <a:rPr lang="en-US" smtClean="0"/>
               <a:t>3/19/2016</a:t>
             </a:r>
             <a:endParaRPr lang="en-US" dirty="0"/>
@@ -36601,8 +39557,8 @@
           <a:lstStyle/>
           <a:p>
             <a:r>
-              <a:rPr lang="en-US" dirty="0" smtClean="0"/>
-              <a:t>SharePoint Saturday Chicago Burbs - Spice up Your Forms and Views: Deep Dive into Client Side Rendering</a:t>
+              <a:rPr lang="en-US" smtClean="0"/>
+              <a:t>SharePoint Saturday Chicago Suburbs - Spice up Your Forms and Views: Deep Dive into Client Side Rendering</a:t>
             </a:r>
             <a:endParaRPr lang="en-US" dirty="0"/>
           </a:p>
@@ -36628,7 +39584,7 @@
 </p:sld>
 </file>
 
-<file path=ppt/slides/slide22.xml><?xml version="1.0" encoding="utf-8"?>
+<file path=ppt/slides/slide23.xml><?xml version="1.0" encoding="utf-8"?>
 <p:sld xmlns:a="http://schemas.openxmlformats.org/drawingml/2006/main" xmlns:r="http://schemas.openxmlformats.org/officeDocument/2006/relationships" xmlns:p="http://schemas.openxmlformats.org/presentationml/2006/main">
   <p:cSld>
     <p:spTree>
@@ -36898,7 +39854,7 @@
           <a:lstStyle/>
           <a:p>
             <a:r>
-              <a:rPr lang="en-US" dirty="0" smtClean="0"/>
+              <a:rPr lang="en-US" smtClean="0"/>
               <a:t>3/19/2016</a:t>
             </a:r>
             <a:endParaRPr lang="en-US" dirty="0"/>
@@ -36921,8 +39877,8 @@
           <a:lstStyle/>
           <a:p>
             <a:r>
-              <a:rPr lang="en-US" dirty="0" smtClean="0"/>
-              <a:t>SharePoint Saturday Chicago Burbs - Spice up Your Forms and Views: Deep Dive into Client Side Rendering</a:t>
+              <a:rPr lang="en-US" smtClean="0"/>
+              <a:t>SharePoint Saturday Chicago Suburbs - Spice up Your Forms and Views: Deep Dive into Client Side Rendering</a:t>
             </a:r>
             <a:endParaRPr lang="en-US" dirty="0"/>
           </a:p>
@@ -36948,7 +39904,7 @@
 </p:sld>
 </file>
 
-<file path=ppt/slides/slide23.xml><?xml version="1.0" encoding="utf-8"?>
+<file path=ppt/slides/slide24.xml><?xml version="1.0" encoding="utf-8"?>
 <p:sld xmlns:a="http://schemas.openxmlformats.org/drawingml/2006/main" xmlns:r="http://schemas.openxmlformats.org/officeDocument/2006/relationships" xmlns:p="http://schemas.openxmlformats.org/presentationml/2006/main">
   <p:cSld>
     <p:spTree>
@@ -37155,7 +40111,7 @@
           <a:p>
             <a:r>
               <a:rPr lang="en-US" smtClean="0"/>
-              <a:t>SharePoint Saturday Chicago Burbs - Spice up Your Forms and Views: Deep Dive into Client Side Rendering</a:t>
+              <a:t>SharePoint Saturday Chicago Suburbs - Spice up Your Forms and Views: Deep Dive into Client Side Rendering</a:t>
             </a:r>
             <a:endParaRPr lang="en-US" dirty="0"/>
           </a:p>
@@ -37181,7 +40137,7 @@
 </p:sld>
 </file>
 
-<file path=ppt/slides/slide24.xml><?xml version="1.0" encoding="utf-8"?>
+<file path=ppt/slides/slide25.xml><?xml version="1.0" encoding="utf-8"?>
 <p:sld xmlns:a="http://schemas.openxmlformats.org/drawingml/2006/main" xmlns:r="http://schemas.openxmlformats.org/officeDocument/2006/relationships" xmlns:p="http://schemas.openxmlformats.org/presentationml/2006/main">
   <p:cSld>
     <p:spTree>
@@ -37374,7 +40330,7 @@
           <a:lstStyle/>
           <a:p>
             <a:r>
-              <a:rPr lang="en-US" dirty="0" smtClean="0"/>
+              <a:rPr lang="en-US" smtClean="0"/>
               <a:t>3/19/2016</a:t>
             </a:r>
             <a:endParaRPr lang="en-US" dirty="0"/>
@@ -37397,8 +40353,8 @@
           <a:lstStyle/>
           <a:p>
             <a:r>
-              <a:rPr lang="en-US" dirty="0" smtClean="0"/>
-              <a:t>SharePoint Saturday Chicago Burbs - Spice up Your Forms and Views: Deep Dive into Client Side Rendering</a:t>
+              <a:rPr lang="en-US" smtClean="0"/>
+              <a:t>SharePoint Saturday Chicago Suburbs - Spice up Your Forms and Views: Deep Dive into Client Side Rendering</a:t>
             </a:r>
             <a:endParaRPr lang="en-US" dirty="0"/>
           </a:p>
@@ -37480,8 +40436,8 @@
           <a:lstStyle/>
           <a:p>
             <a:r>
-              <a:rPr lang="en-US" dirty="0" smtClean="0"/>
-              <a:t>SharePoint Saturday Chicago Burbs - Spice up Your Forms and Views: Deep Dive into Client Side Rendering</a:t>
+              <a:rPr lang="en-US" smtClean="0"/>
+              <a:t>SharePoint Saturday Chicago Suburbs - Spice up Your Forms and Views: Deep Dive into Client Side Rendering</a:t>
             </a:r>
             <a:endParaRPr lang="en-US" dirty="0"/>
           </a:p>
@@ -37503,7 +40459,7 @@
           <a:lstStyle/>
           <a:p>
             <a:r>
-              <a:rPr lang="en-US" dirty="0" smtClean="0"/>
+              <a:rPr lang="en-US" smtClean="0"/>
               <a:t>3/19/2016</a:t>
             </a:r>
             <a:endParaRPr lang="en-US" dirty="0"/>
@@ -37654,7 +40610,7 @@
           <a:lstStyle/>
           <a:p>
             <a:r>
-              <a:rPr lang="en-US" dirty="0" smtClean="0"/>
+              <a:rPr lang="en-US" smtClean="0"/>
               <a:t>3/19/2016</a:t>
             </a:r>
             <a:endParaRPr lang="en-US" dirty="0"/>
@@ -37677,8 +40633,8 @@
           <a:lstStyle/>
           <a:p>
             <a:r>
-              <a:rPr lang="en-US" dirty="0" smtClean="0"/>
-              <a:t>SharePoint Saturday Chicago Burbs - Spice up Your Forms and Views: Deep Dive into Client Side Rendering</a:t>
+              <a:rPr lang="en-US" smtClean="0"/>
+              <a:t>SharePoint Saturday Chicago Suburbs - Spice up Your Forms and Views: Deep Dive into Client Side Rendering</a:t>
             </a:r>
             <a:endParaRPr lang="en-US" dirty="0"/>
           </a:p>
@@ -37789,7 +40745,7 @@
           <a:lstStyle/>
           <a:p>
             <a:r>
-              <a:rPr lang="en-US" dirty="0" smtClean="0"/>
+              <a:rPr lang="en-US" smtClean="0"/>
               <a:t>3/19/2016</a:t>
             </a:r>
             <a:endParaRPr lang="en-US" dirty="0"/>
@@ -37812,8 +40768,8 @@
           <a:lstStyle/>
           <a:p>
             <a:r>
-              <a:rPr lang="en-US" dirty="0" smtClean="0"/>
-              <a:t>SharePoint Saturday Chicago Burbs - Spice up Your Forms and Views: Deep Dive into Client Side Rendering</a:t>
+              <a:rPr lang="en-US" smtClean="0"/>
+              <a:t>SharePoint Saturday Chicago Suburbs - Spice up Your Forms and Views: Deep Dive into Client Side Rendering</a:t>
             </a:r>
             <a:endParaRPr lang="en-US" dirty="0"/>
           </a:p>
@@ -37889,7 +40845,7 @@
             <p:ph idx="1"/>
             <p:extLst>
               <p:ext uri="{D42A27DB-BD31-4B8C-83A1-F6EECF244321}">
-                <p14:modId xmlns:p14="http://schemas.microsoft.com/office/powerpoint/2010/main" val="348421195"/>
+                <p14:modId xmlns:p14="http://schemas.microsoft.com/office/powerpoint/2010/main" val="1750118428"/>
               </p:ext>
             </p:extLst>
           </p:nvPr>
@@ -37920,7 +40876,7 @@
           <a:lstStyle/>
           <a:p>
             <a:r>
-              <a:rPr lang="en-US" dirty="0" smtClean="0"/>
+              <a:rPr lang="en-US" smtClean="0"/>
               <a:t>3/19/2016</a:t>
             </a:r>
             <a:endParaRPr lang="en-US" dirty="0"/>
@@ -37943,8 +40899,8 @@
           <a:lstStyle/>
           <a:p>
             <a:r>
-              <a:rPr lang="en-US" dirty="0" smtClean="0"/>
-              <a:t>SharePoint Saturday Chicago Burbs - Spice up Your Forms and Views: Deep Dive into Client Side Rendering</a:t>
+              <a:rPr lang="en-US" smtClean="0"/>
+              <a:t>SharePoint Saturday Chicago Suburbs - Spice up Your Forms and Views: Deep Dive into Client Side Rendering</a:t>
             </a:r>
             <a:endParaRPr lang="en-US" dirty="0"/>
           </a:p>
@@ -38025,7 +40981,7 @@
           <a:lstStyle/>
           <a:p>
             <a:r>
-              <a:rPr lang="en-US" dirty="0" smtClean="0"/>
+              <a:rPr lang="en-US" smtClean="0"/>
               <a:t>3/19/2016</a:t>
             </a:r>
             <a:endParaRPr lang="en-US" dirty="0"/>
@@ -38048,8 +41004,8 @@
           <a:lstStyle/>
           <a:p>
             <a:r>
-              <a:rPr lang="en-US" dirty="0" smtClean="0"/>
-              <a:t>SharePoint Saturday Chicago Burbs - Spice up Your Forms and Views: Deep Dive into Client Side Rendering</a:t>
+              <a:rPr lang="en-US" smtClean="0"/>
+              <a:t>SharePoint Saturday Chicago Suburbs - Spice up Your Forms and Views: Deep Dive into Client Side Rendering</a:t>
             </a:r>
             <a:endParaRPr lang="en-US" dirty="0"/>
           </a:p>
@@ -38181,7 +41137,7 @@
           <a:lstStyle/>
           <a:p>
             <a:r>
-              <a:rPr lang="en-US" dirty="0" smtClean="0"/>
+              <a:rPr lang="en-US" smtClean="0"/>
               <a:t>3/19/2016</a:t>
             </a:r>
             <a:endParaRPr lang="en-US" dirty="0"/>
@@ -38204,8 +41160,8 @@
           <a:lstStyle/>
           <a:p>
             <a:r>
-              <a:rPr lang="en-US" dirty="0" smtClean="0"/>
-              <a:t>SharePoint Saturday Chicago Burbs - Spice up Your Forms and Views: Deep Dive into Client Side Rendering</a:t>
+              <a:rPr lang="en-US" smtClean="0"/>
+              <a:t>SharePoint Saturday Chicago Suburbs - Spice up Your Forms and Views: Deep Dive into Client Side Rendering</a:t>
             </a:r>
             <a:endParaRPr lang="en-US" dirty="0"/>
           </a:p>
@@ -38281,7 +41237,7 @@
             <p:ph idx="1"/>
             <p:extLst>
               <p:ext uri="{D42A27DB-BD31-4B8C-83A1-F6EECF244321}">
-                <p14:modId xmlns:p14="http://schemas.microsoft.com/office/powerpoint/2010/main" val="2846687334"/>
+                <p14:modId xmlns:p14="http://schemas.microsoft.com/office/powerpoint/2010/main" val="3286164470"/>
               </p:ext>
             </p:extLst>
           </p:nvPr>
@@ -38312,7 +41268,7 @@
           <a:lstStyle/>
           <a:p>
             <a:r>
-              <a:rPr lang="en-US" dirty="0" smtClean="0"/>
+              <a:rPr lang="en-US" smtClean="0"/>
               <a:t>3/19/2016</a:t>
             </a:r>
             <a:endParaRPr lang="en-US" dirty="0"/>
@@ -38335,8 +41291,8 @@
           <a:lstStyle/>
           <a:p>
             <a:r>
-              <a:rPr lang="en-US" dirty="0" smtClean="0"/>
-              <a:t>SharePoint Saturday Chicago Burbs - Spice up Your Forms and Views: Deep Dive into Client Side Rendering</a:t>
+              <a:rPr lang="en-US" smtClean="0"/>
+              <a:t>SharePoint Saturday Chicago Suburbs - Spice up Your Forms and Views: Deep Dive into Client Side Rendering</a:t>
             </a:r>
             <a:endParaRPr lang="en-US" dirty="0"/>
           </a:p>

--- a/SPSChicagoBurbs.pptx
+++ b/SPSChicagoBurbs.pptx
@@ -9127,7 +9127,7 @@
           <a:pPr rtl="0"/>
           <a:r>
             <a:rPr lang="en-US" sz="2800" dirty="0" smtClean="0"/>
-            <a:t>Show practical examples of CSR to customize forms and Views</a:t>
+            <a:t>Show practical examples of CSR to customize forms (and possibly Views)</a:t>
           </a:r>
           <a:endParaRPr lang="en-US" sz="2800" dirty="0"/>
         </a:p>
@@ -9404,10 +9404,9 @@
       <dgm:prSet presAssocID="{EF8BB5DB-ED8F-478B-950C-6AA0076EDED0}" presName="diamond" presStyleLbl="bgShp" presStyleIdx="0" presStyleCnt="1" custScaleX="238012"/>
       <dgm:spPr>
         <a:solidFill>
-          <a:schemeClr val="accent5">
-            <a:lumMod val="40000"/>
-            <a:lumOff val="60000"/>
-          </a:schemeClr>
+          <a:srgbClr val="ECECEC">
+            <a:alpha val="0"/>
+          </a:srgbClr>
         </a:solidFill>
       </dgm:spPr>
       <dgm:t>
@@ -9577,10 +9576,10 @@
         <a:p>
           <a:pPr rtl="0"/>
           <a:r>
-            <a:rPr lang="en-US" smtClean="0"/>
+            <a:rPr lang="en-US" dirty="0" smtClean="0"/>
             <a:t>It seems like the right granularity, if you want to modify a field, modify it’s JSLink and you’ve modified it everywhere</a:t>
           </a:r>
-          <a:endParaRPr lang="en-US"/>
+          <a:endParaRPr lang="en-US" dirty="0"/>
         </a:p>
       </dgm:t>
     </dgm:pt>
@@ -9615,10 +9614,10 @@
         <a:p>
           <a:pPr rtl="0"/>
           <a:r>
-            <a:rPr lang="en-US" smtClean="0"/>
+            <a:rPr lang="en-US" dirty="0" smtClean="0"/>
             <a:t>If you apply the same JS file as JSLink on two different fields, SharePoint is smart enough to only load it once</a:t>
           </a:r>
-          <a:endParaRPr lang="en-US"/>
+          <a:endParaRPr lang="en-US" dirty="0"/>
         </a:p>
       </dgm:t>
     </dgm:pt>
@@ -9691,10 +9690,10 @@
         <a:p>
           <a:pPr rtl="0"/>
           <a:r>
-            <a:rPr lang="en-US" smtClean="0"/>
+            <a:rPr lang="en-US" dirty="0" smtClean="0"/>
             <a:t>Some column types have a read-only JSLink property</a:t>
           </a:r>
-          <a:endParaRPr lang="en-US"/>
+          <a:endParaRPr lang="en-US" dirty="0"/>
         </a:p>
       </dgm:t>
     </dgm:pt>
@@ -9729,10 +9728,10 @@
         <a:p>
           <a:pPr rtl="0"/>
           <a:r>
-            <a:rPr lang="en-US" smtClean="0"/>
+            <a:rPr lang="en-US" dirty="0" smtClean="0"/>
             <a:t>The fact that JSLink is not supported doesn’t necessarily mean that CSR is not supported</a:t>
           </a:r>
-          <a:endParaRPr lang="en-US"/>
+          <a:endParaRPr lang="en-US" dirty="0"/>
         </a:p>
       </dgm:t>
     </dgm:pt>
@@ -9767,10 +9766,10 @@
         <a:p>
           <a:pPr rtl="0"/>
           <a:r>
-            <a:rPr lang="en-US" smtClean="0"/>
+            <a:rPr lang="en-US" dirty="0" smtClean="0"/>
             <a:t>It can be difficult to manage if you have a lot of columns with a lot of templates applies through JSLink, a well thought out utility page could help overcome this</a:t>
           </a:r>
-          <a:endParaRPr lang="en-US"/>
+          <a:endParaRPr lang="en-US" dirty="0"/>
         </a:p>
       </dgm:t>
     </dgm:pt>
@@ -9929,10 +9928,10 @@
         <a:p>
           <a:pPr rtl="0"/>
           <a:r>
-            <a:rPr lang="en-US" smtClean="0"/>
+            <a:rPr lang="en-US" dirty="0" smtClean="0"/>
             <a:t>Pros</a:t>
           </a:r>
-          <a:endParaRPr lang="en-US"/>
+          <a:endParaRPr lang="en-US" dirty="0"/>
         </a:p>
       </dgm:t>
     </dgm:pt>
@@ -10005,10 +10004,10 @@
         <a:p>
           <a:pPr rtl="0"/>
           <a:r>
-            <a:rPr lang="en-US" smtClean="0"/>
+            <a:rPr lang="en-US" dirty="0" smtClean="0"/>
             <a:t>Cons</a:t>
           </a:r>
-          <a:endParaRPr lang="en-US"/>
+          <a:endParaRPr lang="en-US" dirty="0"/>
         </a:p>
       </dgm:t>
     </dgm:pt>
@@ -10043,10 +10042,10 @@
         <a:p>
           <a:pPr rtl="0"/>
           <a:r>
-            <a:rPr lang="en-US" smtClean="0"/>
+            <a:rPr lang="en-US" dirty="0" smtClean="0"/>
             <a:t>You need to make your code bullet-proof enough to run everywhere</a:t>
           </a:r>
-          <a:endParaRPr lang="en-US"/>
+          <a:endParaRPr lang="en-US" dirty="0"/>
         </a:p>
       </dgm:t>
     </dgm:pt>
@@ -10081,10 +10080,10 @@
         <a:p>
           <a:pPr rtl="0"/>
           <a:r>
-            <a:rPr lang="en-US" smtClean="0"/>
+            <a:rPr lang="en-US" dirty="0" smtClean="0"/>
             <a:t>i.e. Site Settings -&gt; Solutions -&gt; Add Solution dialog loads your code; guess what…SPClientTemplates isn’t loaded</a:t>
           </a:r>
-          <a:endParaRPr lang="en-US"/>
+          <a:endParaRPr lang="en-US" dirty="0"/>
         </a:p>
       </dgm:t>
     </dgm:pt>
@@ -10279,10 +10278,10 @@
         <a:p>
           <a:pPr rtl="0"/>
           <a:r>
-            <a:rPr lang="en-US" smtClean="0"/>
+            <a:rPr lang="en-US" dirty="0" smtClean="0"/>
             <a:t>Pros</a:t>
           </a:r>
-          <a:endParaRPr lang="en-US"/>
+          <a:endParaRPr lang="en-US" dirty="0"/>
         </a:p>
       </dgm:t>
     </dgm:pt>
@@ -10393,10 +10392,10 @@
         <a:p>
           <a:pPr rtl="0"/>
           <a:r>
-            <a:rPr lang="en-US" smtClean="0"/>
+            <a:rPr lang="en-US" dirty="0" smtClean="0"/>
             <a:t>Cons</a:t>
           </a:r>
-          <a:endParaRPr lang="en-US"/>
+          <a:endParaRPr lang="en-US" dirty="0"/>
         </a:p>
       </dgm:t>
     </dgm:pt>
@@ -10432,15 +10431,7 @@
           <a:pPr rtl="0"/>
           <a:r>
             <a:rPr lang="en-US" sz="2800" dirty="0" smtClean="0"/>
-            <a:t>I got </a:t>
-          </a:r>
-          <a:r>
-            <a:rPr lang="en-US" sz="2800" dirty="0" err="1" smtClean="0"/>
-            <a:t>nothin</a:t>
-          </a:r>
-          <a:r>
-            <a:rPr lang="en-US" sz="2800" dirty="0" smtClean="0"/>
-            <a:t>’, this is pure goodness</a:t>
+            <a:t>I got nothin’, this is pure goodness</a:t>
           </a:r>
           <a:endParaRPr lang="en-US" sz="2800" dirty="0"/>
         </a:p>
@@ -12040,11 +12031,15 @@
           </a:r>
           <a:r>
             <a:rPr lang="en-US" sz="2000" dirty="0" smtClean="0"/>
-            <a:t>- Form, Field, Content Type, View, List View Web Part (XLSTListViewWebPart</a:t>
+            <a:t>- Form, Field, Content Type, View, List View Web Part </a:t>
           </a:r>
           <a:r>
-            <a:rPr lang="en-US" sz="500" dirty="0" smtClean="0"/>
-            <a:t>)</a:t>
+            <a:rPr lang="en-US" sz="2000" smtClean="0"/>
+            <a:t>(</a:t>
+          </a:r>
+          <a:r>
+            <a:rPr lang="en-US" sz="2000" smtClean="0"/>
+            <a:t>XLSTListViewWebPart)</a:t>
           </a:r>
           <a:endParaRPr lang="en-US" sz="500" dirty="0"/>
         </a:p>
@@ -12805,10 +12800,10 @@
         <a:p>
           <a:pPr rtl="0"/>
           <a:r>
-            <a:rPr lang="en-US" smtClean="0"/>
+            <a:rPr lang="en-US" dirty="0" smtClean="0"/>
             <a:t>Pros</a:t>
           </a:r>
-          <a:endParaRPr lang="en-US"/>
+          <a:endParaRPr lang="en-US" dirty="0"/>
         </a:p>
       </dgm:t>
     </dgm:pt>
@@ -12843,10 +12838,10 @@
         <a:p>
           <a:pPr rtl="0"/>
           <a:r>
-            <a:rPr lang="en-US" smtClean="0"/>
+            <a:rPr lang="en-US" dirty="0" smtClean="0"/>
             <a:t>Very easy.</a:t>
           </a:r>
-          <a:endParaRPr lang="en-US"/>
+          <a:endParaRPr lang="en-US" dirty="0"/>
         </a:p>
       </dgm:t>
     </dgm:pt>
@@ -12881,10 +12876,10 @@
         <a:p>
           <a:pPr rtl="0"/>
           <a:r>
-            <a:rPr lang="en-US" smtClean="0"/>
+            <a:rPr lang="en-US" dirty="0" smtClean="0"/>
             <a:t>Doesn’t require any additional code or packaging (i.e. it can be done OOB by a non-developer)</a:t>
           </a:r>
-          <a:endParaRPr lang="en-US"/>
+          <a:endParaRPr lang="en-US" dirty="0"/>
         </a:p>
       </dgm:t>
     </dgm:pt>
@@ -12919,10 +12914,10 @@
         <a:p>
           <a:pPr rtl="0"/>
           <a:r>
-            <a:rPr lang="en-US" smtClean="0"/>
+            <a:rPr lang="en-US" dirty="0" smtClean="0"/>
             <a:t>Cons</a:t>
           </a:r>
-          <a:endParaRPr lang="en-US"/>
+          <a:endParaRPr lang="en-US" dirty="0"/>
         </a:p>
       </dgm:t>
     </dgm:pt>
@@ -12957,10 +12952,10 @@
         <a:p>
           <a:pPr rtl="0"/>
           <a:r>
-            <a:rPr lang="en-US" smtClean="0"/>
+            <a:rPr lang="en-US" dirty="0" smtClean="0"/>
             <a:t>It’s really a one-off solution (i.e. not enterprise)</a:t>
           </a:r>
-          <a:endParaRPr lang="en-US"/>
+          <a:endParaRPr lang="en-US" dirty="0"/>
         </a:p>
       </dgm:t>
     </dgm:pt>
@@ -12995,10 +12990,10 @@
         <a:p>
           <a:pPr rtl="0"/>
           <a:r>
-            <a:rPr lang="en-US" smtClean="0"/>
+            <a:rPr lang="en-US" dirty="0" smtClean="0"/>
             <a:t>Needs to be applied separately to the new, edit, and display forms</a:t>
           </a:r>
-          <a:endParaRPr lang="en-US"/>
+          <a:endParaRPr lang="en-US" dirty="0"/>
         </a:p>
       </dgm:t>
     </dgm:pt>
@@ -13033,10 +13028,10 @@
         <a:p>
           <a:pPr rtl="0"/>
           <a:r>
-            <a:rPr lang="en-US" smtClean="0"/>
+            <a:rPr lang="en-US" dirty="0" smtClean="0"/>
             <a:t>Needs to be applied separately to each view in which your field is displayed (or might be displayed)</a:t>
           </a:r>
-          <a:endParaRPr lang="en-US"/>
+          <a:endParaRPr lang="en-US" dirty="0"/>
         </a:p>
       </dgm:t>
     </dgm:pt>
@@ -13071,10 +13066,10 @@
         <a:p>
           <a:pPr rtl="0"/>
           <a:r>
-            <a:rPr lang="en-US" smtClean="0"/>
+            <a:rPr lang="en-US" dirty="0" smtClean="0"/>
             <a:t>If somebody adds a view later, or modifies a view later, it may need to be applied again</a:t>
           </a:r>
-          <a:endParaRPr lang="en-US"/>
+          <a:endParaRPr lang="en-US" dirty="0"/>
         </a:p>
       </dgm:t>
     </dgm:pt>
@@ -13109,10 +13104,10 @@
         <a:p>
           <a:pPr rtl="0"/>
           <a:r>
-            <a:rPr lang="en-US" smtClean="0"/>
+            <a:rPr lang="en-US" dirty="0" smtClean="0"/>
             <a:t>If you want to use it in another list, start the whole process over again</a:t>
           </a:r>
-          <a:endParaRPr lang="en-US"/>
+          <a:endParaRPr lang="en-US" dirty="0"/>
         </a:p>
       </dgm:t>
     </dgm:pt>
@@ -13275,10 +13270,10 @@
         <a:p>
           <a:pPr rtl="0"/>
           <a:r>
-            <a:rPr lang="en-US" smtClean="0"/>
+            <a:rPr lang="en-US" dirty="0" smtClean="0"/>
             <a:t>Pros</a:t>
           </a:r>
-          <a:endParaRPr lang="en-US"/>
+          <a:endParaRPr lang="en-US" dirty="0"/>
         </a:p>
       </dgm:t>
     </dgm:pt>
@@ -13313,10 +13308,10 @@
         <a:p>
           <a:pPr rtl="0"/>
           <a:r>
-            <a:rPr lang="en-US" smtClean="0"/>
+            <a:rPr lang="en-US" dirty="0" smtClean="0"/>
             <a:t>Somewhat self documenting</a:t>
           </a:r>
-          <a:endParaRPr lang="en-US"/>
+          <a:endParaRPr lang="en-US" dirty="0"/>
         </a:p>
       </dgm:t>
     </dgm:pt>
@@ -13351,10 +13346,10 @@
         <a:p>
           <a:pPr rtl="0"/>
           <a:r>
-            <a:rPr lang="en-US" smtClean="0"/>
+            <a:rPr lang="en-US" dirty="0" smtClean="0"/>
             <a:t>Can be deployed by an admin through the browser</a:t>
           </a:r>
-          <a:endParaRPr lang="en-US"/>
+          <a:endParaRPr lang="en-US" dirty="0"/>
         </a:p>
       </dgm:t>
     </dgm:pt>
@@ -13389,10 +13384,10 @@
         <a:p>
           <a:pPr rtl="0"/>
           <a:r>
-            <a:rPr lang="en-US" smtClean="0"/>
+            <a:rPr lang="en-US" dirty="0" smtClean="0"/>
             <a:t>Cons</a:t>
           </a:r>
-          <a:endParaRPr lang="en-US"/>
+          <a:endParaRPr lang="en-US" dirty="0"/>
         </a:p>
       </dgm:t>
     </dgm:pt>
@@ -13427,10 +13422,10 @@
         <a:p>
           <a:pPr rtl="0"/>
           <a:r>
-            <a:rPr lang="en-US" smtClean="0"/>
+            <a:rPr lang="en-US" dirty="0" smtClean="0"/>
             <a:t>It is a messy solution (i.e. does not uninstall cleanly)</a:t>
           </a:r>
-          <a:endParaRPr lang="en-US"/>
+          <a:endParaRPr lang="en-US" dirty="0"/>
         </a:p>
       </dgm:t>
     </dgm:pt>
@@ -13465,10 +13460,10 @@
         <a:p>
           <a:pPr rtl="0"/>
           <a:r>
-            <a:rPr lang="en-US" smtClean="0"/>
+            <a:rPr lang="en-US" dirty="0" smtClean="0"/>
             <a:t>It leaves behind any instances like site columns</a:t>
           </a:r>
-          <a:endParaRPr lang="en-US"/>
+          <a:endParaRPr lang="en-US" dirty="0"/>
         </a:p>
       </dgm:t>
     </dgm:pt>
@@ -13503,10 +13498,10 @@
         <a:p>
           <a:pPr rtl="0"/>
           <a:r>
-            <a:rPr lang="en-US" smtClean="0"/>
+            <a:rPr lang="en-US" dirty="0" smtClean="0"/>
             <a:t>Those columns still have their JSLink pointing the JavaScript</a:t>
           </a:r>
-          <a:endParaRPr lang="en-US"/>
+          <a:endParaRPr lang="en-US" dirty="0"/>
         </a:p>
       </dgm:t>
     </dgm:pt>
@@ -13541,10 +13536,10 @@
         <a:p>
           <a:pPr rtl="0"/>
           <a:r>
-            <a:rPr lang="en-US" smtClean="0"/>
+            <a:rPr lang="en-US" dirty="0" smtClean="0"/>
             <a:t>Because it’s messy, it is almost impossible to upgrade</a:t>
           </a:r>
-          <a:endParaRPr lang="en-US"/>
+          <a:endParaRPr lang="en-US" dirty="0"/>
         </a:p>
       </dgm:t>
     </dgm:pt>
@@ -13579,10 +13574,10 @@
         <a:p>
           <a:pPr rtl="0"/>
           <a:r>
-            <a:rPr lang="en-US" smtClean="0"/>
+            <a:rPr lang="en-US" dirty="0" smtClean="0"/>
             <a:t>Module files cannot be overwritten through upgrade</a:t>
           </a:r>
-          <a:endParaRPr lang="en-US"/>
+          <a:endParaRPr lang="en-US" dirty="0"/>
         </a:p>
       </dgm:t>
     </dgm:pt>
@@ -13617,10 +13612,10 @@
         <a:p>
           <a:pPr rtl="0"/>
           <a:r>
-            <a:rPr lang="en-US" smtClean="0"/>
+            <a:rPr lang="en-US" dirty="0" smtClean="0"/>
             <a:t>Site Column instances need to be deleted before they can be upgraded, and therefore need to be deleted form any list using them (loss of data)</a:t>
           </a:r>
-          <a:endParaRPr lang="en-US"/>
+          <a:endParaRPr lang="en-US" dirty="0"/>
         </a:p>
       </dgm:t>
     </dgm:pt>
@@ -13785,10 +13780,10 @@
         <a:p>
           <a:pPr rtl="0"/>
           <a:r>
-            <a:rPr lang="en-US" smtClean="0"/>
+            <a:rPr lang="en-US" dirty="0" smtClean="0"/>
             <a:t>Pros</a:t>
           </a:r>
-          <a:endParaRPr lang="en-US"/>
+          <a:endParaRPr lang="en-US" dirty="0"/>
         </a:p>
       </dgm:t>
     </dgm:pt>
@@ -13823,10 +13818,10 @@
         <a:p>
           <a:pPr rtl="0"/>
           <a:r>
-            <a:rPr lang="en-US" smtClean="0"/>
+            <a:rPr lang="en-US" dirty="0" smtClean="0"/>
             <a:t>It’s easier to manage than individually setting the JSLink on all columns</a:t>
           </a:r>
-          <a:endParaRPr lang="en-US"/>
+          <a:endParaRPr lang="en-US" dirty="0"/>
         </a:p>
       </dgm:t>
     </dgm:pt>
@@ -13861,10 +13856,10 @@
         <a:p>
           <a:pPr rtl="0"/>
           <a:r>
-            <a:rPr lang="en-US" smtClean="0"/>
+            <a:rPr lang="en-US" dirty="0" smtClean="0"/>
             <a:t>Not exactly the same functionality as a custom field, but you do at least end up with a reusable component</a:t>
           </a:r>
-          <a:endParaRPr lang="en-US"/>
+          <a:endParaRPr lang="en-US" dirty="0"/>
         </a:p>
       </dgm:t>
     </dgm:pt>
@@ -13899,10 +13894,10 @@
         <a:p>
           <a:pPr rtl="0"/>
           <a:r>
-            <a:rPr lang="en-US" smtClean="0"/>
+            <a:rPr lang="en-US" dirty="0" smtClean="0"/>
             <a:t>Cons</a:t>
           </a:r>
-          <a:endParaRPr lang="en-US"/>
+          <a:endParaRPr lang="en-US" dirty="0"/>
         </a:p>
       </dgm:t>
     </dgm:pt>
@@ -14214,10 +14209,9 @@
           <a:avLst/>
         </a:prstGeom>
         <a:solidFill>
-          <a:schemeClr val="accent5">
-            <a:lumMod val="40000"/>
-            <a:lumOff val="60000"/>
-          </a:schemeClr>
+          <a:srgbClr val="ECECEC">
+            <a:alpha val="0"/>
+          </a:srgbClr>
         </a:solidFill>
         <a:ln>
           <a:noFill/>
@@ -14400,7 +14394,7 @@
           </a:pPr>
           <a:r>
             <a:rPr lang="en-US" sz="2800" kern="1200" dirty="0" smtClean="0"/>
-            <a:t>Show practical examples of CSR to customize forms and Views</a:t>
+            <a:t>Show practical examples of CSR to customize forms (and possibly Views)</a:t>
           </a:r>
           <a:endParaRPr lang="en-US" sz="2800" kern="1200" dirty="0"/>
         </a:p>
@@ -14586,341 +14580,6 @@
       <dsp:cNvGrpSpPr/>
     </dsp:nvGrpSpPr>
     <dsp:grpSpPr/>
-    <dsp:sp modelId="{092B7684-72A8-477C-9957-21AC8F6812BE}">
-      <dsp:nvSpPr>
-        <dsp:cNvPr id="0" name=""/>
-        <dsp:cNvSpPr/>
-      </dsp:nvSpPr>
-      <dsp:spPr>
-        <a:xfrm>
-          <a:off x="0" y="172741"/>
-          <a:ext cx="10515600" cy="647595"/>
-        </a:xfrm>
-        <a:prstGeom prst="roundRect">
-          <a:avLst/>
-        </a:prstGeom>
-        <a:solidFill>
-          <a:schemeClr val="accent1">
-            <a:hueOff val="0"/>
-            <a:satOff val="0"/>
-            <a:lumOff val="0"/>
-            <a:alphaOff val="0"/>
-          </a:schemeClr>
-        </a:solidFill>
-        <a:ln w="12700" cap="flat" cmpd="sng" algn="ctr">
-          <a:solidFill>
-            <a:schemeClr val="lt1">
-              <a:hueOff val="0"/>
-              <a:satOff val="0"/>
-              <a:lumOff val="0"/>
-              <a:alphaOff val="0"/>
-            </a:schemeClr>
-          </a:solidFill>
-          <a:prstDash val="solid"/>
-          <a:miter lim="800000"/>
-        </a:ln>
-        <a:effectLst/>
-      </dsp:spPr>
-      <dsp:style>
-        <a:lnRef idx="2">
-          <a:scrgbClr r="0" g="0" b="0"/>
-        </a:lnRef>
-        <a:fillRef idx="1">
-          <a:scrgbClr r="0" g="0" b="0"/>
-        </a:fillRef>
-        <a:effectRef idx="0">
-          <a:scrgbClr r="0" g="0" b="0"/>
-        </a:effectRef>
-        <a:fontRef idx="minor">
-          <a:schemeClr val="lt1"/>
-        </a:fontRef>
-      </dsp:style>
-      <dsp:txBody>
-        <a:bodyPr spcFirstLastPara="0" vert="horz" wrap="square" lIns="102870" tIns="102870" rIns="102870" bIns="102870" numCol="1" spcCol="1270" anchor="ctr" anchorCtr="0">
-          <a:noAutofit/>
-        </a:bodyPr>
-        <a:lstStyle/>
-        <a:p>
-          <a:pPr lvl="0" algn="l" defTabSz="1200150" rtl="0">
-            <a:lnSpc>
-              <a:spcPct val="90000"/>
-            </a:lnSpc>
-            <a:spcBef>
-              <a:spcPct val="0"/>
-            </a:spcBef>
-            <a:spcAft>
-              <a:spcPct val="35000"/>
-            </a:spcAft>
-          </a:pPr>
-          <a:r>
-            <a:rPr lang="en-US" sz="2700" kern="1200" dirty="0" smtClean="0"/>
-            <a:t>Pros</a:t>
-          </a:r>
-          <a:endParaRPr lang="en-US" sz="2700" kern="1200" dirty="0"/>
-        </a:p>
-      </dsp:txBody>
-      <dsp:txXfrm>
-        <a:off x="31613" y="204354"/>
-        <a:ext cx="10452374" cy="584369"/>
-      </dsp:txXfrm>
-    </dsp:sp>
-    <dsp:sp modelId="{86033895-64FE-4A77-9B06-D42A50E5F005}">
-      <dsp:nvSpPr>
-        <dsp:cNvPr id="0" name=""/>
-        <dsp:cNvSpPr/>
-      </dsp:nvSpPr>
-      <dsp:spPr>
-        <a:xfrm>
-          <a:off x="0" y="820336"/>
-          <a:ext cx="10515600" cy="1313414"/>
-        </a:xfrm>
-        <a:prstGeom prst="rect">
-          <a:avLst/>
-        </a:prstGeom>
-        <a:noFill/>
-        <a:ln>
-          <a:noFill/>
-        </a:ln>
-        <a:effectLst/>
-      </dsp:spPr>
-      <dsp:style>
-        <a:lnRef idx="0">
-          <a:scrgbClr r="0" g="0" b="0"/>
-        </a:lnRef>
-        <a:fillRef idx="0">
-          <a:scrgbClr r="0" g="0" b="0"/>
-        </a:fillRef>
-        <a:effectRef idx="0">
-          <a:scrgbClr r="0" g="0" b="0"/>
-        </a:effectRef>
-        <a:fontRef idx="minor"/>
-      </dsp:style>
-      <dsp:txBody>
-        <a:bodyPr spcFirstLastPara="0" vert="horz" wrap="square" lIns="333870" tIns="34290" rIns="192024" bIns="34290" numCol="1" spcCol="1270" anchor="t" anchorCtr="0">
-          <a:noAutofit/>
-        </a:bodyPr>
-        <a:lstStyle/>
-        <a:p>
-          <a:pPr marL="228600" lvl="1" indent="-228600" algn="l" defTabSz="933450" rtl="0">
-            <a:lnSpc>
-              <a:spcPct val="90000"/>
-            </a:lnSpc>
-            <a:spcBef>
-              <a:spcPct val="0"/>
-            </a:spcBef>
-            <a:spcAft>
-              <a:spcPct val="20000"/>
-            </a:spcAft>
-            <a:buChar char="••"/>
-          </a:pPr>
-          <a:r>
-            <a:rPr lang="en-US" sz="2100" kern="1200" smtClean="0"/>
-            <a:t>It seems like the right granularity, if you want to modify a field, modify it’s JSLink and you’ve modified it everywhere</a:t>
-          </a:r>
-          <a:endParaRPr lang="en-US" sz="2100" kern="1200"/>
-        </a:p>
-        <a:p>
-          <a:pPr marL="228600" lvl="1" indent="-228600" algn="l" defTabSz="933450" rtl="0">
-            <a:lnSpc>
-              <a:spcPct val="90000"/>
-            </a:lnSpc>
-            <a:spcBef>
-              <a:spcPct val="0"/>
-            </a:spcBef>
-            <a:spcAft>
-              <a:spcPct val="20000"/>
-            </a:spcAft>
-            <a:buChar char="••"/>
-          </a:pPr>
-          <a:r>
-            <a:rPr lang="en-US" sz="2100" kern="1200" smtClean="0"/>
-            <a:t>If you apply the same JS file as JSLink on two different fields, SharePoint is smart enough to only load it once</a:t>
-          </a:r>
-          <a:endParaRPr lang="en-US" sz="2100" kern="1200"/>
-        </a:p>
-      </dsp:txBody>
-      <dsp:txXfrm>
-        <a:off x="0" y="820336"/>
-        <a:ext cx="10515600" cy="1313414"/>
-      </dsp:txXfrm>
-    </dsp:sp>
-    <dsp:sp modelId="{47BB1A43-3559-42B4-8AF4-8223C80D03A6}">
-      <dsp:nvSpPr>
-        <dsp:cNvPr id="0" name=""/>
-        <dsp:cNvSpPr/>
-      </dsp:nvSpPr>
-      <dsp:spPr>
-        <a:xfrm>
-          <a:off x="0" y="2133751"/>
-          <a:ext cx="10515600" cy="647595"/>
-        </a:xfrm>
-        <a:prstGeom prst="roundRect">
-          <a:avLst/>
-        </a:prstGeom>
-        <a:solidFill>
-          <a:schemeClr val="accent1">
-            <a:hueOff val="0"/>
-            <a:satOff val="0"/>
-            <a:lumOff val="0"/>
-            <a:alphaOff val="0"/>
-          </a:schemeClr>
-        </a:solidFill>
-        <a:ln w="12700" cap="flat" cmpd="sng" algn="ctr">
-          <a:solidFill>
-            <a:schemeClr val="lt1">
-              <a:hueOff val="0"/>
-              <a:satOff val="0"/>
-              <a:lumOff val="0"/>
-              <a:alphaOff val="0"/>
-            </a:schemeClr>
-          </a:solidFill>
-          <a:prstDash val="solid"/>
-          <a:miter lim="800000"/>
-        </a:ln>
-        <a:effectLst/>
-      </dsp:spPr>
-      <dsp:style>
-        <a:lnRef idx="2">
-          <a:scrgbClr r="0" g="0" b="0"/>
-        </a:lnRef>
-        <a:fillRef idx="1">
-          <a:scrgbClr r="0" g="0" b="0"/>
-        </a:fillRef>
-        <a:effectRef idx="0">
-          <a:scrgbClr r="0" g="0" b="0"/>
-        </a:effectRef>
-        <a:fontRef idx="minor">
-          <a:schemeClr val="lt1"/>
-        </a:fontRef>
-      </dsp:style>
-      <dsp:txBody>
-        <a:bodyPr spcFirstLastPara="0" vert="horz" wrap="square" lIns="102870" tIns="102870" rIns="102870" bIns="102870" numCol="1" spcCol="1270" anchor="ctr" anchorCtr="0">
-          <a:noAutofit/>
-        </a:bodyPr>
-        <a:lstStyle/>
-        <a:p>
-          <a:pPr lvl="0" algn="l" defTabSz="1200150" rtl="0">
-            <a:lnSpc>
-              <a:spcPct val="90000"/>
-            </a:lnSpc>
-            <a:spcBef>
-              <a:spcPct val="0"/>
-            </a:spcBef>
-            <a:spcAft>
-              <a:spcPct val="35000"/>
-            </a:spcAft>
-          </a:pPr>
-          <a:r>
-            <a:rPr lang="en-US" sz="2700" kern="1200" dirty="0" smtClean="0"/>
-            <a:t>Cons</a:t>
-          </a:r>
-          <a:endParaRPr lang="en-US" sz="2700" kern="1200" dirty="0"/>
-        </a:p>
-      </dsp:txBody>
-      <dsp:txXfrm>
-        <a:off x="31613" y="2165364"/>
-        <a:ext cx="10452374" cy="584369"/>
-      </dsp:txXfrm>
-    </dsp:sp>
-    <dsp:sp modelId="{0955E407-48F9-4412-B1CE-2E66C281AA94}">
-      <dsp:nvSpPr>
-        <dsp:cNvPr id="0" name=""/>
-        <dsp:cNvSpPr/>
-      </dsp:nvSpPr>
-      <dsp:spPr>
-        <a:xfrm>
-          <a:off x="0" y="2781346"/>
-          <a:ext cx="10515600" cy="1397250"/>
-        </a:xfrm>
-        <a:prstGeom prst="rect">
-          <a:avLst/>
-        </a:prstGeom>
-        <a:noFill/>
-        <a:ln>
-          <a:noFill/>
-        </a:ln>
-        <a:effectLst/>
-      </dsp:spPr>
-      <dsp:style>
-        <a:lnRef idx="0">
-          <a:scrgbClr r="0" g="0" b="0"/>
-        </a:lnRef>
-        <a:fillRef idx="0">
-          <a:scrgbClr r="0" g="0" b="0"/>
-        </a:fillRef>
-        <a:effectRef idx="0">
-          <a:scrgbClr r="0" g="0" b="0"/>
-        </a:effectRef>
-        <a:fontRef idx="minor"/>
-      </dsp:style>
-      <dsp:txBody>
-        <a:bodyPr spcFirstLastPara="0" vert="horz" wrap="square" lIns="333870" tIns="34290" rIns="192024" bIns="34290" numCol="1" spcCol="1270" anchor="t" anchorCtr="0">
-          <a:noAutofit/>
-        </a:bodyPr>
-        <a:lstStyle/>
-        <a:p>
-          <a:pPr marL="228600" lvl="1" indent="-228600" algn="l" defTabSz="933450" rtl="0">
-            <a:lnSpc>
-              <a:spcPct val="90000"/>
-            </a:lnSpc>
-            <a:spcBef>
-              <a:spcPct val="0"/>
-            </a:spcBef>
-            <a:spcAft>
-              <a:spcPct val="20000"/>
-            </a:spcAft>
-            <a:buChar char="••"/>
-          </a:pPr>
-          <a:r>
-            <a:rPr lang="en-US" sz="2100" kern="1200" smtClean="0"/>
-            <a:t>Some column types have a read-only JSLink property</a:t>
-          </a:r>
-          <a:endParaRPr lang="en-US" sz="2100" kern="1200"/>
-        </a:p>
-        <a:p>
-          <a:pPr marL="457200" lvl="2" indent="-228600" algn="l" defTabSz="933450" rtl="0">
-            <a:lnSpc>
-              <a:spcPct val="90000"/>
-            </a:lnSpc>
-            <a:spcBef>
-              <a:spcPct val="0"/>
-            </a:spcBef>
-            <a:spcAft>
-              <a:spcPct val="20000"/>
-            </a:spcAft>
-            <a:buChar char="••"/>
-          </a:pPr>
-          <a:r>
-            <a:rPr lang="en-US" sz="2100" kern="1200" smtClean="0"/>
-            <a:t>The fact that JSLink is not supported doesn’t necessarily mean that CSR is not supported</a:t>
-          </a:r>
-          <a:endParaRPr lang="en-US" sz="2100" kern="1200"/>
-        </a:p>
-        <a:p>
-          <a:pPr marL="228600" lvl="1" indent="-228600" algn="l" defTabSz="933450" rtl="0">
-            <a:lnSpc>
-              <a:spcPct val="90000"/>
-            </a:lnSpc>
-            <a:spcBef>
-              <a:spcPct val="0"/>
-            </a:spcBef>
-            <a:spcAft>
-              <a:spcPct val="20000"/>
-            </a:spcAft>
-            <a:buChar char="••"/>
-          </a:pPr>
-          <a:r>
-            <a:rPr lang="en-US" sz="2100" kern="1200" smtClean="0"/>
-            <a:t>It can be difficult to manage if you have a lot of columns with a lot of templates applies through JSLink, a well thought out utility page could help overcome this</a:t>
-          </a:r>
-          <a:endParaRPr lang="en-US" sz="2100" kern="1200"/>
-        </a:p>
-      </dsp:txBody>
-      <dsp:txXfrm>
-        <a:off x="0" y="2781346"/>
-        <a:ext cx="10515600" cy="1397250"/>
-      </dsp:txXfrm>
-    </dsp:sp>
   </dsp:spTree>
 </dsp:drawing>
 </file>
@@ -14933,322 +14592,6 @@
       <dsp:cNvGrpSpPr/>
     </dsp:nvGrpSpPr>
     <dsp:grpSpPr/>
-    <dsp:sp modelId="{4D02DBC9-A055-4E20-8272-4315EED9D2EB}">
-      <dsp:nvSpPr>
-        <dsp:cNvPr id="0" name=""/>
-        <dsp:cNvSpPr/>
-      </dsp:nvSpPr>
-      <dsp:spPr>
-        <a:xfrm>
-          <a:off x="0" y="4531"/>
-          <a:ext cx="10515600" cy="719549"/>
-        </a:xfrm>
-        <a:prstGeom prst="roundRect">
-          <a:avLst/>
-        </a:prstGeom>
-        <a:solidFill>
-          <a:schemeClr val="accent1">
-            <a:hueOff val="0"/>
-            <a:satOff val="0"/>
-            <a:lumOff val="0"/>
-            <a:alphaOff val="0"/>
-          </a:schemeClr>
-        </a:solidFill>
-        <a:ln w="12700" cap="flat" cmpd="sng" algn="ctr">
-          <a:solidFill>
-            <a:schemeClr val="lt1">
-              <a:hueOff val="0"/>
-              <a:satOff val="0"/>
-              <a:lumOff val="0"/>
-              <a:alphaOff val="0"/>
-            </a:schemeClr>
-          </a:solidFill>
-          <a:prstDash val="solid"/>
-          <a:miter lim="800000"/>
-        </a:ln>
-        <a:effectLst/>
-      </dsp:spPr>
-      <dsp:style>
-        <a:lnRef idx="2">
-          <a:scrgbClr r="0" g="0" b="0"/>
-        </a:lnRef>
-        <a:fillRef idx="1">
-          <a:scrgbClr r="0" g="0" b="0"/>
-        </a:fillRef>
-        <a:effectRef idx="0">
-          <a:scrgbClr r="0" g="0" b="0"/>
-        </a:effectRef>
-        <a:fontRef idx="minor">
-          <a:schemeClr val="lt1"/>
-        </a:fontRef>
-      </dsp:style>
-      <dsp:txBody>
-        <a:bodyPr spcFirstLastPara="0" vert="horz" wrap="square" lIns="114300" tIns="114300" rIns="114300" bIns="114300" numCol="1" spcCol="1270" anchor="ctr" anchorCtr="0">
-          <a:noAutofit/>
-        </a:bodyPr>
-        <a:lstStyle/>
-        <a:p>
-          <a:pPr lvl="0" algn="l" defTabSz="1333500" rtl="0">
-            <a:lnSpc>
-              <a:spcPct val="90000"/>
-            </a:lnSpc>
-            <a:spcBef>
-              <a:spcPct val="0"/>
-            </a:spcBef>
-            <a:spcAft>
-              <a:spcPct val="35000"/>
-            </a:spcAft>
-          </a:pPr>
-          <a:r>
-            <a:rPr lang="en-US" sz="3000" kern="1200" smtClean="0"/>
-            <a:t>Pros</a:t>
-          </a:r>
-          <a:endParaRPr lang="en-US" sz="3000" kern="1200"/>
-        </a:p>
-      </dsp:txBody>
-      <dsp:txXfrm>
-        <a:off x="35125" y="39656"/>
-        <a:ext cx="10445350" cy="649299"/>
-      </dsp:txXfrm>
-    </dsp:sp>
-    <dsp:sp modelId="{EBBBE11B-D235-4ACC-88E8-0635057CD13B}">
-      <dsp:nvSpPr>
-        <dsp:cNvPr id="0" name=""/>
-        <dsp:cNvSpPr/>
-      </dsp:nvSpPr>
-      <dsp:spPr>
-        <a:xfrm>
-          <a:off x="0" y="724081"/>
-          <a:ext cx="10515600" cy="729675"/>
-        </a:xfrm>
-        <a:prstGeom prst="rect">
-          <a:avLst/>
-        </a:prstGeom>
-        <a:noFill/>
-        <a:ln>
-          <a:noFill/>
-        </a:ln>
-        <a:effectLst/>
-      </dsp:spPr>
-      <dsp:style>
-        <a:lnRef idx="0">
-          <a:scrgbClr r="0" g="0" b="0"/>
-        </a:lnRef>
-        <a:fillRef idx="0">
-          <a:scrgbClr r="0" g="0" b="0"/>
-        </a:fillRef>
-        <a:effectRef idx="0">
-          <a:scrgbClr r="0" g="0" b="0"/>
-        </a:effectRef>
-        <a:fontRef idx="minor"/>
-      </dsp:style>
-      <dsp:txBody>
-        <a:bodyPr spcFirstLastPara="0" vert="horz" wrap="square" lIns="333870" tIns="38100" rIns="213360" bIns="38100" numCol="1" spcCol="1270" anchor="t" anchorCtr="0">
-          <a:noAutofit/>
-        </a:bodyPr>
-        <a:lstStyle/>
-        <a:p>
-          <a:pPr marL="228600" lvl="1" indent="-228600" algn="l" defTabSz="1022350" rtl="0">
-            <a:lnSpc>
-              <a:spcPct val="90000"/>
-            </a:lnSpc>
-            <a:spcBef>
-              <a:spcPct val="0"/>
-            </a:spcBef>
-            <a:spcAft>
-              <a:spcPct val="20000"/>
-            </a:spcAft>
-            <a:buChar char="••"/>
-          </a:pPr>
-          <a:r>
-            <a:rPr lang="en-US" sz="2300" kern="1200" dirty="0" smtClean="0"/>
-            <a:t>This is kind of the nuclear option, your code gets loaded everywhere (obviously, that can also be a con)</a:t>
-          </a:r>
-          <a:endParaRPr lang="en-US" sz="2300" kern="1200" dirty="0"/>
-        </a:p>
-      </dsp:txBody>
-      <dsp:txXfrm>
-        <a:off x="0" y="724081"/>
-        <a:ext cx="10515600" cy="729675"/>
-      </dsp:txXfrm>
-    </dsp:sp>
-    <dsp:sp modelId="{C7CA6B79-0C26-44F0-A024-CEA74983A585}">
-      <dsp:nvSpPr>
-        <dsp:cNvPr id="0" name=""/>
-        <dsp:cNvSpPr/>
-      </dsp:nvSpPr>
-      <dsp:spPr>
-        <a:xfrm>
-          <a:off x="0" y="1453756"/>
-          <a:ext cx="10515600" cy="719549"/>
-        </a:xfrm>
-        <a:prstGeom prst="roundRect">
-          <a:avLst/>
-        </a:prstGeom>
-        <a:solidFill>
-          <a:schemeClr val="accent1">
-            <a:hueOff val="0"/>
-            <a:satOff val="0"/>
-            <a:lumOff val="0"/>
-            <a:alphaOff val="0"/>
-          </a:schemeClr>
-        </a:solidFill>
-        <a:ln w="12700" cap="flat" cmpd="sng" algn="ctr">
-          <a:solidFill>
-            <a:schemeClr val="lt1">
-              <a:hueOff val="0"/>
-              <a:satOff val="0"/>
-              <a:lumOff val="0"/>
-              <a:alphaOff val="0"/>
-            </a:schemeClr>
-          </a:solidFill>
-          <a:prstDash val="solid"/>
-          <a:miter lim="800000"/>
-        </a:ln>
-        <a:effectLst/>
-      </dsp:spPr>
-      <dsp:style>
-        <a:lnRef idx="2">
-          <a:scrgbClr r="0" g="0" b="0"/>
-        </a:lnRef>
-        <a:fillRef idx="1">
-          <a:scrgbClr r="0" g="0" b="0"/>
-        </a:fillRef>
-        <a:effectRef idx="0">
-          <a:scrgbClr r="0" g="0" b="0"/>
-        </a:effectRef>
-        <a:fontRef idx="minor">
-          <a:schemeClr val="lt1"/>
-        </a:fontRef>
-      </dsp:style>
-      <dsp:txBody>
-        <a:bodyPr spcFirstLastPara="0" vert="horz" wrap="square" lIns="114300" tIns="114300" rIns="114300" bIns="114300" numCol="1" spcCol="1270" anchor="ctr" anchorCtr="0">
-          <a:noAutofit/>
-        </a:bodyPr>
-        <a:lstStyle/>
-        <a:p>
-          <a:pPr lvl="0" algn="l" defTabSz="1333500" rtl="0">
-            <a:lnSpc>
-              <a:spcPct val="90000"/>
-            </a:lnSpc>
-            <a:spcBef>
-              <a:spcPct val="0"/>
-            </a:spcBef>
-            <a:spcAft>
-              <a:spcPct val="35000"/>
-            </a:spcAft>
-          </a:pPr>
-          <a:r>
-            <a:rPr lang="en-US" sz="3000" kern="1200" smtClean="0"/>
-            <a:t>Cons</a:t>
-          </a:r>
-          <a:endParaRPr lang="en-US" sz="3000" kern="1200"/>
-        </a:p>
-      </dsp:txBody>
-      <dsp:txXfrm>
-        <a:off x="35125" y="1488881"/>
-        <a:ext cx="10445350" cy="649299"/>
-      </dsp:txXfrm>
-    </dsp:sp>
-    <dsp:sp modelId="{7816BB9A-0D19-47E4-9A04-196296FCA00D}">
-      <dsp:nvSpPr>
-        <dsp:cNvPr id="0" name=""/>
-        <dsp:cNvSpPr/>
-      </dsp:nvSpPr>
-      <dsp:spPr>
-        <a:xfrm>
-          <a:off x="0" y="2173306"/>
-          <a:ext cx="10515600" cy="2173500"/>
-        </a:xfrm>
-        <a:prstGeom prst="rect">
-          <a:avLst/>
-        </a:prstGeom>
-        <a:noFill/>
-        <a:ln>
-          <a:noFill/>
-        </a:ln>
-        <a:effectLst/>
-      </dsp:spPr>
-      <dsp:style>
-        <a:lnRef idx="0">
-          <a:scrgbClr r="0" g="0" b="0"/>
-        </a:lnRef>
-        <a:fillRef idx="0">
-          <a:scrgbClr r="0" g="0" b="0"/>
-        </a:fillRef>
-        <a:effectRef idx="0">
-          <a:scrgbClr r="0" g="0" b="0"/>
-        </a:effectRef>
-        <a:fontRef idx="minor"/>
-      </dsp:style>
-      <dsp:txBody>
-        <a:bodyPr spcFirstLastPara="0" vert="horz" wrap="square" lIns="333870" tIns="38100" rIns="213360" bIns="38100" numCol="1" spcCol="1270" anchor="t" anchorCtr="0">
-          <a:noAutofit/>
-        </a:bodyPr>
-        <a:lstStyle/>
-        <a:p>
-          <a:pPr marL="228600" lvl="1" indent="-228600" algn="l" defTabSz="1022350" rtl="0">
-            <a:lnSpc>
-              <a:spcPct val="90000"/>
-            </a:lnSpc>
-            <a:spcBef>
-              <a:spcPct val="0"/>
-            </a:spcBef>
-            <a:spcAft>
-              <a:spcPct val="20000"/>
-            </a:spcAft>
-            <a:buChar char="••"/>
-          </a:pPr>
-          <a:r>
-            <a:rPr lang="en-US" sz="2300" kern="1200" smtClean="0"/>
-            <a:t>You need to make your code bullet-proof enough to run everywhere</a:t>
-          </a:r>
-          <a:endParaRPr lang="en-US" sz="2300" kern="1200"/>
-        </a:p>
-        <a:p>
-          <a:pPr marL="457200" lvl="2" indent="-228600" algn="l" defTabSz="1022350" rtl="0">
-            <a:lnSpc>
-              <a:spcPct val="90000"/>
-            </a:lnSpc>
-            <a:spcBef>
-              <a:spcPct val="0"/>
-            </a:spcBef>
-            <a:spcAft>
-              <a:spcPct val="20000"/>
-            </a:spcAft>
-            <a:buChar char="••"/>
-          </a:pPr>
-          <a:r>
-            <a:rPr lang="en-US" sz="2300" kern="1200" smtClean="0"/>
-            <a:t>i.e. Site Settings -&gt; Solutions -&gt; Add Solution dialog loads your code; guess what…SPClientTemplates isn’t loaded</a:t>
-          </a:r>
-          <a:endParaRPr lang="en-US" sz="2300" kern="1200"/>
-        </a:p>
-        <a:p>
-          <a:pPr marL="457200" lvl="2" indent="-228600" algn="l" defTabSz="1022350" rtl="0">
-            <a:lnSpc>
-              <a:spcPct val="90000"/>
-            </a:lnSpc>
-            <a:spcBef>
-              <a:spcPct val="0"/>
-            </a:spcBef>
-            <a:spcAft>
-              <a:spcPct val="20000"/>
-            </a:spcAft>
-            <a:buChar char="••"/>
-          </a:pPr>
-          <a:r>
-            <a:rPr lang="en-US" sz="2300" kern="1200" dirty="0" smtClean="0"/>
-            <a:t>It is pretty easy to do for CSR code, if SPClientTemplates is undefined, get out of Dodge; that’s probably all you need to do to make sure you don’t run on any non-form page, but you need to do it every time</a:t>
-          </a:r>
-          <a:endParaRPr lang="en-US" sz="2300" kern="1200" dirty="0"/>
-        </a:p>
-      </dsp:txBody>
-      <dsp:txXfrm>
-        <a:off x="0" y="2173306"/>
-        <a:ext cx="10515600" cy="2173500"/>
-      </dsp:txXfrm>
-    </dsp:sp>
   </dsp:spTree>
 </dsp:drawing>
 </file>
@@ -15261,311 +14604,6 @@
       <dsp:cNvGrpSpPr/>
     </dsp:nvGrpSpPr>
     <dsp:grpSpPr/>
-    <dsp:sp modelId="{EA38CC6F-8CB8-4C1D-9F3E-2DCCAD2A0C3E}">
-      <dsp:nvSpPr>
-        <dsp:cNvPr id="0" name=""/>
-        <dsp:cNvSpPr/>
-      </dsp:nvSpPr>
-      <dsp:spPr>
-        <a:xfrm>
-          <a:off x="0" y="432030"/>
-          <a:ext cx="10515600" cy="720087"/>
-        </a:xfrm>
-        <a:prstGeom prst="roundRect">
-          <a:avLst/>
-        </a:prstGeom>
-        <a:solidFill>
-          <a:schemeClr val="accent1">
-            <a:hueOff val="0"/>
-            <a:satOff val="0"/>
-            <a:lumOff val="0"/>
-            <a:alphaOff val="0"/>
-          </a:schemeClr>
-        </a:solidFill>
-        <a:ln w="12700" cap="flat" cmpd="sng" algn="ctr">
-          <a:solidFill>
-            <a:schemeClr val="lt1">
-              <a:hueOff val="0"/>
-              <a:satOff val="0"/>
-              <a:lumOff val="0"/>
-              <a:alphaOff val="0"/>
-            </a:schemeClr>
-          </a:solidFill>
-          <a:prstDash val="solid"/>
-          <a:miter lim="800000"/>
-        </a:ln>
-        <a:effectLst/>
-      </dsp:spPr>
-      <dsp:style>
-        <a:lnRef idx="2">
-          <a:scrgbClr r="0" g="0" b="0"/>
-        </a:lnRef>
-        <a:fillRef idx="1">
-          <a:scrgbClr r="0" g="0" b="0"/>
-        </a:fillRef>
-        <a:effectRef idx="0">
-          <a:scrgbClr r="0" g="0" b="0"/>
-        </a:effectRef>
-        <a:fontRef idx="minor">
-          <a:schemeClr val="lt1"/>
-        </a:fontRef>
-      </dsp:style>
-      <dsp:txBody>
-        <a:bodyPr spcFirstLastPara="0" vert="horz" wrap="square" lIns="102870" tIns="102870" rIns="102870" bIns="102870" numCol="1" spcCol="1270" anchor="ctr" anchorCtr="0">
-          <a:noAutofit/>
-        </a:bodyPr>
-        <a:lstStyle/>
-        <a:p>
-          <a:pPr lvl="0" algn="l" defTabSz="1200150" rtl="0">
-            <a:lnSpc>
-              <a:spcPct val="90000"/>
-            </a:lnSpc>
-            <a:spcBef>
-              <a:spcPct val="0"/>
-            </a:spcBef>
-            <a:spcAft>
-              <a:spcPct val="35000"/>
-            </a:spcAft>
-          </a:pPr>
-          <a:r>
-            <a:rPr lang="en-US" sz="2700" kern="1200" smtClean="0"/>
-            <a:t>Pros</a:t>
-          </a:r>
-          <a:endParaRPr lang="en-US" sz="2700" kern="1200"/>
-        </a:p>
-      </dsp:txBody>
-      <dsp:txXfrm>
-        <a:off x="35152" y="467182"/>
-        <a:ext cx="10445296" cy="649783"/>
-      </dsp:txXfrm>
-    </dsp:sp>
-    <dsp:sp modelId="{DE0058FF-A247-4DCE-83D5-23CDCC3770AD}">
-      <dsp:nvSpPr>
-        <dsp:cNvPr id="0" name=""/>
-        <dsp:cNvSpPr/>
-      </dsp:nvSpPr>
-      <dsp:spPr>
-        <a:xfrm>
-          <a:off x="0" y="1152117"/>
-          <a:ext cx="10515600" cy="1059840"/>
-        </a:xfrm>
-        <a:prstGeom prst="rect">
-          <a:avLst/>
-        </a:prstGeom>
-        <a:noFill/>
-        <a:ln>
-          <a:noFill/>
-        </a:ln>
-        <a:effectLst/>
-      </dsp:spPr>
-      <dsp:style>
-        <a:lnRef idx="0">
-          <a:scrgbClr r="0" g="0" b="0"/>
-        </a:lnRef>
-        <a:fillRef idx="0">
-          <a:scrgbClr r="0" g="0" b="0"/>
-        </a:fillRef>
-        <a:effectRef idx="0">
-          <a:scrgbClr r="0" g="0" b="0"/>
-        </a:effectRef>
-        <a:fontRef idx="minor"/>
-      </dsp:style>
-      <dsp:txBody>
-        <a:bodyPr spcFirstLastPara="0" vert="horz" wrap="square" lIns="333870" tIns="35560" rIns="199136" bIns="35560" numCol="1" spcCol="1270" anchor="t" anchorCtr="0">
-          <a:noAutofit/>
-        </a:bodyPr>
-        <a:lstStyle/>
-        <a:p>
-          <a:pPr marL="285750" lvl="1" indent="-285750" algn="l" defTabSz="1244600" rtl="0">
-            <a:lnSpc>
-              <a:spcPct val="90000"/>
-            </a:lnSpc>
-            <a:spcBef>
-              <a:spcPct val="0"/>
-            </a:spcBef>
-            <a:spcAft>
-              <a:spcPct val="20000"/>
-            </a:spcAft>
-            <a:buChar char="••"/>
-          </a:pPr>
-          <a:r>
-            <a:rPr lang="en-US" sz="2800" kern="1200" dirty="0" smtClean="0"/>
-            <a:t>Easy to deploy</a:t>
-          </a:r>
-          <a:endParaRPr lang="en-US" sz="2800" kern="1200" dirty="0"/>
-        </a:p>
-        <a:p>
-          <a:pPr marL="285750" lvl="1" indent="-285750" algn="l" defTabSz="1244600" rtl="0">
-            <a:lnSpc>
-              <a:spcPct val="90000"/>
-            </a:lnSpc>
-            <a:spcBef>
-              <a:spcPct val="0"/>
-            </a:spcBef>
-            <a:spcAft>
-              <a:spcPct val="20000"/>
-            </a:spcAft>
-            <a:buChar char="••"/>
-          </a:pPr>
-          <a:r>
-            <a:rPr lang="en-US" sz="2800" kern="1200" dirty="0" smtClean="0"/>
-            <a:t>Even easier to reuse</a:t>
-          </a:r>
-          <a:endParaRPr lang="en-US" sz="2800" kern="1200" dirty="0"/>
-        </a:p>
-      </dsp:txBody>
-      <dsp:txXfrm>
-        <a:off x="0" y="1152117"/>
-        <a:ext cx="10515600" cy="1059840"/>
-      </dsp:txXfrm>
-    </dsp:sp>
-    <dsp:sp modelId="{4167D577-FD8B-42CD-A696-16952CB882E0}">
-      <dsp:nvSpPr>
-        <dsp:cNvPr id="0" name=""/>
-        <dsp:cNvSpPr/>
-      </dsp:nvSpPr>
-      <dsp:spPr>
-        <a:xfrm>
-          <a:off x="0" y="2097431"/>
-          <a:ext cx="10515600" cy="647510"/>
-        </a:xfrm>
-        <a:prstGeom prst="roundRect">
-          <a:avLst/>
-        </a:prstGeom>
-        <a:solidFill>
-          <a:schemeClr val="accent1">
-            <a:hueOff val="0"/>
-            <a:satOff val="0"/>
-            <a:lumOff val="0"/>
-            <a:alphaOff val="0"/>
-          </a:schemeClr>
-        </a:solidFill>
-        <a:ln w="12700" cap="flat" cmpd="sng" algn="ctr">
-          <a:solidFill>
-            <a:schemeClr val="lt1">
-              <a:hueOff val="0"/>
-              <a:satOff val="0"/>
-              <a:lumOff val="0"/>
-              <a:alphaOff val="0"/>
-            </a:schemeClr>
-          </a:solidFill>
-          <a:prstDash val="solid"/>
-          <a:miter lim="800000"/>
-        </a:ln>
-        <a:effectLst/>
-      </dsp:spPr>
-      <dsp:style>
-        <a:lnRef idx="2">
-          <a:scrgbClr r="0" g="0" b="0"/>
-        </a:lnRef>
-        <a:fillRef idx="1">
-          <a:scrgbClr r="0" g="0" b="0"/>
-        </a:fillRef>
-        <a:effectRef idx="0">
-          <a:scrgbClr r="0" g="0" b="0"/>
-        </a:effectRef>
-        <a:fontRef idx="minor">
-          <a:schemeClr val="lt1"/>
-        </a:fontRef>
-      </dsp:style>
-      <dsp:txBody>
-        <a:bodyPr spcFirstLastPara="0" vert="horz" wrap="square" lIns="102870" tIns="102870" rIns="102870" bIns="102870" numCol="1" spcCol="1270" anchor="ctr" anchorCtr="0">
-          <a:noAutofit/>
-        </a:bodyPr>
-        <a:lstStyle/>
-        <a:p>
-          <a:pPr lvl="0" algn="l" defTabSz="1200150" rtl="0">
-            <a:lnSpc>
-              <a:spcPct val="90000"/>
-            </a:lnSpc>
-            <a:spcBef>
-              <a:spcPct val="0"/>
-            </a:spcBef>
-            <a:spcAft>
-              <a:spcPct val="35000"/>
-            </a:spcAft>
-          </a:pPr>
-          <a:r>
-            <a:rPr lang="en-US" sz="2700" kern="1200" smtClean="0"/>
-            <a:t>Cons</a:t>
-          </a:r>
-          <a:endParaRPr lang="en-US" sz="2700" kern="1200"/>
-        </a:p>
-      </dsp:txBody>
-      <dsp:txXfrm>
-        <a:off x="31609" y="2129040"/>
-        <a:ext cx="10452382" cy="584292"/>
-      </dsp:txXfrm>
-    </dsp:sp>
-    <dsp:sp modelId="{2834D177-C254-44E0-851D-F4CD0F43CAAB}">
-      <dsp:nvSpPr>
-        <dsp:cNvPr id="0" name=""/>
-        <dsp:cNvSpPr/>
-      </dsp:nvSpPr>
-      <dsp:spPr>
-        <a:xfrm>
-          <a:off x="0" y="2863474"/>
-          <a:ext cx="10515600" cy="1059840"/>
-        </a:xfrm>
-        <a:prstGeom prst="rect">
-          <a:avLst/>
-        </a:prstGeom>
-        <a:noFill/>
-        <a:ln>
-          <a:noFill/>
-        </a:ln>
-        <a:effectLst/>
-      </dsp:spPr>
-      <dsp:style>
-        <a:lnRef idx="0">
-          <a:scrgbClr r="0" g="0" b="0"/>
-        </a:lnRef>
-        <a:fillRef idx="0">
-          <a:scrgbClr r="0" g="0" b="0"/>
-        </a:fillRef>
-        <a:effectRef idx="0">
-          <a:scrgbClr r="0" g="0" b="0"/>
-        </a:effectRef>
-        <a:fontRef idx="minor"/>
-      </dsp:style>
-      <dsp:txBody>
-        <a:bodyPr spcFirstLastPara="0" vert="horz" wrap="square" lIns="333870" tIns="35560" rIns="199136" bIns="35560" numCol="1" spcCol="1270" anchor="t" anchorCtr="0">
-          <a:noAutofit/>
-        </a:bodyPr>
-        <a:lstStyle/>
-        <a:p>
-          <a:pPr marL="285750" lvl="1" indent="-285750" algn="l" defTabSz="1244600" rtl="0">
-            <a:lnSpc>
-              <a:spcPct val="90000"/>
-            </a:lnSpc>
-            <a:spcBef>
-              <a:spcPct val="0"/>
-            </a:spcBef>
-            <a:spcAft>
-              <a:spcPct val="20000"/>
-            </a:spcAft>
-            <a:buChar char="••"/>
-          </a:pPr>
-          <a:r>
-            <a:rPr lang="en-US" sz="2800" kern="1200" dirty="0" smtClean="0"/>
-            <a:t>I got </a:t>
-          </a:r>
-          <a:r>
-            <a:rPr lang="en-US" sz="2800" kern="1200" dirty="0" err="1" smtClean="0"/>
-            <a:t>nothin</a:t>
-          </a:r>
-          <a:r>
-            <a:rPr lang="en-US" sz="2800" kern="1200" dirty="0" smtClean="0"/>
-            <a:t>’, this is pure goodness</a:t>
-          </a:r>
-          <a:endParaRPr lang="en-US" sz="2800" kern="1200" dirty="0"/>
-        </a:p>
-      </dsp:txBody>
-      <dsp:txXfrm>
-        <a:off x="0" y="2863474"/>
-        <a:ext cx="10515600" cy="1059840"/>
-      </dsp:txXfrm>
-    </dsp:sp>
   </dsp:spTree>
 </dsp:drawing>
 </file>
@@ -17038,11 +16076,15 @@
           </a:r>
           <a:r>
             <a:rPr lang="en-US" sz="2000" kern="1200" dirty="0" smtClean="0"/>
-            <a:t>- Form, Field, Content Type, View, List View Web Part (XLSTListViewWebPart</a:t>
+            <a:t>- Form, Field, Content Type, View, List View Web Part </a:t>
           </a:r>
           <a:r>
-            <a:rPr lang="en-US" sz="500" kern="1200" dirty="0" smtClean="0"/>
-            <a:t>)</a:t>
+            <a:rPr lang="en-US" sz="2000" kern="1200" smtClean="0"/>
+            <a:t>(</a:t>
+          </a:r>
+          <a:r>
+            <a:rPr lang="en-US" sz="2000" kern="1200" smtClean="0"/>
+            <a:t>XLSTListViewWebPart)</a:t>
           </a:r>
           <a:endParaRPr lang="en-US" sz="500" kern="1200" dirty="0"/>
         </a:p>
@@ -17767,379 +16809,6 @@
       <dsp:cNvGrpSpPr/>
     </dsp:nvGrpSpPr>
     <dsp:grpSpPr/>
-    <dsp:sp modelId="{AF227D80-DF05-421C-A17B-5E4BABB9AFE1}">
-      <dsp:nvSpPr>
-        <dsp:cNvPr id="0" name=""/>
-        <dsp:cNvSpPr/>
-      </dsp:nvSpPr>
-      <dsp:spPr>
-        <a:xfrm>
-          <a:off x="0" y="206558"/>
-          <a:ext cx="10515600" cy="623610"/>
-        </a:xfrm>
-        <a:prstGeom prst="roundRect">
-          <a:avLst/>
-        </a:prstGeom>
-        <a:solidFill>
-          <a:schemeClr val="accent1">
-            <a:hueOff val="0"/>
-            <a:satOff val="0"/>
-            <a:lumOff val="0"/>
-            <a:alphaOff val="0"/>
-          </a:schemeClr>
-        </a:solidFill>
-        <a:ln w="12700" cap="flat" cmpd="sng" algn="ctr">
-          <a:solidFill>
-            <a:schemeClr val="lt1">
-              <a:hueOff val="0"/>
-              <a:satOff val="0"/>
-              <a:lumOff val="0"/>
-              <a:alphaOff val="0"/>
-            </a:schemeClr>
-          </a:solidFill>
-          <a:prstDash val="solid"/>
-          <a:miter lim="800000"/>
-        </a:ln>
-        <a:effectLst/>
-      </dsp:spPr>
-      <dsp:style>
-        <a:lnRef idx="2">
-          <a:scrgbClr r="0" g="0" b="0"/>
-        </a:lnRef>
-        <a:fillRef idx="1">
-          <a:scrgbClr r="0" g="0" b="0"/>
-        </a:fillRef>
-        <a:effectRef idx="0">
-          <a:scrgbClr r="0" g="0" b="0"/>
-        </a:effectRef>
-        <a:fontRef idx="minor">
-          <a:schemeClr val="lt1"/>
-        </a:fontRef>
-      </dsp:style>
-      <dsp:txBody>
-        <a:bodyPr spcFirstLastPara="0" vert="horz" wrap="square" lIns="99060" tIns="99060" rIns="99060" bIns="99060" numCol="1" spcCol="1270" anchor="ctr" anchorCtr="0">
-          <a:noAutofit/>
-        </a:bodyPr>
-        <a:lstStyle/>
-        <a:p>
-          <a:pPr lvl="0" algn="l" defTabSz="1155700" rtl="0">
-            <a:lnSpc>
-              <a:spcPct val="90000"/>
-            </a:lnSpc>
-            <a:spcBef>
-              <a:spcPct val="0"/>
-            </a:spcBef>
-            <a:spcAft>
-              <a:spcPct val="35000"/>
-            </a:spcAft>
-          </a:pPr>
-          <a:r>
-            <a:rPr lang="en-US" sz="2600" kern="1200" smtClean="0"/>
-            <a:t>Pros</a:t>
-          </a:r>
-          <a:endParaRPr lang="en-US" sz="2600" kern="1200"/>
-        </a:p>
-      </dsp:txBody>
-      <dsp:txXfrm>
-        <a:off x="30442" y="237000"/>
-        <a:ext cx="10454716" cy="562726"/>
-      </dsp:txXfrm>
-    </dsp:sp>
-    <dsp:sp modelId="{0BD53981-A40D-42E4-AEA8-8453F79ECFC6}">
-      <dsp:nvSpPr>
-        <dsp:cNvPr id="0" name=""/>
-        <dsp:cNvSpPr/>
-      </dsp:nvSpPr>
-      <dsp:spPr>
-        <a:xfrm>
-          <a:off x="0" y="830168"/>
-          <a:ext cx="10515600" cy="699660"/>
-        </a:xfrm>
-        <a:prstGeom prst="rect">
-          <a:avLst/>
-        </a:prstGeom>
-        <a:noFill/>
-        <a:ln>
-          <a:noFill/>
-        </a:ln>
-        <a:effectLst/>
-      </dsp:spPr>
-      <dsp:style>
-        <a:lnRef idx="0">
-          <a:scrgbClr r="0" g="0" b="0"/>
-        </a:lnRef>
-        <a:fillRef idx="0">
-          <a:scrgbClr r="0" g="0" b="0"/>
-        </a:fillRef>
-        <a:effectRef idx="0">
-          <a:scrgbClr r="0" g="0" b="0"/>
-        </a:effectRef>
-        <a:fontRef idx="minor"/>
-      </dsp:style>
-      <dsp:txBody>
-        <a:bodyPr spcFirstLastPara="0" vert="horz" wrap="square" lIns="333870" tIns="33020" rIns="184912" bIns="33020" numCol="1" spcCol="1270" anchor="t" anchorCtr="0">
-          <a:noAutofit/>
-        </a:bodyPr>
-        <a:lstStyle/>
-        <a:p>
-          <a:pPr marL="228600" lvl="1" indent="-228600" algn="l" defTabSz="889000" rtl="0">
-            <a:lnSpc>
-              <a:spcPct val="90000"/>
-            </a:lnSpc>
-            <a:spcBef>
-              <a:spcPct val="0"/>
-            </a:spcBef>
-            <a:spcAft>
-              <a:spcPct val="20000"/>
-            </a:spcAft>
-            <a:buChar char="••"/>
-          </a:pPr>
-          <a:r>
-            <a:rPr lang="en-US" sz="2000" kern="1200" smtClean="0"/>
-            <a:t>Very easy.</a:t>
-          </a:r>
-          <a:endParaRPr lang="en-US" sz="2000" kern="1200"/>
-        </a:p>
-        <a:p>
-          <a:pPr marL="228600" lvl="1" indent="-228600" algn="l" defTabSz="889000" rtl="0">
-            <a:lnSpc>
-              <a:spcPct val="90000"/>
-            </a:lnSpc>
-            <a:spcBef>
-              <a:spcPct val="0"/>
-            </a:spcBef>
-            <a:spcAft>
-              <a:spcPct val="20000"/>
-            </a:spcAft>
-            <a:buChar char="••"/>
-          </a:pPr>
-          <a:r>
-            <a:rPr lang="en-US" sz="2000" kern="1200" smtClean="0"/>
-            <a:t>Doesn’t require any additional code or packaging (i.e. it can be done OOB by a non-developer)</a:t>
-          </a:r>
-          <a:endParaRPr lang="en-US" sz="2000" kern="1200"/>
-        </a:p>
-      </dsp:txBody>
-      <dsp:txXfrm>
-        <a:off x="0" y="830168"/>
-        <a:ext cx="10515600" cy="699660"/>
-      </dsp:txXfrm>
-    </dsp:sp>
-    <dsp:sp modelId="{140C5289-FBF9-411C-A4B1-E6A0B82933CB}">
-      <dsp:nvSpPr>
-        <dsp:cNvPr id="0" name=""/>
-        <dsp:cNvSpPr/>
-      </dsp:nvSpPr>
-      <dsp:spPr>
-        <a:xfrm>
-          <a:off x="0" y="1529829"/>
-          <a:ext cx="10515600" cy="623610"/>
-        </a:xfrm>
-        <a:prstGeom prst="roundRect">
-          <a:avLst/>
-        </a:prstGeom>
-        <a:solidFill>
-          <a:schemeClr val="accent1">
-            <a:hueOff val="0"/>
-            <a:satOff val="0"/>
-            <a:lumOff val="0"/>
-            <a:alphaOff val="0"/>
-          </a:schemeClr>
-        </a:solidFill>
-        <a:ln w="12700" cap="flat" cmpd="sng" algn="ctr">
-          <a:solidFill>
-            <a:schemeClr val="lt1">
-              <a:hueOff val="0"/>
-              <a:satOff val="0"/>
-              <a:lumOff val="0"/>
-              <a:alphaOff val="0"/>
-            </a:schemeClr>
-          </a:solidFill>
-          <a:prstDash val="solid"/>
-          <a:miter lim="800000"/>
-        </a:ln>
-        <a:effectLst/>
-      </dsp:spPr>
-      <dsp:style>
-        <a:lnRef idx="2">
-          <a:scrgbClr r="0" g="0" b="0"/>
-        </a:lnRef>
-        <a:fillRef idx="1">
-          <a:scrgbClr r="0" g="0" b="0"/>
-        </a:fillRef>
-        <a:effectRef idx="0">
-          <a:scrgbClr r="0" g="0" b="0"/>
-        </a:effectRef>
-        <a:fontRef idx="minor">
-          <a:schemeClr val="lt1"/>
-        </a:fontRef>
-      </dsp:style>
-      <dsp:txBody>
-        <a:bodyPr spcFirstLastPara="0" vert="horz" wrap="square" lIns="99060" tIns="99060" rIns="99060" bIns="99060" numCol="1" spcCol="1270" anchor="ctr" anchorCtr="0">
-          <a:noAutofit/>
-        </a:bodyPr>
-        <a:lstStyle/>
-        <a:p>
-          <a:pPr lvl="0" algn="l" defTabSz="1155700" rtl="0">
-            <a:lnSpc>
-              <a:spcPct val="90000"/>
-            </a:lnSpc>
-            <a:spcBef>
-              <a:spcPct val="0"/>
-            </a:spcBef>
-            <a:spcAft>
-              <a:spcPct val="35000"/>
-            </a:spcAft>
-          </a:pPr>
-          <a:r>
-            <a:rPr lang="en-US" sz="2600" kern="1200" smtClean="0"/>
-            <a:t>Cons</a:t>
-          </a:r>
-          <a:endParaRPr lang="en-US" sz="2600" kern="1200"/>
-        </a:p>
-      </dsp:txBody>
-      <dsp:txXfrm>
-        <a:off x="30442" y="1560271"/>
-        <a:ext cx="10454716" cy="562726"/>
-      </dsp:txXfrm>
-    </dsp:sp>
-    <dsp:sp modelId="{5A443C98-69E1-4464-8FC5-6CBE3731C725}">
-      <dsp:nvSpPr>
-        <dsp:cNvPr id="0" name=""/>
-        <dsp:cNvSpPr/>
-      </dsp:nvSpPr>
-      <dsp:spPr>
-        <a:xfrm>
-          <a:off x="0" y="2153439"/>
-          <a:ext cx="10515600" cy="1991340"/>
-        </a:xfrm>
-        <a:prstGeom prst="rect">
-          <a:avLst/>
-        </a:prstGeom>
-        <a:noFill/>
-        <a:ln>
-          <a:noFill/>
-        </a:ln>
-        <a:effectLst/>
-      </dsp:spPr>
-      <dsp:style>
-        <a:lnRef idx="0">
-          <a:scrgbClr r="0" g="0" b="0"/>
-        </a:lnRef>
-        <a:fillRef idx="0">
-          <a:scrgbClr r="0" g="0" b="0"/>
-        </a:fillRef>
-        <a:effectRef idx="0">
-          <a:scrgbClr r="0" g="0" b="0"/>
-        </a:effectRef>
-        <a:fontRef idx="minor"/>
-      </dsp:style>
-      <dsp:txBody>
-        <a:bodyPr spcFirstLastPara="0" vert="horz" wrap="square" lIns="333870" tIns="33020" rIns="184912" bIns="33020" numCol="1" spcCol="1270" anchor="t" anchorCtr="0">
-          <a:noAutofit/>
-        </a:bodyPr>
-        <a:lstStyle/>
-        <a:p>
-          <a:pPr marL="228600" lvl="1" indent="-228600" algn="l" defTabSz="889000" rtl="0">
-            <a:lnSpc>
-              <a:spcPct val="90000"/>
-            </a:lnSpc>
-            <a:spcBef>
-              <a:spcPct val="0"/>
-            </a:spcBef>
-            <a:spcAft>
-              <a:spcPct val="20000"/>
-            </a:spcAft>
-            <a:buChar char="••"/>
-          </a:pPr>
-          <a:r>
-            <a:rPr lang="en-US" sz="2000" kern="1200" smtClean="0"/>
-            <a:t>It’s really a one-off solution (i.e. not enterprise)</a:t>
-          </a:r>
-          <a:endParaRPr lang="en-US" sz="2000" kern="1200"/>
-        </a:p>
-        <a:p>
-          <a:pPr marL="457200" lvl="2" indent="-228600" algn="l" defTabSz="889000" rtl="0">
-            <a:lnSpc>
-              <a:spcPct val="90000"/>
-            </a:lnSpc>
-            <a:spcBef>
-              <a:spcPct val="0"/>
-            </a:spcBef>
-            <a:spcAft>
-              <a:spcPct val="20000"/>
-            </a:spcAft>
-            <a:buChar char="••"/>
-          </a:pPr>
-          <a:r>
-            <a:rPr lang="en-US" sz="2000" kern="1200" smtClean="0"/>
-            <a:t>Needs to be applied separately to the new, edit, and display forms</a:t>
-          </a:r>
-          <a:endParaRPr lang="en-US" sz="2000" kern="1200"/>
-        </a:p>
-        <a:p>
-          <a:pPr marL="457200" lvl="2" indent="-228600" algn="l" defTabSz="889000" rtl="0">
-            <a:lnSpc>
-              <a:spcPct val="90000"/>
-            </a:lnSpc>
-            <a:spcBef>
-              <a:spcPct val="0"/>
-            </a:spcBef>
-            <a:spcAft>
-              <a:spcPct val="20000"/>
-            </a:spcAft>
-            <a:buChar char="••"/>
-          </a:pPr>
-          <a:r>
-            <a:rPr lang="en-US" sz="2000" kern="1200" smtClean="0"/>
-            <a:t>Needs to be applied separately to each view in which your field is displayed (or might be displayed)</a:t>
-          </a:r>
-          <a:endParaRPr lang="en-US" sz="2000" kern="1200"/>
-        </a:p>
-        <a:p>
-          <a:pPr marL="457200" lvl="2" indent="-228600" algn="l" defTabSz="889000" rtl="0">
-            <a:lnSpc>
-              <a:spcPct val="90000"/>
-            </a:lnSpc>
-            <a:spcBef>
-              <a:spcPct val="0"/>
-            </a:spcBef>
-            <a:spcAft>
-              <a:spcPct val="20000"/>
-            </a:spcAft>
-            <a:buChar char="••"/>
-          </a:pPr>
-          <a:r>
-            <a:rPr lang="en-US" sz="2000" kern="1200" smtClean="0"/>
-            <a:t>If somebody adds a view later, or modifies a view later, it may need to be applied again</a:t>
-          </a:r>
-          <a:endParaRPr lang="en-US" sz="2000" kern="1200"/>
-        </a:p>
-        <a:p>
-          <a:pPr marL="457200" lvl="2" indent="-228600" algn="l" defTabSz="889000" rtl="0">
-            <a:lnSpc>
-              <a:spcPct val="90000"/>
-            </a:lnSpc>
-            <a:spcBef>
-              <a:spcPct val="0"/>
-            </a:spcBef>
-            <a:spcAft>
-              <a:spcPct val="20000"/>
-            </a:spcAft>
-            <a:buChar char="••"/>
-          </a:pPr>
-          <a:r>
-            <a:rPr lang="en-US" sz="2000" kern="1200" smtClean="0"/>
-            <a:t>If you want to use it in another list, start the whole process over again</a:t>
-          </a:r>
-          <a:endParaRPr lang="en-US" sz="2000" kern="1200"/>
-        </a:p>
-      </dsp:txBody>
-      <dsp:txXfrm>
-        <a:off x="0" y="2153439"/>
-        <a:ext cx="10515600" cy="1991340"/>
-      </dsp:txXfrm>
-    </dsp:sp>
   </dsp:spTree>
 </dsp:drawing>
 </file>
@@ -18152,398 +16821,6 @@
       <dsp:cNvGrpSpPr/>
     </dsp:nvGrpSpPr>
     <dsp:grpSpPr/>
-    <dsp:sp modelId="{CA3AC844-2C66-4277-9E5A-7EB92D796C44}">
-      <dsp:nvSpPr>
-        <dsp:cNvPr id="0" name=""/>
-        <dsp:cNvSpPr/>
-      </dsp:nvSpPr>
-      <dsp:spPr>
-        <a:xfrm>
-          <a:off x="0" y="18188"/>
-          <a:ext cx="10515600" cy="623610"/>
-        </a:xfrm>
-        <a:prstGeom prst="roundRect">
-          <a:avLst/>
-        </a:prstGeom>
-        <a:solidFill>
-          <a:schemeClr val="accent1">
-            <a:hueOff val="0"/>
-            <a:satOff val="0"/>
-            <a:lumOff val="0"/>
-            <a:alphaOff val="0"/>
-          </a:schemeClr>
-        </a:solidFill>
-        <a:ln w="12700" cap="flat" cmpd="sng" algn="ctr">
-          <a:solidFill>
-            <a:schemeClr val="lt1">
-              <a:hueOff val="0"/>
-              <a:satOff val="0"/>
-              <a:lumOff val="0"/>
-              <a:alphaOff val="0"/>
-            </a:schemeClr>
-          </a:solidFill>
-          <a:prstDash val="solid"/>
-          <a:miter lim="800000"/>
-        </a:ln>
-        <a:effectLst/>
-      </dsp:spPr>
-      <dsp:style>
-        <a:lnRef idx="2">
-          <a:scrgbClr r="0" g="0" b="0"/>
-        </a:lnRef>
-        <a:fillRef idx="1">
-          <a:scrgbClr r="0" g="0" b="0"/>
-        </a:fillRef>
-        <a:effectRef idx="0">
-          <a:scrgbClr r="0" g="0" b="0"/>
-        </a:effectRef>
-        <a:fontRef idx="minor">
-          <a:schemeClr val="lt1"/>
-        </a:fontRef>
-      </dsp:style>
-      <dsp:txBody>
-        <a:bodyPr spcFirstLastPara="0" vert="horz" wrap="square" lIns="99060" tIns="99060" rIns="99060" bIns="99060" numCol="1" spcCol="1270" anchor="ctr" anchorCtr="0">
-          <a:noAutofit/>
-        </a:bodyPr>
-        <a:lstStyle/>
-        <a:p>
-          <a:pPr lvl="0" algn="l" defTabSz="1155700" rtl="0">
-            <a:lnSpc>
-              <a:spcPct val="90000"/>
-            </a:lnSpc>
-            <a:spcBef>
-              <a:spcPct val="0"/>
-            </a:spcBef>
-            <a:spcAft>
-              <a:spcPct val="35000"/>
-            </a:spcAft>
-          </a:pPr>
-          <a:r>
-            <a:rPr lang="en-US" sz="2600" kern="1200" smtClean="0"/>
-            <a:t>Pros</a:t>
-          </a:r>
-          <a:endParaRPr lang="en-US" sz="2600" kern="1200"/>
-        </a:p>
-      </dsp:txBody>
-      <dsp:txXfrm>
-        <a:off x="30442" y="48630"/>
-        <a:ext cx="10454716" cy="562726"/>
-      </dsp:txXfrm>
-    </dsp:sp>
-    <dsp:sp modelId="{891FD0DA-C686-4503-8FB2-846B3FA28339}">
-      <dsp:nvSpPr>
-        <dsp:cNvPr id="0" name=""/>
-        <dsp:cNvSpPr/>
-      </dsp:nvSpPr>
-      <dsp:spPr>
-        <a:xfrm>
-          <a:off x="0" y="641799"/>
-          <a:ext cx="10515600" cy="699660"/>
-        </a:xfrm>
-        <a:prstGeom prst="rect">
-          <a:avLst/>
-        </a:prstGeom>
-        <a:noFill/>
-        <a:ln>
-          <a:noFill/>
-        </a:ln>
-        <a:effectLst/>
-      </dsp:spPr>
-      <dsp:style>
-        <a:lnRef idx="0">
-          <a:scrgbClr r="0" g="0" b="0"/>
-        </a:lnRef>
-        <a:fillRef idx="0">
-          <a:scrgbClr r="0" g="0" b="0"/>
-        </a:fillRef>
-        <a:effectRef idx="0">
-          <a:scrgbClr r="0" g="0" b="0"/>
-        </a:effectRef>
-        <a:fontRef idx="minor"/>
-      </dsp:style>
-      <dsp:txBody>
-        <a:bodyPr spcFirstLastPara="0" vert="horz" wrap="square" lIns="333870" tIns="33020" rIns="184912" bIns="33020" numCol="1" spcCol="1270" anchor="t" anchorCtr="0">
-          <a:noAutofit/>
-        </a:bodyPr>
-        <a:lstStyle/>
-        <a:p>
-          <a:pPr marL="228600" lvl="1" indent="-228600" algn="l" defTabSz="889000" rtl="0">
-            <a:lnSpc>
-              <a:spcPct val="90000"/>
-            </a:lnSpc>
-            <a:spcBef>
-              <a:spcPct val="0"/>
-            </a:spcBef>
-            <a:spcAft>
-              <a:spcPct val="20000"/>
-            </a:spcAft>
-            <a:buChar char="••"/>
-          </a:pPr>
-          <a:r>
-            <a:rPr lang="en-US" sz="2000" kern="1200" smtClean="0"/>
-            <a:t>Somewhat self documenting</a:t>
-          </a:r>
-          <a:endParaRPr lang="en-US" sz="2000" kern="1200"/>
-        </a:p>
-        <a:p>
-          <a:pPr marL="228600" lvl="1" indent="-228600" algn="l" defTabSz="889000" rtl="0">
-            <a:lnSpc>
-              <a:spcPct val="90000"/>
-            </a:lnSpc>
-            <a:spcBef>
-              <a:spcPct val="0"/>
-            </a:spcBef>
-            <a:spcAft>
-              <a:spcPct val="20000"/>
-            </a:spcAft>
-            <a:buChar char="••"/>
-          </a:pPr>
-          <a:r>
-            <a:rPr lang="en-US" sz="2000" kern="1200" smtClean="0"/>
-            <a:t>Can be deployed by an admin through the browser</a:t>
-          </a:r>
-          <a:endParaRPr lang="en-US" sz="2000" kern="1200"/>
-        </a:p>
-      </dsp:txBody>
-      <dsp:txXfrm>
-        <a:off x="0" y="641799"/>
-        <a:ext cx="10515600" cy="699660"/>
-      </dsp:txXfrm>
-    </dsp:sp>
-    <dsp:sp modelId="{41CA6141-AE96-4880-992F-ABC551B279D4}">
-      <dsp:nvSpPr>
-        <dsp:cNvPr id="0" name=""/>
-        <dsp:cNvSpPr/>
-      </dsp:nvSpPr>
-      <dsp:spPr>
-        <a:xfrm>
-          <a:off x="0" y="1341459"/>
-          <a:ext cx="10515600" cy="623610"/>
-        </a:xfrm>
-        <a:prstGeom prst="roundRect">
-          <a:avLst/>
-        </a:prstGeom>
-        <a:solidFill>
-          <a:schemeClr val="accent1">
-            <a:hueOff val="0"/>
-            <a:satOff val="0"/>
-            <a:lumOff val="0"/>
-            <a:alphaOff val="0"/>
-          </a:schemeClr>
-        </a:solidFill>
-        <a:ln w="12700" cap="flat" cmpd="sng" algn="ctr">
-          <a:solidFill>
-            <a:schemeClr val="lt1">
-              <a:hueOff val="0"/>
-              <a:satOff val="0"/>
-              <a:lumOff val="0"/>
-              <a:alphaOff val="0"/>
-            </a:schemeClr>
-          </a:solidFill>
-          <a:prstDash val="solid"/>
-          <a:miter lim="800000"/>
-        </a:ln>
-        <a:effectLst/>
-      </dsp:spPr>
-      <dsp:style>
-        <a:lnRef idx="2">
-          <a:scrgbClr r="0" g="0" b="0"/>
-        </a:lnRef>
-        <a:fillRef idx="1">
-          <a:scrgbClr r="0" g="0" b="0"/>
-        </a:fillRef>
-        <a:effectRef idx="0">
-          <a:scrgbClr r="0" g="0" b="0"/>
-        </a:effectRef>
-        <a:fontRef idx="minor">
-          <a:schemeClr val="lt1"/>
-        </a:fontRef>
-      </dsp:style>
-      <dsp:txBody>
-        <a:bodyPr spcFirstLastPara="0" vert="horz" wrap="square" lIns="99060" tIns="99060" rIns="99060" bIns="99060" numCol="1" spcCol="1270" anchor="ctr" anchorCtr="0">
-          <a:noAutofit/>
-        </a:bodyPr>
-        <a:lstStyle/>
-        <a:p>
-          <a:pPr lvl="0" algn="l" defTabSz="1155700" rtl="0">
-            <a:lnSpc>
-              <a:spcPct val="90000"/>
-            </a:lnSpc>
-            <a:spcBef>
-              <a:spcPct val="0"/>
-            </a:spcBef>
-            <a:spcAft>
-              <a:spcPct val="35000"/>
-            </a:spcAft>
-          </a:pPr>
-          <a:r>
-            <a:rPr lang="en-US" sz="2600" kern="1200" smtClean="0"/>
-            <a:t>Cons</a:t>
-          </a:r>
-          <a:endParaRPr lang="en-US" sz="2600" kern="1200"/>
-        </a:p>
-      </dsp:txBody>
-      <dsp:txXfrm>
-        <a:off x="30442" y="1371901"/>
-        <a:ext cx="10454716" cy="562726"/>
-      </dsp:txXfrm>
-    </dsp:sp>
-    <dsp:sp modelId="{4D66EC53-1CA6-413A-9F89-66CFD243F937}">
-      <dsp:nvSpPr>
-        <dsp:cNvPr id="0" name=""/>
-        <dsp:cNvSpPr/>
-      </dsp:nvSpPr>
-      <dsp:spPr>
-        <a:xfrm>
-          <a:off x="0" y="1965069"/>
-          <a:ext cx="10515600" cy="2368080"/>
-        </a:xfrm>
-        <a:prstGeom prst="rect">
-          <a:avLst/>
-        </a:prstGeom>
-        <a:noFill/>
-        <a:ln>
-          <a:noFill/>
-        </a:ln>
-        <a:effectLst/>
-      </dsp:spPr>
-      <dsp:style>
-        <a:lnRef idx="0">
-          <a:scrgbClr r="0" g="0" b="0"/>
-        </a:lnRef>
-        <a:fillRef idx="0">
-          <a:scrgbClr r="0" g="0" b="0"/>
-        </a:fillRef>
-        <a:effectRef idx="0">
-          <a:scrgbClr r="0" g="0" b="0"/>
-        </a:effectRef>
-        <a:fontRef idx="minor"/>
-      </dsp:style>
-      <dsp:txBody>
-        <a:bodyPr spcFirstLastPara="0" vert="horz" wrap="square" lIns="333870" tIns="33020" rIns="184912" bIns="33020" numCol="1" spcCol="1270" anchor="t" anchorCtr="0">
-          <a:noAutofit/>
-        </a:bodyPr>
-        <a:lstStyle/>
-        <a:p>
-          <a:pPr marL="228600" lvl="1" indent="-228600" algn="l" defTabSz="889000" rtl="0">
-            <a:lnSpc>
-              <a:spcPct val="90000"/>
-            </a:lnSpc>
-            <a:spcBef>
-              <a:spcPct val="0"/>
-            </a:spcBef>
-            <a:spcAft>
-              <a:spcPct val="20000"/>
-            </a:spcAft>
-            <a:buChar char="••"/>
-          </a:pPr>
-          <a:r>
-            <a:rPr lang="en-US" sz="2000" kern="1200" smtClean="0"/>
-            <a:t>It is a messy solution (i.e. does not uninstall cleanly)</a:t>
-          </a:r>
-          <a:endParaRPr lang="en-US" sz="2000" kern="1200"/>
-        </a:p>
-        <a:p>
-          <a:pPr marL="457200" lvl="2" indent="-228600" algn="l" defTabSz="889000" rtl="0">
-            <a:lnSpc>
-              <a:spcPct val="90000"/>
-            </a:lnSpc>
-            <a:spcBef>
-              <a:spcPct val="0"/>
-            </a:spcBef>
-            <a:spcAft>
-              <a:spcPct val="20000"/>
-            </a:spcAft>
-            <a:buChar char="••"/>
-          </a:pPr>
-          <a:r>
-            <a:rPr lang="en-US" sz="2000" kern="1200" smtClean="0"/>
-            <a:t>It leaves behind any instances like site columns</a:t>
-          </a:r>
-          <a:endParaRPr lang="en-US" sz="2000" kern="1200"/>
-        </a:p>
-        <a:p>
-          <a:pPr marL="457200" lvl="2" indent="-228600" algn="l" defTabSz="889000" rtl="0">
-            <a:lnSpc>
-              <a:spcPct val="90000"/>
-            </a:lnSpc>
-            <a:spcBef>
-              <a:spcPct val="0"/>
-            </a:spcBef>
-            <a:spcAft>
-              <a:spcPct val="20000"/>
-            </a:spcAft>
-            <a:buChar char="••"/>
-          </a:pPr>
-          <a:r>
-            <a:rPr lang="en-US" sz="2000" kern="1200" smtClean="0"/>
-            <a:t>Those columns still have their JSLink pointing the JavaScript</a:t>
-          </a:r>
-          <a:endParaRPr lang="en-US" sz="2000" kern="1200"/>
-        </a:p>
-        <a:p>
-          <a:pPr marL="228600" lvl="1" indent="-228600" algn="l" defTabSz="889000" rtl="0">
-            <a:lnSpc>
-              <a:spcPct val="90000"/>
-            </a:lnSpc>
-            <a:spcBef>
-              <a:spcPct val="0"/>
-            </a:spcBef>
-            <a:spcAft>
-              <a:spcPct val="20000"/>
-            </a:spcAft>
-            <a:buChar char="••"/>
-          </a:pPr>
-          <a:r>
-            <a:rPr lang="en-US" sz="2000" kern="1200" smtClean="0"/>
-            <a:t>Because it’s messy, it is almost impossible to upgrade</a:t>
-          </a:r>
-          <a:endParaRPr lang="en-US" sz="2000" kern="1200"/>
-        </a:p>
-        <a:p>
-          <a:pPr marL="457200" lvl="2" indent="-228600" algn="l" defTabSz="889000" rtl="0">
-            <a:lnSpc>
-              <a:spcPct val="90000"/>
-            </a:lnSpc>
-            <a:spcBef>
-              <a:spcPct val="0"/>
-            </a:spcBef>
-            <a:spcAft>
-              <a:spcPct val="20000"/>
-            </a:spcAft>
-            <a:buChar char="••"/>
-          </a:pPr>
-          <a:r>
-            <a:rPr lang="en-US" sz="2000" kern="1200" smtClean="0"/>
-            <a:t>Module files cannot be overwritten through upgrade</a:t>
-          </a:r>
-          <a:endParaRPr lang="en-US" sz="2000" kern="1200"/>
-        </a:p>
-        <a:p>
-          <a:pPr marL="457200" lvl="2" indent="-228600" algn="l" defTabSz="889000" rtl="0">
-            <a:lnSpc>
-              <a:spcPct val="90000"/>
-            </a:lnSpc>
-            <a:spcBef>
-              <a:spcPct val="0"/>
-            </a:spcBef>
-            <a:spcAft>
-              <a:spcPct val="20000"/>
-            </a:spcAft>
-            <a:buChar char="••"/>
-          </a:pPr>
-          <a:r>
-            <a:rPr lang="en-US" sz="2000" kern="1200" smtClean="0"/>
-            <a:t>Site Column instances need to be deleted before they can be upgraded, and therefore need to be deleted form any list using them (loss of data)</a:t>
-          </a:r>
-          <a:endParaRPr lang="en-US" sz="2000" kern="1200"/>
-        </a:p>
-      </dsp:txBody>
-      <dsp:txXfrm>
-        <a:off x="0" y="1965069"/>
-        <a:ext cx="10515600" cy="2368080"/>
-      </dsp:txXfrm>
-    </dsp:sp>
   </dsp:spTree>
 </dsp:drawing>
 </file>
@@ -18556,360 +16833,6 @@
       <dsp:cNvGrpSpPr/>
     </dsp:nvGrpSpPr>
     <dsp:grpSpPr/>
-    <dsp:sp modelId="{F4BD8C17-4D40-4A8E-A2E4-2B294FB4C492}">
-      <dsp:nvSpPr>
-        <dsp:cNvPr id="0" name=""/>
-        <dsp:cNvSpPr/>
-      </dsp:nvSpPr>
-      <dsp:spPr>
-        <a:xfrm>
-          <a:off x="0" y="59550"/>
-          <a:ext cx="10515600" cy="647595"/>
-        </a:xfrm>
-        <a:prstGeom prst="roundRect">
-          <a:avLst/>
-        </a:prstGeom>
-        <a:solidFill>
-          <a:schemeClr val="accent1">
-            <a:hueOff val="0"/>
-            <a:satOff val="0"/>
-            <a:lumOff val="0"/>
-            <a:alphaOff val="0"/>
-          </a:schemeClr>
-        </a:solidFill>
-        <a:ln w="12700" cap="flat" cmpd="sng" algn="ctr">
-          <a:solidFill>
-            <a:schemeClr val="lt1">
-              <a:hueOff val="0"/>
-              <a:satOff val="0"/>
-              <a:lumOff val="0"/>
-              <a:alphaOff val="0"/>
-            </a:schemeClr>
-          </a:solidFill>
-          <a:prstDash val="solid"/>
-          <a:miter lim="800000"/>
-        </a:ln>
-        <a:effectLst/>
-      </dsp:spPr>
-      <dsp:style>
-        <a:lnRef idx="2">
-          <a:scrgbClr r="0" g="0" b="0"/>
-        </a:lnRef>
-        <a:fillRef idx="1">
-          <a:scrgbClr r="0" g="0" b="0"/>
-        </a:fillRef>
-        <a:effectRef idx="0">
-          <a:scrgbClr r="0" g="0" b="0"/>
-        </a:effectRef>
-        <a:fontRef idx="minor">
-          <a:schemeClr val="lt1"/>
-        </a:fontRef>
-      </dsp:style>
-      <dsp:txBody>
-        <a:bodyPr spcFirstLastPara="0" vert="horz" wrap="square" lIns="102870" tIns="102870" rIns="102870" bIns="102870" numCol="1" spcCol="1270" anchor="ctr" anchorCtr="0">
-          <a:noAutofit/>
-        </a:bodyPr>
-        <a:lstStyle/>
-        <a:p>
-          <a:pPr lvl="0" algn="l" defTabSz="1200150" rtl="0">
-            <a:lnSpc>
-              <a:spcPct val="90000"/>
-            </a:lnSpc>
-            <a:spcBef>
-              <a:spcPct val="0"/>
-            </a:spcBef>
-            <a:spcAft>
-              <a:spcPct val="35000"/>
-            </a:spcAft>
-          </a:pPr>
-          <a:r>
-            <a:rPr lang="en-US" sz="2700" kern="1200" smtClean="0"/>
-            <a:t>Pros</a:t>
-          </a:r>
-          <a:endParaRPr lang="en-US" sz="2700" kern="1200"/>
-        </a:p>
-      </dsp:txBody>
-      <dsp:txXfrm>
-        <a:off x="31613" y="91163"/>
-        <a:ext cx="10452374" cy="584369"/>
-      </dsp:txXfrm>
-    </dsp:sp>
-    <dsp:sp modelId="{5A95E0BC-F563-40DF-B475-D53015EB85A6}">
-      <dsp:nvSpPr>
-        <dsp:cNvPr id="0" name=""/>
-        <dsp:cNvSpPr/>
-      </dsp:nvSpPr>
-      <dsp:spPr>
-        <a:xfrm>
-          <a:off x="0" y="707145"/>
-          <a:ext cx="10515600" cy="1033964"/>
-        </a:xfrm>
-        <a:prstGeom prst="rect">
-          <a:avLst/>
-        </a:prstGeom>
-        <a:noFill/>
-        <a:ln>
-          <a:noFill/>
-        </a:ln>
-        <a:effectLst/>
-      </dsp:spPr>
-      <dsp:style>
-        <a:lnRef idx="0">
-          <a:scrgbClr r="0" g="0" b="0"/>
-        </a:lnRef>
-        <a:fillRef idx="0">
-          <a:scrgbClr r="0" g="0" b="0"/>
-        </a:fillRef>
-        <a:effectRef idx="0">
-          <a:scrgbClr r="0" g="0" b="0"/>
-        </a:effectRef>
-        <a:fontRef idx="minor"/>
-      </dsp:style>
-      <dsp:txBody>
-        <a:bodyPr spcFirstLastPara="0" vert="horz" wrap="square" lIns="333870" tIns="34290" rIns="192024" bIns="34290" numCol="1" spcCol="1270" anchor="t" anchorCtr="0">
-          <a:noAutofit/>
-        </a:bodyPr>
-        <a:lstStyle/>
-        <a:p>
-          <a:pPr marL="228600" lvl="1" indent="-228600" algn="l" defTabSz="933450" rtl="0">
-            <a:lnSpc>
-              <a:spcPct val="90000"/>
-            </a:lnSpc>
-            <a:spcBef>
-              <a:spcPct val="0"/>
-            </a:spcBef>
-            <a:spcAft>
-              <a:spcPct val="20000"/>
-            </a:spcAft>
-            <a:buChar char="••"/>
-          </a:pPr>
-          <a:r>
-            <a:rPr lang="en-US" sz="2100" kern="1200" smtClean="0"/>
-            <a:t>It’s easier to manage than individually setting the JSLink on all columns</a:t>
-          </a:r>
-          <a:endParaRPr lang="en-US" sz="2100" kern="1200"/>
-        </a:p>
-        <a:p>
-          <a:pPr marL="228600" lvl="1" indent="-228600" algn="l" defTabSz="933450" rtl="0">
-            <a:lnSpc>
-              <a:spcPct val="90000"/>
-            </a:lnSpc>
-            <a:spcBef>
-              <a:spcPct val="0"/>
-            </a:spcBef>
-            <a:spcAft>
-              <a:spcPct val="20000"/>
-            </a:spcAft>
-            <a:buChar char="••"/>
-          </a:pPr>
-          <a:r>
-            <a:rPr lang="en-US" sz="2100" kern="1200" smtClean="0"/>
-            <a:t>Not exactly the same functionality as a custom field, but you do at least end up with a reusable component</a:t>
-          </a:r>
-          <a:endParaRPr lang="en-US" sz="2100" kern="1200"/>
-        </a:p>
-      </dsp:txBody>
-      <dsp:txXfrm>
-        <a:off x="0" y="707145"/>
-        <a:ext cx="10515600" cy="1033964"/>
-      </dsp:txXfrm>
-    </dsp:sp>
-    <dsp:sp modelId="{33E875D6-CACA-4832-88DC-C4CFAA2C9275}">
-      <dsp:nvSpPr>
-        <dsp:cNvPr id="0" name=""/>
-        <dsp:cNvSpPr/>
-      </dsp:nvSpPr>
-      <dsp:spPr>
-        <a:xfrm>
-          <a:off x="0" y="1741110"/>
-          <a:ext cx="10515600" cy="647595"/>
-        </a:xfrm>
-        <a:prstGeom prst="roundRect">
-          <a:avLst/>
-        </a:prstGeom>
-        <a:solidFill>
-          <a:schemeClr val="accent1">
-            <a:hueOff val="0"/>
-            <a:satOff val="0"/>
-            <a:lumOff val="0"/>
-            <a:alphaOff val="0"/>
-          </a:schemeClr>
-        </a:solidFill>
-        <a:ln w="12700" cap="flat" cmpd="sng" algn="ctr">
-          <a:solidFill>
-            <a:schemeClr val="lt1">
-              <a:hueOff val="0"/>
-              <a:satOff val="0"/>
-              <a:lumOff val="0"/>
-              <a:alphaOff val="0"/>
-            </a:schemeClr>
-          </a:solidFill>
-          <a:prstDash val="solid"/>
-          <a:miter lim="800000"/>
-        </a:ln>
-        <a:effectLst/>
-      </dsp:spPr>
-      <dsp:style>
-        <a:lnRef idx="2">
-          <a:scrgbClr r="0" g="0" b="0"/>
-        </a:lnRef>
-        <a:fillRef idx="1">
-          <a:scrgbClr r="0" g="0" b="0"/>
-        </a:fillRef>
-        <a:effectRef idx="0">
-          <a:scrgbClr r="0" g="0" b="0"/>
-        </a:effectRef>
-        <a:fontRef idx="minor">
-          <a:schemeClr val="lt1"/>
-        </a:fontRef>
-      </dsp:style>
-      <dsp:txBody>
-        <a:bodyPr spcFirstLastPara="0" vert="horz" wrap="square" lIns="102870" tIns="102870" rIns="102870" bIns="102870" numCol="1" spcCol="1270" anchor="ctr" anchorCtr="0">
-          <a:noAutofit/>
-        </a:bodyPr>
-        <a:lstStyle/>
-        <a:p>
-          <a:pPr lvl="0" algn="l" defTabSz="1200150" rtl="0">
-            <a:lnSpc>
-              <a:spcPct val="90000"/>
-            </a:lnSpc>
-            <a:spcBef>
-              <a:spcPct val="0"/>
-            </a:spcBef>
-            <a:spcAft>
-              <a:spcPct val="35000"/>
-            </a:spcAft>
-          </a:pPr>
-          <a:r>
-            <a:rPr lang="en-US" sz="2700" kern="1200" smtClean="0"/>
-            <a:t>Cons</a:t>
-          </a:r>
-          <a:endParaRPr lang="en-US" sz="2700" kern="1200"/>
-        </a:p>
-      </dsp:txBody>
-      <dsp:txXfrm>
-        <a:off x="31613" y="1772723"/>
-        <a:ext cx="10452374" cy="584369"/>
-      </dsp:txXfrm>
-    </dsp:sp>
-    <dsp:sp modelId="{7188A1C8-E603-416D-8EA5-2D5ACD83B507}">
-      <dsp:nvSpPr>
-        <dsp:cNvPr id="0" name=""/>
-        <dsp:cNvSpPr/>
-      </dsp:nvSpPr>
-      <dsp:spPr>
-        <a:xfrm>
-          <a:off x="0" y="2388705"/>
-          <a:ext cx="10515600" cy="2347379"/>
-        </a:xfrm>
-        <a:prstGeom prst="rect">
-          <a:avLst/>
-        </a:prstGeom>
-        <a:noFill/>
-        <a:ln>
-          <a:noFill/>
-        </a:ln>
-        <a:effectLst/>
-      </dsp:spPr>
-      <dsp:style>
-        <a:lnRef idx="0">
-          <a:scrgbClr r="0" g="0" b="0"/>
-        </a:lnRef>
-        <a:fillRef idx="0">
-          <a:scrgbClr r="0" g="0" b="0"/>
-        </a:fillRef>
-        <a:effectRef idx="0">
-          <a:scrgbClr r="0" g="0" b="0"/>
-        </a:effectRef>
-        <a:fontRef idx="minor"/>
-      </dsp:style>
-      <dsp:txBody>
-        <a:bodyPr spcFirstLastPara="0" vert="horz" wrap="square" lIns="333870" tIns="34290" rIns="192024" bIns="34290" numCol="1" spcCol="1270" anchor="t" anchorCtr="0">
-          <a:noAutofit/>
-        </a:bodyPr>
-        <a:lstStyle/>
-        <a:p>
-          <a:pPr marL="228600" lvl="1" indent="-228600" algn="l" defTabSz="933450" rtl="0">
-            <a:lnSpc>
-              <a:spcPct val="90000"/>
-            </a:lnSpc>
-            <a:spcBef>
-              <a:spcPct val="0"/>
-            </a:spcBef>
-            <a:spcAft>
-              <a:spcPct val="20000"/>
-            </a:spcAft>
-            <a:buChar char="••"/>
-          </a:pPr>
-          <a:r>
-            <a:rPr lang="en-US" sz="2100" kern="1200" dirty="0" smtClean="0"/>
-            <a:t>JSLink on Content Types does not get called at all for Views; new, edit, and display forms only</a:t>
-          </a:r>
-          <a:endParaRPr lang="en-US" sz="2100" kern="1200" dirty="0"/>
-        </a:p>
-        <a:p>
-          <a:pPr marL="228600" lvl="1" indent="-228600" algn="l" defTabSz="933450" rtl="0">
-            <a:lnSpc>
-              <a:spcPct val="90000"/>
-            </a:lnSpc>
-            <a:spcBef>
-              <a:spcPct val="0"/>
-            </a:spcBef>
-            <a:spcAft>
-              <a:spcPct val="20000"/>
-            </a:spcAft>
-            <a:buChar char="••"/>
-          </a:pPr>
-          <a:r>
-            <a:rPr lang="en-US" sz="2100" kern="1200" dirty="0" smtClean="0"/>
-            <a:t>List Content Types do NOT get updated when you set the JSLink on site content types, even if you say push changes down</a:t>
-          </a:r>
-          <a:endParaRPr lang="en-US" sz="2100" kern="1200" dirty="0"/>
-        </a:p>
-        <a:p>
-          <a:pPr marL="228600" lvl="1" indent="-228600" algn="l" defTabSz="933450" rtl="0">
-            <a:lnSpc>
-              <a:spcPct val="90000"/>
-            </a:lnSpc>
-            <a:spcBef>
-              <a:spcPct val="0"/>
-            </a:spcBef>
-            <a:spcAft>
-              <a:spcPct val="20000"/>
-            </a:spcAft>
-            <a:buChar char="••"/>
-          </a:pPr>
-          <a:r>
-            <a:rPr lang="en-US" sz="2100" kern="1200" dirty="0" smtClean="0"/>
-            <a:t>Again it cannot be set on some content types…including Event (i.e. no calendars) and Survey</a:t>
-          </a:r>
-          <a:endParaRPr lang="en-US" sz="2100" kern="1200" dirty="0"/>
-        </a:p>
-        <a:p>
-          <a:pPr marL="228600" lvl="1" indent="-228600" algn="l" defTabSz="933450" rtl="0">
-            <a:lnSpc>
-              <a:spcPct val="90000"/>
-            </a:lnSpc>
-            <a:spcBef>
-              <a:spcPct val="0"/>
-            </a:spcBef>
-            <a:spcAft>
-              <a:spcPct val="20000"/>
-            </a:spcAft>
-            <a:buChar char="••"/>
-          </a:pPr>
-          <a:r>
-            <a:rPr lang="en-US" sz="2100" kern="1200" dirty="0" smtClean="0"/>
-            <a:t>The fact that JSLink is not supported doesn’t necessarily mean that CSR is not supported</a:t>
-          </a:r>
-          <a:endParaRPr lang="en-US" sz="2100" kern="1200" dirty="0"/>
-        </a:p>
-      </dsp:txBody>
-      <dsp:txXfrm>
-        <a:off x="0" y="2388705"/>
-        <a:ext cx="10515600" cy="2347379"/>
-      </dsp:txXfrm>
-    </dsp:sp>
   </dsp:spTree>
 </dsp:drawing>
 </file>
@@ -33540,7 +31463,7 @@
           <a:p>
             <a:fld id="{02BC24F2-A104-4C75-B4B5-E72BF9C1C018}" type="datetimeFigureOut">
               <a:rPr lang="en-US" smtClean="0"/>
-              <a:t>3/12/2016</a:t>
+              <a:t>3/14/2016</a:t>
             </a:fld>
             <a:endParaRPr lang="en-US" dirty="0"/>
           </a:p>
@@ -33852,7 +31775,7 @@
           <a:bodyPr/>
           <a:lstStyle/>
           <a:p>
-            <a:endParaRPr lang="en-US"/>
+            <a:endParaRPr lang="en-US" dirty="0"/>
           </a:p>
         </p:txBody>
       </p:sp>
@@ -37183,7 +35106,7 @@
           <a:lstStyle/>
           <a:p>
             <a:r>
-              <a:rPr lang="en-US" smtClean="0"/>
+              <a:rPr lang="en-US" dirty="0" smtClean="0"/>
               <a:t>3/19/2016</a:t>
             </a:r>
             <a:endParaRPr lang="en-US" dirty="0"/>
@@ -37206,7 +35129,7 @@
           <a:lstStyle/>
           <a:p>
             <a:r>
-              <a:rPr lang="en-US" smtClean="0"/>
+              <a:rPr lang="en-US" dirty="0" smtClean="0"/>
               <a:t>SharePoint Saturday Chicago Suburbs - Spice up Your Forms and Views: Deep Dive into Client Side Rendering</a:t>
             </a:r>
             <a:endParaRPr lang="en-US" dirty="0"/>
@@ -37334,7 +35257,7 @@
           <a:lstStyle/>
           <a:p>
             <a:r>
-              <a:rPr lang="en-US" smtClean="0"/>
+              <a:rPr lang="en-US" dirty="0" smtClean="0"/>
               <a:t>3/19/2016</a:t>
             </a:r>
             <a:endParaRPr lang="en-US" dirty="0"/>
@@ -37357,7 +35280,7 @@
           <a:lstStyle/>
           <a:p>
             <a:r>
-              <a:rPr lang="en-US" smtClean="0"/>
+              <a:rPr lang="en-US" dirty="0" smtClean="0"/>
               <a:t>SharePoint Saturday Chicago Suburbs - Spice up Your Forms and Views: Deep Dive into Client Side Rendering</a:t>
             </a:r>
             <a:endParaRPr lang="en-US" dirty="0"/>
@@ -37479,7 +35402,7 @@
           <a:lstStyle/>
           <a:p>
             <a:r>
-              <a:rPr lang="en-US" smtClean="0"/>
+              <a:rPr lang="en-US" dirty="0" smtClean="0"/>
               <a:t>3/19/2016</a:t>
             </a:r>
             <a:endParaRPr lang="en-US" dirty="0"/>
@@ -37502,7 +35425,7 @@
           <a:lstStyle/>
           <a:p>
             <a:r>
-              <a:rPr lang="en-US" smtClean="0"/>
+              <a:rPr lang="en-US" dirty="0" smtClean="0"/>
               <a:t>SharePoint Saturday Chicago Suburbs - Spice up Your Forms and Views: Deep Dive into Client Side Rendering</a:t>
             </a:r>
             <a:endParaRPr lang="en-US" dirty="0"/>
@@ -37609,7 +35532,7 @@
           <a:lstStyle/>
           <a:p>
             <a:r>
-              <a:rPr lang="en-US" smtClean="0"/>
+              <a:rPr lang="en-US" dirty="0" smtClean="0"/>
               <a:t>3/19/2016</a:t>
             </a:r>
             <a:endParaRPr lang="en-US" dirty="0"/>
@@ -37632,7 +35555,7 @@
           <a:lstStyle/>
           <a:p>
             <a:r>
-              <a:rPr lang="en-US" smtClean="0"/>
+              <a:rPr lang="en-US" dirty="0" smtClean="0"/>
               <a:t>SharePoint Saturday Chicago Suburbs - Spice up Your Forms and Views: Deep Dive into Client Side Rendering</a:t>
             </a:r>
             <a:endParaRPr lang="en-US" dirty="0"/>
@@ -37745,7 +35668,7 @@
           <a:lstStyle/>
           <a:p>
             <a:r>
-              <a:rPr lang="en-US" smtClean="0"/>
+              <a:rPr lang="en-US" dirty="0" smtClean="0"/>
               <a:t>3/19/2016</a:t>
             </a:r>
             <a:endParaRPr lang="en-US" dirty="0"/>
@@ -37768,7 +35691,7 @@
           <a:lstStyle/>
           <a:p>
             <a:r>
-              <a:rPr lang="en-US" smtClean="0"/>
+              <a:rPr lang="en-US" dirty="0" smtClean="0"/>
               <a:t>SharePoint Saturday Chicago Suburbs - Spice up Your Forms and Views: Deep Dive into Client Side Rendering</a:t>
             </a:r>
             <a:endParaRPr lang="en-US" dirty="0"/>
@@ -37880,7 +35803,7 @@
           <a:lstStyle/>
           <a:p>
             <a:r>
-              <a:rPr lang="en-US" smtClean="0"/>
+              <a:rPr lang="en-US" dirty="0" smtClean="0"/>
               <a:t>3/19/2016</a:t>
             </a:r>
             <a:endParaRPr lang="en-US" dirty="0"/>
@@ -37903,7 +35826,7 @@
           <a:lstStyle/>
           <a:p>
             <a:r>
-              <a:rPr lang="en-US" smtClean="0"/>
+              <a:rPr lang="en-US" dirty="0" smtClean="0"/>
               <a:t>SharePoint Saturday Chicago Suburbs - Spice up Your Forms and Views: Deep Dive into Client Side Rendering</a:t>
             </a:r>
             <a:endParaRPr lang="en-US" dirty="0"/>
@@ -38015,7 +35938,7 @@
           <a:lstStyle/>
           <a:p>
             <a:r>
-              <a:rPr lang="en-US" smtClean="0"/>
+              <a:rPr lang="en-US" dirty="0" smtClean="0"/>
               <a:t>3/19/2016</a:t>
             </a:r>
             <a:endParaRPr lang="en-US" dirty="0"/>
@@ -38038,7 +35961,7 @@
           <a:lstStyle/>
           <a:p>
             <a:r>
-              <a:rPr lang="en-US" smtClean="0"/>
+              <a:rPr lang="en-US" dirty="0" smtClean="0"/>
               <a:t>SharePoint Saturday Chicago Suburbs - Spice up Your Forms and Views: Deep Dive into Client Side Rendering</a:t>
             </a:r>
             <a:endParaRPr lang="en-US" dirty="0"/>
@@ -38153,7 +36076,7 @@
           <a:lstStyle/>
           <a:p>
             <a:r>
-              <a:rPr lang="en-US" smtClean="0"/>
+              <a:rPr lang="en-US" dirty="0" smtClean="0"/>
               <a:t>3/19/2016</a:t>
             </a:r>
             <a:endParaRPr lang="en-US" dirty="0"/>
@@ -38176,7 +36099,7 @@
           <a:lstStyle/>
           <a:p>
             <a:r>
-              <a:rPr lang="en-US" smtClean="0"/>
+              <a:rPr lang="en-US" dirty="0" smtClean="0"/>
               <a:t>SharePoint Saturday Chicago Suburbs - Spice up Your Forms and Views: Deep Dive into Client Side Rendering</a:t>
             </a:r>
             <a:endParaRPr lang="en-US" dirty="0"/>
@@ -38290,7 +36213,7 @@
           <a:lstStyle/>
           <a:p>
             <a:r>
-              <a:rPr lang="en-US" smtClean="0"/>
+              <a:rPr lang="en-US" dirty="0" smtClean="0"/>
               <a:t>3/19/2016</a:t>
             </a:r>
             <a:endParaRPr lang="en-US" dirty="0"/>
@@ -38313,7 +36236,7 @@
           <a:lstStyle/>
           <a:p>
             <a:r>
-              <a:rPr lang="en-US" smtClean="0"/>
+              <a:rPr lang="en-US" dirty="0" smtClean="0"/>
               <a:t>SharePoint Saturday Chicago Suburbs - Spice up Your Forms and Views: Deep Dive into Client Side Rendering</a:t>
             </a:r>
             <a:endParaRPr lang="en-US" dirty="0"/>
@@ -38421,7 +36344,7 @@
           <a:lstStyle/>
           <a:p>
             <a:r>
-              <a:rPr lang="en-US" smtClean="0"/>
+              <a:rPr lang="en-US" dirty="0" smtClean="0"/>
               <a:t>3/19/2016</a:t>
             </a:r>
             <a:endParaRPr lang="en-US" dirty="0"/>
@@ -38444,7 +36367,7 @@
           <a:lstStyle/>
           <a:p>
             <a:r>
-              <a:rPr lang="en-US" smtClean="0"/>
+              <a:rPr lang="en-US" dirty="0" smtClean="0"/>
               <a:t>SharePoint Saturday Chicago Suburbs - Spice up Your Forms and Views: Deep Dive into Client Side Rendering</a:t>
             </a:r>
             <a:endParaRPr lang="en-US" dirty="0"/>
@@ -38675,7 +36598,7 @@
           <a:lstStyle/>
           <a:p>
             <a:r>
-              <a:rPr lang="en-US" smtClean="0"/>
+              <a:rPr lang="en-US" dirty="0" smtClean="0"/>
               <a:t>SharePoint Saturday Chicago Suburbs - Spice up Your Forms and Views: Deep Dive into Client Side Rendering</a:t>
             </a:r>
             <a:endParaRPr lang="en-US" dirty="0"/>
@@ -38698,7 +36621,7 @@
           <a:lstStyle/>
           <a:p>
             <a:r>
-              <a:rPr lang="en-US" smtClean="0"/>
+              <a:rPr lang="en-US" dirty="0" smtClean="0"/>
               <a:t>3/19/2016</a:t>
             </a:r>
             <a:endParaRPr lang="en-US" dirty="0"/>
@@ -40436,7 +38359,7 @@
           <a:lstStyle/>
           <a:p>
             <a:r>
-              <a:rPr lang="en-US" smtClean="0"/>
+              <a:rPr lang="en-US" dirty="0" smtClean="0"/>
               <a:t>SharePoint Saturday Chicago Suburbs - Spice up Your Forms and Views: Deep Dive into Client Side Rendering</a:t>
             </a:r>
             <a:endParaRPr lang="en-US" dirty="0"/>
@@ -40459,7 +38382,7 @@
           <a:lstStyle/>
           <a:p>
             <a:r>
-              <a:rPr lang="en-US" smtClean="0"/>
+              <a:rPr lang="en-US" dirty="0" smtClean="0"/>
               <a:t>3/19/2016</a:t>
             </a:r>
             <a:endParaRPr lang="en-US" dirty="0"/>
@@ -40610,7 +38533,7 @@
           <a:lstStyle/>
           <a:p>
             <a:r>
-              <a:rPr lang="en-US" smtClean="0"/>
+              <a:rPr lang="en-US" dirty="0" smtClean="0"/>
               <a:t>3/19/2016</a:t>
             </a:r>
             <a:endParaRPr lang="en-US" dirty="0"/>
@@ -40633,7 +38556,7 @@
           <a:lstStyle/>
           <a:p>
             <a:r>
-              <a:rPr lang="en-US" smtClean="0"/>
+              <a:rPr lang="en-US" dirty="0" smtClean="0"/>
               <a:t>SharePoint Saturday Chicago Suburbs - Spice up Your Forms and Views: Deep Dive into Client Side Rendering</a:t>
             </a:r>
             <a:endParaRPr lang="en-US" dirty="0"/>
@@ -40714,7 +38637,7 @@
             <p:ph idx="1"/>
             <p:extLst>
               <p:ext uri="{D42A27DB-BD31-4B8C-83A1-F6EECF244321}">
-                <p14:modId xmlns:p14="http://schemas.microsoft.com/office/powerpoint/2010/main" val="3925705589"/>
+                <p14:modId xmlns:p14="http://schemas.microsoft.com/office/powerpoint/2010/main" val="4280250526"/>
               </p:ext>
             </p:extLst>
           </p:nvPr>
@@ -40745,7 +38668,7 @@
           <a:lstStyle/>
           <a:p>
             <a:r>
-              <a:rPr lang="en-US" smtClean="0"/>
+              <a:rPr lang="en-US" dirty="0" smtClean="0"/>
               <a:t>3/19/2016</a:t>
             </a:r>
             <a:endParaRPr lang="en-US" dirty="0"/>
@@ -40768,7 +38691,7 @@
           <a:lstStyle/>
           <a:p>
             <a:r>
-              <a:rPr lang="en-US" smtClean="0"/>
+              <a:rPr lang="en-US" dirty="0" smtClean="0"/>
               <a:t>SharePoint Saturday Chicago Suburbs - Spice up Your Forms and Views: Deep Dive into Client Side Rendering</a:t>
             </a:r>
             <a:endParaRPr lang="en-US" dirty="0"/>
@@ -40876,7 +38799,7 @@
           <a:lstStyle/>
           <a:p>
             <a:r>
-              <a:rPr lang="en-US" smtClean="0"/>
+              <a:rPr lang="en-US" dirty="0" smtClean="0"/>
               <a:t>3/19/2016</a:t>
             </a:r>
             <a:endParaRPr lang="en-US" dirty="0"/>
@@ -40899,7 +38822,7 @@
           <a:lstStyle/>
           <a:p>
             <a:r>
-              <a:rPr lang="en-US" smtClean="0"/>
+              <a:rPr lang="en-US" dirty="0" smtClean="0"/>
               <a:t>SharePoint Saturday Chicago Suburbs - Spice up Your Forms and Views: Deep Dive into Client Side Rendering</a:t>
             </a:r>
             <a:endParaRPr lang="en-US" dirty="0"/>
@@ -40981,7 +38904,7 @@
           <a:lstStyle/>
           <a:p>
             <a:r>
-              <a:rPr lang="en-US" smtClean="0"/>
+              <a:rPr lang="en-US" dirty="0" smtClean="0"/>
               <a:t>3/19/2016</a:t>
             </a:r>
             <a:endParaRPr lang="en-US" dirty="0"/>
@@ -41004,7 +38927,7 @@
           <a:lstStyle/>
           <a:p>
             <a:r>
-              <a:rPr lang="en-US" smtClean="0"/>
+              <a:rPr lang="en-US" dirty="0" smtClean="0"/>
               <a:t>SharePoint Saturday Chicago Suburbs - Spice up Your Forms and Views: Deep Dive into Client Side Rendering</a:t>
             </a:r>
             <a:endParaRPr lang="en-US" dirty="0"/>
@@ -41137,7 +39060,7 @@
           <a:lstStyle/>
           <a:p>
             <a:r>
-              <a:rPr lang="en-US" smtClean="0"/>
+              <a:rPr lang="en-US" dirty="0" smtClean="0"/>
               <a:t>3/19/2016</a:t>
             </a:r>
             <a:endParaRPr lang="en-US" dirty="0"/>
@@ -41160,7 +39083,7 @@
           <a:lstStyle/>
           <a:p>
             <a:r>
-              <a:rPr lang="en-US" smtClean="0"/>
+              <a:rPr lang="en-US" dirty="0" smtClean="0"/>
               <a:t>SharePoint Saturday Chicago Suburbs - Spice up Your Forms and Views: Deep Dive into Client Side Rendering</a:t>
             </a:r>
             <a:endParaRPr lang="en-US" dirty="0"/>
@@ -41237,7 +39160,7 @@
             <p:ph idx="1"/>
             <p:extLst>
               <p:ext uri="{D42A27DB-BD31-4B8C-83A1-F6EECF244321}">
-                <p14:modId xmlns:p14="http://schemas.microsoft.com/office/powerpoint/2010/main" val="3286164470"/>
+                <p14:modId xmlns:p14="http://schemas.microsoft.com/office/powerpoint/2010/main" val="4054236663"/>
               </p:ext>
             </p:extLst>
           </p:nvPr>
@@ -41268,7 +39191,7 @@
           <a:lstStyle/>
           <a:p>
             <a:r>
-              <a:rPr lang="en-US" smtClean="0"/>
+              <a:rPr lang="en-US" dirty="0" smtClean="0"/>
               <a:t>3/19/2016</a:t>
             </a:r>
             <a:endParaRPr lang="en-US" dirty="0"/>
@@ -41291,7 +39214,7 @@
           <a:lstStyle/>
           <a:p>
             <a:r>
-              <a:rPr lang="en-US" smtClean="0"/>
+              <a:rPr lang="en-US" dirty="0" smtClean="0"/>
               <a:t>SharePoint Saturday Chicago Suburbs - Spice up Your Forms and Views: Deep Dive into Client Side Rendering</a:t>
             </a:r>
             <a:endParaRPr lang="en-US" dirty="0"/>

--- a/SPSChicagoBurbs.pptx
+++ b/SPSChicagoBurbs.pptx
@@ -2,37 +2,37 @@
 <file path=ppt/presentation.xml><?xml version="1.0" encoding="utf-8"?>
 <p:presentation xmlns:a="http://schemas.openxmlformats.org/drawingml/2006/main" xmlns:r="http://schemas.openxmlformats.org/officeDocument/2006/relationships" xmlns:p="http://schemas.openxmlformats.org/presentationml/2006/main" showSpecialPlsOnTitleSld="0" saveSubsetFonts="1">
   <p:sldMasterIdLst>
-    <p:sldMasterId id="2147483660" r:id="rId1"/>
+    <p:sldMasterId id="2147483660" r:id="rId4"/>
   </p:sldMasterIdLst>
   <p:notesMasterIdLst>
-    <p:notesMasterId r:id="rId27"/>
+    <p:notesMasterId r:id="rId30"/>
   </p:notesMasterIdLst>
   <p:sldIdLst>
-    <p:sldId id="280" r:id="rId2"/>
-    <p:sldId id="257" r:id="rId3"/>
-    <p:sldId id="258" r:id="rId4"/>
-    <p:sldId id="259" r:id="rId5"/>
-    <p:sldId id="260" r:id="rId6"/>
-    <p:sldId id="274" r:id="rId7"/>
-    <p:sldId id="278" r:id="rId8"/>
-    <p:sldId id="276" r:id="rId9"/>
-    <p:sldId id="277" r:id="rId10"/>
-    <p:sldId id="281" r:id="rId11"/>
-    <p:sldId id="261" r:id="rId12"/>
-    <p:sldId id="262" r:id="rId13"/>
-    <p:sldId id="263" r:id="rId14"/>
-    <p:sldId id="264" r:id="rId15"/>
-    <p:sldId id="265" r:id="rId16"/>
-    <p:sldId id="266" r:id="rId17"/>
-    <p:sldId id="268" r:id="rId18"/>
-    <p:sldId id="267" r:id="rId19"/>
-    <p:sldId id="269" r:id="rId20"/>
-    <p:sldId id="282" r:id="rId21"/>
-    <p:sldId id="271" r:id="rId22"/>
-    <p:sldId id="272" r:id="rId23"/>
-    <p:sldId id="273" r:id="rId24"/>
-    <p:sldId id="279" r:id="rId25"/>
-    <p:sldId id="270" r:id="rId26"/>
+    <p:sldId id="280" r:id="rId5"/>
+    <p:sldId id="257" r:id="rId6"/>
+    <p:sldId id="258" r:id="rId7"/>
+    <p:sldId id="259" r:id="rId8"/>
+    <p:sldId id="260" r:id="rId9"/>
+    <p:sldId id="274" r:id="rId10"/>
+    <p:sldId id="278" r:id="rId11"/>
+    <p:sldId id="276" r:id="rId12"/>
+    <p:sldId id="277" r:id="rId13"/>
+    <p:sldId id="281" r:id="rId14"/>
+    <p:sldId id="261" r:id="rId15"/>
+    <p:sldId id="262" r:id="rId16"/>
+    <p:sldId id="263" r:id="rId17"/>
+    <p:sldId id="264" r:id="rId18"/>
+    <p:sldId id="265" r:id="rId19"/>
+    <p:sldId id="266" r:id="rId20"/>
+    <p:sldId id="268" r:id="rId21"/>
+    <p:sldId id="267" r:id="rId22"/>
+    <p:sldId id="269" r:id="rId23"/>
+    <p:sldId id="282" r:id="rId24"/>
+    <p:sldId id="271" r:id="rId25"/>
+    <p:sldId id="272" r:id="rId26"/>
+    <p:sldId id="273" r:id="rId27"/>
+    <p:sldId id="279" r:id="rId28"/>
+    <p:sldId id="270" r:id="rId29"/>
   </p:sldIdLst>
   <p:sldSz cx="12192000" cy="6858000"/>
   <p:notesSz cx="6858000" cy="9144000"/>
@@ -12035,11 +12035,7 @@
           </a:r>
           <a:r>
             <a:rPr lang="en-US" sz="2000" smtClean="0"/>
-            <a:t>(</a:t>
-          </a:r>
-          <a:r>
-            <a:rPr lang="en-US" sz="2000" smtClean="0"/>
-            <a:t>XLSTListViewWebPart)</a:t>
+            <a:t>(XLSTListViewWebPart)</a:t>
           </a:r>
           <a:endParaRPr lang="en-US" sz="500" dirty="0"/>
         </a:p>
@@ -14195,379 +14191,6 @@
       <dsp:cNvGrpSpPr/>
     </dsp:nvGrpSpPr>
     <dsp:grpSpPr/>
-    <dsp:sp modelId="{AC944DED-EBB6-488E-BF26-669AE3A7F6BE}">
-      <dsp:nvSpPr>
-        <dsp:cNvPr id="0" name=""/>
-        <dsp:cNvSpPr/>
-      </dsp:nvSpPr>
-      <dsp:spPr>
-        <a:xfrm>
-          <a:off x="-134034" y="0"/>
-          <a:ext cx="10783669" cy="4530725"/>
-        </a:xfrm>
-        <a:prstGeom prst="diamond">
-          <a:avLst/>
-        </a:prstGeom>
-        <a:solidFill>
-          <a:srgbClr val="ECECEC">
-            <a:alpha val="0"/>
-          </a:srgbClr>
-        </a:solidFill>
-        <a:ln>
-          <a:noFill/>
-        </a:ln>
-        <a:effectLst/>
-      </dsp:spPr>
-      <dsp:style>
-        <a:lnRef idx="0">
-          <a:scrgbClr r="0" g="0" b="0"/>
-        </a:lnRef>
-        <a:fillRef idx="1">
-          <a:scrgbClr r="0" g="0" b="0"/>
-        </a:fillRef>
-        <a:effectRef idx="0">
-          <a:scrgbClr r="0" g="0" b="0"/>
-        </a:effectRef>
-        <a:fontRef idx="minor"/>
-      </dsp:style>
-    </dsp:sp>
-    <dsp:sp modelId="{A938AC64-1965-4837-94E0-32948ED8DF0E}">
-      <dsp:nvSpPr>
-        <dsp:cNvPr id="0" name=""/>
-        <dsp:cNvSpPr/>
-      </dsp:nvSpPr>
-      <dsp:spPr>
-        <a:xfrm>
-          <a:off x="1108197" y="147993"/>
-          <a:ext cx="3540008" cy="2024449"/>
-        </a:xfrm>
-        <a:prstGeom prst="roundRect">
-          <a:avLst/>
-        </a:prstGeom>
-        <a:solidFill>
-          <a:schemeClr val="accent1">
-            <a:hueOff val="0"/>
-            <a:satOff val="0"/>
-            <a:lumOff val="0"/>
-            <a:alphaOff val="0"/>
-          </a:schemeClr>
-        </a:solidFill>
-        <a:ln w="12700" cap="flat" cmpd="sng" algn="ctr">
-          <a:solidFill>
-            <a:schemeClr val="lt1">
-              <a:hueOff val="0"/>
-              <a:satOff val="0"/>
-              <a:lumOff val="0"/>
-              <a:alphaOff val="0"/>
-            </a:schemeClr>
-          </a:solidFill>
-          <a:prstDash val="solid"/>
-          <a:miter lim="800000"/>
-        </a:ln>
-        <a:effectLst/>
-      </dsp:spPr>
-      <dsp:style>
-        <a:lnRef idx="2">
-          <a:scrgbClr r="0" g="0" b="0"/>
-        </a:lnRef>
-        <a:fillRef idx="1">
-          <a:scrgbClr r="0" g="0" b="0"/>
-        </a:fillRef>
-        <a:effectRef idx="0">
-          <a:scrgbClr r="0" g="0" b="0"/>
-        </a:effectRef>
-        <a:fontRef idx="minor">
-          <a:schemeClr val="lt1"/>
-        </a:fontRef>
-      </dsp:style>
-      <dsp:txBody>
-        <a:bodyPr spcFirstLastPara="0" vert="horz" wrap="square" lIns="106680" tIns="106680" rIns="106680" bIns="106680" numCol="1" spcCol="1270" anchor="ctr" anchorCtr="0">
-          <a:noAutofit/>
-        </a:bodyPr>
-        <a:lstStyle/>
-        <a:p>
-          <a:pPr lvl="0" algn="ctr" defTabSz="1244600" rtl="0">
-            <a:lnSpc>
-              <a:spcPct val="90000"/>
-            </a:lnSpc>
-            <a:spcBef>
-              <a:spcPct val="0"/>
-            </a:spcBef>
-            <a:spcAft>
-              <a:spcPct val="35000"/>
-            </a:spcAft>
-          </a:pPr>
-          <a:r>
-            <a:rPr lang="en-US" sz="2800" kern="1200" dirty="0" smtClean="0"/>
-            <a:t>Who? Developers </a:t>
-          </a:r>
-        </a:p>
-        <a:p>
-          <a:pPr lvl="0" algn="ctr" defTabSz="1244600" rtl="0">
-            <a:lnSpc>
-              <a:spcPct val="90000"/>
-            </a:lnSpc>
-            <a:spcBef>
-              <a:spcPct val="0"/>
-            </a:spcBef>
-            <a:spcAft>
-              <a:spcPct val="35000"/>
-            </a:spcAft>
-          </a:pPr>
-          <a:r>
-            <a:rPr lang="en-US" sz="2800" kern="1200" dirty="0" smtClean="0"/>
-            <a:t>(including Citizen Developers)</a:t>
-          </a:r>
-          <a:endParaRPr lang="en-US" sz="2800" kern="1200" dirty="0"/>
-        </a:p>
-      </dsp:txBody>
-      <dsp:txXfrm>
-        <a:off x="1207022" y="246818"/>
-        <a:ext cx="3342358" cy="1826799"/>
-      </dsp:txXfrm>
-    </dsp:sp>
-    <dsp:sp modelId="{9345D29A-389E-42F7-82F5-13738ADA8976}">
-      <dsp:nvSpPr>
-        <dsp:cNvPr id="0" name=""/>
-        <dsp:cNvSpPr/>
-      </dsp:nvSpPr>
-      <dsp:spPr>
-        <a:xfrm>
-          <a:off x="5875504" y="210818"/>
-          <a:ext cx="3589625" cy="1987078"/>
-        </a:xfrm>
-        <a:prstGeom prst="roundRect">
-          <a:avLst/>
-        </a:prstGeom>
-        <a:solidFill>
-          <a:schemeClr val="accent1">
-            <a:hueOff val="0"/>
-            <a:satOff val="0"/>
-            <a:lumOff val="0"/>
-            <a:alphaOff val="0"/>
-          </a:schemeClr>
-        </a:solidFill>
-        <a:ln w="12700" cap="flat" cmpd="sng" algn="ctr">
-          <a:solidFill>
-            <a:schemeClr val="lt1">
-              <a:hueOff val="0"/>
-              <a:satOff val="0"/>
-              <a:lumOff val="0"/>
-              <a:alphaOff val="0"/>
-            </a:schemeClr>
-          </a:solidFill>
-          <a:prstDash val="solid"/>
-          <a:miter lim="800000"/>
-        </a:ln>
-        <a:effectLst/>
-      </dsp:spPr>
-      <dsp:style>
-        <a:lnRef idx="2">
-          <a:scrgbClr r="0" g="0" b="0"/>
-        </a:lnRef>
-        <a:fillRef idx="1">
-          <a:scrgbClr r="0" g="0" b="0"/>
-        </a:fillRef>
-        <a:effectRef idx="0">
-          <a:scrgbClr r="0" g="0" b="0"/>
-        </a:effectRef>
-        <a:fontRef idx="minor">
-          <a:schemeClr val="lt1"/>
-        </a:fontRef>
-      </dsp:style>
-      <dsp:txBody>
-        <a:bodyPr spcFirstLastPara="0" vert="horz" wrap="square" lIns="106680" tIns="106680" rIns="106680" bIns="106680" numCol="1" spcCol="1270" anchor="ctr" anchorCtr="0">
-          <a:noAutofit/>
-        </a:bodyPr>
-        <a:lstStyle/>
-        <a:p>
-          <a:pPr lvl="0" algn="ctr" defTabSz="1244600" rtl="0">
-            <a:lnSpc>
-              <a:spcPct val="90000"/>
-            </a:lnSpc>
-            <a:spcBef>
-              <a:spcPct val="0"/>
-            </a:spcBef>
-            <a:spcAft>
-              <a:spcPct val="35000"/>
-            </a:spcAft>
-          </a:pPr>
-          <a:r>
-            <a:rPr lang="en-US" sz="2800" kern="1200" dirty="0" smtClean="0"/>
-            <a:t>Show practical examples of CSR to customize forms (and possibly Views)</a:t>
-          </a:r>
-          <a:endParaRPr lang="en-US" sz="2800" kern="1200" dirty="0"/>
-        </a:p>
-      </dsp:txBody>
-      <dsp:txXfrm>
-        <a:off x="5972505" y="307819"/>
-        <a:ext cx="3395623" cy="1793076"/>
-      </dsp:txXfrm>
-    </dsp:sp>
-    <dsp:sp modelId="{26309244-D78B-4147-92EB-687CA5A90E3A}">
-      <dsp:nvSpPr>
-        <dsp:cNvPr id="0" name=""/>
-        <dsp:cNvSpPr/>
-      </dsp:nvSpPr>
-      <dsp:spPr>
-        <a:xfrm>
-          <a:off x="1126794" y="2547286"/>
-          <a:ext cx="3521225" cy="1983438"/>
-        </a:xfrm>
-        <a:prstGeom prst="roundRect">
-          <a:avLst/>
-        </a:prstGeom>
-        <a:solidFill>
-          <a:schemeClr val="accent1">
-            <a:hueOff val="0"/>
-            <a:satOff val="0"/>
-            <a:lumOff val="0"/>
-            <a:alphaOff val="0"/>
-          </a:schemeClr>
-        </a:solidFill>
-        <a:ln w="12700" cap="flat" cmpd="sng" algn="ctr">
-          <a:solidFill>
-            <a:schemeClr val="lt1">
-              <a:hueOff val="0"/>
-              <a:satOff val="0"/>
-              <a:lumOff val="0"/>
-              <a:alphaOff val="0"/>
-            </a:schemeClr>
-          </a:solidFill>
-          <a:prstDash val="solid"/>
-          <a:miter lim="800000"/>
-        </a:ln>
-        <a:effectLst/>
-      </dsp:spPr>
-      <dsp:style>
-        <a:lnRef idx="2">
-          <a:scrgbClr r="0" g="0" b="0"/>
-        </a:lnRef>
-        <a:fillRef idx="1">
-          <a:scrgbClr r="0" g="0" b="0"/>
-        </a:fillRef>
-        <a:effectRef idx="0">
-          <a:scrgbClr r="0" g="0" b="0"/>
-        </a:effectRef>
-        <a:fontRef idx="minor">
-          <a:schemeClr val="lt1"/>
-        </a:fontRef>
-      </dsp:style>
-      <dsp:txBody>
-        <a:bodyPr spcFirstLastPara="0" vert="horz" wrap="square" lIns="106680" tIns="106680" rIns="106680" bIns="106680" numCol="1" spcCol="1270" anchor="ctr" anchorCtr="0">
-          <a:noAutofit/>
-        </a:bodyPr>
-        <a:lstStyle/>
-        <a:p>
-          <a:pPr lvl="0" algn="ctr" defTabSz="1244600" rtl="0">
-            <a:lnSpc>
-              <a:spcPct val="90000"/>
-            </a:lnSpc>
-            <a:spcBef>
-              <a:spcPct val="0"/>
-            </a:spcBef>
-            <a:spcAft>
-              <a:spcPct val="35000"/>
-            </a:spcAft>
-          </a:pPr>
-          <a:r>
-            <a:rPr lang="en-US" sz="2800" kern="1200" dirty="0" smtClean="0"/>
-            <a:t>Talk about gotchas MDS, dep</a:t>
-          </a:r>
-          <a:r>
-            <a:rPr lang="en-US" sz="2800" b="1" kern="1200" dirty="0" smtClean="0"/>
-            <a:t>lo</a:t>
-          </a:r>
-          <a:r>
-            <a:rPr lang="en-US" sz="2800" kern="1200" dirty="0" smtClean="0"/>
-            <a:t>yment, JSLink limitations</a:t>
-          </a:r>
-          <a:endParaRPr lang="en-US" sz="2800" kern="1200" dirty="0"/>
-        </a:p>
-      </dsp:txBody>
-      <dsp:txXfrm>
-        <a:off x="1223617" y="2644109"/>
-        <a:ext cx="3327579" cy="1789792"/>
-      </dsp:txXfrm>
-    </dsp:sp>
-    <dsp:sp modelId="{EEEB16C2-02E3-4B32-9461-82D301FB9452}">
-      <dsp:nvSpPr>
-        <dsp:cNvPr id="0" name=""/>
-        <dsp:cNvSpPr/>
-      </dsp:nvSpPr>
-      <dsp:spPr>
-        <a:xfrm>
-          <a:off x="5873905" y="2533840"/>
-          <a:ext cx="3589042" cy="1996884"/>
-        </a:xfrm>
-        <a:prstGeom prst="roundRect">
-          <a:avLst/>
-        </a:prstGeom>
-        <a:solidFill>
-          <a:schemeClr val="accent1">
-            <a:hueOff val="0"/>
-            <a:satOff val="0"/>
-            <a:lumOff val="0"/>
-            <a:alphaOff val="0"/>
-          </a:schemeClr>
-        </a:solidFill>
-        <a:ln w="12700" cap="flat" cmpd="sng" algn="ctr">
-          <a:solidFill>
-            <a:schemeClr val="lt1">
-              <a:hueOff val="0"/>
-              <a:satOff val="0"/>
-              <a:lumOff val="0"/>
-              <a:alphaOff val="0"/>
-            </a:schemeClr>
-          </a:solidFill>
-          <a:prstDash val="solid"/>
-          <a:miter lim="800000"/>
-        </a:ln>
-        <a:effectLst/>
-      </dsp:spPr>
-      <dsp:style>
-        <a:lnRef idx="2">
-          <a:scrgbClr r="0" g="0" b="0"/>
-        </a:lnRef>
-        <a:fillRef idx="1">
-          <a:scrgbClr r="0" g="0" b="0"/>
-        </a:fillRef>
-        <a:effectRef idx="0">
-          <a:scrgbClr r="0" g="0" b="0"/>
-        </a:effectRef>
-        <a:fontRef idx="minor">
-          <a:schemeClr val="lt1"/>
-        </a:fontRef>
-      </dsp:style>
-      <dsp:txBody>
-        <a:bodyPr spcFirstLastPara="0" vert="horz" wrap="square" lIns="106680" tIns="106680" rIns="106680" bIns="106680" numCol="1" spcCol="1270" anchor="ctr" anchorCtr="0">
-          <a:noAutofit/>
-        </a:bodyPr>
-        <a:lstStyle/>
-        <a:p>
-          <a:pPr lvl="0" algn="ctr" defTabSz="1244600" rtl="0">
-            <a:lnSpc>
-              <a:spcPct val="90000"/>
-            </a:lnSpc>
-            <a:spcBef>
-              <a:spcPct val="0"/>
-            </a:spcBef>
-            <a:spcAft>
-              <a:spcPct val="35000"/>
-            </a:spcAft>
-          </a:pPr>
-          <a:r>
-            <a:rPr lang="en-US" sz="2800" kern="1200" dirty="0" smtClean="0"/>
-            <a:t>Demonstrate building components that can be easily reused by power users</a:t>
-          </a:r>
-          <a:endParaRPr lang="en-US" sz="2800" kern="1200" dirty="0"/>
-        </a:p>
-      </dsp:txBody>
-      <dsp:txXfrm>
-        <a:off x="5971385" y="2631320"/>
-        <a:ext cx="3394082" cy="1801924"/>
-      </dsp:txXfrm>
-    </dsp:sp>
   </dsp:spTree>
 </dsp:drawing>
 </file>
@@ -14616,247 +14239,6 @@
       <dsp:cNvGrpSpPr/>
     </dsp:nvGrpSpPr>
     <dsp:grpSpPr/>
-    <dsp:sp modelId="{4F694A87-5DD4-43B4-B523-06D5ED9AEA4B}">
-      <dsp:nvSpPr>
-        <dsp:cNvPr id="0" name=""/>
-        <dsp:cNvSpPr/>
-      </dsp:nvSpPr>
-      <dsp:spPr>
-        <a:xfrm>
-          <a:off x="0" y="1707"/>
-          <a:ext cx="10515600" cy="2125646"/>
-        </a:xfrm>
-        <a:prstGeom prst="roundRect">
-          <a:avLst/>
-        </a:prstGeom>
-        <a:solidFill>
-          <a:srgbClr val="2A6BA6"/>
-        </a:solidFill>
-        <a:ln w="12700" cap="flat" cmpd="sng" algn="ctr">
-          <a:solidFill>
-            <a:schemeClr val="lt1">
-              <a:hueOff val="0"/>
-              <a:satOff val="0"/>
-              <a:lumOff val="0"/>
-              <a:alphaOff val="0"/>
-            </a:schemeClr>
-          </a:solidFill>
-          <a:prstDash val="solid"/>
-          <a:miter lim="800000"/>
-        </a:ln>
-        <a:effectLst/>
-      </dsp:spPr>
-      <dsp:style>
-        <a:lnRef idx="2">
-          <a:scrgbClr r="0" g="0" b="0"/>
-        </a:lnRef>
-        <a:fillRef idx="1">
-          <a:scrgbClr r="0" g="0" b="0"/>
-        </a:fillRef>
-        <a:effectRef idx="0">
-          <a:scrgbClr r="0" g="0" b="0"/>
-        </a:effectRef>
-        <a:fontRef idx="minor">
-          <a:schemeClr val="lt1"/>
-        </a:fontRef>
-      </dsp:style>
-      <dsp:txBody>
-        <a:bodyPr spcFirstLastPara="0" vert="horz" wrap="square" lIns="137160" tIns="137160" rIns="137160" bIns="137160" numCol="1" spcCol="1270" anchor="ctr" anchorCtr="0">
-          <a:noAutofit/>
-        </a:bodyPr>
-        <a:lstStyle/>
-        <a:p>
-          <a:pPr lvl="0" algn="l" defTabSz="1600200" rtl="0">
-            <a:lnSpc>
-              <a:spcPct val="90000"/>
-            </a:lnSpc>
-            <a:spcBef>
-              <a:spcPct val="0"/>
-            </a:spcBef>
-            <a:spcAft>
-              <a:spcPct val="35000"/>
-            </a:spcAft>
-          </a:pPr>
-          <a:r>
-            <a:rPr lang="en-US" sz="3600" kern="1200" dirty="0" smtClean="0"/>
-            <a:t>In general, it just means pushing much of the presentation logic from the server (XSLT) to the client (JavaScript)</a:t>
-          </a:r>
-          <a:endParaRPr lang="en-US" sz="3600" kern="1200" dirty="0"/>
-        </a:p>
-      </dsp:txBody>
-      <dsp:txXfrm>
-        <a:off x="103765" y="105472"/>
-        <a:ext cx="10308070" cy="1918116"/>
-      </dsp:txXfrm>
-    </dsp:sp>
-    <dsp:sp modelId="{D29B4909-0F47-468C-84E0-A467C5F3E634}">
-      <dsp:nvSpPr>
-        <dsp:cNvPr id="0" name=""/>
-        <dsp:cNvSpPr/>
-      </dsp:nvSpPr>
-      <dsp:spPr>
-        <a:xfrm>
-          <a:off x="0" y="2141669"/>
-          <a:ext cx="10515600" cy="2125646"/>
-        </a:xfrm>
-        <a:prstGeom prst="roundRect">
-          <a:avLst/>
-        </a:prstGeom>
-        <a:solidFill>
-          <a:srgbClr val="4A742E"/>
-        </a:solidFill>
-        <a:ln w="12700" cap="flat" cmpd="sng" algn="ctr">
-          <a:solidFill>
-            <a:schemeClr val="lt1">
-              <a:hueOff val="0"/>
-              <a:satOff val="0"/>
-              <a:lumOff val="0"/>
-              <a:alphaOff val="0"/>
-            </a:schemeClr>
-          </a:solidFill>
-          <a:prstDash val="solid"/>
-          <a:miter lim="800000"/>
-        </a:ln>
-        <a:effectLst/>
-      </dsp:spPr>
-      <dsp:style>
-        <a:lnRef idx="2">
-          <a:scrgbClr r="0" g="0" b="0"/>
-        </a:lnRef>
-        <a:fillRef idx="1">
-          <a:scrgbClr r="0" g="0" b="0"/>
-        </a:fillRef>
-        <a:effectRef idx="0">
-          <a:scrgbClr r="0" g="0" b="0"/>
-        </a:effectRef>
-        <a:fontRef idx="minor">
-          <a:schemeClr val="lt1"/>
-        </a:fontRef>
-      </dsp:style>
-      <dsp:txBody>
-        <a:bodyPr spcFirstLastPara="0" vert="horz" wrap="square" lIns="91440" tIns="91440" rIns="91440" bIns="91440" numCol="1" spcCol="1270" anchor="ctr" anchorCtr="0">
-          <a:noAutofit/>
-        </a:bodyPr>
-        <a:lstStyle/>
-        <a:p>
-          <a:pPr lvl="0" algn="l" defTabSz="1066800" rtl="0">
-            <a:lnSpc>
-              <a:spcPct val="90000"/>
-            </a:lnSpc>
-            <a:spcBef>
-              <a:spcPct val="0"/>
-            </a:spcBef>
-            <a:spcAft>
-              <a:spcPct val="35000"/>
-            </a:spcAft>
-          </a:pPr>
-          <a:r>
-            <a:rPr lang="en-US" sz="2400" kern="1200" dirty="0" smtClean="0"/>
-            <a:t>In SharePoint, it is a framework for overriding the built-in presentation logic of new, edit, and display forms, views, and search results using HTML, CSS, and JavaScript</a:t>
-          </a:r>
-        </a:p>
-        <a:p>
-          <a:pPr lvl="0" algn="l" defTabSz="1066800" rtl="0">
-            <a:lnSpc>
-              <a:spcPct val="90000"/>
-            </a:lnSpc>
-            <a:spcBef>
-              <a:spcPct val="0"/>
-            </a:spcBef>
-            <a:spcAft>
-              <a:spcPts val="0"/>
-            </a:spcAft>
-          </a:pPr>
-          <a:r>
-            <a:rPr lang="en-US" sz="1800" kern="1200" dirty="0" smtClean="0"/>
-            <a:t>    - </a:t>
-          </a:r>
-          <a:r>
-            <a:rPr lang="en-US" sz="2000" kern="1200" dirty="0" smtClean="0"/>
-            <a:t>Depends on a mechanism for injecting JavaScript into one or more SharePoint    </a:t>
-          </a:r>
-        </a:p>
-        <a:p>
-          <a:pPr lvl="0" algn="l" defTabSz="1066800" rtl="0">
-            <a:lnSpc>
-              <a:spcPct val="90000"/>
-            </a:lnSpc>
-            <a:spcBef>
-              <a:spcPct val="0"/>
-            </a:spcBef>
-            <a:spcAft>
-              <a:spcPts val="0"/>
-            </a:spcAft>
-          </a:pPr>
-          <a:r>
-            <a:rPr lang="en-US" sz="2000" kern="1200" dirty="0" smtClean="0"/>
-            <a:t>      pages</a:t>
-          </a:r>
-          <a:endParaRPr lang="en-US" sz="2000" kern="1200" dirty="0"/>
-        </a:p>
-      </dsp:txBody>
-      <dsp:txXfrm>
-        <a:off x="103765" y="2245434"/>
-        <a:ext cx="10308070" cy="1918116"/>
-      </dsp:txXfrm>
-    </dsp:sp>
-    <dsp:sp modelId="{F37F4947-6993-4131-8E52-6FEFE9332518}">
-      <dsp:nvSpPr>
-        <dsp:cNvPr id="0" name=""/>
-        <dsp:cNvSpPr/>
-      </dsp:nvSpPr>
-      <dsp:spPr>
-        <a:xfrm>
-          <a:off x="0" y="4267316"/>
-          <a:ext cx="10515600" cy="82314"/>
-        </a:xfrm>
-        <a:prstGeom prst="rect">
-          <a:avLst/>
-        </a:prstGeom>
-        <a:noFill/>
-        <a:ln>
-          <a:noFill/>
-        </a:ln>
-        <a:effectLst/>
-      </dsp:spPr>
-      <dsp:style>
-        <a:lnRef idx="0">
-          <a:scrgbClr r="0" g="0" b="0"/>
-        </a:lnRef>
-        <a:fillRef idx="0">
-          <a:scrgbClr r="0" g="0" b="0"/>
-        </a:fillRef>
-        <a:effectRef idx="0">
-          <a:scrgbClr r="0" g="0" b="0"/>
-        </a:effectRef>
-        <a:fontRef idx="minor"/>
-      </dsp:style>
-      <dsp:txBody>
-        <a:bodyPr spcFirstLastPara="0" vert="horz" wrap="square" lIns="333870" tIns="6350" rIns="35560" bIns="6350" numCol="1" spcCol="1270" anchor="t" anchorCtr="0">
-          <a:noAutofit/>
-        </a:bodyPr>
-        <a:lstStyle/>
-        <a:p>
-          <a:pPr marL="57150" lvl="1" indent="-57150" algn="l" defTabSz="177800" rtl="0">
-            <a:lnSpc>
-              <a:spcPct val="90000"/>
-            </a:lnSpc>
-            <a:spcBef>
-              <a:spcPct val="0"/>
-            </a:spcBef>
-            <a:spcAft>
-              <a:spcPct val="20000"/>
-            </a:spcAft>
-            <a:buChar char="••"/>
-          </a:pPr>
-          <a:endParaRPr lang="en-US" sz="400" kern="1200" dirty="0"/>
-        </a:p>
-      </dsp:txBody>
-      <dsp:txXfrm>
-        <a:off x="0" y="4267316"/>
-        <a:ext cx="10515600" cy="82314"/>
-      </dsp:txXfrm>
-    </dsp:sp>
   </dsp:spTree>
 </dsp:drawing>
 </file>
@@ -14869,629 +14251,6 @@
       <dsp:cNvGrpSpPr/>
     </dsp:nvGrpSpPr>
     <dsp:grpSpPr/>
-    <dsp:sp modelId="{927B5D4C-584B-44A3-8115-C904EDBC4430}">
-      <dsp:nvSpPr>
-        <dsp:cNvPr id="0" name=""/>
-        <dsp:cNvSpPr/>
-      </dsp:nvSpPr>
-      <dsp:spPr>
-        <a:xfrm>
-          <a:off x="3286" y="11974"/>
-          <a:ext cx="3203971" cy="720000"/>
-        </a:xfrm>
-        <a:prstGeom prst="rect">
-          <a:avLst/>
-        </a:prstGeom>
-        <a:solidFill>
-          <a:schemeClr val="accent1">
-            <a:hueOff val="0"/>
-            <a:satOff val="0"/>
-            <a:lumOff val="0"/>
-            <a:alphaOff val="0"/>
-          </a:schemeClr>
-        </a:solidFill>
-        <a:ln w="12700" cap="flat" cmpd="sng" algn="ctr">
-          <a:solidFill>
-            <a:schemeClr val="accent1">
-              <a:hueOff val="0"/>
-              <a:satOff val="0"/>
-              <a:lumOff val="0"/>
-              <a:alphaOff val="0"/>
-            </a:schemeClr>
-          </a:solidFill>
-          <a:prstDash val="solid"/>
-          <a:miter lim="800000"/>
-        </a:ln>
-        <a:effectLst/>
-      </dsp:spPr>
-      <dsp:style>
-        <a:lnRef idx="2">
-          <a:scrgbClr r="0" g="0" b="0"/>
-        </a:lnRef>
-        <a:fillRef idx="1">
-          <a:scrgbClr r="0" g="0" b="0"/>
-        </a:fillRef>
-        <a:effectRef idx="0">
-          <a:scrgbClr r="0" g="0" b="0"/>
-        </a:effectRef>
-        <a:fontRef idx="minor">
-          <a:schemeClr val="lt1"/>
-        </a:fontRef>
-      </dsp:style>
-      <dsp:txBody>
-        <a:bodyPr spcFirstLastPara="0" vert="horz" wrap="square" lIns="227584" tIns="130048" rIns="227584" bIns="130048" numCol="1" spcCol="1270" anchor="ctr" anchorCtr="0">
-          <a:noAutofit/>
-        </a:bodyPr>
-        <a:lstStyle/>
-        <a:p>
-          <a:pPr lvl="0" algn="ctr" defTabSz="1422400">
-            <a:lnSpc>
-              <a:spcPct val="90000"/>
-            </a:lnSpc>
-            <a:spcBef>
-              <a:spcPct val="0"/>
-            </a:spcBef>
-            <a:spcAft>
-              <a:spcPct val="35000"/>
-            </a:spcAft>
-          </a:pPr>
-          <a:r>
-            <a:rPr lang="en-US" sz="3200" kern="1200" dirty="0" smtClean="0"/>
-            <a:t>Performance</a:t>
-          </a:r>
-          <a:endParaRPr lang="en-US" sz="3200" kern="1200" dirty="0"/>
-        </a:p>
-      </dsp:txBody>
-      <dsp:txXfrm>
-        <a:off x="3286" y="11974"/>
-        <a:ext cx="3203971" cy="720000"/>
-      </dsp:txXfrm>
-    </dsp:sp>
-    <dsp:sp modelId="{40252FAC-417A-4496-81D1-036DC8CD784A}">
-      <dsp:nvSpPr>
-        <dsp:cNvPr id="0" name=""/>
-        <dsp:cNvSpPr/>
-      </dsp:nvSpPr>
-      <dsp:spPr>
-        <a:xfrm>
-          <a:off x="3286" y="731974"/>
-          <a:ext cx="3203971" cy="3649992"/>
-        </a:xfrm>
-        <a:prstGeom prst="rect">
-          <a:avLst/>
-        </a:prstGeom>
-        <a:solidFill>
-          <a:schemeClr val="accent1">
-            <a:alpha val="90000"/>
-            <a:tint val="40000"/>
-            <a:hueOff val="0"/>
-            <a:satOff val="0"/>
-            <a:lumOff val="0"/>
-            <a:alphaOff val="0"/>
-          </a:schemeClr>
-        </a:solidFill>
-        <a:ln w="12700" cap="flat" cmpd="sng" algn="ctr">
-          <a:solidFill>
-            <a:schemeClr val="accent1">
-              <a:alpha val="90000"/>
-              <a:tint val="40000"/>
-              <a:hueOff val="0"/>
-              <a:satOff val="0"/>
-              <a:lumOff val="0"/>
-              <a:alphaOff val="0"/>
-            </a:schemeClr>
-          </a:solidFill>
-          <a:prstDash val="solid"/>
-          <a:miter lim="800000"/>
-        </a:ln>
-        <a:effectLst/>
-      </dsp:spPr>
-      <dsp:style>
-        <a:lnRef idx="2">
-          <a:scrgbClr r="0" g="0" b="0"/>
-        </a:lnRef>
-        <a:fillRef idx="1">
-          <a:scrgbClr r="0" g="0" b="0"/>
-        </a:fillRef>
-        <a:effectRef idx="0">
-          <a:scrgbClr r="0" g="0" b="0"/>
-        </a:effectRef>
-        <a:fontRef idx="minor"/>
-      </dsp:style>
-      <dsp:txBody>
-        <a:bodyPr spcFirstLastPara="0" vert="horz" wrap="square" lIns="133350" tIns="133350" rIns="177800" bIns="200025" numCol="1" spcCol="1270" anchor="t" anchorCtr="0">
-          <a:noAutofit/>
-        </a:bodyPr>
-        <a:lstStyle/>
-        <a:p>
-          <a:pPr marL="228600" lvl="1" indent="-228600" algn="l" defTabSz="1111250">
-            <a:lnSpc>
-              <a:spcPct val="90000"/>
-            </a:lnSpc>
-            <a:spcBef>
-              <a:spcPct val="0"/>
-            </a:spcBef>
-            <a:spcAft>
-              <a:spcPct val="15000"/>
-            </a:spcAft>
-            <a:buChar char="••"/>
-          </a:pPr>
-          <a:r>
-            <a:rPr lang="en-US" sz="2500" kern="1200" dirty="0" smtClean="0">
-              <a:solidFill>
-                <a:schemeClr val="accent1">
-                  <a:lumMod val="50000"/>
-                </a:schemeClr>
-              </a:solidFill>
-            </a:rPr>
-            <a:t>Rendering logic is pushed from the server</a:t>
-          </a:r>
-          <a:endParaRPr lang="en-US" sz="2500" kern="1200" dirty="0"/>
-        </a:p>
-        <a:p>
-          <a:pPr marL="228600" lvl="1" indent="-228600" algn="l" defTabSz="1111250">
-            <a:lnSpc>
-              <a:spcPct val="90000"/>
-            </a:lnSpc>
-            <a:spcBef>
-              <a:spcPct val="0"/>
-            </a:spcBef>
-            <a:spcAft>
-              <a:spcPct val="15000"/>
-            </a:spcAft>
-            <a:buChar char="••"/>
-          </a:pPr>
-          <a:r>
-            <a:rPr lang="en-US" sz="2500" kern="1200" dirty="0" smtClean="0">
-              <a:solidFill>
-                <a:schemeClr val="accent1">
-                  <a:lumMod val="50000"/>
-                </a:schemeClr>
-              </a:solidFill>
-            </a:rPr>
-            <a:t>In SharePoint (XSLT) to the client (browser)</a:t>
-          </a:r>
-          <a:endParaRPr lang="en-US" sz="2500" kern="1200" dirty="0"/>
-        </a:p>
-      </dsp:txBody>
-      <dsp:txXfrm>
-        <a:off x="3286" y="731974"/>
-        <a:ext cx="3203971" cy="3649992"/>
-      </dsp:txXfrm>
-    </dsp:sp>
-    <dsp:sp modelId="{76E5C277-E6EB-41AF-B895-EF179DE32A80}">
-      <dsp:nvSpPr>
-        <dsp:cNvPr id="0" name=""/>
-        <dsp:cNvSpPr/>
-      </dsp:nvSpPr>
-      <dsp:spPr>
-        <a:xfrm>
-          <a:off x="3655814" y="11974"/>
-          <a:ext cx="3203971" cy="720000"/>
-        </a:xfrm>
-        <a:prstGeom prst="rect">
-          <a:avLst/>
-        </a:prstGeom>
-        <a:solidFill>
-          <a:schemeClr val="accent1">
-            <a:hueOff val="0"/>
-            <a:satOff val="0"/>
-            <a:lumOff val="0"/>
-            <a:alphaOff val="0"/>
-          </a:schemeClr>
-        </a:solidFill>
-        <a:ln w="12700" cap="flat" cmpd="sng" algn="ctr">
-          <a:solidFill>
-            <a:schemeClr val="accent1">
-              <a:hueOff val="0"/>
-              <a:satOff val="0"/>
-              <a:lumOff val="0"/>
-              <a:alphaOff val="0"/>
-            </a:schemeClr>
-          </a:solidFill>
-          <a:prstDash val="solid"/>
-          <a:miter lim="800000"/>
-        </a:ln>
-        <a:effectLst/>
-      </dsp:spPr>
-      <dsp:style>
-        <a:lnRef idx="2">
-          <a:scrgbClr r="0" g="0" b="0"/>
-        </a:lnRef>
-        <a:fillRef idx="1">
-          <a:scrgbClr r="0" g="0" b="0"/>
-        </a:fillRef>
-        <a:effectRef idx="0">
-          <a:scrgbClr r="0" g="0" b="0"/>
-        </a:effectRef>
-        <a:fontRef idx="minor">
-          <a:schemeClr val="lt1"/>
-        </a:fontRef>
-      </dsp:style>
-      <dsp:txBody>
-        <a:bodyPr spcFirstLastPara="0" vert="horz" wrap="square" lIns="199136" tIns="113792" rIns="199136" bIns="113792" numCol="1" spcCol="1270" anchor="ctr" anchorCtr="0">
-          <a:noAutofit/>
-        </a:bodyPr>
-        <a:lstStyle/>
-        <a:p>
-          <a:pPr lvl="0" algn="ctr" defTabSz="1244600">
-            <a:lnSpc>
-              <a:spcPct val="90000"/>
-            </a:lnSpc>
-            <a:spcBef>
-              <a:spcPct val="0"/>
-            </a:spcBef>
-            <a:spcAft>
-              <a:spcPct val="35000"/>
-            </a:spcAft>
-          </a:pPr>
-          <a:r>
-            <a:rPr lang="en-US" sz="2800" kern="1200" dirty="0" smtClean="0"/>
-            <a:t>Development Ease</a:t>
-          </a:r>
-          <a:endParaRPr lang="en-US" sz="2800" kern="1200" dirty="0"/>
-        </a:p>
-      </dsp:txBody>
-      <dsp:txXfrm>
-        <a:off x="3655814" y="11974"/>
-        <a:ext cx="3203971" cy="720000"/>
-      </dsp:txXfrm>
-    </dsp:sp>
-    <dsp:sp modelId="{B28BD30D-E2F3-4FF5-A696-E3247D35A806}">
-      <dsp:nvSpPr>
-        <dsp:cNvPr id="0" name=""/>
-        <dsp:cNvSpPr/>
-      </dsp:nvSpPr>
-      <dsp:spPr>
-        <a:xfrm>
-          <a:off x="3655814" y="731974"/>
-          <a:ext cx="3203971" cy="3649992"/>
-        </a:xfrm>
-        <a:prstGeom prst="rect">
-          <a:avLst/>
-        </a:prstGeom>
-        <a:solidFill>
-          <a:schemeClr val="accent1">
-            <a:alpha val="90000"/>
-            <a:tint val="40000"/>
-            <a:hueOff val="0"/>
-            <a:satOff val="0"/>
-            <a:lumOff val="0"/>
-            <a:alphaOff val="0"/>
-          </a:schemeClr>
-        </a:solidFill>
-        <a:ln w="12700" cap="flat" cmpd="sng" algn="ctr">
-          <a:solidFill>
-            <a:schemeClr val="accent1">
-              <a:alpha val="90000"/>
-              <a:tint val="40000"/>
-              <a:hueOff val="0"/>
-              <a:satOff val="0"/>
-              <a:lumOff val="0"/>
-              <a:alphaOff val="0"/>
-            </a:schemeClr>
-          </a:solidFill>
-          <a:prstDash val="solid"/>
-          <a:miter lim="800000"/>
-        </a:ln>
-        <a:effectLst/>
-      </dsp:spPr>
-      <dsp:style>
-        <a:lnRef idx="2">
-          <a:scrgbClr r="0" g="0" b="0"/>
-        </a:lnRef>
-        <a:fillRef idx="1">
-          <a:scrgbClr r="0" g="0" b="0"/>
-        </a:fillRef>
-        <a:effectRef idx="0">
-          <a:scrgbClr r="0" g="0" b="0"/>
-        </a:effectRef>
-        <a:fontRef idx="minor"/>
-      </dsp:style>
-      <dsp:txBody>
-        <a:bodyPr spcFirstLastPara="0" vert="horz" wrap="square" lIns="133350" tIns="133350" rIns="177800" bIns="200025" numCol="1" spcCol="1270" anchor="t" anchorCtr="0">
-          <a:noAutofit/>
-        </a:bodyPr>
-        <a:lstStyle/>
-        <a:p>
-          <a:pPr marL="228600" lvl="1" indent="-228600" algn="l" defTabSz="1111250">
-            <a:lnSpc>
-              <a:spcPct val="90000"/>
-            </a:lnSpc>
-            <a:spcBef>
-              <a:spcPct val="0"/>
-            </a:spcBef>
-            <a:spcAft>
-              <a:spcPct val="15000"/>
-            </a:spcAft>
-            <a:buChar char="••"/>
-          </a:pPr>
-          <a:r>
-            <a:rPr lang="en-US" sz="2500" u="sng" kern="1200" dirty="0" smtClean="0">
-              <a:solidFill>
-                <a:srgbClr val="C00000"/>
-              </a:solidFill>
-            </a:rPr>
-            <a:t>Few</a:t>
-          </a:r>
-          <a:r>
-            <a:rPr lang="en-US" sz="2500" kern="1200" dirty="0" smtClean="0">
-              <a:solidFill>
-                <a:srgbClr val="C00000"/>
-              </a:solidFill>
-            </a:rPr>
-            <a:t> </a:t>
-          </a:r>
-          <a:r>
-            <a:rPr lang="en-US" sz="2500" kern="1200" dirty="0" smtClean="0">
-              <a:solidFill>
-                <a:schemeClr val="accent1">
-                  <a:lumMod val="50000"/>
-                </a:schemeClr>
-              </a:solidFill>
-            </a:rPr>
-            <a:t>people like XSLT</a:t>
-          </a:r>
-          <a:endParaRPr lang="en-US" sz="2500" kern="1200" dirty="0"/>
-        </a:p>
-        <a:p>
-          <a:pPr marL="228600" lvl="1" indent="-228600" algn="l" defTabSz="1111250">
-            <a:lnSpc>
-              <a:spcPct val="90000"/>
-            </a:lnSpc>
-            <a:spcBef>
-              <a:spcPct val="0"/>
-            </a:spcBef>
-            <a:spcAft>
-              <a:spcPct val="15000"/>
-            </a:spcAft>
-            <a:buChar char="••"/>
-          </a:pPr>
-          <a:r>
-            <a:rPr lang="en-US" sz="2500" kern="1200" dirty="0" smtClean="0">
-              <a:solidFill>
-                <a:schemeClr val="accent1">
-                  <a:lumMod val="50000"/>
-                </a:schemeClr>
-              </a:solidFill>
-            </a:rPr>
-            <a:t>Many people are comfortable with HTML, CSS, and JavaScript</a:t>
-          </a:r>
-          <a:endParaRPr lang="en-US" sz="2500" kern="1200" dirty="0"/>
-        </a:p>
-        <a:p>
-          <a:pPr marL="228600" lvl="1" indent="-228600" algn="l" defTabSz="1111250">
-            <a:lnSpc>
-              <a:spcPct val="90000"/>
-            </a:lnSpc>
-            <a:spcBef>
-              <a:spcPct val="0"/>
-            </a:spcBef>
-            <a:spcAft>
-              <a:spcPct val="15000"/>
-            </a:spcAft>
-            <a:buChar char="••"/>
-          </a:pPr>
-          <a:r>
-            <a:rPr lang="en-US" sz="2500" kern="1200" dirty="0" smtClean="0">
-              <a:solidFill>
-                <a:schemeClr val="accent1">
-                  <a:lumMod val="50000"/>
-                </a:schemeClr>
-              </a:solidFill>
-            </a:rPr>
-            <a:t>Still need a fair amount of SharePoint domain knowledge</a:t>
-          </a:r>
-          <a:endParaRPr lang="en-US" sz="2500" kern="1200" dirty="0"/>
-        </a:p>
-      </dsp:txBody>
-      <dsp:txXfrm>
-        <a:off x="3655814" y="731974"/>
-        <a:ext cx="3203971" cy="3649992"/>
-      </dsp:txXfrm>
-    </dsp:sp>
-    <dsp:sp modelId="{D8D86AD1-464A-483F-AD9E-3E1CFDB2533E}">
-      <dsp:nvSpPr>
-        <dsp:cNvPr id="0" name=""/>
-        <dsp:cNvSpPr/>
-      </dsp:nvSpPr>
-      <dsp:spPr>
-        <a:xfrm>
-          <a:off x="7308342" y="11974"/>
-          <a:ext cx="3203971" cy="720000"/>
-        </a:xfrm>
-        <a:prstGeom prst="rect">
-          <a:avLst/>
-        </a:prstGeom>
-        <a:solidFill>
-          <a:schemeClr val="accent1">
-            <a:hueOff val="0"/>
-            <a:satOff val="0"/>
-            <a:lumOff val="0"/>
-            <a:alphaOff val="0"/>
-          </a:schemeClr>
-        </a:solidFill>
-        <a:ln w="12700" cap="flat" cmpd="sng" algn="ctr">
-          <a:solidFill>
-            <a:schemeClr val="accent1">
-              <a:hueOff val="0"/>
-              <a:satOff val="0"/>
-              <a:lumOff val="0"/>
-              <a:alphaOff val="0"/>
-            </a:schemeClr>
-          </a:solidFill>
-          <a:prstDash val="solid"/>
-          <a:miter lim="800000"/>
-        </a:ln>
-        <a:effectLst/>
-      </dsp:spPr>
-      <dsp:style>
-        <a:lnRef idx="2">
-          <a:scrgbClr r="0" g="0" b="0"/>
-        </a:lnRef>
-        <a:fillRef idx="1">
-          <a:scrgbClr r="0" g="0" b="0"/>
-        </a:fillRef>
-        <a:effectRef idx="0">
-          <a:scrgbClr r="0" g="0" b="0"/>
-        </a:effectRef>
-        <a:fontRef idx="minor">
-          <a:schemeClr val="lt1"/>
-        </a:fontRef>
-      </dsp:style>
-      <dsp:txBody>
-        <a:bodyPr spcFirstLastPara="0" vert="horz" wrap="square" lIns="199136" tIns="113792" rIns="199136" bIns="113792" numCol="1" spcCol="1270" anchor="ctr" anchorCtr="0">
-          <a:noAutofit/>
-        </a:bodyPr>
-        <a:lstStyle/>
-        <a:p>
-          <a:pPr lvl="0" algn="ctr" defTabSz="1244600">
-            <a:lnSpc>
-              <a:spcPct val="90000"/>
-            </a:lnSpc>
-            <a:spcBef>
-              <a:spcPct val="0"/>
-            </a:spcBef>
-            <a:spcAft>
-              <a:spcPct val="35000"/>
-            </a:spcAft>
-          </a:pPr>
-          <a:r>
-            <a:rPr lang="en-US" sz="2800" kern="1200" dirty="0" smtClean="0"/>
-            <a:t>Flexibility</a:t>
-          </a:r>
-          <a:endParaRPr lang="en-US" sz="2800" kern="1200" dirty="0"/>
-        </a:p>
-      </dsp:txBody>
-      <dsp:txXfrm>
-        <a:off x="7308342" y="11974"/>
-        <a:ext cx="3203971" cy="720000"/>
-      </dsp:txXfrm>
-    </dsp:sp>
-    <dsp:sp modelId="{58F2E6ED-E6DC-425C-B1BA-1FE5C93D3CD8}">
-      <dsp:nvSpPr>
-        <dsp:cNvPr id="0" name=""/>
-        <dsp:cNvSpPr/>
-      </dsp:nvSpPr>
-      <dsp:spPr>
-        <a:xfrm>
-          <a:off x="7308342" y="731974"/>
-          <a:ext cx="3203971" cy="3649992"/>
-        </a:xfrm>
-        <a:prstGeom prst="rect">
-          <a:avLst/>
-        </a:prstGeom>
-        <a:solidFill>
-          <a:schemeClr val="accent1">
-            <a:alpha val="90000"/>
-            <a:tint val="40000"/>
-            <a:hueOff val="0"/>
-            <a:satOff val="0"/>
-            <a:lumOff val="0"/>
-            <a:alphaOff val="0"/>
-          </a:schemeClr>
-        </a:solidFill>
-        <a:ln w="12700" cap="flat" cmpd="sng" algn="ctr">
-          <a:solidFill>
-            <a:schemeClr val="accent1">
-              <a:alpha val="90000"/>
-              <a:tint val="40000"/>
-              <a:hueOff val="0"/>
-              <a:satOff val="0"/>
-              <a:lumOff val="0"/>
-              <a:alphaOff val="0"/>
-            </a:schemeClr>
-          </a:solidFill>
-          <a:prstDash val="solid"/>
-          <a:miter lim="800000"/>
-        </a:ln>
-        <a:effectLst/>
-      </dsp:spPr>
-      <dsp:style>
-        <a:lnRef idx="2">
-          <a:scrgbClr r="0" g="0" b="0"/>
-        </a:lnRef>
-        <a:fillRef idx="1">
-          <a:scrgbClr r="0" g="0" b="0"/>
-        </a:fillRef>
-        <a:effectRef idx="0">
-          <a:scrgbClr r="0" g="0" b="0"/>
-        </a:effectRef>
-        <a:fontRef idx="minor"/>
-      </dsp:style>
-      <dsp:txBody>
-        <a:bodyPr spcFirstLastPara="0" vert="horz" wrap="square" lIns="133350" tIns="133350" rIns="177800" bIns="200025" numCol="1" spcCol="1270" anchor="t" anchorCtr="0">
-          <a:noAutofit/>
-        </a:bodyPr>
-        <a:lstStyle/>
-        <a:p>
-          <a:pPr marL="228600" lvl="1" indent="-228600" algn="l" defTabSz="1111250">
-            <a:lnSpc>
-              <a:spcPct val="90000"/>
-            </a:lnSpc>
-            <a:spcBef>
-              <a:spcPct val="0"/>
-            </a:spcBef>
-            <a:spcAft>
-              <a:spcPct val="15000"/>
-            </a:spcAft>
-            <a:buChar char="••"/>
-          </a:pPr>
-          <a:r>
-            <a:rPr lang="en-US" sz="2500" kern="1200" dirty="0" smtClean="0">
-              <a:solidFill>
-                <a:schemeClr val="accent1">
-                  <a:lumMod val="50000"/>
-                </a:schemeClr>
-              </a:solidFill>
-            </a:rPr>
-            <a:t>Only override parts of the view</a:t>
-          </a:r>
-          <a:endParaRPr lang="en-US" sz="2500" kern="1200" dirty="0">
-            <a:solidFill>
-              <a:schemeClr val="accent1">
-                <a:lumMod val="50000"/>
-              </a:schemeClr>
-            </a:solidFill>
-          </a:endParaRPr>
-        </a:p>
-        <a:p>
-          <a:pPr marL="228600" lvl="1" indent="-228600" algn="l" defTabSz="1111250">
-            <a:lnSpc>
-              <a:spcPct val="90000"/>
-            </a:lnSpc>
-            <a:spcBef>
-              <a:spcPct val="0"/>
-            </a:spcBef>
-            <a:spcAft>
-              <a:spcPct val="15000"/>
-            </a:spcAft>
-            <a:buChar char="••"/>
-          </a:pPr>
-          <a:r>
-            <a:rPr lang="en-US" sz="2500" kern="1200" dirty="0" smtClean="0">
-              <a:solidFill>
-                <a:schemeClr val="accent1">
-                  <a:lumMod val="50000"/>
-                </a:schemeClr>
-              </a:solidFill>
-            </a:rPr>
-            <a:t>For instance, let SharePoint render most of the form, you just override methods for a single field</a:t>
-          </a:r>
-          <a:endParaRPr lang="en-US" sz="2500" kern="1200" dirty="0">
-            <a:solidFill>
-              <a:schemeClr val="accent1">
-                <a:lumMod val="50000"/>
-              </a:schemeClr>
-            </a:solidFill>
-          </a:endParaRPr>
-        </a:p>
-      </dsp:txBody>
-      <dsp:txXfrm>
-        <a:off x="7308342" y="731974"/>
-        <a:ext cx="3203971" cy="3649992"/>
-      </dsp:txXfrm>
-    </dsp:sp>
   </dsp:spTree>
 </dsp:drawing>
 </file>
@@ -15504,409 +14263,6 @@
       <dsp:cNvGrpSpPr/>
     </dsp:nvGrpSpPr>
     <dsp:grpSpPr/>
-    <dsp:sp modelId="{6122BFC6-8898-4FB6-9D28-7D1A27EE5967}">
-      <dsp:nvSpPr>
-        <dsp:cNvPr id="0" name=""/>
-        <dsp:cNvSpPr/>
-      </dsp:nvSpPr>
-      <dsp:spPr>
-        <a:xfrm>
-          <a:off x="51" y="187175"/>
-          <a:ext cx="4913783" cy="662400"/>
-        </a:xfrm>
-        <a:prstGeom prst="rect">
-          <a:avLst/>
-        </a:prstGeom>
-        <a:solidFill>
-          <a:srgbClr val="FC4122"/>
-        </a:solidFill>
-        <a:ln w="12700" cap="flat" cmpd="sng" algn="ctr">
-          <a:solidFill>
-            <a:schemeClr val="accent1">
-              <a:hueOff val="0"/>
-              <a:satOff val="0"/>
-              <a:lumOff val="0"/>
-              <a:alphaOff val="0"/>
-            </a:schemeClr>
-          </a:solidFill>
-          <a:prstDash val="solid"/>
-          <a:miter lim="800000"/>
-        </a:ln>
-        <a:effectLst/>
-      </dsp:spPr>
-      <dsp:style>
-        <a:lnRef idx="2">
-          <a:scrgbClr r="0" g="0" b="0"/>
-        </a:lnRef>
-        <a:fillRef idx="1">
-          <a:scrgbClr r="0" g="0" b="0"/>
-        </a:fillRef>
-        <a:effectRef idx="0">
-          <a:scrgbClr r="0" g="0" b="0"/>
-        </a:effectRef>
-        <a:fontRef idx="minor">
-          <a:schemeClr val="lt1"/>
-        </a:fontRef>
-      </dsp:style>
-      <dsp:txBody>
-        <a:bodyPr spcFirstLastPara="0" vert="horz" wrap="square" lIns="163576" tIns="93472" rIns="163576" bIns="93472" numCol="1" spcCol="1270" anchor="ctr" anchorCtr="0">
-          <a:noAutofit/>
-        </a:bodyPr>
-        <a:lstStyle/>
-        <a:p>
-          <a:pPr lvl="0" algn="ctr" defTabSz="1022350" rtl="0">
-            <a:lnSpc>
-              <a:spcPct val="90000"/>
-            </a:lnSpc>
-            <a:spcBef>
-              <a:spcPct val="0"/>
-            </a:spcBef>
-            <a:spcAft>
-              <a:spcPct val="35000"/>
-            </a:spcAft>
-          </a:pPr>
-          <a:r>
-            <a:rPr lang="en-US" sz="2300" kern="1200" dirty="0" smtClean="0"/>
-            <a:t>Performance…Um, </a:t>
-          </a:r>
-          <a:r>
-            <a:rPr lang="en-US" sz="2300" b="1" kern="1200" dirty="0" smtClean="0"/>
-            <a:t>Déjà vu</a:t>
-          </a:r>
-          <a:endParaRPr lang="en-US" sz="2300" kern="1200" dirty="0"/>
-        </a:p>
-      </dsp:txBody>
-      <dsp:txXfrm>
-        <a:off x="51" y="187175"/>
-        <a:ext cx="4913783" cy="662400"/>
-      </dsp:txXfrm>
-    </dsp:sp>
-    <dsp:sp modelId="{5F7D2202-552E-4C11-91EE-A172D2396B3A}">
-      <dsp:nvSpPr>
-        <dsp:cNvPr id="0" name=""/>
-        <dsp:cNvSpPr/>
-      </dsp:nvSpPr>
-      <dsp:spPr>
-        <a:xfrm>
-          <a:off x="51" y="849575"/>
-          <a:ext cx="4913783" cy="3314587"/>
-        </a:xfrm>
-        <a:prstGeom prst="rect">
-          <a:avLst/>
-        </a:prstGeom>
-        <a:solidFill>
-          <a:schemeClr val="accent2">
-            <a:lumMod val="20000"/>
-            <a:lumOff val="80000"/>
-            <a:alpha val="90000"/>
-          </a:schemeClr>
-        </a:solidFill>
-        <a:ln w="12700" cap="flat" cmpd="sng" algn="ctr">
-          <a:solidFill>
-            <a:schemeClr val="accent1">
-              <a:alpha val="90000"/>
-              <a:tint val="40000"/>
-              <a:hueOff val="0"/>
-              <a:satOff val="0"/>
-              <a:lumOff val="0"/>
-              <a:alphaOff val="0"/>
-            </a:schemeClr>
-          </a:solidFill>
-          <a:prstDash val="solid"/>
-          <a:miter lim="800000"/>
-        </a:ln>
-        <a:effectLst/>
-      </dsp:spPr>
-      <dsp:style>
-        <a:lnRef idx="2">
-          <a:scrgbClr r="0" g="0" b="0"/>
-        </a:lnRef>
-        <a:fillRef idx="1">
-          <a:scrgbClr r="0" g="0" b="0"/>
-        </a:fillRef>
-        <a:effectRef idx="0">
-          <a:scrgbClr r="0" g="0" b="0"/>
-        </a:effectRef>
-        <a:fontRef idx="minor"/>
-      </dsp:style>
-      <dsp:txBody>
-        <a:bodyPr spcFirstLastPara="0" vert="horz" wrap="square" lIns="122682" tIns="122682" rIns="163576" bIns="184023" numCol="1" spcCol="1270" anchor="t" anchorCtr="0">
-          <a:noAutofit/>
-        </a:bodyPr>
-        <a:lstStyle/>
-        <a:p>
-          <a:pPr marL="228600" lvl="1" indent="-228600" algn="l" defTabSz="1022350" rtl="0">
-            <a:lnSpc>
-              <a:spcPct val="90000"/>
-            </a:lnSpc>
-            <a:spcBef>
-              <a:spcPct val="0"/>
-            </a:spcBef>
-            <a:spcAft>
-              <a:spcPct val="15000"/>
-            </a:spcAft>
-            <a:buChar char="••"/>
-          </a:pPr>
-          <a:r>
-            <a:rPr lang="en-US" sz="2300" kern="1200" dirty="0" smtClean="0">
-              <a:solidFill>
-                <a:srgbClr val="C00000"/>
-              </a:solidFill>
-            </a:rPr>
-            <a:t>The advantage should really have said Server Performance</a:t>
-          </a:r>
-          <a:endParaRPr lang="en-US" sz="2300" kern="1200" dirty="0">
-            <a:solidFill>
-              <a:srgbClr val="C00000"/>
-            </a:solidFill>
-          </a:endParaRPr>
-        </a:p>
-        <a:p>
-          <a:pPr marL="228600" lvl="1" indent="-228600" algn="l" defTabSz="1022350" rtl="0">
-            <a:lnSpc>
-              <a:spcPct val="90000"/>
-            </a:lnSpc>
-            <a:spcBef>
-              <a:spcPct val="0"/>
-            </a:spcBef>
-            <a:spcAft>
-              <a:spcPct val="15000"/>
-            </a:spcAft>
-            <a:buChar char="••"/>
-          </a:pPr>
-          <a:r>
-            <a:rPr lang="en-US" sz="2300" kern="1200" dirty="0" smtClean="0">
-              <a:solidFill>
-                <a:srgbClr val="C00000"/>
-              </a:solidFill>
-            </a:rPr>
-            <a:t>If the Browser sucks, or the client machine sucks, or the JavaScript code sucks, the performance is still going to suck from the user perspective</a:t>
-          </a:r>
-          <a:endParaRPr lang="en-US" sz="2300" kern="1200" dirty="0">
-            <a:solidFill>
-              <a:srgbClr val="C00000"/>
-            </a:solidFill>
-          </a:endParaRPr>
-        </a:p>
-      </dsp:txBody>
-      <dsp:txXfrm>
-        <a:off x="51" y="849575"/>
-        <a:ext cx="4913783" cy="3314587"/>
-      </dsp:txXfrm>
-    </dsp:sp>
-    <dsp:sp modelId="{3E528095-D6FB-47F2-9CEE-C6E223F2970B}">
-      <dsp:nvSpPr>
-        <dsp:cNvPr id="0" name=""/>
-        <dsp:cNvSpPr/>
-      </dsp:nvSpPr>
-      <dsp:spPr>
-        <a:xfrm>
-          <a:off x="5601764" y="187175"/>
-          <a:ext cx="4913783" cy="662400"/>
-        </a:xfrm>
-        <a:prstGeom prst="rect">
-          <a:avLst/>
-        </a:prstGeom>
-        <a:solidFill>
-          <a:srgbClr val="FC4122"/>
-        </a:solidFill>
-        <a:ln w="12700" cap="flat" cmpd="sng" algn="ctr">
-          <a:solidFill>
-            <a:schemeClr val="accent1">
-              <a:hueOff val="0"/>
-              <a:satOff val="0"/>
-              <a:lumOff val="0"/>
-              <a:alphaOff val="0"/>
-            </a:schemeClr>
-          </a:solidFill>
-          <a:prstDash val="solid"/>
-          <a:miter lim="800000"/>
-        </a:ln>
-        <a:effectLst/>
-      </dsp:spPr>
-      <dsp:style>
-        <a:lnRef idx="2">
-          <a:scrgbClr r="0" g="0" b="0"/>
-        </a:lnRef>
-        <a:fillRef idx="1">
-          <a:scrgbClr r="0" g="0" b="0"/>
-        </a:fillRef>
-        <a:effectRef idx="0">
-          <a:scrgbClr r="0" g="0" b="0"/>
-        </a:effectRef>
-        <a:fontRef idx="minor">
-          <a:schemeClr val="lt1"/>
-        </a:fontRef>
-      </dsp:style>
-      <dsp:txBody>
-        <a:bodyPr spcFirstLastPara="0" vert="horz" wrap="square" lIns="163576" tIns="93472" rIns="163576" bIns="93472" numCol="1" spcCol="1270" anchor="ctr" anchorCtr="0">
-          <a:noAutofit/>
-        </a:bodyPr>
-        <a:lstStyle/>
-        <a:p>
-          <a:pPr lvl="0" algn="ctr" defTabSz="1022350" rtl="0">
-            <a:lnSpc>
-              <a:spcPct val="90000"/>
-            </a:lnSpc>
-            <a:spcBef>
-              <a:spcPct val="0"/>
-            </a:spcBef>
-            <a:spcAft>
-              <a:spcPct val="35000"/>
-            </a:spcAft>
-          </a:pPr>
-          <a:r>
-            <a:rPr lang="en-US" sz="2300" kern="1200" dirty="0" smtClean="0"/>
-            <a:t>Browser Compatibility</a:t>
-          </a:r>
-          <a:endParaRPr lang="en-US" sz="2300" kern="1200" dirty="0"/>
-        </a:p>
-      </dsp:txBody>
-      <dsp:txXfrm>
-        <a:off x="5601764" y="187175"/>
-        <a:ext cx="4913783" cy="662400"/>
-      </dsp:txXfrm>
-    </dsp:sp>
-    <dsp:sp modelId="{6F9C3162-7DC6-4882-AC1D-31A4BD0A3D54}">
-      <dsp:nvSpPr>
-        <dsp:cNvPr id="0" name=""/>
-        <dsp:cNvSpPr/>
-      </dsp:nvSpPr>
-      <dsp:spPr>
-        <a:xfrm>
-          <a:off x="5601764" y="849575"/>
-          <a:ext cx="4913783" cy="3314587"/>
-        </a:xfrm>
-        <a:prstGeom prst="rect">
-          <a:avLst/>
-        </a:prstGeom>
-        <a:solidFill>
-          <a:schemeClr val="accent2">
-            <a:lumMod val="20000"/>
-            <a:lumOff val="80000"/>
-            <a:alpha val="90000"/>
-          </a:schemeClr>
-        </a:solidFill>
-        <a:ln w="12700" cap="flat" cmpd="sng" algn="ctr">
-          <a:solidFill>
-            <a:schemeClr val="accent1">
-              <a:alpha val="90000"/>
-              <a:tint val="40000"/>
-              <a:hueOff val="0"/>
-              <a:satOff val="0"/>
-              <a:lumOff val="0"/>
-              <a:alphaOff val="0"/>
-            </a:schemeClr>
-          </a:solidFill>
-          <a:prstDash val="solid"/>
-          <a:miter lim="800000"/>
-        </a:ln>
-        <a:effectLst/>
-      </dsp:spPr>
-      <dsp:style>
-        <a:lnRef idx="2">
-          <a:scrgbClr r="0" g="0" b="0"/>
-        </a:lnRef>
-        <a:fillRef idx="1">
-          <a:scrgbClr r="0" g="0" b="0"/>
-        </a:fillRef>
-        <a:effectRef idx="0">
-          <a:scrgbClr r="0" g="0" b="0"/>
-        </a:effectRef>
-        <a:fontRef idx="minor"/>
-      </dsp:style>
-      <dsp:txBody>
-        <a:bodyPr spcFirstLastPara="0" vert="horz" wrap="square" lIns="122682" tIns="122682" rIns="163576" bIns="184023" numCol="1" spcCol="1270" anchor="t" anchorCtr="0">
-          <a:noAutofit/>
-        </a:bodyPr>
-        <a:lstStyle/>
-        <a:p>
-          <a:pPr marL="228600" lvl="1" indent="-228600" algn="l" defTabSz="1022350" rtl="0">
-            <a:lnSpc>
-              <a:spcPct val="90000"/>
-            </a:lnSpc>
-            <a:spcBef>
-              <a:spcPct val="0"/>
-            </a:spcBef>
-            <a:spcAft>
-              <a:spcPct val="15000"/>
-            </a:spcAft>
-            <a:buChar char="••"/>
-          </a:pPr>
-          <a:r>
-            <a:rPr lang="en-US" sz="2300" kern="1200" dirty="0" smtClean="0">
-              <a:solidFill>
-                <a:srgbClr val="C00000"/>
-              </a:solidFill>
-            </a:rPr>
-            <a:t>If you’re in a closed environment where all users only have access to a single version of a single browser … Congratulations!</a:t>
-          </a:r>
-          <a:endParaRPr lang="en-US" sz="2300" kern="1200" dirty="0">
-            <a:solidFill>
-              <a:srgbClr val="C00000"/>
-            </a:solidFill>
-          </a:endParaRPr>
-        </a:p>
-        <a:p>
-          <a:pPr marL="228600" lvl="1" indent="-228600" algn="l" defTabSz="1022350" rtl="0">
-            <a:lnSpc>
-              <a:spcPct val="90000"/>
-            </a:lnSpc>
-            <a:spcBef>
-              <a:spcPct val="0"/>
-            </a:spcBef>
-            <a:spcAft>
-              <a:spcPct val="15000"/>
-            </a:spcAft>
-            <a:buChar char="••"/>
-          </a:pPr>
-          <a:r>
-            <a:rPr lang="en-US" sz="2300" kern="1200" dirty="0" smtClean="0">
-              <a:solidFill>
-                <a:srgbClr val="C00000"/>
-              </a:solidFill>
-            </a:rPr>
-            <a:t>Otherwise, there is a testing burden</a:t>
-          </a:r>
-          <a:endParaRPr lang="en-US" sz="2300" kern="1200" dirty="0">
-            <a:solidFill>
-              <a:srgbClr val="C00000"/>
-            </a:solidFill>
-          </a:endParaRPr>
-        </a:p>
-        <a:p>
-          <a:pPr marL="228600" lvl="1" indent="-228600" algn="l" defTabSz="1022350" rtl="0">
-            <a:lnSpc>
-              <a:spcPct val="90000"/>
-            </a:lnSpc>
-            <a:spcBef>
-              <a:spcPct val="0"/>
-            </a:spcBef>
-            <a:spcAft>
-              <a:spcPct val="15000"/>
-            </a:spcAft>
-            <a:buChar char="••"/>
-          </a:pPr>
-          <a:r>
-            <a:rPr lang="en-US" sz="2300" kern="1200" dirty="0" smtClean="0">
-              <a:solidFill>
-                <a:srgbClr val="C00000"/>
-              </a:solidFill>
-            </a:rPr>
-            <a:t>Third party libraries like jQuery can normalize this some, but go overboard and you can jump back to the second performance bullet</a:t>
-          </a:r>
-          <a:endParaRPr lang="en-US" sz="2300" kern="1200" dirty="0">
-            <a:solidFill>
-              <a:srgbClr val="C00000"/>
-            </a:solidFill>
-          </a:endParaRPr>
-        </a:p>
-      </dsp:txBody>
-      <dsp:txXfrm>
-        <a:off x="5601764" y="849575"/>
-        <a:ext cx="4913783" cy="3314587"/>
-      </dsp:txXfrm>
-    </dsp:sp>
   </dsp:spTree>
 </dsp:drawing>
 </file>
@@ -15919,427 +14275,6 @@
       <dsp:cNvGrpSpPr/>
     </dsp:nvGrpSpPr>
     <dsp:grpSpPr/>
-    <dsp:sp modelId="{49121172-462D-4D7B-B892-B91EF6B7757D}">
-      <dsp:nvSpPr>
-        <dsp:cNvPr id="0" name=""/>
-        <dsp:cNvSpPr/>
-      </dsp:nvSpPr>
-      <dsp:spPr>
-        <a:xfrm>
-          <a:off x="0" y="1992"/>
-          <a:ext cx="10515600" cy="1419154"/>
-        </a:xfrm>
-        <a:prstGeom prst="roundRect">
-          <a:avLst/>
-        </a:prstGeom>
-        <a:solidFill>
-          <a:srgbClr val="2E74B4"/>
-        </a:solidFill>
-        <a:ln w="12700" cap="flat" cmpd="sng" algn="ctr">
-          <a:solidFill>
-            <a:schemeClr val="lt1">
-              <a:hueOff val="0"/>
-              <a:satOff val="0"/>
-              <a:lumOff val="0"/>
-              <a:alphaOff val="0"/>
-            </a:schemeClr>
-          </a:solidFill>
-          <a:prstDash val="solid"/>
-          <a:miter lim="800000"/>
-        </a:ln>
-        <a:effectLst/>
-      </dsp:spPr>
-      <dsp:style>
-        <a:lnRef idx="2">
-          <a:scrgbClr r="0" g="0" b="0"/>
-        </a:lnRef>
-        <a:fillRef idx="1">
-          <a:scrgbClr r="0" g="0" b="0"/>
-        </a:fillRef>
-        <a:effectRef idx="0">
-          <a:scrgbClr r="0" g="0" b="0"/>
-        </a:effectRef>
-        <a:fontRef idx="minor">
-          <a:schemeClr val="lt1"/>
-        </a:fontRef>
-      </dsp:style>
-      <dsp:txBody>
-        <a:bodyPr spcFirstLastPara="0" vert="horz" wrap="square" lIns="121920" tIns="121920" rIns="121920" bIns="121920" numCol="1" spcCol="1270" anchor="ctr" anchorCtr="0">
-          <a:noAutofit/>
-        </a:bodyPr>
-        <a:lstStyle/>
-        <a:p>
-          <a:pPr lvl="0" algn="l" defTabSz="1422400" rtl="0">
-            <a:lnSpc>
-              <a:spcPct val="90000"/>
-            </a:lnSpc>
-            <a:spcBef>
-              <a:spcPct val="0"/>
-            </a:spcBef>
-            <a:spcAft>
-              <a:spcPct val="35000"/>
-            </a:spcAft>
-          </a:pPr>
-          <a:r>
-            <a:rPr lang="en-US" sz="3200" kern="1200" dirty="0" smtClean="0"/>
-            <a:t>A mechanism to inject JavaScript into various pages</a:t>
-          </a:r>
-          <a:endParaRPr lang="en-US" sz="3200" kern="1200" dirty="0"/>
-        </a:p>
-      </dsp:txBody>
-      <dsp:txXfrm>
-        <a:off x="69277" y="71269"/>
-        <a:ext cx="10377046" cy="1280600"/>
-      </dsp:txXfrm>
-    </dsp:sp>
-    <dsp:sp modelId="{D72AC7AB-600E-41F0-A1F1-04EC62A14A47}">
-      <dsp:nvSpPr>
-        <dsp:cNvPr id="0" name=""/>
-        <dsp:cNvSpPr/>
-      </dsp:nvSpPr>
-      <dsp:spPr>
-        <a:xfrm>
-          <a:off x="0" y="1533594"/>
-          <a:ext cx="10515600" cy="1419154"/>
-        </a:xfrm>
-        <a:prstGeom prst="roundRect">
-          <a:avLst/>
-        </a:prstGeom>
-        <a:solidFill>
-          <a:srgbClr val="BB5611"/>
-        </a:solidFill>
-        <a:ln w="12700" cap="flat" cmpd="sng" algn="ctr">
-          <a:solidFill>
-            <a:schemeClr val="lt1">
-              <a:hueOff val="0"/>
-              <a:satOff val="0"/>
-              <a:lumOff val="0"/>
-              <a:alphaOff val="0"/>
-            </a:schemeClr>
-          </a:solidFill>
-          <a:prstDash val="solid"/>
-          <a:miter lim="800000"/>
-        </a:ln>
-        <a:effectLst/>
-      </dsp:spPr>
-      <dsp:style>
-        <a:lnRef idx="2">
-          <a:scrgbClr r="0" g="0" b="0"/>
-        </a:lnRef>
-        <a:fillRef idx="1">
-          <a:scrgbClr r="0" g="0" b="0"/>
-        </a:fillRef>
-        <a:effectRef idx="0">
-          <a:scrgbClr r="0" g="0" b="0"/>
-        </a:effectRef>
-        <a:fontRef idx="minor">
-          <a:schemeClr val="lt1"/>
-        </a:fontRef>
-      </dsp:style>
-      <dsp:txBody>
-        <a:bodyPr spcFirstLastPara="0" vert="horz" wrap="square" lIns="121920" tIns="121920" rIns="121920" bIns="121920" numCol="1" spcCol="1270" anchor="ctr" anchorCtr="0">
-          <a:noAutofit/>
-        </a:bodyPr>
-        <a:lstStyle/>
-        <a:p>
-          <a:pPr lvl="0" algn="l" defTabSz="1422400" rtl="0">
-            <a:lnSpc>
-              <a:spcPct val="90000"/>
-            </a:lnSpc>
-            <a:spcBef>
-              <a:spcPct val="0"/>
-            </a:spcBef>
-            <a:spcAft>
-              <a:spcPct val="35000"/>
-            </a:spcAft>
-          </a:pPr>
-          <a:r>
-            <a:rPr lang="en-US" sz="3200" kern="1200" dirty="0" smtClean="0"/>
-            <a:t>A property that can be set on various SharePoint objects</a:t>
-          </a:r>
-        </a:p>
-        <a:p>
-          <a:pPr lvl="0" algn="l" defTabSz="1422400" rtl="0">
-            <a:lnSpc>
-              <a:spcPct val="90000"/>
-            </a:lnSpc>
-            <a:spcBef>
-              <a:spcPct val="0"/>
-            </a:spcBef>
-            <a:spcAft>
-              <a:spcPct val="35000"/>
-            </a:spcAft>
-          </a:pPr>
-          <a:r>
-            <a:rPr lang="en-US" sz="500" kern="1200" dirty="0" smtClean="0"/>
-            <a:t>      </a:t>
-          </a:r>
-          <a:r>
-            <a:rPr lang="en-US" sz="2000" kern="1200" dirty="0" smtClean="0"/>
-            <a:t>- Form, Field, Content Type, View, List View Web Part </a:t>
-          </a:r>
-          <a:r>
-            <a:rPr lang="en-US" sz="2000" kern="1200" smtClean="0"/>
-            <a:t>(</a:t>
-          </a:r>
-          <a:r>
-            <a:rPr lang="en-US" sz="2000" kern="1200" smtClean="0"/>
-            <a:t>XLSTListViewWebPart)</a:t>
-          </a:r>
-          <a:endParaRPr lang="en-US" sz="500" kern="1200" dirty="0"/>
-        </a:p>
-      </dsp:txBody>
-      <dsp:txXfrm>
-        <a:off x="69277" y="1602871"/>
-        <a:ext cx="10377046" cy="1280600"/>
-      </dsp:txXfrm>
-    </dsp:sp>
-    <dsp:sp modelId="{9F78F9A8-91DB-4B53-9C97-66189ADC155B}">
-      <dsp:nvSpPr>
-        <dsp:cNvPr id="0" name=""/>
-        <dsp:cNvSpPr/>
-      </dsp:nvSpPr>
-      <dsp:spPr>
-        <a:xfrm>
-          <a:off x="0" y="2854504"/>
-          <a:ext cx="10515600" cy="81667"/>
-        </a:xfrm>
-        <a:prstGeom prst="rect">
-          <a:avLst/>
-        </a:prstGeom>
-        <a:noFill/>
-        <a:ln>
-          <a:noFill/>
-        </a:ln>
-        <a:effectLst/>
-      </dsp:spPr>
-      <dsp:style>
-        <a:lnRef idx="0">
-          <a:scrgbClr r="0" g="0" b="0"/>
-        </a:lnRef>
-        <a:fillRef idx="0">
-          <a:scrgbClr r="0" g="0" b="0"/>
-        </a:fillRef>
-        <a:effectRef idx="0">
-          <a:scrgbClr r="0" g="0" b="0"/>
-        </a:effectRef>
-        <a:fontRef idx="minor"/>
-      </dsp:style>
-      <dsp:txBody>
-        <a:bodyPr spcFirstLastPara="0" vert="horz" wrap="square" lIns="333870" tIns="6350" rIns="35560" bIns="6350" numCol="1" spcCol="1270" anchor="t" anchorCtr="0">
-          <a:noAutofit/>
-        </a:bodyPr>
-        <a:lstStyle/>
-        <a:p>
-          <a:pPr marL="57150" lvl="1" indent="-57150" algn="l" defTabSz="177800" rtl="0">
-            <a:lnSpc>
-              <a:spcPct val="90000"/>
-            </a:lnSpc>
-            <a:spcBef>
-              <a:spcPct val="0"/>
-            </a:spcBef>
-            <a:spcAft>
-              <a:spcPct val="20000"/>
-            </a:spcAft>
-            <a:buChar char="••"/>
-          </a:pPr>
-          <a:endParaRPr lang="en-US" sz="400" kern="1200" dirty="0"/>
-        </a:p>
-      </dsp:txBody>
-      <dsp:txXfrm>
-        <a:off x="0" y="2854504"/>
-        <a:ext cx="10515600" cy="81667"/>
-      </dsp:txXfrm>
-    </dsp:sp>
-    <dsp:sp modelId="{1A186D14-F1CB-4CF9-8AD8-6C09CA5E9B12}">
-      <dsp:nvSpPr>
-        <dsp:cNvPr id="0" name=""/>
-        <dsp:cNvSpPr/>
-      </dsp:nvSpPr>
-      <dsp:spPr>
-        <a:xfrm>
-          <a:off x="0" y="3019833"/>
-          <a:ext cx="10515600" cy="1419154"/>
-        </a:xfrm>
-        <a:prstGeom prst="roundRect">
-          <a:avLst/>
-        </a:prstGeom>
-        <a:solidFill>
-          <a:srgbClr val="4F7B31"/>
-        </a:solidFill>
-        <a:ln w="12700" cap="flat" cmpd="sng" algn="ctr">
-          <a:solidFill>
-            <a:schemeClr val="lt1">
-              <a:hueOff val="0"/>
-              <a:satOff val="0"/>
-              <a:lumOff val="0"/>
-              <a:alphaOff val="0"/>
-            </a:schemeClr>
-          </a:solidFill>
-          <a:prstDash val="solid"/>
-          <a:miter lim="800000"/>
-        </a:ln>
-        <a:effectLst/>
-      </dsp:spPr>
-      <dsp:style>
-        <a:lnRef idx="2">
-          <a:scrgbClr r="0" g="0" b="0"/>
-        </a:lnRef>
-        <a:fillRef idx="1">
-          <a:scrgbClr r="0" g="0" b="0"/>
-        </a:fillRef>
-        <a:effectRef idx="0">
-          <a:scrgbClr r="0" g="0" b="0"/>
-        </a:effectRef>
-        <a:fontRef idx="minor">
-          <a:schemeClr val="lt1"/>
-        </a:fontRef>
-      </dsp:style>
-      <dsp:txBody>
-        <a:bodyPr spcFirstLastPara="0" vert="horz" wrap="square" lIns="121920" tIns="121920" rIns="121920" bIns="121920" numCol="1" spcCol="1270" anchor="ctr" anchorCtr="0">
-          <a:noAutofit/>
-        </a:bodyPr>
-        <a:lstStyle/>
-        <a:p>
-          <a:pPr lvl="0" algn="l" defTabSz="1422400" rtl="0">
-            <a:lnSpc>
-              <a:spcPct val="90000"/>
-            </a:lnSpc>
-            <a:spcBef>
-              <a:spcPct val="0"/>
-            </a:spcBef>
-            <a:spcAft>
-              <a:spcPts val="600"/>
-            </a:spcAft>
-          </a:pPr>
-          <a:r>
-            <a:rPr lang="en-US" sz="3200" kern="1200" dirty="0" smtClean="0"/>
-            <a:t>CSR depends on a mechanism to inject JavaScript</a:t>
-          </a:r>
-        </a:p>
-        <a:p>
-          <a:pPr lvl="0" algn="l" defTabSz="1422400" rtl="0">
-            <a:lnSpc>
-              <a:spcPct val="90000"/>
-            </a:lnSpc>
-            <a:spcBef>
-              <a:spcPct val="0"/>
-            </a:spcBef>
-            <a:spcAft>
-              <a:spcPts val="0"/>
-            </a:spcAft>
-          </a:pPr>
-          <a:r>
-            <a:rPr lang="en-US" sz="1800" kern="1200" dirty="0" smtClean="0"/>
-            <a:t>      - It does </a:t>
-          </a:r>
-          <a:r>
-            <a:rPr lang="en-US" sz="1800" b="1" u="sng" kern="1200" dirty="0" smtClean="0"/>
-            <a:t>NOT</a:t>
-          </a:r>
-          <a:r>
-            <a:rPr lang="en-US" sz="1800" kern="1200" dirty="0" smtClean="0"/>
-            <a:t> depend on JSLink</a:t>
-          </a:r>
-        </a:p>
-        <a:p>
-          <a:pPr lvl="0" algn="l" defTabSz="1422400" rtl="0">
-            <a:lnSpc>
-              <a:spcPct val="90000"/>
-            </a:lnSpc>
-            <a:spcBef>
-              <a:spcPct val="0"/>
-            </a:spcBef>
-            <a:spcAft>
-              <a:spcPts val="0"/>
-            </a:spcAft>
-          </a:pPr>
-          <a:r>
-            <a:rPr lang="en-US" sz="1800" kern="1200" dirty="0" smtClean="0"/>
-            <a:t>      - There are other alternatives</a:t>
-          </a:r>
-        </a:p>
-        <a:p>
-          <a:pPr lvl="0" algn="l" defTabSz="1422400" rtl="0">
-            <a:lnSpc>
-              <a:spcPct val="90000"/>
-            </a:lnSpc>
-            <a:spcBef>
-              <a:spcPct val="0"/>
-            </a:spcBef>
-            <a:spcAft>
-              <a:spcPts val="0"/>
-            </a:spcAft>
-          </a:pPr>
-          <a:r>
-            <a:rPr lang="en-US" sz="1800" kern="1200" dirty="0" smtClean="0"/>
-            <a:t>      - In some cases, JSLink works quite well with CSR, in others it does not play well with CSR at all</a:t>
-          </a:r>
-          <a:endParaRPr lang="en-US" sz="1800" kern="1200" dirty="0"/>
-        </a:p>
-      </dsp:txBody>
-      <dsp:txXfrm>
-        <a:off x="69277" y="3089110"/>
-        <a:ext cx="10377046" cy="1280600"/>
-      </dsp:txXfrm>
-    </dsp:sp>
-    <dsp:sp modelId="{728BF77C-9C68-40F1-BB96-F8B36C52BBC6}">
-      <dsp:nvSpPr>
-        <dsp:cNvPr id="0" name=""/>
-        <dsp:cNvSpPr/>
-      </dsp:nvSpPr>
-      <dsp:spPr>
-        <a:xfrm>
-          <a:off x="0" y="4355327"/>
-          <a:ext cx="10515600" cy="81667"/>
-        </a:xfrm>
-        <a:prstGeom prst="rect">
-          <a:avLst/>
-        </a:prstGeom>
-        <a:noFill/>
-        <a:ln>
-          <a:noFill/>
-        </a:ln>
-        <a:effectLst/>
-      </dsp:spPr>
-      <dsp:style>
-        <a:lnRef idx="0">
-          <a:scrgbClr r="0" g="0" b="0"/>
-        </a:lnRef>
-        <a:fillRef idx="0">
-          <a:scrgbClr r="0" g="0" b="0"/>
-        </a:fillRef>
-        <a:effectRef idx="0">
-          <a:scrgbClr r="0" g="0" b="0"/>
-        </a:effectRef>
-        <a:fontRef idx="minor"/>
-      </dsp:style>
-      <dsp:txBody>
-        <a:bodyPr spcFirstLastPara="0" vert="horz" wrap="square" lIns="333870" tIns="6350" rIns="35560" bIns="6350" numCol="1" spcCol="1270" anchor="t" anchorCtr="0">
-          <a:noAutofit/>
-        </a:bodyPr>
-        <a:lstStyle/>
-        <a:p>
-          <a:pPr marL="57150" lvl="1" indent="-57150" algn="l" defTabSz="177800" rtl="0">
-            <a:lnSpc>
-              <a:spcPct val="90000"/>
-            </a:lnSpc>
-            <a:spcBef>
-              <a:spcPct val="0"/>
-            </a:spcBef>
-            <a:spcAft>
-              <a:spcPct val="20000"/>
-            </a:spcAft>
-            <a:buChar char="••"/>
-          </a:pPr>
-          <a:endParaRPr lang="en-US" sz="400" kern="1200" dirty="0"/>
-        </a:p>
-      </dsp:txBody>
-      <dsp:txXfrm>
-        <a:off x="0" y="4355327"/>
-        <a:ext cx="10515600" cy="81667"/>
-      </dsp:txXfrm>
-    </dsp:sp>
   </dsp:spTree>
 </dsp:drawing>
 </file>
@@ -16352,451 +14287,6 @@
       <dsp:cNvGrpSpPr/>
     </dsp:nvGrpSpPr>
     <dsp:grpSpPr/>
-    <dsp:sp modelId="{86E951B6-D534-4B05-802B-E193C00494A2}">
-      <dsp:nvSpPr>
-        <dsp:cNvPr id="0" name=""/>
-        <dsp:cNvSpPr/>
-      </dsp:nvSpPr>
-      <dsp:spPr>
-        <a:xfrm>
-          <a:off x="0" y="114464"/>
-          <a:ext cx="3610127" cy="2166076"/>
-        </a:xfrm>
-        <a:prstGeom prst="rect">
-          <a:avLst/>
-        </a:prstGeom>
-        <a:solidFill>
-          <a:schemeClr val="accent1">
-            <a:hueOff val="0"/>
-            <a:satOff val="0"/>
-            <a:lumOff val="0"/>
-            <a:alphaOff val="0"/>
-          </a:schemeClr>
-        </a:solidFill>
-        <a:ln w="12700" cap="flat" cmpd="sng" algn="ctr">
-          <a:solidFill>
-            <a:schemeClr val="lt1">
-              <a:hueOff val="0"/>
-              <a:satOff val="0"/>
-              <a:lumOff val="0"/>
-              <a:alphaOff val="0"/>
-            </a:schemeClr>
-          </a:solidFill>
-          <a:prstDash val="solid"/>
-          <a:miter lim="800000"/>
-        </a:ln>
-        <a:effectLst/>
-      </dsp:spPr>
-      <dsp:style>
-        <a:lnRef idx="2">
-          <a:scrgbClr r="0" g="0" b="0"/>
-        </a:lnRef>
-        <a:fillRef idx="1">
-          <a:scrgbClr r="0" g="0" b="0"/>
-        </a:fillRef>
-        <a:effectRef idx="0">
-          <a:scrgbClr r="0" g="0" b="0"/>
-        </a:effectRef>
-        <a:fontRef idx="minor">
-          <a:schemeClr val="lt1"/>
-        </a:fontRef>
-      </dsp:style>
-      <dsp:txBody>
-        <a:bodyPr spcFirstLastPara="0" vert="horz" wrap="square" lIns="95250" tIns="95250" rIns="95250" bIns="95250" numCol="1" spcCol="1270" anchor="ctr" anchorCtr="0">
-          <a:noAutofit/>
-        </a:bodyPr>
-        <a:lstStyle/>
-        <a:p>
-          <a:pPr lvl="0" algn="ctr" defTabSz="1111250" rtl="0">
-            <a:lnSpc>
-              <a:spcPct val="90000"/>
-            </a:lnSpc>
-            <a:spcBef>
-              <a:spcPct val="0"/>
-            </a:spcBef>
-            <a:spcAft>
-              <a:spcPct val="35000"/>
-            </a:spcAft>
-          </a:pPr>
-          <a:r>
-            <a:rPr lang="en-US" sz="2500" kern="1200" dirty="0" smtClean="0"/>
-            <a:t>Set the JSLink property of a web part</a:t>
-          </a:r>
-          <a:endParaRPr lang="en-US" sz="2500" kern="1200" dirty="0"/>
-        </a:p>
-      </dsp:txBody>
-      <dsp:txXfrm>
-        <a:off x="0" y="114464"/>
-        <a:ext cx="3610127" cy="2166076"/>
-      </dsp:txXfrm>
-    </dsp:sp>
-    <dsp:sp modelId="{B3ED3915-7CE0-4068-9414-DA558B362833}">
-      <dsp:nvSpPr>
-        <dsp:cNvPr id="0" name=""/>
-        <dsp:cNvSpPr/>
-      </dsp:nvSpPr>
-      <dsp:spPr>
-        <a:xfrm>
-          <a:off x="3971139" y="114464"/>
-          <a:ext cx="3610127" cy="2166076"/>
-        </a:xfrm>
-        <a:prstGeom prst="rect">
-          <a:avLst/>
-        </a:prstGeom>
-        <a:solidFill>
-          <a:schemeClr val="accent2"/>
-        </a:solidFill>
-        <a:ln w="12700" cap="flat" cmpd="sng" algn="ctr">
-          <a:solidFill>
-            <a:schemeClr val="lt1">
-              <a:hueOff val="0"/>
-              <a:satOff val="0"/>
-              <a:lumOff val="0"/>
-              <a:alphaOff val="0"/>
-            </a:schemeClr>
-          </a:solidFill>
-          <a:prstDash val="solid"/>
-          <a:miter lim="800000"/>
-        </a:ln>
-        <a:effectLst/>
-      </dsp:spPr>
-      <dsp:style>
-        <a:lnRef idx="2">
-          <a:scrgbClr r="0" g="0" b="0"/>
-        </a:lnRef>
-        <a:fillRef idx="1">
-          <a:scrgbClr r="0" g="0" b="0"/>
-        </a:fillRef>
-        <a:effectRef idx="0">
-          <a:scrgbClr r="0" g="0" b="0"/>
-        </a:effectRef>
-        <a:fontRef idx="minor">
-          <a:schemeClr val="lt1"/>
-        </a:fontRef>
-      </dsp:style>
-      <dsp:txBody>
-        <a:bodyPr spcFirstLastPara="0" vert="horz" wrap="square" lIns="95250" tIns="95250" rIns="95250" bIns="95250" numCol="1" spcCol="1270" anchor="ctr" anchorCtr="0">
-          <a:noAutofit/>
-        </a:bodyPr>
-        <a:lstStyle/>
-        <a:p>
-          <a:pPr lvl="0" algn="ctr" defTabSz="1111250" rtl="0">
-            <a:lnSpc>
-              <a:spcPct val="90000"/>
-            </a:lnSpc>
-            <a:spcBef>
-              <a:spcPct val="0"/>
-            </a:spcBef>
-            <a:spcAft>
-              <a:spcPct val="35000"/>
-            </a:spcAft>
-          </a:pPr>
-          <a:r>
-            <a:rPr lang="en-US" sz="2500" kern="1200" dirty="0" smtClean="0"/>
-            <a:t>Deploy as a sandbox solution and declaratively set the JSLink on a Field or Content Type in the solution</a:t>
-          </a:r>
-          <a:endParaRPr lang="en-US" sz="2500" kern="1200" dirty="0"/>
-        </a:p>
-      </dsp:txBody>
-      <dsp:txXfrm>
-        <a:off x="3971139" y="114464"/>
-        <a:ext cx="3610127" cy="2166076"/>
-      </dsp:txXfrm>
-    </dsp:sp>
-    <dsp:sp modelId="{E2207479-53E0-4F2D-AFE2-CA728A7AAE42}">
-      <dsp:nvSpPr>
-        <dsp:cNvPr id="0" name=""/>
-        <dsp:cNvSpPr/>
-      </dsp:nvSpPr>
-      <dsp:spPr>
-        <a:xfrm>
-          <a:off x="7942279" y="114464"/>
-          <a:ext cx="3610127" cy="2166076"/>
-        </a:xfrm>
-        <a:prstGeom prst="rect">
-          <a:avLst/>
-        </a:prstGeom>
-        <a:solidFill>
-          <a:schemeClr val="accent3">
-            <a:lumMod val="75000"/>
-          </a:schemeClr>
-        </a:solidFill>
-        <a:ln w="12700" cap="flat" cmpd="sng" algn="ctr">
-          <a:solidFill>
-            <a:schemeClr val="lt1">
-              <a:hueOff val="0"/>
-              <a:satOff val="0"/>
-              <a:lumOff val="0"/>
-              <a:alphaOff val="0"/>
-            </a:schemeClr>
-          </a:solidFill>
-          <a:prstDash val="solid"/>
-          <a:miter lim="800000"/>
-        </a:ln>
-        <a:effectLst/>
-      </dsp:spPr>
-      <dsp:style>
-        <a:lnRef idx="2">
-          <a:scrgbClr r="0" g="0" b="0"/>
-        </a:lnRef>
-        <a:fillRef idx="1">
-          <a:scrgbClr r="0" g="0" b="0"/>
-        </a:fillRef>
-        <a:effectRef idx="0">
-          <a:scrgbClr r="0" g="0" b="0"/>
-        </a:effectRef>
-        <a:fontRef idx="minor">
-          <a:schemeClr val="lt1"/>
-        </a:fontRef>
-      </dsp:style>
-      <dsp:txBody>
-        <a:bodyPr spcFirstLastPara="0" vert="horz" wrap="square" lIns="95250" tIns="95250" rIns="95250" bIns="95250" numCol="1" spcCol="1270" anchor="ctr" anchorCtr="0">
-          <a:noAutofit/>
-        </a:bodyPr>
-        <a:lstStyle/>
-        <a:p>
-          <a:pPr lvl="0" algn="ctr" defTabSz="1111250" rtl="0">
-            <a:lnSpc>
-              <a:spcPct val="90000"/>
-            </a:lnSpc>
-            <a:spcBef>
-              <a:spcPct val="0"/>
-            </a:spcBef>
-            <a:spcAft>
-              <a:spcPct val="35000"/>
-            </a:spcAft>
-          </a:pPr>
-          <a:r>
-            <a:rPr lang="en-US" sz="2500" kern="1200" dirty="0" smtClean="0"/>
-            <a:t>Set the JSLink property of a content type programmatically</a:t>
-          </a:r>
-          <a:endParaRPr lang="en-US" sz="2500" kern="1200" dirty="0"/>
-        </a:p>
-      </dsp:txBody>
-      <dsp:txXfrm>
-        <a:off x="7942279" y="114464"/>
-        <a:ext cx="3610127" cy="2166076"/>
-      </dsp:txXfrm>
-    </dsp:sp>
-    <dsp:sp modelId="{B15FE589-013C-4D13-8DD6-34CF1DD754DC}">
-      <dsp:nvSpPr>
-        <dsp:cNvPr id="0" name=""/>
-        <dsp:cNvSpPr/>
-      </dsp:nvSpPr>
-      <dsp:spPr>
-        <a:xfrm>
-          <a:off x="0" y="2641553"/>
-          <a:ext cx="3610127" cy="2166076"/>
-        </a:xfrm>
-        <a:prstGeom prst="rect">
-          <a:avLst/>
-        </a:prstGeom>
-        <a:solidFill>
-          <a:schemeClr val="accent6"/>
-        </a:solidFill>
-        <a:ln w="12700" cap="flat" cmpd="sng" algn="ctr">
-          <a:solidFill>
-            <a:schemeClr val="lt1">
-              <a:hueOff val="0"/>
-              <a:satOff val="0"/>
-              <a:lumOff val="0"/>
-              <a:alphaOff val="0"/>
-            </a:schemeClr>
-          </a:solidFill>
-          <a:prstDash val="solid"/>
-          <a:miter lim="800000"/>
-        </a:ln>
-        <a:effectLst/>
-      </dsp:spPr>
-      <dsp:style>
-        <a:lnRef idx="2">
-          <a:scrgbClr r="0" g="0" b="0"/>
-        </a:lnRef>
-        <a:fillRef idx="1">
-          <a:scrgbClr r="0" g="0" b="0"/>
-        </a:fillRef>
-        <a:effectRef idx="0">
-          <a:scrgbClr r="0" g="0" b="0"/>
-        </a:effectRef>
-        <a:fontRef idx="minor">
-          <a:schemeClr val="lt1"/>
-        </a:fontRef>
-      </dsp:style>
-      <dsp:txBody>
-        <a:bodyPr spcFirstLastPara="0" vert="horz" wrap="square" lIns="95250" tIns="95250" rIns="95250" bIns="95250" numCol="1" spcCol="1270" anchor="ctr" anchorCtr="0">
-          <a:noAutofit/>
-        </a:bodyPr>
-        <a:lstStyle/>
-        <a:p>
-          <a:pPr lvl="0" algn="ctr" defTabSz="1111250" rtl="0">
-            <a:lnSpc>
-              <a:spcPct val="90000"/>
-            </a:lnSpc>
-            <a:spcBef>
-              <a:spcPct val="0"/>
-            </a:spcBef>
-            <a:spcAft>
-              <a:spcPct val="35000"/>
-            </a:spcAft>
-          </a:pPr>
-          <a:r>
-            <a:rPr lang="en-US" sz="2500" kern="1200" dirty="0" smtClean="0"/>
-            <a:t>Set the JSLink property of a site column programmatically</a:t>
-          </a:r>
-          <a:endParaRPr lang="en-US" sz="2500" kern="1200" dirty="0"/>
-        </a:p>
-      </dsp:txBody>
-      <dsp:txXfrm>
-        <a:off x="0" y="2641553"/>
-        <a:ext cx="3610127" cy="2166076"/>
-      </dsp:txXfrm>
-    </dsp:sp>
-    <dsp:sp modelId="{631C4508-D240-488D-ADAD-E726D572A8E9}">
-      <dsp:nvSpPr>
-        <dsp:cNvPr id="0" name=""/>
-        <dsp:cNvSpPr/>
-      </dsp:nvSpPr>
-      <dsp:spPr>
-        <a:xfrm>
-          <a:off x="3971139" y="2641553"/>
-          <a:ext cx="3610127" cy="2166076"/>
-        </a:xfrm>
-        <a:prstGeom prst="rect">
-          <a:avLst/>
-        </a:prstGeom>
-        <a:solidFill>
-          <a:schemeClr val="accent4"/>
-        </a:solidFill>
-        <a:ln w="12700" cap="flat" cmpd="sng" algn="ctr">
-          <a:solidFill>
-            <a:schemeClr val="lt1">
-              <a:hueOff val="0"/>
-              <a:satOff val="0"/>
-              <a:lumOff val="0"/>
-              <a:alphaOff val="0"/>
-            </a:schemeClr>
-          </a:solidFill>
-          <a:prstDash val="solid"/>
-          <a:miter lim="800000"/>
-        </a:ln>
-        <a:effectLst/>
-      </dsp:spPr>
-      <dsp:style>
-        <a:lnRef idx="2">
-          <a:scrgbClr r="0" g="0" b="0"/>
-        </a:lnRef>
-        <a:fillRef idx="1">
-          <a:scrgbClr r="0" g="0" b="0"/>
-        </a:fillRef>
-        <a:effectRef idx="0">
-          <a:scrgbClr r="0" g="0" b="0"/>
-        </a:effectRef>
-        <a:fontRef idx="minor">
-          <a:schemeClr val="lt1"/>
-        </a:fontRef>
-      </dsp:style>
-      <dsp:txBody>
-        <a:bodyPr spcFirstLastPara="0" vert="horz" wrap="square" lIns="95250" tIns="95250" rIns="95250" bIns="95250" numCol="1" spcCol="1270" anchor="ctr" anchorCtr="0">
-          <a:noAutofit/>
-        </a:bodyPr>
-        <a:lstStyle/>
-        <a:p>
-          <a:pPr lvl="0" algn="ctr" defTabSz="1111250" rtl="0">
-            <a:lnSpc>
-              <a:spcPct val="90000"/>
-            </a:lnSpc>
-            <a:spcBef>
-              <a:spcPct val="0"/>
-            </a:spcBef>
-            <a:spcAft>
-              <a:spcPct val="35000"/>
-            </a:spcAft>
-          </a:pPr>
-          <a:r>
-            <a:rPr lang="en-US" sz="2500" kern="1200" dirty="0" smtClean="0"/>
-            <a:t>Add user custom actions to the web or site so the JavaScript is loaded on every page</a:t>
-          </a:r>
-          <a:endParaRPr lang="en-US" sz="2500" kern="1200" dirty="0"/>
-        </a:p>
-      </dsp:txBody>
-      <dsp:txXfrm>
-        <a:off x="3971139" y="2641553"/>
-        <a:ext cx="3610127" cy="2166076"/>
-      </dsp:txXfrm>
-    </dsp:sp>
-    <dsp:sp modelId="{0C876DB3-9468-4FFB-90A8-728FEBF59780}">
-      <dsp:nvSpPr>
-        <dsp:cNvPr id="0" name=""/>
-        <dsp:cNvSpPr/>
-      </dsp:nvSpPr>
-      <dsp:spPr>
-        <a:xfrm>
-          <a:off x="7942279" y="2641553"/>
-          <a:ext cx="3610127" cy="2166076"/>
-        </a:xfrm>
-        <a:prstGeom prst="rect">
-          <a:avLst/>
-        </a:prstGeom>
-        <a:solidFill>
-          <a:srgbClr val="FF4747"/>
-        </a:solidFill>
-        <a:ln w="12700" cap="flat" cmpd="sng" algn="ctr">
-          <a:solidFill>
-            <a:schemeClr val="lt1">
-              <a:hueOff val="0"/>
-              <a:satOff val="0"/>
-              <a:lumOff val="0"/>
-              <a:alphaOff val="0"/>
-            </a:schemeClr>
-          </a:solidFill>
-          <a:prstDash val="solid"/>
-          <a:miter lim="800000"/>
-        </a:ln>
-        <a:effectLst/>
-      </dsp:spPr>
-      <dsp:style>
-        <a:lnRef idx="2">
-          <a:scrgbClr r="0" g="0" b="0"/>
-        </a:lnRef>
-        <a:fillRef idx="1">
-          <a:scrgbClr r="0" g="0" b="0"/>
-        </a:fillRef>
-        <a:effectRef idx="0">
-          <a:scrgbClr r="0" g="0" b="0"/>
-        </a:effectRef>
-        <a:fontRef idx="minor">
-          <a:schemeClr val="lt1"/>
-        </a:fontRef>
-      </dsp:style>
-      <dsp:txBody>
-        <a:bodyPr spcFirstLastPara="0" vert="horz" wrap="square" lIns="95250" tIns="95250" rIns="95250" bIns="95250" numCol="1" spcCol="1270" anchor="ctr" anchorCtr="0">
-          <a:noAutofit/>
-        </a:bodyPr>
-        <a:lstStyle/>
-        <a:p>
-          <a:pPr lvl="0" algn="ctr" defTabSz="1111250" rtl="0">
-            <a:lnSpc>
-              <a:spcPct val="90000"/>
-            </a:lnSpc>
-            <a:spcBef>
-              <a:spcPct val="0"/>
-            </a:spcBef>
-            <a:spcAft>
-              <a:spcPct val="35000"/>
-            </a:spcAft>
-          </a:pPr>
-          <a:r>
-            <a:rPr lang="en-US" sz="2500" kern="1200" dirty="0" smtClean="0"/>
-            <a:t>Place as stand-lone Display Templates in the Master Page Gallery</a:t>
-          </a:r>
-          <a:endParaRPr lang="en-US" sz="2500" kern="1200" dirty="0"/>
-        </a:p>
-      </dsp:txBody>
-      <dsp:txXfrm>
-        <a:off x="7942279" y="2641553"/>
-        <a:ext cx="3610127" cy="2166076"/>
-      </dsp:txXfrm>
-    </dsp:sp>
   </dsp:spTree>
 </dsp:drawing>
 </file>
@@ -31463,7 +28953,7 @@
           <a:p>
             <a:fld id="{02BC24F2-A104-4C75-B4B5-E72BF9C1C018}" type="datetimeFigureOut">
               <a:rPr lang="en-US" smtClean="0"/>
-              <a:t>3/14/2016</a:t>
+              <a:t>4/3/2016</a:t>
             </a:fld>
             <a:endParaRPr lang="en-US" dirty="0"/>
           </a:p>
@@ -38306,6 +35796,14 @@
 <file path=ppt/slides/slide3.xml><?xml version="1.0" encoding="utf-8"?>
 <p:sld xmlns:a="http://schemas.openxmlformats.org/drawingml/2006/main" xmlns:r="http://schemas.openxmlformats.org/officeDocument/2006/relationships" xmlns:p="http://schemas.openxmlformats.org/presentationml/2006/main">
   <p:cSld>
+    <p:bg>
+      <p:bgPr>
+        <a:solidFill>
+          <a:schemeClr val="bg1"/>
+        </a:solidFill>
+        <a:effectLst/>
+      </p:bgPr>
+    </p:bg>
     <p:spTree>
       <p:nvGrpSpPr>
         <p:cNvPr id="1" name=""/>
@@ -38320,75 +35818,36 @@
           <a:chExt cx="0" cy="0"/>
         </a:xfrm>
       </p:grpSpPr>
-      <p:sp>
-        <p:nvSpPr>
-          <p:cNvPr id="2" name="Title 1"/>
-          <p:cNvSpPr>
-            <a:spLocks noGrp="1"/>
-          </p:cNvSpPr>
-          <p:nvPr>
-            <p:ph type="title"/>
-          </p:nvPr>
-        </p:nvSpPr>
-        <p:spPr/>
-        <p:txBody>
-          <a:bodyPr/>
-          <a:lstStyle/>
-          <a:p>
-            <a:r>
-              <a:rPr lang="en-US" dirty="0" smtClean="0"/>
-              <a:t>Insert Sponsors Here</a:t>
-            </a:r>
-            <a:endParaRPr lang="en-US" dirty="0"/>
-          </a:p>
-        </p:txBody>
-      </p:sp>
-      <p:sp>
-        <p:nvSpPr>
-          <p:cNvPr id="4" name="Footer Placeholder 3"/>
-          <p:cNvSpPr>
-            <a:spLocks noGrp="1"/>
-          </p:cNvSpPr>
-          <p:nvPr>
-            <p:ph type="ftr" sz="quarter" idx="11"/>
-          </p:nvPr>
-        </p:nvSpPr>
-        <p:spPr/>
-        <p:txBody>
-          <a:bodyPr/>
-          <a:lstStyle/>
-          <a:p>
-            <a:r>
-              <a:rPr lang="en-US" dirty="0" smtClean="0"/>
-              <a:t>SharePoint Saturday Chicago Suburbs - Spice up Your Forms and Views: Deep Dive into Client Side Rendering</a:t>
-            </a:r>
-            <a:endParaRPr lang="en-US" dirty="0"/>
-          </a:p>
-        </p:txBody>
-      </p:sp>
-      <p:sp>
-        <p:nvSpPr>
-          <p:cNvPr id="5" name="Date Placeholder 4"/>
-          <p:cNvSpPr>
-            <a:spLocks noGrp="1"/>
-          </p:cNvSpPr>
-          <p:nvPr>
-            <p:ph type="dt" sz="half" idx="10"/>
-          </p:nvPr>
-        </p:nvSpPr>
-        <p:spPr/>
-        <p:txBody>
-          <a:bodyPr/>
-          <a:lstStyle/>
-          <a:p>
-            <a:r>
-              <a:rPr lang="en-US" dirty="0" smtClean="0"/>
-              <a:t>3/19/2016</a:t>
-            </a:r>
-            <a:endParaRPr lang="en-US" dirty="0"/>
-          </a:p>
-        </p:txBody>
-      </p:sp>
+      <p:pic>
+        <p:nvPicPr>
+          <p:cNvPr id="7" name="Picture 6"/>
+          <p:cNvPicPr>
+            <a:picLocks noChangeAspect="1"/>
+          </p:cNvPicPr>
+          <p:nvPr/>
+        </p:nvPicPr>
+        <p:blipFill>
+          <a:blip r:embed="rId2">
+            <a:extLst>
+              <a:ext uri="{28A0092B-C50C-407E-A947-70E740481C1C}">
+                <a14:useLocalDpi xmlns:a14="http://schemas.microsoft.com/office/drawing/2010/main" val="0"/>
+              </a:ext>
+            </a:extLst>
+          </a:blip>
+          <a:stretch>
+            <a:fillRect/>
+          </a:stretch>
+        </p:blipFill>
+        <p:spPr>
+          <a:xfrm>
+            <a:off x="1574306" y="0"/>
+            <a:ext cx="9144000" cy="6858000"/>
+          </a:xfrm>
+          <a:prstGeom prst="rect">
+            <a:avLst/>
+          </a:prstGeom>
+        </p:spPr>
+      </p:pic>
     </p:spTree>
     <p:extLst>
       <p:ext uri="{BB962C8B-B14F-4D97-AF65-F5344CB8AC3E}">
@@ -39761,4 +37220,172 @@
     </a:ext>
   </a:extLst>
 </a:theme>
+</file>
+
+<file path=customXml/item1.xml><?xml version="1.0" encoding="utf-8"?>
+<?mso-contentType ?>
+<FormTemplates xmlns="http://schemas.microsoft.com/sharepoint/v3/contenttype/forms">
+  <Display>DocumentLibraryForm</Display>
+  <Edit>DocumentLibraryForm</Edit>
+  <New>DocumentLibraryForm</New>
+</FormTemplates>
+</file>
+
+<file path=customXml/item2.xml><?xml version="1.0" encoding="utf-8"?>
+<p:properties xmlns:p="http://schemas.microsoft.com/office/2006/metadata/properties" xmlns:xsi="http://www.w3.org/2001/XMLSchema-instance" xmlns:pc="http://schemas.microsoft.com/office/infopath/2007/PartnerControls">
+  <documentManagement/>
+</p:properties>
+</file>
+
+<file path=customXml/item3.xml><?xml version="1.0" encoding="utf-8"?>
+<ct:contentTypeSchema xmlns:ct="http://schemas.microsoft.com/office/2006/metadata/contentType" xmlns:ma="http://schemas.microsoft.com/office/2006/metadata/properties/metaAttributes" ct:_="" ma:_="" ma:contentTypeName="Unknown Document Type" ma:contentTypeID="0x010104" ma:contentTypeVersion="0" ma:contentTypeDescription="" ma:contentTypeScope="" ma:versionID="05d83ceaa0bbd2e3bc716e6e66bd857a">
+  <xsd:schema xmlns:xsd="http://www.w3.org/2001/XMLSchema" xmlns:xs="http://www.w3.org/2001/XMLSchema" xmlns:p="http://schemas.microsoft.com/office/2006/metadata/properties" targetNamespace="http://schemas.microsoft.com/office/2006/metadata/properties" ma:root="true" ma:fieldsID="b3d69fe45253d5ff147bb69036b756a7">
+    <xsd:element name="properties">
+      <xsd:complexType>
+        <xsd:sequence>
+          <xsd:element name="documentManagement">
+            <xsd:complexType>
+              <xsd:all/>
+            </xsd:complexType>
+          </xsd:element>
+        </xsd:sequence>
+      </xsd:complexType>
+    </xsd:element>
+  </xsd:schema>
+  <xsd:schema xmlns="http://schemas.openxmlformats.org/package/2006/metadata/core-properties" xmlns:xsd="http://www.w3.org/2001/XMLSchema" xmlns:xsi="http://www.w3.org/2001/XMLSchema-instance" xmlns:dc="http://purl.org/dc/elements/1.1/" xmlns:dcterms="http://purl.org/dc/terms/" xmlns:odoc="http://schemas.microsoft.com/internal/obd" targetNamespace="http://schemas.openxmlformats.org/package/2006/metadata/core-properties" elementFormDefault="qualified" attributeFormDefault="unqualified" blockDefault="#all">
+    <xsd:import namespace="http://purl.org/dc/elements/1.1/" schemaLocation="http://dublincore.org/schemas/xmls/qdc/2003/04/02/dc.xsd"/>
+    <xsd:import namespace="http://purl.org/dc/terms/" schemaLocation="http://dublincore.org/schemas/xmls/qdc/2003/04/02/dcterms.xsd"/>
+    <xsd:element name="coreProperties" type="CT_coreProperties"/>
+    <xsd:complexType name="CT_coreProperties">
+      <xsd:all>
+        <xsd:element ref="dc:creator" minOccurs="0" maxOccurs="1"/>
+        <xsd:element ref="dcterms:created" minOccurs="0" maxOccurs="1"/>
+        <xsd:element ref="dc:identifier" minOccurs="0" maxOccurs="1"/>
+        <xsd:element name="contentType" minOccurs="0" maxOccurs="1" type="xsd:string" ma:index="0" ma:displayName="Content Type" ma:readOnly="true"/>
+        <xsd:element ref="dc:title" minOccurs="0" maxOccurs="1" ma:index="3" ma:displayName="Title"/>
+        <xsd:element ref="dc:subject" minOccurs="0" maxOccurs="1"/>
+        <xsd:element ref="dc:description" minOccurs="0" maxOccurs="1"/>
+        <xsd:element name="keywords" minOccurs="0" maxOccurs="1" type="xsd:string"/>
+        <xsd:element ref="dc:language" minOccurs="0" maxOccurs="1"/>
+        <xsd:element name="category" minOccurs="0" maxOccurs="1" type="xsd:string"/>
+        <xsd:element name="version" minOccurs="0" maxOccurs="1" type="xsd:string"/>
+        <xsd:element name="revision" minOccurs="0" maxOccurs="1" type="xsd:string">
+          <xsd:annotation>
+            <xsd:documentation>
+                        This value indicates the number of saves or revisions. The application is responsible for updating this value after each revision.
+                    </xsd:documentation>
+          </xsd:annotation>
+        </xsd:element>
+        <xsd:element name="lastModifiedBy" minOccurs="0" maxOccurs="1" type="xsd:string"/>
+        <xsd:element ref="dcterms:modified" minOccurs="0" maxOccurs="1"/>
+        <xsd:element name="contentStatus" minOccurs="0" maxOccurs="1" type="xsd:string"/>
+      </xsd:all>
+    </xsd:complexType>
+  </xsd:schema>
+  <xs:schema xmlns:pc="http://schemas.microsoft.com/office/infopath/2007/PartnerControls" xmlns:xs="http://www.w3.org/2001/XMLSchema" targetNamespace="http://schemas.microsoft.com/office/infopath/2007/PartnerControls" elementFormDefault="qualified" attributeFormDefault="unqualified">
+    <xs:element name="Person">
+      <xs:complexType>
+        <xs:sequence>
+          <xs:element ref="pc:DisplayName" minOccurs="0"/>
+          <xs:element ref="pc:AccountId" minOccurs="0"/>
+          <xs:element ref="pc:AccountType" minOccurs="0"/>
+        </xs:sequence>
+      </xs:complexType>
+    </xs:element>
+    <xs:element name="DisplayName" type="xs:string"/>
+    <xs:element name="AccountId" type="xs:string"/>
+    <xs:element name="AccountType" type="xs:string"/>
+    <xs:element name="BDCAssociatedEntity">
+      <xs:complexType>
+        <xs:sequence>
+          <xs:element ref="pc:BDCEntity" minOccurs="0" maxOccurs="unbounded"/>
+        </xs:sequence>
+        <xs:attribute ref="pc:EntityNamespace"/>
+        <xs:attribute ref="pc:EntityName"/>
+        <xs:attribute ref="pc:SystemInstanceName"/>
+        <xs:attribute ref="pc:AssociationName"/>
+      </xs:complexType>
+    </xs:element>
+    <xs:attribute name="EntityNamespace" type="xs:string"/>
+    <xs:attribute name="EntityName" type="xs:string"/>
+    <xs:attribute name="SystemInstanceName" type="xs:string"/>
+    <xs:attribute name="AssociationName" type="xs:string"/>
+    <xs:element name="BDCEntity">
+      <xs:complexType>
+        <xs:sequence>
+          <xs:element ref="pc:EntityDisplayName" minOccurs="0"/>
+          <xs:element ref="pc:EntityInstanceReference" minOccurs="0"/>
+          <xs:element ref="pc:EntityId1" minOccurs="0"/>
+          <xs:element ref="pc:EntityId2" minOccurs="0"/>
+          <xs:element ref="pc:EntityId3" minOccurs="0"/>
+          <xs:element ref="pc:EntityId4" minOccurs="0"/>
+          <xs:element ref="pc:EntityId5" minOccurs="0"/>
+        </xs:sequence>
+      </xs:complexType>
+    </xs:element>
+    <xs:element name="EntityDisplayName" type="xs:string"/>
+    <xs:element name="EntityInstanceReference" type="xs:string"/>
+    <xs:element name="EntityId1" type="xs:string"/>
+    <xs:element name="EntityId2" type="xs:string"/>
+    <xs:element name="EntityId3" type="xs:string"/>
+    <xs:element name="EntityId4" type="xs:string"/>
+    <xs:element name="EntityId5" type="xs:string"/>
+    <xs:element name="Terms">
+      <xs:complexType>
+        <xs:sequence>
+          <xs:element ref="pc:TermInfo" minOccurs="0" maxOccurs="unbounded"/>
+        </xs:sequence>
+      </xs:complexType>
+    </xs:element>
+    <xs:element name="TermInfo">
+      <xs:complexType>
+        <xs:sequence>
+          <xs:element ref="pc:TermName" minOccurs="0"/>
+          <xs:element ref="pc:TermId" minOccurs="0"/>
+        </xs:sequence>
+      </xs:complexType>
+    </xs:element>
+    <xs:element name="TermName" type="xs:string"/>
+    <xs:element name="TermId" type="xs:string"/>
+  </xs:schema>
+</ct:contentTypeSchema>
+</file>
+
+<file path=customXml/itemProps1.xml><?xml version="1.0" encoding="utf-8"?>
+<ds:datastoreItem xmlns:ds="http://schemas.openxmlformats.org/officeDocument/2006/customXml" ds:itemID="{ABBE2E22-55B1-43E5-BF5B-3AC308E265C0}">
+  <ds:schemaRefs>
+    <ds:schemaRef ds:uri="http://schemas.microsoft.com/sharepoint/v3/contenttype/forms"/>
+  </ds:schemaRefs>
+</ds:datastoreItem>
+</file>
+
+<file path=customXml/itemProps2.xml><?xml version="1.0" encoding="utf-8"?>
+<ds:datastoreItem xmlns:ds="http://schemas.openxmlformats.org/officeDocument/2006/customXml" ds:itemID="{6CAC917C-67B5-44B7-9117-96C230B1AFD5}">
+  <ds:schemaRefs>
+    <ds:schemaRef ds:uri="http://schemas.microsoft.com/office/2006/documentManagement/types"/>
+    <ds:schemaRef ds:uri="http://purl.org/dc/elements/1.1/"/>
+    <ds:schemaRef ds:uri="http://schemas.microsoft.com/office/2006/metadata/properties"/>
+    <ds:schemaRef ds:uri="http://purl.org/dc/terms/"/>
+    <ds:schemaRef ds:uri="http://schemas.openxmlformats.org/package/2006/metadata/core-properties"/>
+    <ds:schemaRef ds:uri="http://purl.org/dc/dcmitype/"/>
+    <ds:schemaRef ds:uri="http://schemas.microsoft.com/office/infopath/2007/PartnerControls"/>
+    <ds:schemaRef ds:uri="http://www.w3.org/XML/1998/namespace"/>
+  </ds:schemaRefs>
+</ds:datastoreItem>
+</file>
+
+<file path=customXml/itemProps3.xml><?xml version="1.0" encoding="utf-8"?>
+<ds:datastoreItem xmlns:ds="http://schemas.openxmlformats.org/officeDocument/2006/customXml" ds:itemID="{D29F6053-FDE5-4B01-B261-C3A266900B4C}">
+  <ds:schemaRefs>
+    <ds:schemaRef ds:uri="http://schemas.microsoft.com/office/2006/metadata/contentType"/>
+    <ds:schemaRef ds:uri="http://schemas.microsoft.com/office/2006/metadata/properties/metaAttributes"/>
+    <ds:schemaRef ds:uri="http://www.w3.org/2001/XMLSchema"/>
+    <ds:schemaRef ds:uri="http://schemas.microsoft.com/office/2006/metadata/properties"/>
+    <ds:schemaRef ds:uri="http://schemas.openxmlformats.org/package/2006/metadata/core-properties"/>
+    <ds:schemaRef ds:uri="http://purl.org/dc/elements/1.1/"/>
+    <ds:schemaRef ds:uri="http://purl.org/dc/terms/"/>
+    <ds:schemaRef ds:uri="http://schemas.microsoft.com/internal/obd"/>
+    <ds:schemaRef ds:uri="http://schemas.microsoft.com/office/infopath/2007/PartnerControls"/>
+  </ds:schemaRefs>
+</ds:datastoreItem>
 </file>